--- a/report/01.Chapters/02.Background/figures.pptx
+++ b/report/01.Chapters/02.Background/figures.pptx
@@ -260,7 +260,7 @@
           <a:p>
             <a:fld id="{6DBDA6B4-5921-4F28-BD94-5691BC1A6D75}" type="datetimeFigureOut">
               <a:rPr lang="pt-BR" smtClean="0"/>
-              <a:t>01/06/2020</a:t>
+              <a:t>06/06/2020</a:t>
             </a:fld>
             <a:endParaRPr lang="pt-BR"/>
           </a:p>
@@ -458,7 +458,7 @@
           <a:p>
             <a:fld id="{6DBDA6B4-5921-4F28-BD94-5691BC1A6D75}" type="datetimeFigureOut">
               <a:rPr lang="pt-BR" smtClean="0"/>
-              <a:t>01/06/2020</a:t>
+              <a:t>06/06/2020</a:t>
             </a:fld>
             <a:endParaRPr lang="pt-BR"/>
           </a:p>
@@ -666,7 +666,7 @@
           <a:p>
             <a:fld id="{6DBDA6B4-5921-4F28-BD94-5691BC1A6D75}" type="datetimeFigureOut">
               <a:rPr lang="pt-BR" smtClean="0"/>
-              <a:t>01/06/2020</a:t>
+              <a:t>06/06/2020</a:t>
             </a:fld>
             <a:endParaRPr lang="pt-BR"/>
           </a:p>
@@ -864,7 +864,7 @@
           <a:p>
             <a:fld id="{6DBDA6B4-5921-4F28-BD94-5691BC1A6D75}" type="datetimeFigureOut">
               <a:rPr lang="pt-BR" smtClean="0"/>
-              <a:t>01/06/2020</a:t>
+              <a:t>06/06/2020</a:t>
             </a:fld>
             <a:endParaRPr lang="pt-BR"/>
           </a:p>
@@ -1139,7 +1139,7 @@
           <a:p>
             <a:fld id="{6DBDA6B4-5921-4F28-BD94-5691BC1A6D75}" type="datetimeFigureOut">
               <a:rPr lang="pt-BR" smtClean="0"/>
-              <a:t>01/06/2020</a:t>
+              <a:t>06/06/2020</a:t>
             </a:fld>
             <a:endParaRPr lang="pt-BR"/>
           </a:p>
@@ -1404,7 +1404,7 @@
           <a:p>
             <a:fld id="{6DBDA6B4-5921-4F28-BD94-5691BC1A6D75}" type="datetimeFigureOut">
               <a:rPr lang="pt-BR" smtClean="0"/>
-              <a:t>01/06/2020</a:t>
+              <a:t>06/06/2020</a:t>
             </a:fld>
             <a:endParaRPr lang="pt-BR"/>
           </a:p>
@@ -1816,7 +1816,7 @@
           <a:p>
             <a:fld id="{6DBDA6B4-5921-4F28-BD94-5691BC1A6D75}" type="datetimeFigureOut">
               <a:rPr lang="pt-BR" smtClean="0"/>
-              <a:t>01/06/2020</a:t>
+              <a:t>06/06/2020</a:t>
             </a:fld>
             <a:endParaRPr lang="pt-BR"/>
           </a:p>
@@ -1957,7 +1957,7 @@
           <a:p>
             <a:fld id="{6DBDA6B4-5921-4F28-BD94-5691BC1A6D75}" type="datetimeFigureOut">
               <a:rPr lang="pt-BR" smtClean="0"/>
-              <a:t>01/06/2020</a:t>
+              <a:t>06/06/2020</a:t>
             </a:fld>
             <a:endParaRPr lang="pt-BR"/>
           </a:p>
@@ -2070,7 +2070,7 @@
           <a:p>
             <a:fld id="{6DBDA6B4-5921-4F28-BD94-5691BC1A6D75}" type="datetimeFigureOut">
               <a:rPr lang="pt-BR" smtClean="0"/>
-              <a:t>01/06/2020</a:t>
+              <a:t>06/06/2020</a:t>
             </a:fld>
             <a:endParaRPr lang="pt-BR"/>
           </a:p>
@@ -2381,7 +2381,7 @@
           <a:p>
             <a:fld id="{6DBDA6B4-5921-4F28-BD94-5691BC1A6D75}" type="datetimeFigureOut">
               <a:rPr lang="pt-BR" smtClean="0"/>
-              <a:t>01/06/2020</a:t>
+              <a:t>06/06/2020</a:t>
             </a:fld>
             <a:endParaRPr lang="pt-BR"/>
           </a:p>
@@ -2669,7 +2669,7 @@
           <a:p>
             <a:fld id="{6DBDA6B4-5921-4F28-BD94-5691BC1A6D75}" type="datetimeFigureOut">
               <a:rPr lang="pt-BR" smtClean="0"/>
-              <a:t>01/06/2020</a:t>
+              <a:t>06/06/2020</a:t>
             </a:fld>
             <a:endParaRPr lang="pt-BR"/>
           </a:p>
@@ -2910,7 +2910,7 @@
           <a:p>
             <a:fld id="{6DBDA6B4-5921-4F28-BD94-5691BC1A6D75}" type="datetimeFigureOut">
               <a:rPr lang="pt-BR" smtClean="0"/>
-              <a:t>01/06/2020</a:t>
+              <a:t>06/06/2020</a:t>
             </a:fld>
             <a:endParaRPr lang="pt-BR"/>
           </a:p>
@@ -3342,13 +3342,13 @@
           <p:nvPr>
             <p:extLst>
               <p:ext uri="{D42A27DB-BD31-4B8C-83A1-F6EECF244321}">
-                <p14:modId xmlns:p14="http://schemas.microsoft.com/office/powerpoint/2010/main" val="2639789319"/>
+                <p14:modId xmlns:p14="http://schemas.microsoft.com/office/powerpoint/2010/main" val="1483226141"/>
               </p:ext>
             </p:extLst>
           </p:nvPr>
         </p:nvGraphicFramePr>
         <p:xfrm>
-          <a:off x="1447701" y="2160270"/>
+          <a:off x="1527904" y="3254974"/>
           <a:ext cx="9136191" cy="1483360"/>
         </p:xfrm>
         <a:graphic>
@@ -4570,7 +4570,7 @@
         </p:nvGrpSpPr>
         <p:grpSpPr>
           <a:xfrm>
-            <a:off x="1163828" y="725784"/>
+            <a:off x="1244031" y="1820488"/>
             <a:ext cx="9724645" cy="923332"/>
             <a:chOff x="928892" y="849463"/>
             <a:chExt cx="9724645" cy="923332"/>
@@ -5029,7 +5029,7 @@
         </p:nvGrpSpPr>
         <p:grpSpPr>
           <a:xfrm>
-            <a:off x="3361386" y="1027884"/>
+            <a:off x="4457404" y="2633056"/>
             <a:ext cx="3277193" cy="1591888"/>
             <a:chOff x="3361386" y="1027884"/>
             <a:chExt cx="3277193" cy="1591888"/>

--- a/report/01.Chapters/02.Background/figures.pptx
+++ b/report/01.Chapters/02.Background/figures.pptx
@@ -7,6 +7,7 @@
   <p:sldIdLst>
     <p:sldId id="256" r:id="rId2"/>
     <p:sldId id="257" r:id="rId3"/>
+    <p:sldId id="258" r:id="rId4"/>
   </p:sldIdLst>
   <p:sldSz cx="12192000" cy="6858000"/>
   <p:notesSz cx="6858000" cy="9144000"/>
@@ -260,7 +261,7 @@
           <a:p>
             <a:fld id="{6DBDA6B4-5921-4F28-BD94-5691BC1A6D75}" type="datetimeFigureOut">
               <a:rPr lang="pt-BR" smtClean="0"/>
-              <a:t>06/06/2020</a:t>
+              <a:t>27/06/2020</a:t>
             </a:fld>
             <a:endParaRPr lang="pt-BR"/>
           </a:p>
@@ -458,7 +459,7 @@
           <a:p>
             <a:fld id="{6DBDA6B4-5921-4F28-BD94-5691BC1A6D75}" type="datetimeFigureOut">
               <a:rPr lang="pt-BR" smtClean="0"/>
-              <a:t>06/06/2020</a:t>
+              <a:t>27/06/2020</a:t>
             </a:fld>
             <a:endParaRPr lang="pt-BR"/>
           </a:p>
@@ -666,7 +667,7 @@
           <a:p>
             <a:fld id="{6DBDA6B4-5921-4F28-BD94-5691BC1A6D75}" type="datetimeFigureOut">
               <a:rPr lang="pt-BR" smtClean="0"/>
-              <a:t>06/06/2020</a:t>
+              <a:t>27/06/2020</a:t>
             </a:fld>
             <a:endParaRPr lang="pt-BR"/>
           </a:p>
@@ -864,7 +865,7 @@
           <a:p>
             <a:fld id="{6DBDA6B4-5921-4F28-BD94-5691BC1A6D75}" type="datetimeFigureOut">
               <a:rPr lang="pt-BR" smtClean="0"/>
-              <a:t>06/06/2020</a:t>
+              <a:t>27/06/2020</a:t>
             </a:fld>
             <a:endParaRPr lang="pt-BR"/>
           </a:p>
@@ -1139,7 +1140,7 @@
           <a:p>
             <a:fld id="{6DBDA6B4-5921-4F28-BD94-5691BC1A6D75}" type="datetimeFigureOut">
               <a:rPr lang="pt-BR" smtClean="0"/>
-              <a:t>06/06/2020</a:t>
+              <a:t>27/06/2020</a:t>
             </a:fld>
             <a:endParaRPr lang="pt-BR"/>
           </a:p>
@@ -1404,7 +1405,7 @@
           <a:p>
             <a:fld id="{6DBDA6B4-5921-4F28-BD94-5691BC1A6D75}" type="datetimeFigureOut">
               <a:rPr lang="pt-BR" smtClean="0"/>
-              <a:t>06/06/2020</a:t>
+              <a:t>27/06/2020</a:t>
             </a:fld>
             <a:endParaRPr lang="pt-BR"/>
           </a:p>
@@ -1816,7 +1817,7 @@
           <a:p>
             <a:fld id="{6DBDA6B4-5921-4F28-BD94-5691BC1A6D75}" type="datetimeFigureOut">
               <a:rPr lang="pt-BR" smtClean="0"/>
-              <a:t>06/06/2020</a:t>
+              <a:t>27/06/2020</a:t>
             </a:fld>
             <a:endParaRPr lang="pt-BR"/>
           </a:p>
@@ -1957,7 +1958,7 @@
           <a:p>
             <a:fld id="{6DBDA6B4-5921-4F28-BD94-5691BC1A6D75}" type="datetimeFigureOut">
               <a:rPr lang="pt-BR" smtClean="0"/>
-              <a:t>06/06/2020</a:t>
+              <a:t>27/06/2020</a:t>
             </a:fld>
             <a:endParaRPr lang="pt-BR"/>
           </a:p>
@@ -2070,7 +2071,7 @@
           <a:p>
             <a:fld id="{6DBDA6B4-5921-4F28-BD94-5691BC1A6D75}" type="datetimeFigureOut">
               <a:rPr lang="pt-BR" smtClean="0"/>
-              <a:t>06/06/2020</a:t>
+              <a:t>27/06/2020</a:t>
             </a:fld>
             <a:endParaRPr lang="pt-BR"/>
           </a:p>
@@ -2381,7 +2382,7 @@
           <a:p>
             <a:fld id="{6DBDA6B4-5921-4F28-BD94-5691BC1A6D75}" type="datetimeFigureOut">
               <a:rPr lang="pt-BR" smtClean="0"/>
-              <a:t>06/06/2020</a:t>
+              <a:t>27/06/2020</a:t>
             </a:fld>
             <a:endParaRPr lang="pt-BR"/>
           </a:p>
@@ -2669,7 +2670,7 @@
           <a:p>
             <a:fld id="{6DBDA6B4-5921-4F28-BD94-5691BC1A6D75}" type="datetimeFigureOut">
               <a:rPr lang="pt-BR" smtClean="0"/>
-              <a:t>06/06/2020</a:t>
+              <a:t>27/06/2020</a:t>
             </a:fld>
             <a:endParaRPr lang="pt-BR"/>
           </a:p>
@@ -2910,7 +2911,7 @@
           <a:p>
             <a:fld id="{6DBDA6B4-5921-4F28-BD94-5691BC1A6D75}" type="datetimeFigureOut">
               <a:rPr lang="pt-BR" smtClean="0"/>
-              <a:t>06/06/2020</a:t>
+              <a:t>27/06/2020</a:t>
             </a:fld>
             <a:endParaRPr lang="pt-BR"/>
           </a:p>
@@ -5438,6 +5439,1405 @@
 </p:sld>
 </file>
 
+<file path=ppt/slides/slide3.xml><?xml version="1.0" encoding="utf-8"?>
+<p:sld xmlns:a="http://schemas.openxmlformats.org/drawingml/2006/main" xmlns:r="http://schemas.openxmlformats.org/officeDocument/2006/relationships" xmlns:p="http://schemas.openxmlformats.org/presentationml/2006/main">
+  <p:cSld>
+    <p:spTree>
+      <p:nvGrpSpPr>
+        <p:cNvPr id="1" name=""/>
+        <p:cNvGrpSpPr/>
+        <p:nvPr/>
+      </p:nvGrpSpPr>
+      <p:grpSpPr>
+        <a:xfrm>
+          <a:off x="0" y="0"/>
+          <a:ext cx="0" cy="0"/>
+          <a:chOff x="0" y="0"/>
+          <a:chExt cx="0" cy="0"/>
+        </a:xfrm>
+      </p:grpSpPr>
+      <p:grpSp>
+        <p:nvGrpSpPr>
+          <p:cNvPr id="2" name="Agrupar 1">
+            <a:extLst>
+              <a:ext uri="{FF2B5EF4-FFF2-40B4-BE49-F238E27FC236}">
+                <a16:creationId xmlns:a16="http://schemas.microsoft.com/office/drawing/2014/main" id="{DF33AC78-B5B1-413F-9A48-B29EC8243861}"/>
+              </a:ext>
+            </a:extLst>
+          </p:cNvPr>
+          <p:cNvGrpSpPr/>
+          <p:nvPr/>
+        </p:nvGrpSpPr>
+        <p:grpSpPr>
+          <a:xfrm>
+            <a:off x="1585014" y="1867816"/>
+            <a:ext cx="9021972" cy="3122368"/>
+            <a:chOff x="1585014" y="1867816"/>
+            <a:chExt cx="9021972" cy="3122368"/>
+          </a:xfrm>
+        </p:grpSpPr>
+        <p:sp>
+          <p:nvSpPr>
+            <p:cNvPr id="35" name="CaixaDeTexto 34">
+              <a:extLst>
+                <a:ext uri="{FF2B5EF4-FFF2-40B4-BE49-F238E27FC236}">
+                  <a16:creationId xmlns:a16="http://schemas.microsoft.com/office/drawing/2014/main" id="{59DC6395-B04C-492B-B697-01C07E410001}"/>
+                </a:ext>
+              </a:extLst>
+            </p:cNvPr>
+            <p:cNvSpPr txBox="1"/>
+            <p:nvPr/>
+          </p:nvSpPr>
+          <p:spPr>
+            <a:xfrm>
+              <a:off x="1585014" y="4134622"/>
+              <a:ext cx="1978427" cy="646331"/>
+            </a:xfrm>
+            <a:prstGeom prst="rect">
+              <a:avLst/>
+            </a:prstGeom>
+            <a:noFill/>
+          </p:spPr>
+          <p:txBody>
+            <a:bodyPr wrap="none" rtlCol="0">
+              <a:spAutoFit/>
+            </a:bodyPr>
+            <a:lstStyle/>
+            <a:p>
+              <a:pPr algn="ctr"/>
+              <a:r>
+                <a:rPr lang="en-US" b="1" dirty="0">
+                  <a:solidFill>
+                    <a:srgbClr val="B58603"/>
+                  </a:solidFill>
+                  <a:latin typeface="Microsoft PhagsPa" panose="020B0502040204020203" pitchFamily="34" charset="0"/>
+                </a:rPr>
+                <a:t>80% Sports</a:t>
+              </a:r>
+            </a:p>
+            <a:p>
+              <a:pPr algn="ctr"/>
+              <a:r>
+                <a:rPr lang="en-US" b="1" dirty="0">
+                  <a:solidFill>
+                    <a:srgbClr val="8C1C16"/>
+                  </a:solidFill>
+                  <a:latin typeface="Microsoft PhagsPa" panose="020B0502040204020203" pitchFamily="34" charset="0"/>
+                </a:rPr>
+                <a:t>10% Technology</a:t>
+              </a:r>
+            </a:p>
+          </p:txBody>
+        </p:sp>
+        <p:sp>
+          <p:nvSpPr>
+            <p:cNvPr id="36" name="CaixaDeTexto 35">
+              <a:extLst>
+                <a:ext uri="{FF2B5EF4-FFF2-40B4-BE49-F238E27FC236}">
+                  <a16:creationId xmlns:a16="http://schemas.microsoft.com/office/drawing/2014/main" id="{764D0B68-D6A8-4C95-B18B-FB8D38148C14}"/>
+                </a:ext>
+              </a:extLst>
+            </p:cNvPr>
+            <p:cNvSpPr txBox="1"/>
+            <p:nvPr/>
+          </p:nvSpPr>
+          <p:spPr>
+            <a:xfrm>
+              <a:off x="8628559" y="4134622"/>
+              <a:ext cx="1978427" cy="646331"/>
+            </a:xfrm>
+            <a:prstGeom prst="rect">
+              <a:avLst/>
+            </a:prstGeom>
+            <a:noFill/>
+          </p:spPr>
+          <p:txBody>
+            <a:bodyPr wrap="none" rtlCol="0">
+              <a:spAutoFit/>
+            </a:bodyPr>
+            <a:lstStyle/>
+            <a:p>
+              <a:pPr algn="ctr"/>
+              <a:r>
+                <a:rPr lang="en-US" b="1" dirty="0">
+                  <a:solidFill>
+                    <a:srgbClr val="024D80"/>
+                  </a:solidFill>
+                  <a:latin typeface="Microsoft PhagsPa" panose="020B0502040204020203" pitchFamily="34" charset="0"/>
+                </a:rPr>
+                <a:t>20% Food</a:t>
+              </a:r>
+            </a:p>
+            <a:p>
+              <a:pPr algn="ctr"/>
+              <a:r>
+                <a:rPr lang="en-US" b="1" dirty="0">
+                  <a:solidFill>
+                    <a:srgbClr val="8C1C16"/>
+                  </a:solidFill>
+                  <a:latin typeface="Microsoft PhagsPa" panose="020B0502040204020203" pitchFamily="34" charset="0"/>
+                </a:rPr>
+                <a:t>80% Technology</a:t>
+              </a:r>
+            </a:p>
+          </p:txBody>
+        </p:sp>
+        <p:sp>
+          <p:nvSpPr>
+            <p:cNvPr id="37" name="CaixaDeTexto 36">
+              <a:extLst>
+                <a:ext uri="{FF2B5EF4-FFF2-40B4-BE49-F238E27FC236}">
+                  <a16:creationId xmlns:a16="http://schemas.microsoft.com/office/drawing/2014/main" id="{35E19958-D968-4E92-B47A-17FFCE9C3234}"/>
+                </a:ext>
+              </a:extLst>
+            </p:cNvPr>
+            <p:cNvSpPr txBox="1"/>
+            <p:nvPr/>
+          </p:nvSpPr>
+          <p:spPr>
+            <a:xfrm>
+              <a:off x="4216627" y="4134622"/>
+              <a:ext cx="1410964" cy="646331"/>
+            </a:xfrm>
+            <a:prstGeom prst="rect">
+              <a:avLst/>
+            </a:prstGeom>
+            <a:noFill/>
+          </p:spPr>
+          <p:txBody>
+            <a:bodyPr wrap="none" rtlCol="0">
+              <a:spAutoFit/>
+            </a:bodyPr>
+            <a:lstStyle/>
+            <a:p>
+              <a:pPr algn="ctr"/>
+              <a:r>
+                <a:rPr lang="en-US" b="1" dirty="0">
+                  <a:solidFill>
+                    <a:srgbClr val="024D80"/>
+                  </a:solidFill>
+                  <a:latin typeface="Microsoft PhagsPa" panose="020B0502040204020203" pitchFamily="34" charset="0"/>
+                </a:rPr>
+                <a:t>80% Food</a:t>
+              </a:r>
+            </a:p>
+            <a:p>
+              <a:pPr algn="ctr"/>
+              <a:r>
+                <a:rPr lang="en-US" b="1" dirty="0">
+                  <a:solidFill>
+                    <a:srgbClr val="B58603"/>
+                  </a:solidFill>
+                  <a:latin typeface="Microsoft PhagsPa" panose="020B0502040204020203" pitchFamily="34" charset="0"/>
+                </a:rPr>
+                <a:t>10% Sports</a:t>
+              </a:r>
+              <a:endParaRPr lang="en-US" b="1" dirty="0">
+                <a:solidFill>
+                  <a:srgbClr val="024D80"/>
+                </a:solidFill>
+                <a:latin typeface="Microsoft PhagsPa" panose="020B0502040204020203" pitchFamily="34" charset="0"/>
+              </a:endParaRPr>
+            </a:p>
+          </p:txBody>
+        </p:sp>
+        <p:sp>
+          <p:nvSpPr>
+            <p:cNvPr id="38" name="CaixaDeTexto 37">
+              <a:extLst>
+                <a:ext uri="{FF2B5EF4-FFF2-40B4-BE49-F238E27FC236}">
+                  <a16:creationId xmlns:a16="http://schemas.microsoft.com/office/drawing/2014/main" id="{22B26A6D-199D-4E14-88FD-32A110AD6FE1}"/>
+                </a:ext>
+              </a:extLst>
+            </p:cNvPr>
+            <p:cNvSpPr txBox="1"/>
+            <p:nvPr/>
+          </p:nvSpPr>
+          <p:spPr>
+            <a:xfrm>
+              <a:off x="6280828" y="4066854"/>
+              <a:ext cx="1978427" cy="923330"/>
+            </a:xfrm>
+            <a:prstGeom prst="rect">
+              <a:avLst/>
+            </a:prstGeom>
+            <a:noFill/>
+          </p:spPr>
+          <p:txBody>
+            <a:bodyPr wrap="none" rtlCol="0">
+              <a:spAutoFit/>
+            </a:bodyPr>
+            <a:lstStyle/>
+            <a:p>
+              <a:pPr algn="ctr"/>
+              <a:r>
+                <a:rPr lang="en-US" b="1" dirty="0">
+                  <a:solidFill>
+                    <a:srgbClr val="024D80"/>
+                  </a:solidFill>
+                  <a:latin typeface="Microsoft PhagsPa" panose="020B0502040204020203" pitchFamily="34" charset="0"/>
+                </a:rPr>
+                <a:t>40% Food</a:t>
+              </a:r>
+            </a:p>
+            <a:p>
+              <a:pPr algn="ctr"/>
+              <a:r>
+                <a:rPr lang="en-US" b="1" dirty="0">
+                  <a:solidFill>
+                    <a:srgbClr val="B58603"/>
+                  </a:solidFill>
+                  <a:latin typeface="Microsoft PhagsPa" panose="020B0502040204020203" pitchFamily="34" charset="0"/>
+                </a:rPr>
+                <a:t>20% Sports</a:t>
+              </a:r>
+              <a:endParaRPr lang="en-US" b="1" dirty="0">
+                <a:solidFill>
+                  <a:srgbClr val="024D80"/>
+                </a:solidFill>
+                <a:latin typeface="Microsoft PhagsPa" panose="020B0502040204020203" pitchFamily="34" charset="0"/>
+              </a:endParaRPr>
+            </a:p>
+            <a:p>
+              <a:pPr algn="ctr"/>
+              <a:r>
+                <a:rPr lang="en-US" b="1" dirty="0">
+                  <a:solidFill>
+                    <a:srgbClr val="8C1C16"/>
+                  </a:solidFill>
+                  <a:latin typeface="Microsoft PhagsPa" panose="020B0502040204020203" pitchFamily="34" charset="0"/>
+                </a:rPr>
+                <a:t>40% Technology</a:t>
+              </a:r>
+            </a:p>
+          </p:txBody>
+        </p:sp>
+        <p:grpSp>
+          <p:nvGrpSpPr>
+            <p:cNvPr id="4" name="Agrupar 3">
+              <a:extLst>
+                <a:ext uri="{FF2B5EF4-FFF2-40B4-BE49-F238E27FC236}">
+                  <a16:creationId xmlns:a16="http://schemas.microsoft.com/office/drawing/2014/main" id="{340CD664-FF5D-43F3-AB71-D27CA4233FEC}"/>
+                </a:ext>
+              </a:extLst>
+            </p:cNvPr>
+            <p:cNvGrpSpPr/>
+            <p:nvPr/>
+          </p:nvGrpSpPr>
+          <p:grpSpPr>
+            <a:xfrm>
+              <a:off x="1585115" y="1867816"/>
+              <a:ext cx="1978225" cy="2132098"/>
+              <a:chOff x="1758298" y="2343554"/>
+              <a:chExt cx="1794075" cy="1794075"/>
+            </a:xfrm>
+          </p:grpSpPr>
+          <p:pic>
+            <p:nvPicPr>
+              <p:cNvPr id="5" name="Imagem 4">
+                <a:extLst>
+                  <a:ext uri="{FF2B5EF4-FFF2-40B4-BE49-F238E27FC236}">
+                    <a16:creationId xmlns:a16="http://schemas.microsoft.com/office/drawing/2014/main" id="{FE6A3025-75E4-4327-A46C-7124805B1B81}"/>
+                  </a:ext>
+                </a:extLst>
+              </p:cNvPr>
+              <p:cNvPicPr>
+                <a:picLocks noChangeAspect="1"/>
+              </p:cNvPicPr>
+              <p:nvPr/>
+            </p:nvPicPr>
+            <p:blipFill rotWithShape="1">
+              <a:blip r:embed="rId2">
+                <a:duotone>
+                  <a:prstClr val="black"/>
+                  <a:schemeClr val="tx1">
+                    <a:tint val="45000"/>
+                    <a:satMod val="400000"/>
+                  </a:schemeClr>
+                </a:duotone>
+                <a:extLst>
+                  <a:ext uri="{28A0092B-C50C-407E-A947-70E740481C1C}">
+                    <a14:useLocalDpi xmlns:a14="http://schemas.microsoft.com/office/drawing/2010/main" val="0"/>
+                  </a:ext>
+                </a:extLst>
+              </a:blip>
+              <a:srcRect t="89384"/>
+              <a:stretch/>
+            </p:blipFill>
+            <p:spPr>
+              <a:xfrm>
+                <a:off x="1758298" y="3947161"/>
+                <a:ext cx="1794075" cy="190468"/>
+              </a:xfrm>
+              <a:prstGeom prst="rect">
+                <a:avLst/>
+              </a:prstGeom>
+            </p:spPr>
+          </p:pic>
+          <p:pic>
+            <p:nvPicPr>
+              <p:cNvPr id="6" name="Imagem 5">
+                <a:extLst>
+                  <a:ext uri="{FF2B5EF4-FFF2-40B4-BE49-F238E27FC236}">
+                    <a16:creationId xmlns:a16="http://schemas.microsoft.com/office/drawing/2014/main" id="{D16FD476-52F9-4503-B0CD-359FF722C8CB}"/>
+                  </a:ext>
+                </a:extLst>
+              </p:cNvPr>
+              <p:cNvPicPr>
+                <a:picLocks noChangeAspect="1"/>
+              </p:cNvPicPr>
+              <p:nvPr/>
+            </p:nvPicPr>
+            <p:blipFill rotWithShape="1">
+              <a:blip r:embed="rId2">
+                <a:duotone>
+                  <a:prstClr val="black"/>
+                  <a:schemeClr val="tx1">
+                    <a:tint val="45000"/>
+                    <a:satMod val="400000"/>
+                  </a:schemeClr>
+                </a:duotone>
+                <a:extLst>
+                  <a:ext uri="{28A0092B-C50C-407E-A947-70E740481C1C}">
+                    <a14:useLocalDpi xmlns:a14="http://schemas.microsoft.com/office/drawing/2010/main" val="0"/>
+                  </a:ext>
+                </a:extLst>
+              </a:blip>
+              <a:srcRect r="81443"/>
+              <a:stretch/>
+            </p:blipFill>
+            <p:spPr>
+              <a:xfrm>
+                <a:off x="1758298" y="2343555"/>
+                <a:ext cx="332920" cy="1794074"/>
+              </a:xfrm>
+              <a:prstGeom prst="rect">
+                <a:avLst/>
+              </a:prstGeom>
+            </p:spPr>
+          </p:pic>
+          <p:pic>
+            <p:nvPicPr>
+              <p:cNvPr id="7" name="Imagem 6">
+                <a:extLst>
+                  <a:ext uri="{FF2B5EF4-FFF2-40B4-BE49-F238E27FC236}">
+                    <a16:creationId xmlns:a16="http://schemas.microsoft.com/office/drawing/2014/main" id="{76B2A564-D815-45A0-A309-01D74E61B706}"/>
+                  </a:ext>
+                </a:extLst>
+              </p:cNvPr>
+              <p:cNvPicPr>
+                <a:picLocks noChangeAspect="1"/>
+              </p:cNvPicPr>
+              <p:nvPr/>
+            </p:nvPicPr>
+            <p:blipFill rotWithShape="1">
+              <a:blip r:embed="rId2">
+                <a:duotone>
+                  <a:prstClr val="black"/>
+                  <a:schemeClr val="tx1">
+                    <a:tint val="45000"/>
+                    <a:satMod val="400000"/>
+                  </a:schemeClr>
+                </a:duotone>
+                <a:extLst>
+                  <a:ext uri="{28A0092B-C50C-407E-A947-70E740481C1C}">
+                    <a14:useLocalDpi xmlns:a14="http://schemas.microsoft.com/office/drawing/2010/main" val="0"/>
+                  </a:ext>
+                </a:extLst>
+              </a:blip>
+              <a:srcRect b="68380"/>
+              <a:stretch/>
+            </p:blipFill>
+            <p:spPr>
+              <a:xfrm>
+                <a:off x="1758298" y="2343555"/>
+                <a:ext cx="1794075" cy="567285"/>
+              </a:xfrm>
+              <a:prstGeom prst="rect">
+                <a:avLst/>
+              </a:prstGeom>
+            </p:spPr>
+          </p:pic>
+          <p:pic>
+            <p:nvPicPr>
+              <p:cNvPr id="8" name="Imagem 7">
+                <a:extLst>
+                  <a:ext uri="{FF2B5EF4-FFF2-40B4-BE49-F238E27FC236}">
+                    <a16:creationId xmlns:a16="http://schemas.microsoft.com/office/drawing/2014/main" id="{45769D82-C6E1-4374-B707-4C00D520901D}"/>
+                  </a:ext>
+                </a:extLst>
+              </p:cNvPr>
+              <p:cNvPicPr>
+                <a:picLocks noChangeAspect="1"/>
+              </p:cNvPicPr>
+              <p:nvPr/>
+            </p:nvPicPr>
+            <p:blipFill rotWithShape="1">
+              <a:blip r:embed="rId2">
+                <a:duotone>
+                  <a:prstClr val="black"/>
+                  <a:schemeClr val="tx1">
+                    <a:tint val="45000"/>
+                    <a:satMod val="400000"/>
+                  </a:schemeClr>
+                </a:duotone>
+                <a:extLst>
+                  <a:ext uri="{28A0092B-C50C-407E-A947-70E740481C1C}">
+                    <a14:useLocalDpi xmlns:a14="http://schemas.microsoft.com/office/drawing/2010/main" val="0"/>
+                  </a:ext>
+                </a:extLst>
+              </a:blip>
+              <a:srcRect l="81443"/>
+              <a:stretch/>
+            </p:blipFill>
+            <p:spPr>
+              <a:xfrm>
+                <a:off x="3219451" y="2343554"/>
+                <a:ext cx="332920" cy="1794074"/>
+              </a:xfrm>
+              <a:prstGeom prst="rect">
+                <a:avLst/>
+              </a:prstGeom>
+            </p:spPr>
+          </p:pic>
+        </p:grpSp>
+        <p:grpSp>
+          <p:nvGrpSpPr>
+            <p:cNvPr id="16" name="Agrupar 15">
+              <a:extLst>
+                <a:ext uri="{FF2B5EF4-FFF2-40B4-BE49-F238E27FC236}">
+                  <a16:creationId xmlns:a16="http://schemas.microsoft.com/office/drawing/2014/main" id="{517BC15B-7316-41B0-8281-AD289C7E03CF}"/>
+                </a:ext>
+              </a:extLst>
+            </p:cNvPr>
+            <p:cNvGrpSpPr/>
+            <p:nvPr/>
+          </p:nvGrpSpPr>
+          <p:grpSpPr>
+            <a:xfrm>
+              <a:off x="3932997" y="1867816"/>
+              <a:ext cx="1978225" cy="2132098"/>
+              <a:chOff x="1758297" y="2343555"/>
+              <a:chExt cx="1794074" cy="1794074"/>
+            </a:xfrm>
+          </p:grpSpPr>
+          <p:pic>
+            <p:nvPicPr>
+              <p:cNvPr id="17" name="Imagem 16">
+                <a:extLst>
+                  <a:ext uri="{FF2B5EF4-FFF2-40B4-BE49-F238E27FC236}">
+                    <a16:creationId xmlns:a16="http://schemas.microsoft.com/office/drawing/2014/main" id="{77B0C780-3D91-4791-BF71-C383DBE68C22}"/>
+                  </a:ext>
+                </a:extLst>
+              </p:cNvPr>
+              <p:cNvPicPr>
+                <a:picLocks noChangeAspect="1"/>
+              </p:cNvPicPr>
+              <p:nvPr/>
+            </p:nvPicPr>
+            <p:blipFill rotWithShape="1">
+              <a:blip r:embed="rId2">
+                <a:duotone>
+                  <a:prstClr val="black"/>
+                  <a:schemeClr val="tx1">
+                    <a:tint val="45000"/>
+                    <a:satMod val="400000"/>
+                  </a:schemeClr>
+                </a:duotone>
+                <a:extLst>
+                  <a:ext uri="{28A0092B-C50C-407E-A947-70E740481C1C}">
+                    <a14:useLocalDpi xmlns:a14="http://schemas.microsoft.com/office/drawing/2010/main" val="0"/>
+                  </a:ext>
+                </a:extLst>
+              </a:blip>
+              <a:srcRect t="89384"/>
+              <a:stretch/>
+            </p:blipFill>
+            <p:spPr>
+              <a:xfrm>
+                <a:off x="1758297" y="3947161"/>
+                <a:ext cx="1794074" cy="190468"/>
+              </a:xfrm>
+              <a:prstGeom prst="rect">
+                <a:avLst/>
+              </a:prstGeom>
+            </p:spPr>
+          </p:pic>
+          <p:pic>
+            <p:nvPicPr>
+              <p:cNvPr id="18" name="Imagem 17">
+                <a:extLst>
+                  <a:ext uri="{FF2B5EF4-FFF2-40B4-BE49-F238E27FC236}">
+                    <a16:creationId xmlns:a16="http://schemas.microsoft.com/office/drawing/2014/main" id="{418A78AD-2D63-4118-96EE-0E00C1C5E9FA}"/>
+                  </a:ext>
+                </a:extLst>
+              </p:cNvPr>
+              <p:cNvPicPr>
+                <a:picLocks noChangeAspect="1"/>
+              </p:cNvPicPr>
+              <p:nvPr/>
+            </p:nvPicPr>
+            <p:blipFill rotWithShape="1">
+              <a:blip r:embed="rId2">
+                <a:duotone>
+                  <a:prstClr val="black"/>
+                  <a:schemeClr val="tx1">
+                    <a:tint val="45000"/>
+                    <a:satMod val="400000"/>
+                  </a:schemeClr>
+                </a:duotone>
+                <a:extLst>
+                  <a:ext uri="{28A0092B-C50C-407E-A947-70E740481C1C}">
+                    <a14:useLocalDpi xmlns:a14="http://schemas.microsoft.com/office/drawing/2010/main" val="0"/>
+                  </a:ext>
+                </a:extLst>
+              </a:blip>
+              <a:srcRect r="81443"/>
+              <a:stretch/>
+            </p:blipFill>
+            <p:spPr>
+              <a:xfrm>
+                <a:off x="1758297" y="2343555"/>
+                <a:ext cx="332920" cy="1794074"/>
+              </a:xfrm>
+              <a:prstGeom prst="rect">
+                <a:avLst/>
+              </a:prstGeom>
+            </p:spPr>
+          </p:pic>
+          <p:pic>
+            <p:nvPicPr>
+              <p:cNvPr id="19" name="Imagem 18">
+                <a:extLst>
+                  <a:ext uri="{FF2B5EF4-FFF2-40B4-BE49-F238E27FC236}">
+                    <a16:creationId xmlns:a16="http://schemas.microsoft.com/office/drawing/2014/main" id="{8157896A-4397-4F26-BD5C-AC1E9E758DC1}"/>
+                  </a:ext>
+                </a:extLst>
+              </p:cNvPr>
+              <p:cNvPicPr>
+                <a:picLocks noChangeAspect="1"/>
+              </p:cNvPicPr>
+              <p:nvPr/>
+            </p:nvPicPr>
+            <p:blipFill rotWithShape="1">
+              <a:blip r:embed="rId2">
+                <a:duotone>
+                  <a:prstClr val="black"/>
+                  <a:schemeClr val="tx1">
+                    <a:tint val="45000"/>
+                    <a:satMod val="400000"/>
+                  </a:schemeClr>
+                </a:duotone>
+                <a:extLst>
+                  <a:ext uri="{28A0092B-C50C-407E-A947-70E740481C1C}">
+                    <a14:useLocalDpi xmlns:a14="http://schemas.microsoft.com/office/drawing/2010/main" val="0"/>
+                  </a:ext>
+                </a:extLst>
+              </a:blip>
+              <a:srcRect b="68380"/>
+              <a:stretch/>
+            </p:blipFill>
+            <p:spPr>
+              <a:xfrm>
+                <a:off x="1758297" y="2343555"/>
+                <a:ext cx="1794074" cy="567285"/>
+              </a:xfrm>
+              <a:prstGeom prst="rect">
+                <a:avLst/>
+              </a:prstGeom>
+            </p:spPr>
+          </p:pic>
+          <p:pic>
+            <p:nvPicPr>
+              <p:cNvPr id="20" name="Imagem 19">
+                <a:extLst>
+                  <a:ext uri="{FF2B5EF4-FFF2-40B4-BE49-F238E27FC236}">
+                    <a16:creationId xmlns:a16="http://schemas.microsoft.com/office/drawing/2014/main" id="{ABDAA092-0E66-489C-9DD9-4A61CC2D9AB1}"/>
+                  </a:ext>
+                </a:extLst>
+              </p:cNvPr>
+              <p:cNvPicPr>
+                <a:picLocks noChangeAspect="1"/>
+              </p:cNvPicPr>
+              <p:nvPr/>
+            </p:nvPicPr>
+            <p:blipFill rotWithShape="1">
+              <a:blip r:embed="rId2">
+                <a:duotone>
+                  <a:prstClr val="black"/>
+                  <a:schemeClr val="tx1">
+                    <a:tint val="45000"/>
+                    <a:satMod val="400000"/>
+                  </a:schemeClr>
+                </a:duotone>
+                <a:extLst>
+                  <a:ext uri="{28A0092B-C50C-407E-A947-70E740481C1C}">
+                    <a14:useLocalDpi xmlns:a14="http://schemas.microsoft.com/office/drawing/2010/main" val="0"/>
+                  </a:ext>
+                </a:extLst>
+              </a:blip>
+              <a:srcRect l="81443"/>
+              <a:stretch/>
+            </p:blipFill>
+            <p:spPr>
+              <a:xfrm>
+                <a:off x="3219451" y="2343555"/>
+                <a:ext cx="332920" cy="1794074"/>
+              </a:xfrm>
+              <a:prstGeom prst="rect">
+                <a:avLst/>
+              </a:prstGeom>
+            </p:spPr>
+          </p:pic>
+        </p:grpSp>
+        <p:grpSp>
+          <p:nvGrpSpPr>
+            <p:cNvPr id="10" name="Agrupar 9">
+              <a:extLst>
+                <a:ext uri="{FF2B5EF4-FFF2-40B4-BE49-F238E27FC236}">
+                  <a16:creationId xmlns:a16="http://schemas.microsoft.com/office/drawing/2014/main" id="{8957D120-994B-41A3-ADC2-DEA399D8F4CC}"/>
+                </a:ext>
+              </a:extLst>
+            </p:cNvPr>
+            <p:cNvGrpSpPr/>
+            <p:nvPr/>
+          </p:nvGrpSpPr>
+          <p:grpSpPr>
+            <a:xfrm>
+              <a:off x="8628559" y="1867816"/>
+              <a:ext cx="1978225" cy="2132098"/>
+              <a:chOff x="1758297" y="2343555"/>
+              <a:chExt cx="1794074" cy="1794074"/>
+            </a:xfrm>
+          </p:grpSpPr>
+          <p:pic>
+            <p:nvPicPr>
+              <p:cNvPr id="11" name="Imagem 10">
+                <a:extLst>
+                  <a:ext uri="{FF2B5EF4-FFF2-40B4-BE49-F238E27FC236}">
+                    <a16:creationId xmlns:a16="http://schemas.microsoft.com/office/drawing/2014/main" id="{9431721E-F44C-4A56-A31E-5EE4816C3ECA}"/>
+                  </a:ext>
+                </a:extLst>
+              </p:cNvPr>
+              <p:cNvPicPr>
+                <a:picLocks noChangeAspect="1"/>
+              </p:cNvPicPr>
+              <p:nvPr/>
+            </p:nvPicPr>
+            <p:blipFill rotWithShape="1">
+              <a:blip r:embed="rId2">
+                <a:duotone>
+                  <a:prstClr val="black"/>
+                  <a:schemeClr val="tx1">
+                    <a:tint val="45000"/>
+                    <a:satMod val="400000"/>
+                  </a:schemeClr>
+                </a:duotone>
+                <a:extLst>
+                  <a:ext uri="{28A0092B-C50C-407E-A947-70E740481C1C}">
+                    <a14:useLocalDpi xmlns:a14="http://schemas.microsoft.com/office/drawing/2010/main" val="0"/>
+                  </a:ext>
+                </a:extLst>
+              </a:blip>
+              <a:srcRect t="89384"/>
+              <a:stretch/>
+            </p:blipFill>
+            <p:spPr>
+              <a:xfrm>
+                <a:off x="1758297" y="3947161"/>
+                <a:ext cx="1794074" cy="190468"/>
+              </a:xfrm>
+              <a:prstGeom prst="rect">
+                <a:avLst/>
+              </a:prstGeom>
+            </p:spPr>
+          </p:pic>
+          <p:pic>
+            <p:nvPicPr>
+              <p:cNvPr id="12" name="Imagem 11">
+                <a:extLst>
+                  <a:ext uri="{FF2B5EF4-FFF2-40B4-BE49-F238E27FC236}">
+                    <a16:creationId xmlns:a16="http://schemas.microsoft.com/office/drawing/2014/main" id="{2EFB7ADC-B27D-43A3-87FD-DF09354DCB8C}"/>
+                  </a:ext>
+                </a:extLst>
+              </p:cNvPr>
+              <p:cNvPicPr>
+                <a:picLocks noChangeAspect="1"/>
+              </p:cNvPicPr>
+              <p:nvPr/>
+            </p:nvPicPr>
+            <p:blipFill rotWithShape="1">
+              <a:blip r:embed="rId2">
+                <a:duotone>
+                  <a:prstClr val="black"/>
+                  <a:schemeClr val="tx1">
+                    <a:tint val="45000"/>
+                    <a:satMod val="400000"/>
+                  </a:schemeClr>
+                </a:duotone>
+                <a:extLst>
+                  <a:ext uri="{28A0092B-C50C-407E-A947-70E740481C1C}">
+                    <a14:useLocalDpi xmlns:a14="http://schemas.microsoft.com/office/drawing/2010/main" val="0"/>
+                  </a:ext>
+                </a:extLst>
+              </a:blip>
+              <a:srcRect r="81443"/>
+              <a:stretch/>
+            </p:blipFill>
+            <p:spPr>
+              <a:xfrm>
+                <a:off x="1758297" y="2343555"/>
+                <a:ext cx="332920" cy="1794074"/>
+              </a:xfrm>
+              <a:prstGeom prst="rect">
+                <a:avLst/>
+              </a:prstGeom>
+            </p:spPr>
+          </p:pic>
+          <p:pic>
+            <p:nvPicPr>
+              <p:cNvPr id="13" name="Imagem 12">
+                <a:extLst>
+                  <a:ext uri="{FF2B5EF4-FFF2-40B4-BE49-F238E27FC236}">
+                    <a16:creationId xmlns:a16="http://schemas.microsoft.com/office/drawing/2014/main" id="{18C07EF9-B135-485F-AAC0-7A9F64B88BB4}"/>
+                  </a:ext>
+                </a:extLst>
+              </p:cNvPr>
+              <p:cNvPicPr>
+                <a:picLocks noChangeAspect="1"/>
+              </p:cNvPicPr>
+              <p:nvPr/>
+            </p:nvPicPr>
+            <p:blipFill rotWithShape="1">
+              <a:blip r:embed="rId2">
+                <a:duotone>
+                  <a:prstClr val="black"/>
+                  <a:schemeClr val="tx1">
+                    <a:tint val="45000"/>
+                    <a:satMod val="400000"/>
+                  </a:schemeClr>
+                </a:duotone>
+                <a:extLst>
+                  <a:ext uri="{28A0092B-C50C-407E-A947-70E740481C1C}">
+                    <a14:useLocalDpi xmlns:a14="http://schemas.microsoft.com/office/drawing/2010/main" val="0"/>
+                  </a:ext>
+                </a:extLst>
+              </a:blip>
+              <a:srcRect b="68380"/>
+              <a:stretch/>
+            </p:blipFill>
+            <p:spPr>
+              <a:xfrm>
+                <a:off x="1758297" y="2343555"/>
+                <a:ext cx="1794074" cy="567285"/>
+              </a:xfrm>
+              <a:prstGeom prst="rect">
+                <a:avLst/>
+              </a:prstGeom>
+            </p:spPr>
+          </p:pic>
+          <p:pic>
+            <p:nvPicPr>
+              <p:cNvPr id="14" name="Imagem 13">
+                <a:extLst>
+                  <a:ext uri="{FF2B5EF4-FFF2-40B4-BE49-F238E27FC236}">
+                    <a16:creationId xmlns:a16="http://schemas.microsoft.com/office/drawing/2014/main" id="{DADFC6D9-AA7D-4D31-9358-BD08CD273CD9}"/>
+                  </a:ext>
+                </a:extLst>
+              </p:cNvPr>
+              <p:cNvPicPr>
+                <a:picLocks noChangeAspect="1"/>
+              </p:cNvPicPr>
+              <p:nvPr/>
+            </p:nvPicPr>
+            <p:blipFill rotWithShape="1">
+              <a:blip r:embed="rId2">
+                <a:duotone>
+                  <a:prstClr val="black"/>
+                  <a:schemeClr val="tx1">
+                    <a:tint val="45000"/>
+                    <a:satMod val="400000"/>
+                  </a:schemeClr>
+                </a:duotone>
+                <a:extLst>
+                  <a:ext uri="{28A0092B-C50C-407E-A947-70E740481C1C}">
+                    <a14:useLocalDpi xmlns:a14="http://schemas.microsoft.com/office/drawing/2010/main" val="0"/>
+                  </a:ext>
+                </a:extLst>
+              </a:blip>
+              <a:srcRect l="81443"/>
+              <a:stretch/>
+            </p:blipFill>
+            <p:spPr>
+              <a:xfrm>
+                <a:off x="3219451" y="2343555"/>
+                <a:ext cx="332920" cy="1794074"/>
+              </a:xfrm>
+              <a:prstGeom prst="rect">
+                <a:avLst/>
+              </a:prstGeom>
+            </p:spPr>
+          </p:pic>
+        </p:grpSp>
+        <p:grpSp>
+          <p:nvGrpSpPr>
+            <p:cNvPr id="22" name="Agrupar 21">
+              <a:extLst>
+                <a:ext uri="{FF2B5EF4-FFF2-40B4-BE49-F238E27FC236}">
+                  <a16:creationId xmlns:a16="http://schemas.microsoft.com/office/drawing/2014/main" id="{A551F9D8-F013-4F2B-8D41-7BFF104A1ED3}"/>
+                </a:ext>
+              </a:extLst>
+            </p:cNvPr>
+            <p:cNvGrpSpPr/>
+            <p:nvPr/>
+          </p:nvGrpSpPr>
+          <p:grpSpPr>
+            <a:xfrm>
+              <a:off x="6280929" y="1867816"/>
+              <a:ext cx="1978225" cy="2132098"/>
+              <a:chOff x="1758297" y="2343555"/>
+              <a:chExt cx="1794074" cy="1794074"/>
+            </a:xfrm>
+          </p:grpSpPr>
+          <p:pic>
+            <p:nvPicPr>
+              <p:cNvPr id="23" name="Imagem 22">
+                <a:extLst>
+                  <a:ext uri="{FF2B5EF4-FFF2-40B4-BE49-F238E27FC236}">
+                    <a16:creationId xmlns:a16="http://schemas.microsoft.com/office/drawing/2014/main" id="{15CAEF8E-AC44-4474-A834-BDFF664DB166}"/>
+                  </a:ext>
+                </a:extLst>
+              </p:cNvPr>
+              <p:cNvPicPr>
+                <a:picLocks noChangeAspect="1"/>
+              </p:cNvPicPr>
+              <p:nvPr/>
+            </p:nvPicPr>
+            <p:blipFill rotWithShape="1">
+              <a:blip r:embed="rId2">
+                <a:duotone>
+                  <a:prstClr val="black"/>
+                  <a:schemeClr val="tx1">
+                    <a:tint val="45000"/>
+                    <a:satMod val="400000"/>
+                  </a:schemeClr>
+                </a:duotone>
+                <a:extLst>
+                  <a:ext uri="{28A0092B-C50C-407E-A947-70E740481C1C}">
+                    <a14:useLocalDpi xmlns:a14="http://schemas.microsoft.com/office/drawing/2010/main" val="0"/>
+                  </a:ext>
+                </a:extLst>
+              </a:blip>
+              <a:srcRect t="89384"/>
+              <a:stretch/>
+            </p:blipFill>
+            <p:spPr>
+              <a:xfrm>
+                <a:off x="1758297" y="3947161"/>
+                <a:ext cx="1794074" cy="190468"/>
+              </a:xfrm>
+              <a:prstGeom prst="rect">
+                <a:avLst/>
+              </a:prstGeom>
+            </p:spPr>
+          </p:pic>
+          <p:pic>
+            <p:nvPicPr>
+              <p:cNvPr id="24" name="Imagem 23">
+                <a:extLst>
+                  <a:ext uri="{FF2B5EF4-FFF2-40B4-BE49-F238E27FC236}">
+                    <a16:creationId xmlns:a16="http://schemas.microsoft.com/office/drawing/2014/main" id="{6EB87C39-A4D4-4361-94FB-A8FA1B791CE2}"/>
+                  </a:ext>
+                </a:extLst>
+              </p:cNvPr>
+              <p:cNvPicPr>
+                <a:picLocks noChangeAspect="1"/>
+              </p:cNvPicPr>
+              <p:nvPr/>
+            </p:nvPicPr>
+            <p:blipFill rotWithShape="1">
+              <a:blip r:embed="rId2">
+                <a:duotone>
+                  <a:prstClr val="black"/>
+                  <a:schemeClr val="tx1">
+                    <a:tint val="45000"/>
+                    <a:satMod val="400000"/>
+                  </a:schemeClr>
+                </a:duotone>
+                <a:extLst>
+                  <a:ext uri="{28A0092B-C50C-407E-A947-70E740481C1C}">
+                    <a14:useLocalDpi xmlns:a14="http://schemas.microsoft.com/office/drawing/2010/main" val="0"/>
+                  </a:ext>
+                </a:extLst>
+              </a:blip>
+              <a:srcRect r="81443"/>
+              <a:stretch/>
+            </p:blipFill>
+            <p:spPr>
+              <a:xfrm>
+                <a:off x="1758297" y="2343555"/>
+                <a:ext cx="332920" cy="1794074"/>
+              </a:xfrm>
+              <a:prstGeom prst="rect">
+                <a:avLst/>
+              </a:prstGeom>
+            </p:spPr>
+          </p:pic>
+          <p:pic>
+            <p:nvPicPr>
+              <p:cNvPr id="25" name="Imagem 24">
+                <a:extLst>
+                  <a:ext uri="{FF2B5EF4-FFF2-40B4-BE49-F238E27FC236}">
+                    <a16:creationId xmlns:a16="http://schemas.microsoft.com/office/drawing/2014/main" id="{4BB3695E-715B-447D-A01D-1254747BDB7C}"/>
+                  </a:ext>
+                </a:extLst>
+              </p:cNvPr>
+              <p:cNvPicPr>
+                <a:picLocks noChangeAspect="1"/>
+              </p:cNvPicPr>
+              <p:nvPr/>
+            </p:nvPicPr>
+            <p:blipFill rotWithShape="1">
+              <a:blip r:embed="rId2">
+                <a:duotone>
+                  <a:prstClr val="black"/>
+                  <a:schemeClr val="tx1">
+                    <a:tint val="45000"/>
+                    <a:satMod val="400000"/>
+                  </a:schemeClr>
+                </a:duotone>
+                <a:extLst>
+                  <a:ext uri="{28A0092B-C50C-407E-A947-70E740481C1C}">
+                    <a14:useLocalDpi xmlns:a14="http://schemas.microsoft.com/office/drawing/2010/main" val="0"/>
+                  </a:ext>
+                </a:extLst>
+              </a:blip>
+              <a:srcRect b="68380"/>
+              <a:stretch/>
+            </p:blipFill>
+            <p:spPr>
+              <a:xfrm>
+                <a:off x="1758297" y="2343555"/>
+                <a:ext cx="1794074" cy="567285"/>
+              </a:xfrm>
+              <a:prstGeom prst="rect">
+                <a:avLst/>
+              </a:prstGeom>
+            </p:spPr>
+          </p:pic>
+          <p:pic>
+            <p:nvPicPr>
+              <p:cNvPr id="26" name="Imagem 25">
+                <a:extLst>
+                  <a:ext uri="{FF2B5EF4-FFF2-40B4-BE49-F238E27FC236}">
+                    <a16:creationId xmlns:a16="http://schemas.microsoft.com/office/drawing/2014/main" id="{29F3969B-A111-4B4B-B618-CE6A0CEC61F9}"/>
+                  </a:ext>
+                </a:extLst>
+              </p:cNvPr>
+              <p:cNvPicPr>
+                <a:picLocks noChangeAspect="1"/>
+              </p:cNvPicPr>
+              <p:nvPr/>
+            </p:nvPicPr>
+            <p:blipFill rotWithShape="1">
+              <a:blip r:embed="rId2">
+                <a:duotone>
+                  <a:prstClr val="black"/>
+                  <a:schemeClr val="tx1">
+                    <a:tint val="45000"/>
+                    <a:satMod val="400000"/>
+                  </a:schemeClr>
+                </a:duotone>
+                <a:extLst>
+                  <a:ext uri="{28A0092B-C50C-407E-A947-70E740481C1C}">
+                    <a14:useLocalDpi xmlns:a14="http://schemas.microsoft.com/office/drawing/2010/main" val="0"/>
+                  </a:ext>
+                </a:extLst>
+              </a:blip>
+              <a:srcRect l="81443"/>
+              <a:stretch/>
+            </p:blipFill>
+            <p:spPr>
+              <a:xfrm>
+                <a:off x="3219451" y="2343555"/>
+                <a:ext cx="332920" cy="1794074"/>
+              </a:xfrm>
+              <a:prstGeom prst="rect">
+                <a:avLst/>
+              </a:prstGeom>
+            </p:spPr>
+          </p:pic>
+        </p:grpSp>
+        <p:sp>
+          <p:nvSpPr>
+            <p:cNvPr id="39" name="CaixaDeTexto 38">
+              <a:extLst>
+                <a:ext uri="{FF2B5EF4-FFF2-40B4-BE49-F238E27FC236}">
+                  <a16:creationId xmlns:a16="http://schemas.microsoft.com/office/drawing/2014/main" id="{386DBCD6-9075-47D3-8B89-325090B6E5F4}"/>
+                </a:ext>
+              </a:extLst>
+            </p:cNvPr>
+            <p:cNvSpPr txBox="1"/>
+            <p:nvPr/>
+          </p:nvSpPr>
+          <p:spPr>
+            <a:xfrm>
+              <a:off x="1988971" y="2396421"/>
+              <a:ext cx="1170512" cy="1477328"/>
+            </a:xfrm>
+            <a:prstGeom prst="rect">
+              <a:avLst/>
+            </a:prstGeom>
+            <a:noFill/>
+          </p:spPr>
+          <p:txBody>
+            <a:bodyPr wrap="none" rtlCol="0">
+              <a:spAutoFit/>
+            </a:bodyPr>
+            <a:lstStyle/>
+            <a:p>
+              <a:pPr algn="ctr"/>
+              <a:r>
+                <a:rPr lang="en-US" dirty="0">
+                  <a:solidFill>
+                    <a:srgbClr val="B58603"/>
+                  </a:solidFill>
+                  <a:latin typeface="Microsoft PhagsPa" panose="020B0502040204020203" pitchFamily="34" charset="0"/>
+                </a:rPr>
+                <a:t>ball</a:t>
+              </a:r>
+            </a:p>
+            <a:p>
+              <a:pPr algn="ctr"/>
+              <a:r>
+                <a:rPr lang="en-US" dirty="0">
+                  <a:solidFill>
+                    <a:srgbClr val="B58603"/>
+                  </a:solidFill>
+                  <a:latin typeface="Microsoft PhagsPa" panose="020B0502040204020203" pitchFamily="34" charset="0"/>
+                </a:rPr>
+                <a:t>ball</a:t>
+              </a:r>
+            </a:p>
+            <a:p>
+              <a:pPr algn="ctr"/>
+              <a:r>
+                <a:rPr lang="en-US" dirty="0">
+                  <a:solidFill>
+                    <a:srgbClr val="B58603"/>
+                  </a:solidFill>
+                  <a:latin typeface="Microsoft PhagsPa" panose="020B0502040204020203" pitchFamily="34" charset="0"/>
+                </a:rPr>
+                <a:t>match</a:t>
+              </a:r>
+            </a:p>
+            <a:p>
+              <a:pPr algn="ctr"/>
+              <a:r>
+                <a:rPr lang="en-US" dirty="0">
+                  <a:solidFill>
+                    <a:srgbClr val="8C1C16"/>
+                  </a:solidFill>
+                  <a:latin typeface="Microsoft PhagsPa" panose="020B0502040204020203" pitchFamily="34" charset="0"/>
+                </a:rPr>
+                <a:t>computer</a:t>
+              </a:r>
+            </a:p>
+            <a:p>
+              <a:pPr algn="ctr"/>
+              <a:r>
+                <a:rPr lang="en-US" dirty="0">
+                  <a:solidFill>
+                    <a:srgbClr val="B58603"/>
+                  </a:solidFill>
+                  <a:latin typeface="Microsoft PhagsPa" panose="020B0502040204020203" pitchFamily="34" charset="0"/>
+                </a:rPr>
+                <a:t>ball</a:t>
+              </a:r>
+            </a:p>
+          </p:txBody>
+        </p:sp>
+        <p:sp>
+          <p:nvSpPr>
+            <p:cNvPr id="42" name="CaixaDeTexto 41">
+              <a:extLst>
+                <a:ext uri="{FF2B5EF4-FFF2-40B4-BE49-F238E27FC236}">
+                  <a16:creationId xmlns:a16="http://schemas.microsoft.com/office/drawing/2014/main" id="{FC9E9620-61ED-4D9A-B5B0-E3A485D5E83A}"/>
+                </a:ext>
+              </a:extLst>
+            </p:cNvPr>
+            <p:cNvSpPr txBox="1"/>
+            <p:nvPr/>
+          </p:nvSpPr>
+          <p:spPr>
+            <a:xfrm>
+              <a:off x="4556465" y="2396421"/>
+              <a:ext cx="731289" cy="1477328"/>
+            </a:xfrm>
+            <a:prstGeom prst="rect">
+              <a:avLst/>
+            </a:prstGeom>
+            <a:noFill/>
+          </p:spPr>
+          <p:txBody>
+            <a:bodyPr wrap="none" rtlCol="0">
+              <a:spAutoFit/>
+            </a:bodyPr>
+            <a:lstStyle/>
+            <a:p>
+              <a:pPr algn="ctr"/>
+              <a:r>
+                <a:rPr lang="en-US" dirty="0">
+                  <a:solidFill>
+                    <a:srgbClr val="B58603"/>
+                  </a:solidFill>
+                  <a:latin typeface="Microsoft PhagsPa" panose="020B0502040204020203" pitchFamily="34" charset="0"/>
+                </a:rPr>
+                <a:t>ball</a:t>
+              </a:r>
+            </a:p>
+            <a:p>
+              <a:pPr algn="ctr"/>
+              <a:r>
+                <a:rPr lang="en-US" dirty="0">
+                  <a:solidFill>
+                    <a:srgbClr val="024D80"/>
+                  </a:solidFill>
+                  <a:latin typeface="Microsoft PhagsPa" panose="020B0502040204020203" pitchFamily="34" charset="0"/>
+                </a:rPr>
+                <a:t>pizza</a:t>
+              </a:r>
+            </a:p>
+            <a:p>
+              <a:pPr algn="ctr"/>
+              <a:r>
+                <a:rPr lang="en-US" dirty="0">
+                  <a:solidFill>
+                    <a:srgbClr val="024D80"/>
+                  </a:solidFill>
+                  <a:latin typeface="Microsoft PhagsPa" panose="020B0502040204020203" pitchFamily="34" charset="0"/>
+                </a:rPr>
+                <a:t>pasta</a:t>
+              </a:r>
+            </a:p>
+            <a:p>
+              <a:pPr algn="ctr"/>
+              <a:r>
+                <a:rPr lang="en-US" dirty="0">
+                  <a:solidFill>
+                    <a:srgbClr val="024D80"/>
+                  </a:solidFill>
+                  <a:latin typeface="Microsoft PhagsPa" panose="020B0502040204020203" pitchFamily="34" charset="0"/>
+                </a:rPr>
+                <a:t>pasta</a:t>
+              </a:r>
+            </a:p>
+            <a:p>
+              <a:pPr algn="ctr"/>
+              <a:r>
+                <a:rPr lang="en-US" dirty="0">
+                  <a:solidFill>
+                    <a:srgbClr val="024D80"/>
+                  </a:solidFill>
+                  <a:latin typeface="Microsoft PhagsPa" panose="020B0502040204020203" pitchFamily="34" charset="0"/>
+                </a:rPr>
+                <a:t>pizza</a:t>
+              </a:r>
+            </a:p>
+          </p:txBody>
+        </p:sp>
+        <p:sp>
+          <p:nvSpPr>
+            <p:cNvPr id="45" name="CaixaDeTexto 44">
+              <a:extLst>
+                <a:ext uri="{FF2B5EF4-FFF2-40B4-BE49-F238E27FC236}">
+                  <a16:creationId xmlns:a16="http://schemas.microsoft.com/office/drawing/2014/main" id="{15805E4F-2D59-447C-9787-CB68B076E1AF}"/>
+                </a:ext>
+              </a:extLst>
+            </p:cNvPr>
+            <p:cNvSpPr txBox="1"/>
+            <p:nvPr/>
+          </p:nvSpPr>
+          <p:spPr>
+            <a:xfrm>
+              <a:off x="6684786" y="2396421"/>
+              <a:ext cx="1170513" cy="1477328"/>
+            </a:xfrm>
+            <a:prstGeom prst="rect">
+              <a:avLst/>
+            </a:prstGeom>
+            <a:noFill/>
+          </p:spPr>
+          <p:txBody>
+            <a:bodyPr wrap="none" rtlCol="0">
+              <a:spAutoFit/>
+            </a:bodyPr>
+            <a:lstStyle/>
+            <a:p>
+              <a:pPr algn="ctr"/>
+              <a:r>
+                <a:rPr lang="en-US" dirty="0">
+                  <a:solidFill>
+                    <a:srgbClr val="024D80"/>
+                  </a:solidFill>
+                  <a:latin typeface="Microsoft PhagsPa" panose="020B0502040204020203" pitchFamily="34" charset="0"/>
+                </a:rPr>
+                <a:t>pizza</a:t>
+              </a:r>
+            </a:p>
+            <a:p>
+              <a:pPr algn="ctr"/>
+              <a:r>
+                <a:rPr lang="en-US" dirty="0">
+                  <a:solidFill>
+                    <a:srgbClr val="8C1C16"/>
+                  </a:solidFill>
+                  <a:latin typeface="Microsoft PhagsPa" panose="020B0502040204020203" pitchFamily="34" charset="0"/>
+                </a:rPr>
+                <a:t>computer</a:t>
+              </a:r>
+            </a:p>
+            <a:p>
+              <a:pPr algn="ctr"/>
+              <a:r>
+                <a:rPr lang="en-US" dirty="0">
+                  <a:solidFill>
+                    <a:srgbClr val="024D80"/>
+                  </a:solidFill>
+                  <a:latin typeface="Microsoft PhagsPa" panose="020B0502040204020203" pitchFamily="34" charset="0"/>
+                </a:rPr>
+                <a:t>pasta</a:t>
+              </a:r>
+            </a:p>
+            <a:p>
+              <a:pPr algn="ctr"/>
+              <a:r>
+                <a:rPr lang="en-US" dirty="0">
+                  <a:solidFill>
+                    <a:srgbClr val="B58603"/>
+                  </a:solidFill>
+                  <a:latin typeface="Microsoft PhagsPa" panose="020B0502040204020203" pitchFamily="34" charset="0"/>
+                </a:rPr>
+                <a:t>ball</a:t>
+              </a:r>
+            </a:p>
+            <a:p>
+              <a:pPr algn="ctr"/>
+              <a:r>
+                <a:rPr lang="en-US" dirty="0">
+                  <a:solidFill>
+                    <a:srgbClr val="8C1C16"/>
+                  </a:solidFill>
+                  <a:latin typeface="Microsoft PhagsPa" panose="020B0502040204020203" pitchFamily="34" charset="0"/>
+                </a:rPr>
+                <a:t>phone</a:t>
+              </a:r>
+            </a:p>
+          </p:txBody>
+        </p:sp>
+        <p:sp>
+          <p:nvSpPr>
+            <p:cNvPr id="46" name="CaixaDeTexto 45">
+              <a:extLst>
+                <a:ext uri="{FF2B5EF4-FFF2-40B4-BE49-F238E27FC236}">
+                  <a16:creationId xmlns:a16="http://schemas.microsoft.com/office/drawing/2014/main" id="{F133DCD2-2530-46DE-A42B-AF28EA73A210}"/>
+                </a:ext>
+              </a:extLst>
+            </p:cNvPr>
+            <p:cNvSpPr txBox="1"/>
+            <p:nvPr/>
+          </p:nvSpPr>
+          <p:spPr>
+            <a:xfrm>
+              <a:off x="9032415" y="2396421"/>
+              <a:ext cx="1170512" cy="1477328"/>
+            </a:xfrm>
+            <a:prstGeom prst="rect">
+              <a:avLst/>
+            </a:prstGeom>
+            <a:noFill/>
+          </p:spPr>
+          <p:txBody>
+            <a:bodyPr wrap="none" rtlCol="0">
+              <a:spAutoFit/>
+            </a:bodyPr>
+            <a:lstStyle/>
+            <a:p>
+              <a:pPr algn="ctr"/>
+              <a:r>
+                <a:rPr lang="en-US" dirty="0">
+                  <a:solidFill>
+                    <a:srgbClr val="8C1C16"/>
+                  </a:solidFill>
+                  <a:latin typeface="Microsoft PhagsPa" panose="020B0502040204020203" pitchFamily="34" charset="0"/>
+                </a:rPr>
+                <a:t>phone</a:t>
+              </a:r>
+            </a:p>
+            <a:p>
+              <a:pPr algn="ctr"/>
+              <a:r>
+                <a:rPr lang="en-US" dirty="0">
+                  <a:solidFill>
+                    <a:srgbClr val="024D80"/>
+                  </a:solidFill>
+                  <a:latin typeface="Microsoft PhagsPa" panose="020B0502040204020203" pitchFamily="34" charset="0"/>
+                </a:rPr>
+                <a:t>pizza</a:t>
+              </a:r>
+            </a:p>
+            <a:p>
+              <a:pPr algn="ctr"/>
+              <a:r>
+                <a:rPr lang="en-US" dirty="0">
+                  <a:solidFill>
+                    <a:srgbClr val="8C1C16"/>
+                  </a:solidFill>
+                  <a:latin typeface="Microsoft PhagsPa" panose="020B0502040204020203" pitchFamily="34" charset="0"/>
+                </a:rPr>
+                <a:t>computer</a:t>
+              </a:r>
+            </a:p>
+            <a:p>
+              <a:pPr algn="ctr"/>
+              <a:r>
+                <a:rPr lang="en-US" dirty="0">
+                  <a:solidFill>
+                    <a:srgbClr val="8C1C16"/>
+                  </a:solidFill>
+                  <a:latin typeface="Microsoft PhagsPa" panose="020B0502040204020203" pitchFamily="34" charset="0"/>
+                </a:rPr>
+                <a:t>phone</a:t>
+              </a:r>
+            </a:p>
+            <a:p>
+              <a:pPr algn="ctr"/>
+              <a:r>
+                <a:rPr lang="en-US" dirty="0">
+                  <a:solidFill>
+                    <a:srgbClr val="8C1C16"/>
+                  </a:solidFill>
+                  <a:latin typeface="Microsoft PhagsPa" panose="020B0502040204020203" pitchFamily="34" charset="0"/>
+                </a:rPr>
+                <a:t>computer</a:t>
+              </a:r>
+            </a:p>
+          </p:txBody>
+        </p:sp>
+      </p:grpSp>
+    </p:spTree>
+    <p:extLst>
+      <p:ext uri="{BB962C8B-B14F-4D97-AF65-F5344CB8AC3E}">
+        <p14:creationId xmlns:p14="http://schemas.microsoft.com/office/powerpoint/2010/main" val="21022951"/>
+      </p:ext>
+    </p:extLst>
+  </p:cSld>
+  <p:clrMapOvr>
+    <a:masterClrMapping/>
+  </p:clrMapOvr>
+</p:sld>
+</file>
+
 <file path=ppt/theme/theme1.xml><?xml version="1.0" encoding="utf-8"?>
 <a:theme xmlns:a="http://schemas.openxmlformats.org/drawingml/2006/main" name="Tema do Office">
   <a:themeElements>

--- a/report/01.Chapters/02.Background/figures.pptx
+++ b/report/01.Chapters/02.Background/figures.pptx
@@ -8,6 +8,9 @@
     <p:sldId id="256" r:id="rId2"/>
     <p:sldId id="257" r:id="rId3"/>
     <p:sldId id="258" r:id="rId4"/>
+    <p:sldId id="259" r:id="rId5"/>
+    <p:sldId id="261" r:id="rId6"/>
+    <p:sldId id="262" r:id="rId7"/>
   </p:sldIdLst>
   <p:sldSz cx="12192000" cy="6858000"/>
   <p:notesSz cx="6858000" cy="9144000"/>
@@ -136,7 +139,7 @@
           <p:cNvPr id="2" name="Título 1">
             <a:extLst>
               <a:ext uri="{FF2B5EF4-FFF2-40B4-BE49-F238E27FC236}">
-                <a16:creationId xmlns:a16="http://schemas.microsoft.com/office/drawing/2014/main" id="{FB1B10C7-1225-4B50-9E89-291790A05853}"/>
+                <a16:creationId xmlns:a16="http://schemas.microsoft.com/office/drawing/2014/main" xmlns="" id="{FB1B10C7-1225-4B50-9E89-291790A05853}"/>
               </a:ext>
             </a:extLst>
           </p:cNvPr>
@@ -173,7 +176,7 @@
           <p:cNvPr id="3" name="Subtítulo 2">
             <a:extLst>
               <a:ext uri="{FF2B5EF4-FFF2-40B4-BE49-F238E27FC236}">
-                <a16:creationId xmlns:a16="http://schemas.microsoft.com/office/drawing/2014/main" id="{04B8B8B1-2D6C-4C93-A8EE-584EF35CA37E}"/>
+                <a16:creationId xmlns:a16="http://schemas.microsoft.com/office/drawing/2014/main" xmlns="" id="{04B8B8B1-2D6C-4C93-A8EE-584EF35CA37E}"/>
               </a:ext>
             </a:extLst>
           </p:cNvPr>
@@ -243,7 +246,7 @@
           <p:cNvPr id="4" name="Espaço Reservado para Data 3">
             <a:extLst>
               <a:ext uri="{FF2B5EF4-FFF2-40B4-BE49-F238E27FC236}">
-                <a16:creationId xmlns:a16="http://schemas.microsoft.com/office/drawing/2014/main" id="{EB5CFBF8-AE11-405D-A65D-4FD645DF2E92}"/>
+                <a16:creationId xmlns:a16="http://schemas.microsoft.com/office/drawing/2014/main" xmlns="" id="{EB5CFBF8-AE11-405D-A65D-4FD645DF2E92}"/>
               </a:ext>
             </a:extLst>
           </p:cNvPr>
@@ -261,7 +264,7 @@
           <a:p>
             <a:fld id="{6DBDA6B4-5921-4F28-BD94-5691BC1A6D75}" type="datetimeFigureOut">
               <a:rPr lang="pt-BR" smtClean="0"/>
-              <a:t>27/06/2020</a:t>
+              <a:t>12/10/2020</a:t>
             </a:fld>
             <a:endParaRPr lang="pt-BR"/>
           </a:p>
@@ -272,7 +275,7 @@
           <p:cNvPr id="5" name="Espaço Reservado para Rodapé 4">
             <a:extLst>
               <a:ext uri="{FF2B5EF4-FFF2-40B4-BE49-F238E27FC236}">
-                <a16:creationId xmlns:a16="http://schemas.microsoft.com/office/drawing/2014/main" id="{5730134D-0557-465A-8526-0516B00BF500}"/>
+                <a16:creationId xmlns:a16="http://schemas.microsoft.com/office/drawing/2014/main" xmlns="" id="{5730134D-0557-465A-8526-0516B00BF500}"/>
               </a:ext>
             </a:extLst>
           </p:cNvPr>
@@ -297,7 +300,7 @@
           <p:cNvPr id="6" name="Espaço Reservado para Número de Slide 5">
             <a:extLst>
               <a:ext uri="{FF2B5EF4-FFF2-40B4-BE49-F238E27FC236}">
-                <a16:creationId xmlns:a16="http://schemas.microsoft.com/office/drawing/2014/main" id="{C41CBB1F-9676-49C5-BA41-10496A98A6BB}"/>
+                <a16:creationId xmlns:a16="http://schemas.microsoft.com/office/drawing/2014/main" xmlns="" id="{C41CBB1F-9676-49C5-BA41-10496A98A6BB}"/>
               </a:ext>
             </a:extLst>
           </p:cNvPr>
@@ -356,7 +359,7 @@
           <p:cNvPr id="2" name="Título 1">
             <a:extLst>
               <a:ext uri="{FF2B5EF4-FFF2-40B4-BE49-F238E27FC236}">
-                <a16:creationId xmlns:a16="http://schemas.microsoft.com/office/drawing/2014/main" id="{F575EB97-86C9-499E-8E30-31AE6C230B68}"/>
+                <a16:creationId xmlns:a16="http://schemas.microsoft.com/office/drawing/2014/main" xmlns="" id="{F575EB97-86C9-499E-8E30-31AE6C230B68}"/>
               </a:ext>
             </a:extLst>
           </p:cNvPr>
@@ -384,7 +387,7 @@
           <p:cNvPr id="3" name="Espaço Reservado para Texto Vertical 2">
             <a:extLst>
               <a:ext uri="{FF2B5EF4-FFF2-40B4-BE49-F238E27FC236}">
-                <a16:creationId xmlns:a16="http://schemas.microsoft.com/office/drawing/2014/main" id="{6FEBD76D-B11A-44B6-A4FC-88B4DC84449A}"/>
+                <a16:creationId xmlns:a16="http://schemas.microsoft.com/office/drawing/2014/main" xmlns="" id="{6FEBD76D-B11A-44B6-A4FC-88B4DC84449A}"/>
               </a:ext>
             </a:extLst>
           </p:cNvPr>
@@ -441,7 +444,7 @@
           <p:cNvPr id="4" name="Espaço Reservado para Data 3">
             <a:extLst>
               <a:ext uri="{FF2B5EF4-FFF2-40B4-BE49-F238E27FC236}">
-                <a16:creationId xmlns:a16="http://schemas.microsoft.com/office/drawing/2014/main" id="{77F64D25-F8AD-4AE4-B886-63D46B49DCE6}"/>
+                <a16:creationId xmlns:a16="http://schemas.microsoft.com/office/drawing/2014/main" xmlns="" id="{77F64D25-F8AD-4AE4-B886-63D46B49DCE6}"/>
               </a:ext>
             </a:extLst>
           </p:cNvPr>
@@ -459,7 +462,7 @@
           <a:p>
             <a:fld id="{6DBDA6B4-5921-4F28-BD94-5691BC1A6D75}" type="datetimeFigureOut">
               <a:rPr lang="pt-BR" smtClean="0"/>
-              <a:t>27/06/2020</a:t>
+              <a:t>12/10/2020</a:t>
             </a:fld>
             <a:endParaRPr lang="pt-BR"/>
           </a:p>
@@ -470,7 +473,7 @@
           <p:cNvPr id="5" name="Espaço Reservado para Rodapé 4">
             <a:extLst>
               <a:ext uri="{FF2B5EF4-FFF2-40B4-BE49-F238E27FC236}">
-                <a16:creationId xmlns:a16="http://schemas.microsoft.com/office/drawing/2014/main" id="{5D83FFBB-0D10-4FAB-985A-AD465CDEB222}"/>
+                <a16:creationId xmlns:a16="http://schemas.microsoft.com/office/drawing/2014/main" xmlns="" id="{5D83FFBB-0D10-4FAB-985A-AD465CDEB222}"/>
               </a:ext>
             </a:extLst>
           </p:cNvPr>
@@ -495,7 +498,7 @@
           <p:cNvPr id="6" name="Espaço Reservado para Número de Slide 5">
             <a:extLst>
               <a:ext uri="{FF2B5EF4-FFF2-40B4-BE49-F238E27FC236}">
-                <a16:creationId xmlns:a16="http://schemas.microsoft.com/office/drawing/2014/main" id="{972D37E5-0750-4B2C-8076-EBE2CEF4648B}"/>
+                <a16:creationId xmlns:a16="http://schemas.microsoft.com/office/drawing/2014/main" xmlns="" id="{972D37E5-0750-4B2C-8076-EBE2CEF4648B}"/>
               </a:ext>
             </a:extLst>
           </p:cNvPr>
@@ -554,7 +557,7 @@
           <p:cNvPr id="2" name="Título Vertical 1">
             <a:extLst>
               <a:ext uri="{FF2B5EF4-FFF2-40B4-BE49-F238E27FC236}">
-                <a16:creationId xmlns:a16="http://schemas.microsoft.com/office/drawing/2014/main" id="{2E0633BC-5DE9-4BBA-9281-CC189218EEC9}"/>
+                <a16:creationId xmlns:a16="http://schemas.microsoft.com/office/drawing/2014/main" xmlns="" id="{2E0633BC-5DE9-4BBA-9281-CC189218EEC9}"/>
               </a:ext>
             </a:extLst>
           </p:cNvPr>
@@ -587,7 +590,7 @@
           <p:cNvPr id="3" name="Espaço Reservado para Texto Vertical 2">
             <a:extLst>
               <a:ext uri="{FF2B5EF4-FFF2-40B4-BE49-F238E27FC236}">
-                <a16:creationId xmlns:a16="http://schemas.microsoft.com/office/drawing/2014/main" id="{B19DD39C-697F-4D80-A29D-AFBE5883178B}"/>
+                <a16:creationId xmlns:a16="http://schemas.microsoft.com/office/drawing/2014/main" xmlns="" id="{B19DD39C-697F-4D80-A29D-AFBE5883178B}"/>
               </a:ext>
             </a:extLst>
           </p:cNvPr>
@@ -649,7 +652,7 @@
           <p:cNvPr id="4" name="Espaço Reservado para Data 3">
             <a:extLst>
               <a:ext uri="{FF2B5EF4-FFF2-40B4-BE49-F238E27FC236}">
-                <a16:creationId xmlns:a16="http://schemas.microsoft.com/office/drawing/2014/main" id="{A6B27CBC-49BA-4B47-B446-2F756CF6787E}"/>
+                <a16:creationId xmlns:a16="http://schemas.microsoft.com/office/drawing/2014/main" xmlns="" id="{A6B27CBC-49BA-4B47-B446-2F756CF6787E}"/>
               </a:ext>
             </a:extLst>
           </p:cNvPr>
@@ -667,7 +670,7 @@
           <a:p>
             <a:fld id="{6DBDA6B4-5921-4F28-BD94-5691BC1A6D75}" type="datetimeFigureOut">
               <a:rPr lang="pt-BR" smtClean="0"/>
-              <a:t>27/06/2020</a:t>
+              <a:t>12/10/2020</a:t>
             </a:fld>
             <a:endParaRPr lang="pt-BR"/>
           </a:p>
@@ -678,7 +681,7 @@
           <p:cNvPr id="5" name="Espaço Reservado para Rodapé 4">
             <a:extLst>
               <a:ext uri="{FF2B5EF4-FFF2-40B4-BE49-F238E27FC236}">
-                <a16:creationId xmlns:a16="http://schemas.microsoft.com/office/drawing/2014/main" id="{A98D9C98-3A9B-4E9B-A877-07F8C15848EB}"/>
+                <a16:creationId xmlns:a16="http://schemas.microsoft.com/office/drawing/2014/main" xmlns="" id="{A98D9C98-3A9B-4E9B-A877-07F8C15848EB}"/>
               </a:ext>
             </a:extLst>
           </p:cNvPr>
@@ -703,7 +706,7 @@
           <p:cNvPr id="6" name="Espaço Reservado para Número de Slide 5">
             <a:extLst>
               <a:ext uri="{FF2B5EF4-FFF2-40B4-BE49-F238E27FC236}">
-                <a16:creationId xmlns:a16="http://schemas.microsoft.com/office/drawing/2014/main" id="{61DF28C2-175E-4DA6-BA7A-B76F0378C536}"/>
+                <a16:creationId xmlns:a16="http://schemas.microsoft.com/office/drawing/2014/main" xmlns="" id="{61DF28C2-175E-4DA6-BA7A-B76F0378C536}"/>
               </a:ext>
             </a:extLst>
           </p:cNvPr>
@@ -762,7 +765,7 @@
           <p:cNvPr id="2" name="Título 1">
             <a:extLst>
               <a:ext uri="{FF2B5EF4-FFF2-40B4-BE49-F238E27FC236}">
-                <a16:creationId xmlns:a16="http://schemas.microsoft.com/office/drawing/2014/main" id="{9F085C52-BFD1-4D03-8E4D-CD0DA0453291}"/>
+                <a16:creationId xmlns:a16="http://schemas.microsoft.com/office/drawing/2014/main" xmlns="" id="{9F085C52-BFD1-4D03-8E4D-CD0DA0453291}"/>
               </a:ext>
             </a:extLst>
           </p:cNvPr>
@@ -790,7 +793,7 @@
           <p:cNvPr id="3" name="Espaço Reservado para Conteúdo 2">
             <a:extLst>
               <a:ext uri="{FF2B5EF4-FFF2-40B4-BE49-F238E27FC236}">
-                <a16:creationId xmlns:a16="http://schemas.microsoft.com/office/drawing/2014/main" id="{2DC98CDF-9646-412F-B972-7435FB674746}"/>
+                <a16:creationId xmlns:a16="http://schemas.microsoft.com/office/drawing/2014/main" xmlns="" id="{2DC98CDF-9646-412F-B972-7435FB674746}"/>
               </a:ext>
             </a:extLst>
           </p:cNvPr>
@@ -847,7 +850,7 @@
           <p:cNvPr id="4" name="Espaço Reservado para Data 3">
             <a:extLst>
               <a:ext uri="{FF2B5EF4-FFF2-40B4-BE49-F238E27FC236}">
-                <a16:creationId xmlns:a16="http://schemas.microsoft.com/office/drawing/2014/main" id="{4E201D0C-7D9E-4D36-98FD-1B878582EBD8}"/>
+                <a16:creationId xmlns:a16="http://schemas.microsoft.com/office/drawing/2014/main" xmlns="" id="{4E201D0C-7D9E-4D36-98FD-1B878582EBD8}"/>
               </a:ext>
             </a:extLst>
           </p:cNvPr>
@@ -865,7 +868,7 @@
           <a:p>
             <a:fld id="{6DBDA6B4-5921-4F28-BD94-5691BC1A6D75}" type="datetimeFigureOut">
               <a:rPr lang="pt-BR" smtClean="0"/>
-              <a:t>27/06/2020</a:t>
+              <a:t>12/10/2020</a:t>
             </a:fld>
             <a:endParaRPr lang="pt-BR"/>
           </a:p>
@@ -876,7 +879,7 @@
           <p:cNvPr id="5" name="Espaço Reservado para Rodapé 4">
             <a:extLst>
               <a:ext uri="{FF2B5EF4-FFF2-40B4-BE49-F238E27FC236}">
-                <a16:creationId xmlns:a16="http://schemas.microsoft.com/office/drawing/2014/main" id="{8E101CEE-27DE-4C33-8A2D-3F8FEE8E755F}"/>
+                <a16:creationId xmlns:a16="http://schemas.microsoft.com/office/drawing/2014/main" xmlns="" id="{8E101CEE-27DE-4C33-8A2D-3F8FEE8E755F}"/>
               </a:ext>
             </a:extLst>
           </p:cNvPr>
@@ -901,7 +904,7 @@
           <p:cNvPr id="6" name="Espaço Reservado para Número de Slide 5">
             <a:extLst>
               <a:ext uri="{FF2B5EF4-FFF2-40B4-BE49-F238E27FC236}">
-                <a16:creationId xmlns:a16="http://schemas.microsoft.com/office/drawing/2014/main" id="{C69620D0-6C1E-4EB5-BBAD-1BC612FFC8D6}"/>
+                <a16:creationId xmlns:a16="http://schemas.microsoft.com/office/drawing/2014/main" xmlns="" id="{C69620D0-6C1E-4EB5-BBAD-1BC612FFC8D6}"/>
               </a:ext>
             </a:extLst>
           </p:cNvPr>
@@ -960,7 +963,7 @@
           <p:cNvPr id="2" name="Título 1">
             <a:extLst>
               <a:ext uri="{FF2B5EF4-FFF2-40B4-BE49-F238E27FC236}">
-                <a16:creationId xmlns:a16="http://schemas.microsoft.com/office/drawing/2014/main" id="{E129868B-4B4C-471C-A84D-C2FC14AAD955}"/>
+                <a16:creationId xmlns:a16="http://schemas.microsoft.com/office/drawing/2014/main" xmlns="" id="{E129868B-4B4C-471C-A84D-C2FC14AAD955}"/>
               </a:ext>
             </a:extLst>
           </p:cNvPr>
@@ -997,7 +1000,7 @@
           <p:cNvPr id="3" name="Espaço Reservado para Texto 2">
             <a:extLst>
               <a:ext uri="{FF2B5EF4-FFF2-40B4-BE49-F238E27FC236}">
-                <a16:creationId xmlns:a16="http://schemas.microsoft.com/office/drawing/2014/main" id="{CC61FC64-84D8-4A75-910B-4ACBB96B9EB6}"/>
+                <a16:creationId xmlns:a16="http://schemas.microsoft.com/office/drawing/2014/main" xmlns="" id="{CC61FC64-84D8-4A75-910B-4ACBB96B9EB6}"/>
               </a:ext>
             </a:extLst>
           </p:cNvPr>
@@ -1122,7 +1125,7 @@
           <p:cNvPr id="4" name="Espaço Reservado para Data 3">
             <a:extLst>
               <a:ext uri="{FF2B5EF4-FFF2-40B4-BE49-F238E27FC236}">
-                <a16:creationId xmlns:a16="http://schemas.microsoft.com/office/drawing/2014/main" id="{EEB7DDC3-DAEC-4F4E-B0F9-01506865FC2C}"/>
+                <a16:creationId xmlns:a16="http://schemas.microsoft.com/office/drawing/2014/main" xmlns="" id="{EEB7DDC3-DAEC-4F4E-B0F9-01506865FC2C}"/>
               </a:ext>
             </a:extLst>
           </p:cNvPr>
@@ -1140,7 +1143,7 @@
           <a:p>
             <a:fld id="{6DBDA6B4-5921-4F28-BD94-5691BC1A6D75}" type="datetimeFigureOut">
               <a:rPr lang="pt-BR" smtClean="0"/>
-              <a:t>27/06/2020</a:t>
+              <a:t>12/10/2020</a:t>
             </a:fld>
             <a:endParaRPr lang="pt-BR"/>
           </a:p>
@@ -1151,7 +1154,7 @@
           <p:cNvPr id="5" name="Espaço Reservado para Rodapé 4">
             <a:extLst>
               <a:ext uri="{FF2B5EF4-FFF2-40B4-BE49-F238E27FC236}">
-                <a16:creationId xmlns:a16="http://schemas.microsoft.com/office/drawing/2014/main" id="{8E7872C3-0989-4A0A-B695-F00FBC9C52F8}"/>
+                <a16:creationId xmlns:a16="http://schemas.microsoft.com/office/drawing/2014/main" xmlns="" id="{8E7872C3-0989-4A0A-B695-F00FBC9C52F8}"/>
               </a:ext>
             </a:extLst>
           </p:cNvPr>
@@ -1176,7 +1179,7 @@
           <p:cNvPr id="6" name="Espaço Reservado para Número de Slide 5">
             <a:extLst>
               <a:ext uri="{FF2B5EF4-FFF2-40B4-BE49-F238E27FC236}">
-                <a16:creationId xmlns:a16="http://schemas.microsoft.com/office/drawing/2014/main" id="{D0360F45-4C74-4E8C-B605-DB2BD2875038}"/>
+                <a16:creationId xmlns:a16="http://schemas.microsoft.com/office/drawing/2014/main" xmlns="" id="{D0360F45-4C74-4E8C-B605-DB2BD2875038}"/>
               </a:ext>
             </a:extLst>
           </p:cNvPr>
@@ -1235,7 +1238,7 @@
           <p:cNvPr id="2" name="Título 1">
             <a:extLst>
               <a:ext uri="{FF2B5EF4-FFF2-40B4-BE49-F238E27FC236}">
-                <a16:creationId xmlns:a16="http://schemas.microsoft.com/office/drawing/2014/main" id="{957854C7-3251-4147-B0C4-737748B6C656}"/>
+                <a16:creationId xmlns:a16="http://schemas.microsoft.com/office/drawing/2014/main" xmlns="" id="{957854C7-3251-4147-B0C4-737748B6C656}"/>
               </a:ext>
             </a:extLst>
           </p:cNvPr>
@@ -1263,7 +1266,7 @@
           <p:cNvPr id="3" name="Espaço Reservado para Conteúdo 2">
             <a:extLst>
               <a:ext uri="{FF2B5EF4-FFF2-40B4-BE49-F238E27FC236}">
-                <a16:creationId xmlns:a16="http://schemas.microsoft.com/office/drawing/2014/main" id="{2677B7FA-4E06-41BA-8F74-A91BDA8F4E2A}"/>
+                <a16:creationId xmlns:a16="http://schemas.microsoft.com/office/drawing/2014/main" xmlns="" id="{2677B7FA-4E06-41BA-8F74-A91BDA8F4E2A}"/>
               </a:ext>
             </a:extLst>
           </p:cNvPr>
@@ -1325,7 +1328,7 @@
           <p:cNvPr id="4" name="Espaço Reservado para Conteúdo 3">
             <a:extLst>
               <a:ext uri="{FF2B5EF4-FFF2-40B4-BE49-F238E27FC236}">
-                <a16:creationId xmlns:a16="http://schemas.microsoft.com/office/drawing/2014/main" id="{3442BFB2-493E-4571-BD8F-A4122AAE4C3C}"/>
+                <a16:creationId xmlns:a16="http://schemas.microsoft.com/office/drawing/2014/main" xmlns="" id="{3442BFB2-493E-4571-BD8F-A4122AAE4C3C}"/>
               </a:ext>
             </a:extLst>
           </p:cNvPr>
@@ -1387,7 +1390,7 @@
           <p:cNvPr id="5" name="Espaço Reservado para Data 4">
             <a:extLst>
               <a:ext uri="{FF2B5EF4-FFF2-40B4-BE49-F238E27FC236}">
-                <a16:creationId xmlns:a16="http://schemas.microsoft.com/office/drawing/2014/main" id="{487C3844-9494-460C-BB17-AF466E3C729F}"/>
+                <a16:creationId xmlns:a16="http://schemas.microsoft.com/office/drawing/2014/main" xmlns="" id="{487C3844-9494-460C-BB17-AF466E3C729F}"/>
               </a:ext>
             </a:extLst>
           </p:cNvPr>
@@ -1405,7 +1408,7 @@
           <a:p>
             <a:fld id="{6DBDA6B4-5921-4F28-BD94-5691BC1A6D75}" type="datetimeFigureOut">
               <a:rPr lang="pt-BR" smtClean="0"/>
-              <a:t>27/06/2020</a:t>
+              <a:t>12/10/2020</a:t>
             </a:fld>
             <a:endParaRPr lang="pt-BR"/>
           </a:p>
@@ -1416,7 +1419,7 @@
           <p:cNvPr id="6" name="Espaço Reservado para Rodapé 5">
             <a:extLst>
               <a:ext uri="{FF2B5EF4-FFF2-40B4-BE49-F238E27FC236}">
-                <a16:creationId xmlns:a16="http://schemas.microsoft.com/office/drawing/2014/main" id="{A606DFEF-5775-4F7E-BA18-FADF60C89F67}"/>
+                <a16:creationId xmlns:a16="http://schemas.microsoft.com/office/drawing/2014/main" xmlns="" id="{A606DFEF-5775-4F7E-BA18-FADF60C89F67}"/>
               </a:ext>
             </a:extLst>
           </p:cNvPr>
@@ -1441,7 +1444,7 @@
           <p:cNvPr id="7" name="Espaço Reservado para Número de Slide 6">
             <a:extLst>
               <a:ext uri="{FF2B5EF4-FFF2-40B4-BE49-F238E27FC236}">
-                <a16:creationId xmlns:a16="http://schemas.microsoft.com/office/drawing/2014/main" id="{2FAF5DAD-EE50-4BE5-9CAD-89EF2D8EE8F7}"/>
+                <a16:creationId xmlns:a16="http://schemas.microsoft.com/office/drawing/2014/main" xmlns="" id="{2FAF5DAD-EE50-4BE5-9CAD-89EF2D8EE8F7}"/>
               </a:ext>
             </a:extLst>
           </p:cNvPr>
@@ -1500,7 +1503,7 @@
           <p:cNvPr id="2" name="Título 1">
             <a:extLst>
               <a:ext uri="{FF2B5EF4-FFF2-40B4-BE49-F238E27FC236}">
-                <a16:creationId xmlns:a16="http://schemas.microsoft.com/office/drawing/2014/main" id="{136F161B-260C-4531-B9B1-A2BCFEFD3FAE}"/>
+                <a16:creationId xmlns:a16="http://schemas.microsoft.com/office/drawing/2014/main" xmlns="" id="{136F161B-260C-4531-B9B1-A2BCFEFD3FAE}"/>
               </a:ext>
             </a:extLst>
           </p:cNvPr>
@@ -1533,7 +1536,7 @@
           <p:cNvPr id="3" name="Espaço Reservado para Texto 2">
             <a:extLst>
               <a:ext uri="{FF2B5EF4-FFF2-40B4-BE49-F238E27FC236}">
-                <a16:creationId xmlns:a16="http://schemas.microsoft.com/office/drawing/2014/main" id="{CD552CAC-91E3-4C68-9C4B-727BE9934301}"/>
+                <a16:creationId xmlns:a16="http://schemas.microsoft.com/office/drawing/2014/main" xmlns="" id="{CD552CAC-91E3-4C68-9C4B-727BE9934301}"/>
               </a:ext>
             </a:extLst>
           </p:cNvPr>
@@ -1604,7 +1607,7 @@
           <p:cNvPr id="4" name="Espaço Reservado para Conteúdo 3">
             <a:extLst>
               <a:ext uri="{FF2B5EF4-FFF2-40B4-BE49-F238E27FC236}">
-                <a16:creationId xmlns:a16="http://schemas.microsoft.com/office/drawing/2014/main" id="{DB6CFB7A-B397-4DB1-A741-E1E1CFFCC2F8}"/>
+                <a16:creationId xmlns:a16="http://schemas.microsoft.com/office/drawing/2014/main" xmlns="" id="{DB6CFB7A-B397-4DB1-A741-E1E1CFFCC2F8}"/>
               </a:ext>
             </a:extLst>
           </p:cNvPr>
@@ -1666,7 +1669,7 @@
           <p:cNvPr id="5" name="Espaço Reservado para Texto 4">
             <a:extLst>
               <a:ext uri="{FF2B5EF4-FFF2-40B4-BE49-F238E27FC236}">
-                <a16:creationId xmlns:a16="http://schemas.microsoft.com/office/drawing/2014/main" id="{36DE737F-7198-4408-831D-368890509880}"/>
+                <a16:creationId xmlns:a16="http://schemas.microsoft.com/office/drawing/2014/main" xmlns="" id="{36DE737F-7198-4408-831D-368890509880}"/>
               </a:ext>
             </a:extLst>
           </p:cNvPr>
@@ -1737,7 +1740,7 @@
           <p:cNvPr id="6" name="Espaço Reservado para Conteúdo 5">
             <a:extLst>
               <a:ext uri="{FF2B5EF4-FFF2-40B4-BE49-F238E27FC236}">
-                <a16:creationId xmlns:a16="http://schemas.microsoft.com/office/drawing/2014/main" id="{714BBD75-99FD-4BF8-83C0-E38E00416024}"/>
+                <a16:creationId xmlns:a16="http://schemas.microsoft.com/office/drawing/2014/main" xmlns="" id="{714BBD75-99FD-4BF8-83C0-E38E00416024}"/>
               </a:ext>
             </a:extLst>
           </p:cNvPr>
@@ -1799,7 +1802,7 @@
           <p:cNvPr id="7" name="Espaço Reservado para Data 6">
             <a:extLst>
               <a:ext uri="{FF2B5EF4-FFF2-40B4-BE49-F238E27FC236}">
-                <a16:creationId xmlns:a16="http://schemas.microsoft.com/office/drawing/2014/main" id="{6D3FB8FD-9BC4-4D72-8EE4-559FF43158AB}"/>
+                <a16:creationId xmlns:a16="http://schemas.microsoft.com/office/drawing/2014/main" xmlns="" id="{6D3FB8FD-9BC4-4D72-8EE4-559FF43158AB}"/>
               </a:ext>
             </a:extLst>
           </p:cNvPr>
@@ -1817,7 +1820,7 @@
           <a:p>
             <a:fld id="{6DBDA6B4-5921-4F28-BD94-5691BC1A6D75}" type="datetimeFigureOut">
               <a:rPr lang="pt-BR" smtClean="0"/>
-              <a:t>27/06/2020</a:t>
+              <a:t>12/10/2020</a:t>
             </a:fld>
             <a:endParaRPr lang="pt-BR"/>
           </a:p>
@@ -1828,7 +1831,7 @@
           <p:cNvPr id="8" name="Espaço Reservado para Rodapé 7">
             <a:extLst>
               <a:ext uri="{FF2B5EF4-FFF2-40B4-BE49-F238E27FC236}">
-                <a16:creationId xmlns:a16="http://schemas.microsoft.com/office/drawing/2014/main" id="{1CD126B6-5F14-4A65-AD69-88FF995BA6F6}"/>
+                <a16:creationId xmlns:a16="http://schemas.microsoft.com/office/drawing/2014/main" xmlns="" id="{1CD126B6-5F14-4A65-AD69-88FF995BA6F6}"/>
               </a:ext>
             </a:extLst>
           </p:cNvPr>
@@ -1853,7 +1856,7 @@
           <p:cNvPr id="9" name="Espaço Reservado para Número de Slide 8">
             <a:extLst>
               <a:ext uri="{FF2B5EF4-FFF2-40B4-BE49-F238E27FC236}">
-                <a16:creationId xmlns:a16="http://schemas.microsoft.com/office/drawing/2014/main" id="{D1EBACB3-9D35-4600-9C5F-6AE3D4BD6EE2}"/>
+                <a16:creationId xmlns:a16="http://schemas.microsoft.com/office/drawing/2014/main" xmlns="" id="{D1EBACB3-9D35-4600-9C5F-6AE3D4BD6EE2}"/>
               </a:ext>
             </a:extLst>
           </p:cNvPr>
@@ -1912,7 +1915,7 @@
           <p:cNvPr id="2" name="Título 1">
             <a:extLst>
               <a:ext uri="{FF2B5EF4-FFF2-40B4-BE49-F238E27FC236}">
-                <a16:creationId xmlns:a16="http://schemas.microsoft.com/office/drawing/2014/main" id="{CD5E624E-99C6-4B1B-A23F-D5B5D9132D3F}"/>
+                <a16:creationId xmlns:a16="http://schemas.microsoft.com/office/drawing/2014/main" xmlns="" id="{CD5E624E-99C6-4B1B-A23F-D5B5D9132D3F}"/>
               </a:ext>
             </a:extLst>
           </p:cNvPr>
@@ -1940,7 +1943,7 @@
           <p:cNvPr id="3" name="Espaço Reservado para Data 2">
             <a:extLst>
               <a:ext uri="{FF2B5EF4-FFF2-40B4-BE49-F238E27FC236}">
-                <a16:creationId xmlns:a16="http://schemas.microsoft.com/office/drawing/2014/main" id="{6B2EAC20-CF50-46E5-8FBE-9FAFA8116C36}"/>
+                <a16:creationId xmlns:a16="http://schemas.microsoft.com/office/drawing/2014/main" xmlns="" id="{6B2EAC20-CF50-46E5-8FBE-9FAFA8116C36}"/>
               </a:ext>
             </a:extLst>
           </p:cNvPr>
@@ -1958,7 +1961,7 @@
           <a:p>
             <a:fld id="{6DBDA6B4-5921-4F28-BD94-5691BC1A6D75}" type="datetimeFigureOut">
               <a:rPr lang="pt-BR" smtClean="0"/>
-              <a:t>27/06/2020</a:t>
+              <a:t>12/10/2020</a:t>
             </a:fld>
             <a:endParaRPr lang="pt-BR"/>
           </a:p>
@@ -1969,7 +1972,7 @@
           <p:cNvPr id="4" name="Espaço Reservado para Rodapé 3">
             <a:extLst>
               <a:ext uri="{FF2B5EF4-FFF2-40B4-BE49-F238E27FC236}">
-                <a16:creationId xmlns:a16="http://schemas.microsoft.com/office/drawing/2014/main" id="{E5890057-5E21-4E74-AF14-C29C61D1FF40}"/>
+                <a16:creationId xmlns:a16="http://schemas.microsoft.com/office/drawing/2014/main" xmlns="" id="{E5890057-5E21-4E74-AF14-C29C61D1FF40}"/>
               </a:ext>
             </a:extLst>
           </p:cNvPr>
@@ -1994,7 +1997,7 @@
           <p:cNvPr id="5" name="Espaço Reservado para Número de Slide 4">
             <a:extLst>
               <a:ext uri="{FF2B5EF4-FFF2-40B4-BE49-F238E27FC236}">
-                <a16:creationId xmlns:a16="http://schemas.microsoft.com/office/drawing/2014/main" id="{675ED02C-9D48-49FA-9308-9DD329C5F089}"/>
+                <a16:creationId xmlns:a16="http://schemas.microsoft.com/office/drawing/2014/main" xmlns="" id="{675ED02C-9D48-49FA-9308-9DD329C5F089}"/>
               </a:ext>
             </a:extLst>
           </p:cNvPr>
@@ -2053,7 +2056,7 @@
           <p:cNvPr id="2" name="Espaço Reservado para Data 1">
             <a:extLst>
               <a:ext uri="{FF2B5EF4-FFF2-40B4-BE49-F238E27FC236}">
-                <a16:creationId xmlns:a16="http://schemas.microsoft.com/office/drawing/2014/main" id="{CA21B022-2755-43AA-88ED-797710CE52B5}"/>
+                <a16:creationId xmlns:a16="http://schemas.microsoft.com/office/drawing/2014/main" xmlns="" id="{CA21B022-2755-43AA-88ED-797710CE52B5}"/>
               </a:ext>
             </a:extLst>
           </p:cNvPr>
@@ -2071,7 +2074,7 @@
           <a:p>
             <a:fld id="{6DBDA6B4-5921-4F28-BD94-5691BC1A6D75}" type="datetimeFigureOut">
               <a:rPr lang="pt-BR" smtClean="0"/>
-              <a:t>27/06/2020</a:t>
+              <a:t>12/10/2020</a:t>
             </a:fld>
             <a:endParaRPr lang="pt-BR"/>
           </a:p>
@@ -2082,7 +2085,7 @@
           <p:cNvPr id="3" name="Espaço Reservado para Rodapé 2">
             <a:extLst>
               <a:ext uri="{FF2B5EF4-FFF2-40B4-BE49-F238E27FC236}">
-                <a16:creationId xmlns:a16="http://schemas.microsoft.com/office/drawing/2014/main" id="{4143947F-EDCA-440D-B1E5-D3E3201C6BE8}"/>
+                <a16:creationId xmlns:a16="http://schemas.microsoft.com/office/drawing/2014/main" xmlns="" id="{4143947F-EDCA-440D-B1E5-D3E3201C6BE8}"/>
               </a:ext>
             </a:extLst>
           </p:cNvPr>
@@ -2107,7 +2110,7 @@
           <p:cNvPr id="4" name="Espaço Reservado para Número de Slide 3">
             <a:extLst>
               <a:ext uri="{FF2B5EF4-FFF2-40B4-BE49-F238E27FC236}">
-                <a16:creationId xmlns:a16="http://schemas.microsoft.com/office/drawing/2014/main" id="{77C4FB74-09B4-49E9-93E1-23D609F21206}"/>
+                <a16:creationId xmlns:a16="http://schemas.microsoft.com/office/drawing/2014/main" xmlns="" id="{77C4FB74-09B4-49E9-93E1-23D609F21206}"/>
               </a:ext>
             </a:extLst>
           </p:cNvPr>
@@ -2166,7 +2169,7 @@
           <p:cNvPr id="2" name="Título 1">
             <a:extLst>
               <a:ext uri="{FF2B5EF4-FFF2-40B4-BE49-F238E27FC236}">
-                <a16:creationId xmlns:a16="http://schemas.microsoft.com/office/drawing/2014/main" id="{5A4DE0B4-95BB-423B-AE89-588D43CEC2C1}"/>
+                <a16:creationId xmlns:a16="http://schemas.microsoft.com/office/drawing/2014/main" xmlns="" id="{5A4DE0B4-95BB-423B-AE89-588D43CEC2C1}"/>
               </a:ext>
             </a:extLst>
           </p:cNvPr>
@@ -2203,7 +2206,7 @@
           <p:cNvPr id="3" name="Espaço Reservado para Conteúdo 2">
             <a:extLst>
               <a:ext uri="{FF2B5EF4-FFF2-40B4-BE49-F238E27FC236}">
-                <a16:creationId xmlns:a16="http://schemas.microsoft.com/office/drawing/2014/main" id="{857BFAB4-C275-45A7-9DED-4E9D04E3FCFD}"/>
+                <a16:creationId xmlns:a16="http://schemas.microsoft.com/office/drawing/2014/main" xmlns="" id="{857BFAB4-C275-45A7-9DED-4E9D04E3FCFD}"/>
               </a:ext>
             </a:extLst>
           </p:cNvPr>
@@ -2293,7 +2296,7 @@
           <p:cNvPr id="4" name="Espaço Reservado para Texto 3">
             <a:extLst>
               <a:ext uri="{FF2B5EF4-FFF2-40B4-BE49-F238E27FC236}">
-                <a16:creationId xmlns:a16="http://schemas.microsoft.com/office/drawing/2014/main" id="{892A7010-DCBF-4BFA-9C29-B97866A96F60}"/>
+                <a16:creationId xmlns:a16="http://schemas.microsoft.com/office/drawing/2014/main" xmlns="" id="{892A7010-DCBF-4BFA-9C29-B97866A96F60}"/>
               </a:ext>
             </a:extLst>
           </p:cNvPr>
@@ -2364,7 +2367,7 @@
           <p:cNvPr id="5" name="Espaço Reservado para Data 4">
             <a:extLst>
               <a:ext uri="{FF2B5EF4-FFF2-40B4-BE49-F238E27FC236}">
-                <a16:creationId xmlns:a16="http://schemas.microsoft.com/office/drawing/2014/main" id="{84284F5B-9440-4E91-9201-35E2118F3DF3}"/>
+                <a16:creationId xmlns:a16="http://schemas.microsoft.com/office/drawing/2014/main" xmlns="" id="{84284F5B-9440-4E91-9201-35E2118F3DF3}"/>
               </a:ext>
             </a:extLst>
           </p:cNvPr>
@@ -2382,7 +2385,7 @@
           <a:p>
             <a:fld id="{6DBDA6B4-5921-4F28-BD94-5691BC1A6D75}" type="datetimeFigureOut">
               <a:rPr lang="pt-BR" smtClean="0"/>
-              <a:t>27/06/2020</a:t>
+              <a:t>12/10/2020</a:t>
             </a:fld>
             <a:endParaRPr lang="pt-BR"/>
           </a:p>
@@ -2393,7 +2396,7 @@
           <p:cNvPr id="6" name="Espaço Reservado para Rodapé 5">
             <a:extLst>
               <a:ext uri="{FF2B5EF4-FFF2-40B4-BE49-F238E27FC236}">
-                <a16:creationId xmlns:a16="http://schemas.microsoft.com/office/drawing/2014/main" id="{A31A7882-0B6B-4501-9600-CBE8360E25B4}"/>
+                <a16:creationId xmlns:a16="http://schemas.microsoft.com/office/drawing/2014/main" xmlns="" id="{A31A7882-0B6B-4501-9600-CBE8360E25B4}"/>
               </a:ext>
             </a:extLst>
           </p:cNvPr>
@@ -2418,7 +2421,7 @@
           <p:cNvPr id="7" name="Espaço Reservado para Número de Slide 6">
             <a:extLst>
               <a:ext uri="{FF2B5EF4-FFF2-40B4-BE49-F238E27FC236}">
-                <a16:creationId xmlns:a16="http://schemas.microsoft.com/office/drawing/2014/main" id="{A133062B-528D-4624-A8D0-958EFB3EB3EE}"/>
+                <a16:creationId xmlns:a16="http://schemas.microsoft.com/office/drawing/2014/main" xmlns="" id="{A133062B-528D-4624-A8D0-958EFB3EB3EE}"/>
               </a:ext>
             </a:extLst>
           </p:cNvPr>
@@ -2477,7 +2480,7 @@
           <p:cNvPr id="2" name="Título 1">
             <a:extLst>
               <a:ext uri="{FF2B5EF4-FFF2-40B4-BE49-F238E27FC236}">
-                <a16:creationId xmlns:a16="http://schemas.microsoft.com/office/drawing/2014/main" id="{FA35B699-6C2B-42A3-AD17-9F89ABC92A40}"/>
+                <a16:creationId xmlns:a16="http://schemas.microsoft.com/office/drawing/2014/main" xmlns="" id="{FA35B699-6C2B-42A3-AD17-9F89ABC92A40}"/>
               </a:ext>
             </a:extLst>
           </p:cNvPr>
@@ -2514,7 +2517,7 @@
           <p:cNvPr id="3" name="Espaço Reservado para Imagem 2">
             <a:extLst>
               <a:ext uri="{FF2B5EF4-FFF2-40B4-BE49-F238E27FC236}">
-                <a16:creationId xmlns:a16="http://schemas.microsoft.com/office/drawing/2014/main" id="{DDB54F91-38BF-4A5E-93E6-93C653534EB8}"/>
+                <a16:creationId xmlns:a16="http://schemas.microsoft.com/office/drawing/2014/main" xmlns="" id="{DDB54F91-38BF-4A5E-93E6-93C653534EB8}"/>
               </a:ext>
             </a:extLst>
           </p:cNvPr>
@@ -2581,7 +2584,7 @@
           <p:cNvPr id="4" name="Espaço Reservado para Texto 3">
             <a:extLst>
               <a:ext uri="{FF2B5EF4-FFF2-40B4-BE49-F238E27FC236}">
-                <a16:creationId xmlns:a16="http://schemas.microsoft.com/office/drawing/2014/main" id="{7269B487-A4C8-407F-931E-E9042F68A270}"/>
+                <a16:creationId xmlns:a16="http://schemas.microsoft.com/office/drawing/2014/main" xmlns="" id="{7269B487-A4C8-407F-931E-E9042F68A270}"/>
               </a:ext>
             </a:extLst>
           </p:cNvPr>
@@ -2652,7 +2655,7 @@
           <p:cNvPr id="5" name="Espaço Reservado para Data 4">
             <a:extLst>
               <a:ext uri="{FF2B5EF4-FFF2-40B4-BE49-F238E27FC236}">
-                <a16:creationId xmlns:a16="http://schemas.microsoft.com/office/drawing/2014/main" id="{B8606406-A4F7-4F36-B57C-0BFFBB7E1B41}"/>
+                <a16:creationId xmlns:a16="http://schemas.microsoft.com/office/drawing/2014/main" xmlns="" id="{B8606406-A4F7-4F36-B57C-0BFFBB7E1B41}"/>
               </a:ext>
             </a:extLst>
           </p:cNvPr>
@@ -2670,7 +2673,7 @@
           <a:p>
             <a:fld id="{6DBDA6B4-5921-4F28-BD94-5691BC1A6D75}" type="datetimeFigureOut">
               <a:rPr lang="pt-BR" smtClean="0"/>
-              <a:t>27/06/2020</a:t>
+              <a:t>12/10/2020</a:t>
             </a:fld>
             <a:endParaRPr lang="pt-BR"/>
           </a:p>
@@ -2681,7 +2684,7 @@
           <p:cNvPr id="6" name="Espaço Reservado para Rodapé 5">
             <a:extLst>
               <a:ext uri="{FF2B5EF4-FFF2-40B4-BE49-F238E27FC236}">
-                <a16:creationId xmlns:a16="http://schemas.microsoft.com/office/drawing/2014/main" id="{114E2D4C-48A0-43AD-9078-2DBC1B32A211}"/>
+                <a16:creationId xmlns:a16="http://schemas.microsoft.com/office/drawing/2014/main" xmlns="" id="{114E2D4C-48A0-43AD-9078-2DBC1B32A211}"/>
               </a:ext>
             </a:extLst>
           </p:cNvPr>
@@ -2706,7 +2709,7 @@
           <p:cNvPr id="7" name="Espaço Reservado para Número de Slide 6">
             <a:extLst>
               <a:ext uri="{FF2B5EF4-FFF2-40B4-BE49-F238E27FC236}">
-                <a16:creationId xmlns:a16="http://schemas.microsoft.com/office/drawing/2014/main" id="{D7F7245D-4E3E-4224-8F68-78FE3AF0B5D7}"/>
+                <a16:creationId xmlns:a16="http://schemas.microsoft.com/office/drawing/2014/main" xmlns="" id="{D7F7245D-4E3E-4224-8F68-78FE3AF0B5D7}"/>
               </a:ext>
             </a:extLst>
           </p:cNvPr>
@@ -2770,7 +2773,7 @@
           <p:cNvPr id="2" name="Espaço Reservado para Título 1">
             <a:extLst>
               <a:ext uri="{FF2B5EF4-FFF2-40B4-BE49-F238E27FC236}">
-                <a16:creationId xmlns:a16="http://schemas.microsoft.com/office/drawing/2014/main" id="{BDD46F1E-0B58-41CF-B81C-F940D94471B3}"/>
+                <a16:creationId xmlns:a16="http://schemas.microsoft.com/office/drawing/2014/main" xmlns="" id="{BDD46F1E-0B58-41CF-B81C-F940D94471B3}"/>
               </a:ext>
             </a:extLst>
           </p:cNvPr>
@@ -2808,7 +2811,7 @@
           <p:cNvPr id="3" name="Espaço Reservado para Texto 2">
             <a:extLst>
               <a:ext uri="{FF2B5EF4-FFF2-40B4-BE49-F238E27FC236}">
-                <a16:creationId xmlns:a16="http://schemas.microsoft.com/office/drawing/2014/main" id="{F2A9E511-63FD-4BB7-A2C5-4D914DFA50F8}"/>
+                <a16:creationId xmlns:a16="http://schemas.microsoft.com/office/drawing/2014/main" xmlns="" id="{F2A9E511-63FD-4BB7-A2C5-4D914DFA50F8}"/>
               </a:ext>
             </a:extLst>
           </p:cNvPr>
@@ -2875,7 +2878,7 @@
           <p:cNvPr id="4" name="Espaço Reservado para Data 3">
             <a:extLst>
               <a:ext uri="{FF2B5EF4-FFF2-40B4-BE49-F238E27FC236}">
-                <a16:creationId xmlns:a16="http://schemas.microsoft.com/office/drawing/2014/main" id="{B4D334C2-42AC-4BA2-9604-B7F189D28FE0}"/>
+                <a16:creationId xmlns:a16="http://schemas.microsoft.com/office/drawing/2014/main" xmlns="" id="{B4D334C2-42AC-4BA2-9604-B7F189D28FE0}"/>
               </a:ext>
             </a:extLst>
           </p:cNvPr>
@@ -2911,7 +2914,7 @@
           <a:p>
             <a:fld id="{6DBDA6B4-5921-4F28-BD94-5691BC1A6D75}" type="datetimeFigureOut">
               <a:rPr lang="pt-BR" smtClean="0"/>
-              <a:t>27/06/2020</a:t>
+              <a:t>12/10/2020</a:t>
             </a:fld>
             <a:endParaRPr lang="pt-BR"/>
           </a:p>
@@ -2922,7 +2925,7 @@
           <p:cNvPr id="5" name="Espaço Reservado para Rodapé 4">
             <a:extLst>
               <a:ext uri="{FF2B5EF4-FFF2-40B4-BE49-F238E27FC236}">
-                <a16:creationId xmlns:a16="http://schemas.microsoft.com/office/drawing/2014/main" id="{9183652A-06E8-45AC-9902-67A1E7A19F7E}"/>
+                <a16:creationId xmlns:a16="http://schemas.microsoft.com/office/drawing/2014/main" xmlns="" id="{9183652A-06E8-45AC-9902-67A1E7A19F7E}"/>
               </a:ext>
             </a:extLst>
           </p:cNvPr>
@@ -2965,7 +2968,7 @@
           <p:cNvPr id="6" name="Espaço Reservado para Número de Slide 5">
             <a:extLst>
               <a:ext uri="{FF2B5EF4-FFF2-40B4-BE49-F238E27FC236}">
-                <a16:creationId xmlns:a16="http://schemas.microsoft.com/office/drawing/2014/main" id="{D3D0CFAC-E7A5-4767-95F9-4481195A9EE3}"/>
+                <a16:creationId xmlns:a16="http://schemas.microsoft.com/office/drawing/2014/main" xmlns="" id="{D3D0CFAC-E7A5-4767-95F9-4481195A9EE3}"/>
               </a:ext>
             </a:extLst>
           </p:cNvPr>
@@ -3333,7 +3336,7 @@
           <p:cNvPr id="7" name="Tabela 7">
             <a:extLst>
               <a:ext uri="{FF2B5EF4-FFF2-40B4-BE49-F238E27FC236}">
-                <a16:creationId xmlns:a16="http://schemas.microsoft.com/office/drawing/2014/main" id="{525301D9-BC9E-407F-A992-EBB58234B32D}"/>
+                <a16:creationId xmlns:a16="http://schemas.microsoft.com/office/drawing/2014/main" xmlns="" id="{525301D9-BC9E-407F-A992-EBB58234B32D}"/>
               </a:ext>
             </a:extLst>
           </p:cNvPr>
@@ -3362,91 +3365,91 @@
                 <a:gridCol w="351155">
                   <a:extLst>
                     <a:ext uri="{9D8B030D-6E8A-4147-A177-3AD203B41FA5}">
-                      <a16:colId xmlns:a16="http://schemas.microsoft.com/office/drawing/2014/main" val="3264828334"/>
+                      <a16:colId xmlns:a16="http://schemas.microsoft.com/office/drawing/2014/main" xmlns="" val="3264828334"/>
                     </a:ext>
                   </a:extLst>
                 </a:gridCol>
                 <a:gridCol w="1251268">
                   <a:extLst>
                     <a:ext uri="{9D8B030D-6E8A-4147-A177-3AD203B41FA5}">
-                      <a16:colId xmlns:a16="http://schemas.microsoft.com/office/drawing/2014/main" val="3815187218"/>
+                      <a16:colId xmlns:a16="http://schemas.microsoft.com/office/drawing/2014/main" xmlns="" val="3815187218"/>
                     </a:ext>
                   </a:extLst>
                 </a:gridCol>
                 <a:gridCol w="417830">
                   <a:extLst>
                     <a:ext uri="{9D8B030D-6E8A-4147-A177-3AD203B41FA5}">
-                      <a16:colId xmlns:a16="http://schemas.microsoft.com/office/drawing/2014/main" val="2410762987"/>
+                      <a16:colId xmlns:a16="http://schemas.microsoft.com/office/drawing/2014/main" xmlns="" val="2410762987"/>
                     </a:ext>
                   </a:extLst>
                 </a:gridCol>
                 <a:gridCol w="584518">
                   <a:extLst>
                     <a:ext uri="{9D8B030D-6E8A-4147-A177-3AD203B41FA5}">
-                      <a16:colId xmlns:a16="http://schemas.microsoft.com/office/drawing/2014/main" val="3412213469"/>
+                      <a16:colId xmlns:a16="http://schemas.microsoft.com/office/drawing/2014/main" xmlns="" val="3412213469"/>
                     </a:ext>
                   </a:extLst>
                 </a:gridCol>
                 <a:gridCol w="651510">
                   <a:extLst>
                     <a:ext uri="{9D8B030D-6E8A-4147-A177-3AD203B41FA5}">
-                      <a16:colId xmlns:a16="http://schemas.microsoft.com/office/drawing/2014/main" val="2413750946"/>
+                      <a16:colId xmlns:a16="http://schemas.microsoft.com/office/drawing/2014/main" xmlns="" val="2413750946"/>
                     </a:ext>
                   </a:extLst>
                 </a:gridCol>
                 <a:gridCol w="579755">
                   <a:extLst>
                     <a:ext uri="{9D8B030D-6E8A-4147-A177-3AD203B41FA5}">
-                      <a16:colId xmlns:a16="http://schemas.microsoft.com/office/drawing/2014/main" val="2126025723"/>
+                      <a16:colId xmlns:a16="http://schemas.microsoft.com/office/drawing/2014/main" xmlns="" val="2126025723"/>
                     </a:ext>
                   </a:extLst>
                 </a:gridCol>
                 <a:gridCol w="867474">
                   <a:extLst>
                     <a:ext uri="{9D8B030D-6E8A-4147-A177-3AD203B41FA5}">
-                      <a16:colId xmlns:a16="http://schemas.microsoft.com/office/drawing/2014/main" val="2161997921"/>
+                      <a16:colId xmlns:a16="http://schemas.microsoft.com/office/drawing/2014/main" xmlns="" val="2161997921"/>
                     </a:ext>
                   </a:extLst>
                 </a:gridCol>
                 <a:gridCol w="574992">
                   <a:extLst>
                     <a:ext uri="{9D8B030D-6E8A-4147-A177-3AD203B41FA5}">
-                      <a16:colId xmlns:a16="http://schemas.microsoft.com/office/drawing/2014/main" val="1346177110"/>
+                      <a16:colId xmlns:a16="http://schemas.microsoft.com/office/drawing/2014/main" xmlns="" val="1346177110"/>
                     </a:ext>
                   </a:extLst>
                 </a:gridCol>
                 <a:gridCol w="754380">
                   <a:extLst>
                     <a:ext uri="{9D8B030D-6E8A-4147-A177-3AD203B41FA5}">
-                      <a16:colId xmlns:a16="http://schemas.microsoft.com/office/drawing/2014/main" val="799374164"/>
+                      <a16:colId xmlns:a16="http://schemas.microsoft.com/office/drawing/2014/main" xmlns="" val="799374164"/>
                     </a:ext>
                   </a:extLst>
                 </a:gridCol>
                 <a:gridCol w="861124">
                   <a:extLst>
                     <a:ext uri="{9D8B030D-6E8A-4147-A177-3AD203B41FA5}">
-                      <a16:colId xmlns:a16="http://schemas.microsoft.com/office/drawing/2014/main" val="4157967331"/>
+                      <a16:colId xmlns:a16="http://schemas.microsoft.com/office/drawing/2014/main" xmlns="" val="4157967331"/>
                     </a:ext>
                   </a:extLst>
                 </a:gridCol>
                 <a:gridCol w="846455">
                   <a:extLst>
                     <a:ext uri="{9D8B030D-6E8A-4147-A177-3AD203B41FA5}">
-                      <a16:colId xmlns:a16="http://schemas.microsoft.com/office/drawing/2014/main" val="458777367"/>
+                      <a16:colId xmlns:a16="http://schemas.microsoft.com/office/drawing/2014/main" xmlns="" val="458777367"/>
                     </a:ext>
                   </a:extLst>
                 </a:gridCol>
                 <a:gridCol w="846138">
                   <a:extLst>
                     <a:ext uri="{9D8B030D-6E8A-4147-A177-3AD203B41FA5}">
-                      <a16:colId xmlns:a16="http://schemas.microsoft.com/office/drawing/2014/main" val="2775895833"/>
+                      <a16:colId xmlns:a16="http://schemas.microsoft.com/office/drawing/2014/main" xmlns="" val="2775895833"/>
                     </a:ext>
                   </a:extLst>
                 </a:gridCol>
                 <a:gridCol w="549592">
                   <a:extLst>
                     <a:ext uri="{9D8B030D-6E8A-4147-A177-3AD203B41FA5}">
-                      <a16:colId xmlns:a16="http://schemas.microsoft.com/office/drawing/2014/main" val="2557085690"/>
+                      <a16:colId xmlns:a16="http://schemas.microsoft.com/office/drawing/2014/main" xmlns="" val="2557085690"/>
                     </a:ext>
                   </a:extLst>
                 </a:gridCol>
@@ -3730,7 +3733,7 @@
                 </a:tc>
                 <a:extLst>
                   <a:ext uri="{0D108BD9-81ED-4DB2-BD59-A6C34878D82A}">
-                    <a16:rowId xmlns:a16="http://schemas.microsoft.com/office/drawing/2014/main" val="3181216099"/>
+                    <a16:rowId xmlns:a16="http://schemas.microsoft.com/office/drawing/2014/main" xmlns="" val="3181216099"/>
                   </a:ext>
                 </a:extLst>
               </a:tr>
@@ -4003,7 +4006,7 @@
                 </a:tc>
                 <a:extLst>
                   <a:ext uri="{0D108BD9-81ED-4DB2-BD59-A6C34878D82A}">
-                    <a16:rowId xmlns:a16="http://schemas.microsoft.com/office/drawing/2014/main" val="516536135"/>
+                    <a16:rowId xmlns:a16="http://schemas.microsoft.com/office/drawing/2014/main" xmlns="" val="516536135"/>
                   </a:ext>
                 </a:extLst>
               </a:tr>
@@ -4276,7 +4279,7 @@
                 </a:tc>
                 <a:extLst>
                   <a:ext uri="{0D108BD9-81ED-4DB2-BD59-A6C34878D82A}">
-                    <a16:rowId xmlns:a16="http://schemas.microsoft.com/office/drawing/2014/main" val="1778684596"/>
+                    <a16:rowId xmlns:a16="http://schemas.microsoft.com/office/drawing/2014/main" xmlns="" val="1778684596"/>
                   </a:ext>
                 </a:extLst>
               </a:tr>
@@ -4549,7 +4552,7 @@
                 </a:tc>
                 <a:extLst>
                   <a:ext uri="{0D108BD9-81ED-4DB2-BD59-A6C34878D82A}">
-                    <a16:rowId xmlns:a16="http://schemas.microsoft.com/office/drawing/2014/main" val="2343916317"/>
+                    <a16:rowId xmlns:a16="http://schemas.microsoft.com/office/drawing/2014/main" xmlns="" val="2343916317"/>
                   </a:ext>
                 </a:extLst>
               </a:tr>
@@ -4562,7 +4565,7 @@
           <p:cNvPr id="15" name="Agrupar 14">
             <a:extLst>
               <a:ext uri="{FF2B5EF4-FFF2-40B4-BE49-F238E27FC236}">
-                <a16:creationId xmlns:a16="http://schemas.microsoft.com/office/drawing/2014/main" id="{18BD9655-C88D-4E58-BF97-3D12A3119B57}"/>
+                <a16:creationId xmlns:a16="http://schemas.microsoft.com/office/drawing/2014/main" xmlns="" id="{18BD9655-C88D-4E58-BF97-3D12A3119B57}"/>
               </a:ext>
             </a:extLst>
           </p:cNvPr>
@@ -4582,7 +4585,7 @@
             <p:cNvPr id="4" name="CaixaDeTexto 3">
               <a:extLst>
                 <a:ext uri="{FF2B5EF4-FFF2-40B4-BE49-F238E27FC236}">
-                  <a16:creationId xmlns:a16="http://schemas.microsoft.com/office/drawing/2014/main" id="{A0E446B5-BCE1-43D7-BFE2-34671068EF87}"/>
+                  <a16:creationId xmlns:a16="http://schemas.microsoft.com/office/drawing/2014/main" xmlns="" id="{A0E446B5-BCE1-43D7-BFE2-34671068EF87}"/>
                 </a:ext>
               </a:extLst>
             </p:cNvPr>
@@ -4730,7 +4733,7 @@
             <p:cNvPr id="5" name="CaixaDeTexto 4">
               <a:extLst>
                 <a:ext uri="{FF2B5EF4-FFF2-40B4-BE49-F238E27FC236}">
-                  <a16:creationId xmlns:a16="http://schemas.microsoft.com/office/drawing/2014/main" id="{BD944051-C240-43D4-8886-C99EFBDEACDA}"/>
+                  <a16:creationId xmlns:a16="http://schemas.microsoft.com/office/drawing/2014/main" xmlns="" id="{BD944051-C240-43D4-8886-C99EFBDEACDA}"/>
                 </a:ext>
               </a:extLst>
             </p:cNvPr>
@@ -4829,7 +4832,7 @@
             <p:cNvPr id="10" name="Chave Esquerda 9">
               <a:extLst>
                 <a:ext uri="{FF2B5EF4-FFF2-40B4-BE49-F238E27FC236}">
-                  <a16:creationId xmlns:a16="http://schemas.microsoft.com/office/drawing/2014/main" id="{F073A003-C534-4154-9AC5-49CB1384EB01}"/>
+                  <a16:creationId xmlns:a16="http://schemas.microsoft.com/office/drawing/2014/main" xmlns="" id="{F073A003-C534-4154-9AC5-49CB1384EB01}"/>
                 </a:ext>
               </a:extLst>
             </p:cNvPr>
@@ -4881,7 +4884,7 @@
             <p:cNvPr id="11" name="Chave Esquerda 10">
               <a:extLst>
                 <a:ext uri="{FF2B5EF4-FFF2-40B4-BE49-F238E27FC236}">
-                  <a16:creationId xmlns:a16="http://schemas.microsoft.com/office/drawing/2014/main" id="{A4D53B98-E14D-4D11-ABCE-D2419FC4E81D}"/>
+                  <a16:creationId xmlns:a16="http://schemas.microsoft.com/office/drawing/2014/main" xmlns="" id="{A4D53B98-E14D-4D11-ABCE-D2419FC4E81D}"/>
                 </a:ext>
               </a:extLst>
             </p:cNvPr>
@@ -4933,7 +4936,7 @@
             <p:cNvPr id="13" name="Seta: para a Direita 12">
               <a:extLst>
                 <a:ext uri="{FF2B5EF4-FFF2-40B4-BE49-F238E27FC236}">
-                  <a16:creationId xmlns:a16="http://schemas.microsoft.com/office/drawing/2014/main" id="{44B79A13-A53F-4A5A-875C-F95E1A5EC118}"/>
+                  <a16:creationId xmlns:a16="http://schemas.microsoft.com/office/drawing/2014/main" xmlns="" id="{44B79A13-A53F-4A5A-875C-F95E1A5EC118}"/>
                 </a:ext>
               </a:extLst>
             </p:cNvPr>
@@ -5021,7 +5024,7 @@
           <p:cNvPr id="28" name="Agrupar 27">
             <a:extLst>
               <a:ext uri="{FF2B5EF4-FFF2-40B4-BE49-F238E27FC236}">
-                <a16:creationId xmlns:a16="http://schemas.microsoft.com/office/drawing/2014/main" id="{214D5DA2-C533-4729-B98A-F7BF558C783E}"/>
+                <a16:creationId xmlns:a16="http://schemas.microsoft.com/office/drawing/2014/main" xmlns="" id="{214D5DA2-C533-4729-B98A-F7BF558C783E}"/>
               </a:ext>
             </a:extLst>
           </p:cNvPr>
@@ -5041,7 +5044,7 @@
             <p:cNvPr id="4" name="Retângulo: Cantos Arredondados 3">
               <a:extLst>
                 <a:ext uri="{FF2B5EF4-FFF2-40B4-BE49-F238E27FC236}">
-                  <a16:creationId xmlns:a16="http://schemas.microsoft.com/office/drawing/2014/main" id="{EF889B92-AD64-4405-B111-FD4FE696F4FB}"/>
+                  <a16:creationId xmlns:a16="http://schemas.microsoft.com/office/drawing/2014/main" xmlns="" id="{EF889B92-AD64-4405-B111-FD4FE696F4FB}"/>
                 </a:ext>
               </a:extLst>
             </p:cNvPr>
@@ -5105,7 +5108,7 @@
             <p:cNvPr id="10" name="Retângulo: Cantos Arredondados 9">
               <a:extLst>
                 <a:ext uri="{FF2B5EF4-FFF2-40B4-BE49-F238E27FC236}">
-                  <a16:creationId xmlns:a16="http://schemas.microsoft.com/office/drawing/2014/main" id="{7DAA5593-80A0-4F47-A1DB-9E3C75A04190}"/>
+                  <a16:creationId xmlns:a16="http://schemas.microsoft.com/office/drawing/2014/main" xmlns="" id="{7DAA5593-80A0-4F47-A1DB-9E3C75A04190}"/>
                 </a:ext>
               </a:extLst>
             </p:cNvPr>
@@ -5164,7 +5167,7 @@
             <p:cNvPr id="13" name="Retângulo: Cantos Arredondados 12">
               <a:extLst>
                 <a:ext uri="{FF2B5EF4-FFF2-40B4-BE49-F238E27FC236}">
-                  <a16:creationId xmlns:a16="http://schemas.microsoft.com/office/drawing/2014/main" id="{20D20DF8-AA71-481E-84DA-E36EE5CF9DFD}"/>
+                  <a16:creationId xmlns:a16="http://schemas.microsoft.com/office/drawing/2014/main" xmlns="" id="{20D20DF8-AA71-481E-84DA-E36EE5CF9DFD}"/>
                 </a:ext>
               </a:extLst>
             </p:cNvPr>
@@ -5228,7 +5231,7 @@
             <p:cNvPr id="14" name="Retângulo: Cantos Arredondados 13">
               <a:extLst>
                 <a:ext uri="{FF2B5EF4-FFF2-40B4-BE49-F238E27FC236}">
-                  <a16:creationId xmlns:a16="http://schemas.microsoft.com/office/drawing/2014/main" id="{4AB9DC42-E0CD-4541-824E-D7B9236BC09B}"/>
+                  <a16:creationId xmlns:a16="http://schemas.microsoft.com/office/drawing/2014/main" xmlns="" id="{4AB9DC42-E0CD-4541-824E-D7B9236BC09B}"/>
                 </a:ext>
               </a:extLst>
             </p:cNvPr>
@@ -5292,7 +5295,7 @@
             <p:cNvPr id="17" name="Conector de Seta Reta 16">
               <a:extLst>
                 <a:ext uri="{FF2B5EF4-FFF2-40B4-BE49-F238E27FC236}">
-                  <a16:creationId xmlns:a16="http://schemas.microsoft.com/office/drawing/2014/main" id="{9A8E0984-B0CC-499D-BE39-2F53D657F562}"/>
+                  <a16:creationId xmlns:a16="http://schemas.microsoft.com/office/drawing/2014/main" xmlns="" id="{9A8E0984-B0CC-499D-BE39-2F53D657F562}"/>
                 </a:ext>
               </a:extLst>
             </p:cNvPr>
@@ -5338,7 +5341,7 @@
             <p:cNvPr id="19" name="Conector de Seta Reta 18">
               <a:extLst>
                 <a:ext uri="{FF2B5EF4-FFF2-40B4-BE49-F238E27FC236}">
-                  <a16:creationId xmlns:a16="http://schemas.microsoft.com/office/drawing/2014/main" id="{DA52393E-8DDE-4251-8F29-BD659B2DB3D8}"/>
+                  <a16:creationId xmlns:a16="http://schemas.microsoft.com/office/drawing/2014/main" xmlns="" id="{DA52393E-8DDE-4251-8F29-BD659B2DB3D8}"/>
                 </a:ext>
               </a:extLst>
             </p:cNvPr>
@@ -5384,7 +5387,7 @@
             <p:cNvPr id="21" name="Conector de Seta Reta 20">
               <a:extLst>
                 <a:ext uri="{FF2B5EF4-FFF2-40B4-BE49-F238E27FC236}">
-                  <a16:creationId xmlns:a16="http://schemas.microsoft.com/office/drawing/2014/main" id="{E411D8C1-87A1-4EF4-9CD1-6199F9159F3B}"/>
+                  <a16:creationId xmlns:a16="http://schemas.microsoft.com/office/drawing/2014/main" xmlns="" id="{E411D8C1-87A1-4EF4-9CD1-6199F9159F3B}"/>
                 </a:ext>
               </a:extLst>
             </p:cNvPr>
@@ -5461,7 +5464,7 @@
           <p:cNvPr id="2" name="Agrupar 1">
             <a:extLst>
               <a:ext uri="{FF2B5EF4-FFF2-40B4-BE49-F238E27FC236}">
-                <a16:creationId xmlns:a16="http://schemas.microsoft.com/office/drawing/2014/main" id="{DF33AC78-B5B1-413F-9A48-B29EC8243861}"/>
+                <a16:creationId xmlns:a16="http://schemas.microsoft.com/office/drawing/2014/main" xmlns="" id="{DF33AC78-B5B1-413F-9A48-B29EC8243861}"/>
               </a:ext>
             </a:extLst>
           </p:cNvPr>
@@ -5481,7 +5484,7 @@
             <p:cNvPr id="35" name="CaixaDeTexto 34">
               <a:extLst>
                 <a:ext uri="{FF2B5EF4-FFF2-40B4-BE49-F238E27FC236}">
-                  <a16:creationId xmlns:a16="http://schemas.microsoft.com/office/drawing/2014/main" id="{59DC6395-B04C-492B-B697-01C07E410001}"/>
+                  <a16:creationId xmlns:a16="http://schemas.microsoft.com/office/drawing/2014/main" xmlns="" id="{59DC6395-B04C-492B-B697-01C07E410001}"/>
                 </a:ext>
               </a:extLst>
             </p:cNvPr>
@@ -5534,7 +5537,7 @@
             <p:cNvPr id="36" name="CaixaDeTexto 35">
               <a:extLst>
                 <a:ext uri="{FF2B5EF4-FFF2-40B4-BE49-F238E27FC236}">
-                  <a16:creationId xmlns:a16="http://schemas.microsoft.com/office/drawing/2014/main" id="{764D0B68-D6A8-4C95-B18B-FB8D38148C14}"/>
+                  <a16:creationId xmlns:a16="http://schemas.microsoft.com/office/drawing/2014/main" xmlns="" id="{764D0B68-D6A8-4C95-B18B-FB8D38148C14}"/>
                 </a:ext>
               </a:extLst>
             </p:cNvPr>
@@ -5587,7 +5590,7 @@
             <p:cNvPr id="37" name="CaixaDeTexto 36">
               <a:extLst>
                 <a:ext uri="{FF2B5EF4-FFF2-40B4-BE49-F238E27FC236}">
-                  <a16:creationId xmlns:a16="http://schemas.microsoft.com/office/drawing/2014/main" id="{35E19958-D968-4E92-B47A-17FFCE9C3234}"/>
+                  <a16:creationId xmlns:a16="http://schemas.microsoft.com/office/drawing/2014/main" xmlns="" id="{35E19958-D968-4E92-B47A-17FFCE9C3234}"/>
                 </a:ext>
               </a:extLst>
             </p:cNvPr>
@@ -5646,7 +5649,7 @@
             <p:cNvPr id="38" name="CaixaDeTexto 37">
               <a:extLst>
                 <a:ext uri="{FF2B5EF4-FFF2-40B4-BE49-F238E27FC236}">
-                  <a16:creationId xmlns:a16="http://schemas.microsoft.com/office/drawing/2014/main" id="{22B26A6D-199D-4E14-88FD-32A110AD6FE1}"/>
+                  <a16:creationId xmlns:a16="http://schemas.microsoft.com/office/drawing/2014/main" xmlns="" id="{22B26A6D-199D-4E14-88FD-32A110AD6FE1}"/>
                 </a:ext>
               </a:extLst>
             </p:cNvPr>
@@ -5717,7 +5720,7 @@
             <p:cNvPr id="4" name="Agrupar 3">
               <a:extLst>
                 <a:ext uri="{FF2B5EF4-FFF2-40B4-BE49-F238E27FC236}">
-                  <a16:creationId xmlns:a16="http://schemas.microsoft.com/office/drawing/2014/main" id="{340CD664-FF5D-43F3-AB71-D27CA4233FEC}"/>
+                  <a16:creationId xmlns:a16="http://schemas.microsoft.com/office/drawing/2014/main" xmlns="" id="{340CD664-FF5D-43F3-AB71-D27CA4233FEC}"/>
                 </a:ext>
               </a:extLst>
             </p:cNvPr>
@@ -5737,7 +5740,7 @@
               <p:cNvPr id="5" name="Imagem 4">
                 <a:extLst>
                   <a:ext uri="{FF2B5EF4-FFF2-40B4-BE49-F238E27FC236}">
-                    <a16:creationId xmlns:a16="http://schemas.microsoft.com/office/drawing/2014/main" id="{FE6A3025-75E4-4327-A46C-7124805B1B81}"/>
+                    <a16:creationId xmlns:a16="http://schemas.microsoft.com/office/drawing/2014/main" xmlns="" id="{FE6A3025-75E4-4327-A46C-7124805B1B81}"/>
                   </a:ext>
                 </a:extLst>
               </p:cNvPr>
@@ -5779,7 +5782,7 @@
               <p:cNvPr id="6" name="Imagem 5">
                 <a:extLst>
                   <a:ext uri="{FF2B5EF4-FFF2-40B4-BE49-F238E27FC236}">
-                    <a16:creationId xmlns:a16="http://schemas.microsoft.com/office/drawing/2014/main" id="{D16FD476-52F9-4503-B0CD-359FF722C8CB}"/>
+                    <a16:creationId xmlns:a16="http://schemas.microsoft.com/office/drawing/2014/main" xmlns="" id="{D16FD476-52F9-4503-B0CD-359FF722C8CB}"/>
                   </a:ext>
                 </a:extLst>
               </p:cNvPr>
@@ -5789,7 +5792,7 @@
               <p:nvPr/>
             </p:nvPicPr>
             <p:blipFill rotWithShape="1">
-              <a:blip r:embed="rId2">
+              <a:blip r:embed="rId3" cstate="print">
                 <a:duotone>
                   <a:prstClr val="black"/>
                   <a:schemeClr val="tx1">
@@ -5821,7 +5824,7 @@
               <p:cNvPr id="7" name="Imagem 6">
                 <a:extLst>
                   <a:ext uri="{FF2B5EF4-FFF2-40B4-BE49-F238E27FC236}">
-                    <a16:creationId xmlns:a16="http://schemas.microsoft.com/office/drawing/2014/main" id="{76B2A564-D815-45A0-A309-01D74E61B706}"/>
+                    <a16:creationId xmlns:a16="http://schemas.microsoft.com/office/drawing/2014/main" xmlns="" id="{76B2A564-D815-45A0-A309-01D74E61B706}"/>
                   </a:ext>
                 </a:extLst>
               </p:cNvPr>
@@ -5831,7 +5834,7 @@
               <p:nvPr/>
             </p:nvPicPr>
             <p:blipFill rotWithShape="1">
-              <a:blip r:embed="rId2">
+              <a:blip r:embed="rId3" cstate="print">
                 <a:duotone>
                   <a:prstClr val="black"/>
                   <a:schemeClr val="tx1">
@@ -5863,7 +5866,7 @@
               <p:cNvPr id="8" name="Imagem 7">
                 <a:extLst>
                   <a:ext uri="{FF2B5EF4-FFF2-40B4-BE49-F238E27FC236}">
-                    <a16:creationId xmlns:a16="http://schemas.microsoft.com/office/drawing/2014/main" id="{45769D82-C6E1-4374-B707-4C00D520901D}"/>
+                    <a16:creationId xmlns:a16="http://schemas.microsoft.com/office/drawing/2014/main" xmlns="" id="{45769D82-C6E1-4374-B707-4C00D520901D}"/>
                   </a:ext>
                 </a:extLst>
               </p:cNvPr>
@@ -5873,7 +5876,7 @@
               <p:nvPr/>
             </p:nvPicPr>
             <p:blipFill rotWithShape="1">
-              <a:blip r:embed="rId2">
+              <a:blip r:embed="rId3" cstate="print">
                 <a:duotone>
                   <a:prstClr val="black"/>
                   <a:schemeClr val="tx1">
@@ -5906,7 +5909,7 @@
             <p:cNvPr id="16" name="Agrupar 15">
               <a:extLst>
                 <a:ext uri="{FF2B5EF4-FFF2-40B4-BE49-F238E27FC236}">
-                  <a16:creationId xmlns:a16="http://schemas.microsoft.com/office/drawing/2014/main" id="{517BC15B-7316-41B0-8281-AD289C7E03CF}"/>
+                  <a16:creationId xmlns:a16="http://schemas.microsoft.com/office/drawing/2014/main" xmlns="" id="{517BC15B-7316-41B0-8281-AD289C7E03CF}"/>
                 </a:ext>
               </a:extLst>
             </p:cNvPr>
@@ -5926,7 +5929,7 @@
               <p:cNvPr id="17" name="Imagem 16">
                 <a:extLst>
                   <a:ext uri="{FF2B5EF4-FFF2-40B4-BE49-F238E27FC236}">
-                    <a16:creationId xmlns:a16="http://schemas.microsoft.com/office/drawing/2014/main" id="{77B0C780-3D91-4791-BF71-C383DBE68C22}"/>
+                    <a16:creationId xmlns:a16="http://schemas.microsoft.com/office/drawing/2014/main" xmlns="" id="{77B0C780-3D91-4791-BF71-C383DBE68C22}"/>
                   </a:ext>
                 </a:extLst>
               </p:cNvPr>
@@ -5968,7 +5971,7 @@
               <p:cNvPr id="18" name="Imagem 17">
                 <a:extLst>
                   <a:ext uri="{FF2B5EF4-FFF2-40B4-BE49-F238E27FC236}">
-                    <a16:creationId xmlns:a16="http://schemas.microsoft.com/office/drawing/2014/main" id="{418A78AD-2D63-4118-96EE-0E00C1C5E9FA}"/>
+                    <a16:creationId xmlns:a16="http://schemas.microsoft.com/office/drawing/2014/main" xmlns="" id="{418A78AD-2D63-4118-96EE-0E00C1C5E9FA}"/>
                   </a:ext>
                 </a:extLst>
               </p:cNvPr>
@@ -5978,7 +5981,7 @@
               <p:nvPr/>
             </p:nvPicPr>
             <p:blipFill rotWithShape="1">
-              <a:blip r:embed="rId2">
+              <a:blip r:embed="rId3" cstate="print">
                 <a:duotone>
                   <a:prstClr val="black"/>
                   <a:schemeClr val="tx1">
@@ -6010,7 +6013,7 @@
               <p:cNvPr id="19" name="Imagem 18">
                 <a:extLst>
                   <a:ext uri="{FF2B5EF4-FFF2-40B4-BE49-F238E27FC236}">
-                    <a16:creationId xmlns:a16="http://schemas.microsoft.com/office/drawing/2014/main" id="{8157896A-4397-4F26-BD5C-AC1E9E758DC1}"/>
+                    <a16:creationId xmlns:a16="http://schemas.microsoft.com/office/drawing/2014/main" xmlns="" id="{8157896A-4397-4F26-BD5C-AC1E9E758DC1}"/>
                   </a:ext>
                 </a:extLst>
               </p:cNvPr>
@@ -6020,7 +6023,7 @@
               <p:nvPr/>
             </p:nvPicPr>
             <p:blipFill rotWithShape="1">
-              <a:blip r:embed="rId2">
+              <a:blip r:embed="rId3" cstate="print">
                 <a:duotone>
                   <a:prstClr val="black"/>
                   <a:schemeClr val="tx1">
@@ -6052,7 +6055,7 @@
               <p:cNvPr id="20" name="Imagem 19">
                 <a:extLst>
                   <a:ext uri="{FF2B5EF4-FFF2-40B4-BE49-F238E27FC236}">
-                    <a16:creationId xmlns:a16="http://schemas.microsoft.com/office/drawing/2014/main" id="{ABDAA092-0E66-489C-9DD9-4A61CC2D9AB1}"/>
+                    <a16:creationId xmlns:a16="http://schemas.microsoft.com/office/drawing/2014/main" xmlns="" id="{ABDAA092-0E66-489C-9DD9-4A61CC2D9AB1}"/>
                   </a:ext>
                 </a:extLst>
               </p:cNvPr>
@@ -6062,7 +6065,7 @@
               <p:nvPr/>
             </p:nvPicPr>
             <p:blipFill rotWithShape="1">
-              <a:blip r:embed="rId2">
+              <a:blip r:embed="rId3" cstate="print">
                 <a:duotone>
                   <a:prstClr val="black"/>
                   <a:schemeClr val="tx1">
@@ -6095,7 +6098,7 @@
             <p:cNvPr id="10" name="Agrupar 9">
               <a:extLst>
                 <a:ext uri="{FF2B5EF4-FFF2-40B4-BE49-F238E27FC236}">
-                  <a16:creationId xmlns:a16="http://schemas.microsoft.com/office/drawing/2014/main" id="{8957D120-994B-41A3-ADC2-DEA399D8F4CC}"/>
+                  <a16:creationId xmlns:a16="http://schemas.microsoft.com/office/drawing/2014/main" xmlns="" id="{8957D120-994B-41A3-ADC2-DEA399D8F4CC}"/>
                 </a:ext>
               </a:extLst>
             </p:cNvPr>
@@ -6115,7 +6118,7 @@
               <p:cNvPr id="11" name="Imagem 10">
                 <a:extLst>
                   <a:ext uri="{FF2B5EF4-FFF2-40B4-BE49-F238E27FC236}">
-                    <a16:creationId xmlns:a16="http://schemas.microsoft.com/office/drawing/2014/main" id="{9431721E-F44C-4A56-A31E-5EE4816C3ECA}"/>
+                    <a16:creationId xmlns:a16="http://schemas.microsoft.com/office/drawing/2014/main" xmlns="" id="{9431721E-F44C-4A56-A31E-5EE4816C3ECA}"/>
                   </a:ext>
                 </a:extLst>
               </p:cNvPr>
@@ -6157,7 +6160,7 @@
               <p:cNvPr id="12" name="Imagem 11">
                 <a:extLst>
                   <a:ext uri="{FF2B5EF4-FFF2-40B4-BE49-F238E27FC236}">
-                    <a16:creationId xmlns:a16="http://schemas.microsoft.com/office/drawing/2014/main" id="{2EFB7ADC-B27D-43A3-87FD-DF09354DCB8C}"/>
+                    <a16:creationId xmlns:a16="http://schemas.microsoft.com/office/drawing/2014/main" xmlns="" id="{2EFB7ADC-B27D-43A3-87FD-DF09354DCB8C}"/>
                   </a:ext>
                 </a:extLst>
               </p:cNvPr>
@@ -6167,7 +6170,7 @@
               <p:nvPr/>
             </p:nvPicPr>
             <p:blipFill rotWithShape="1">
-              <a:blip r:embed="rId2">
+              <a:blip r:embed="rId3" cstate="print">
                 <a:duotone>
                   <a:prstClr val="black"/>
                   <a:schemeClr val="tx1">
@@ -6199,7 +6202,7 @@
               <p:cNvPr id="13" name="Imagem 12">
                 <a:extLst>
                   <a:ext uri="{FF2B5EF4-FFF2-40B4-BE49-F238E27FC236}">
-                    <a16:creationId xmlns:a16="http://schemas.microsoft.com/office/drawing/2014/main" id="{18C07EF9-B135-485F-AAC0-7A9F64B88BB4}"/>
+                    <a16:creationId xmlns:a16="http://schemas.microsoft.com/office/drawing/2014/main" xmlns="" id="{18C07EF9-B135-485F-AAC0-7A9F64B88BB4}"/>
                   </a:ext>
                 </a:extLst>
               </p:cNvPr>
@@ -6209,7 +6212,7 @@
               <p:nvPr/>
             </p:nvPicPr>
             <p:blipFill rotWithShape="1">
-              <a:blip r:embed="rId2">
+              <a:blip r:embed="rId3" cstate="print">
                 <a:duotone>
                   <a:prstClr val="black"/>
                   <a:schemeClr val="tx1">
@@ -6241,7 +6244,7 @@
               <p:cNvPr id="14" name="Imagem 13">
                 <a:extLst>
                   <a:ext uri="{FF2B5EF4-FFF2-40B4-BE49-F238E27FC236}">
-                    <a16:creationId xmlns:a16="http://schemas.microsoft.com/office/drawing/2014/main" id="{DADFC6D9-AA7D-4D31-9358-BD08CD273CD9}"/>
+                    <a16:creationId xmlns:a16="http://schemas.microsoft.com/office/drawing/2014/main" xmlns="" id="{DADFC6D9-AA7D-4D31-9358-BD08CD273CD9}"/>
                   </a:ext>
                 </a:extLst>
               </p:cNvPr>
@@ -6251,7 +6254,7 @@
               <p:nvPr/>
             </p:nvPicPr>
             <p:blipFill rotWithShape="1">
-              <a:blip r:embed="rId2">
+              <a:blip r:embed="rId3" cstate="print">
                 <a:duotone>
                   <a:prstClr val="black"/>
                   <a:schemeClr val="tx1">
@@ -6284,7 +6287,7 @@
             <p:cNvPr id="22" name="Agrupar 21">
               <a:extLst>
                 <a:ext uri="{FF2B5EF4-FFF2-40B4-BE49-F238E27FC236}">
-                  <a16:creationId xmlns:a16="http://schemas.microsoft.com/office/drawing/2014/main" id="{A551F9D8-F013-4F2B-8D41-7BFF104A1ED3}"/>
+                  <a16:creationId xmlns:a16="http://schemas.microsoft.com/office/drawing/2014/main" xmlns="" id="{A551F9D8-F013-4F2B-8D41-7BFF104A1ED3}"/>
                 </a:ext>
               </a:extLst>
             </p:cNvPr>
@@ -6304,7 +6307,7 @@
               <p:cNvPr id="23" name="Imagem 22">
                 <a:extLst>
                   <a:ext uri="{FF2B5EF4-FFF2-40B4-BE49-F238E27FC236}">
-                    <a16:creationId xmlns:a16="http://schemas.microsoft.com/office/drawing/2014/main" id="{15CAEF8E-AC44-4474-A834-BDFF664DB166}"/>
+                    <a16:creationId xmlns:a16="http://schemas.microsoft.com/office/drawing/2014/main" xmlns="" id="{15CAEF8E-AC44-4474-A834-BDFF664DB166}"/>
                   </a:ext>
                 </a:extLst>
               </p:cNvPr>
@@ -6346,7 +6349,7 @@
               <p:cNvPr id="24" name="Imagem 23">
                 <a:extLst>
                   <a:ext uri="{FF2B5EF4-FFF2-40B4-BE49-F238E27FC236}">
-                    <a16:creationId xmlns:a16="http://schemas.microsoft.com/office/drawing/2014/main" id="{6EB87C39-A4D4-4361-94FB-A8FA1B791CE2}"/>
+                    <a16:creationId xmlns:a16="http://schemas.microsoft.com/office/drawing/2014/main" xmlns="" id="{6EB87C39-A4D4-4361-94FB-A8FA1B791CE2}"/>
                   </a:ext>
                 </a:extLst>
               </p:cNvPr>
@@ -6356,7 +6359,7 @@
               <p:nvPr/>
             </p:nvPicPr>
             <p:blipFill rotWithShape="1">
-              <a:blip r:embed="rId2">
+              <a:blip r:embed="rId3" cstate="print">
                 <a:duotone>
                   <a:prstClr val="black"/>
                   <a:schemeClr val="tx1">
@@ -6388,7 +6391,7 @@
               <p:cNvPr id="25" name="Imagem 24">
                 <a:extLst>
                   <a:ext uri="{FF2B5EF4-FFF2-40B4-BE49-F238E27FC236}">
-                    <a16:creationId xmlns:a16="http://schemas.microsoft.com/office/drawing/2014/main" id="{4BB3695E-715B-447D-A01D-1254747BDB7C}"/>
+                    <a16:creationId xmlns:a16="http://schemas.microsoft.com/office/drawing/2014/main" xmlns="" id="{4BB3695E-715B-447D-A01D-1254747BDB7C}"/>
                   </a:ext>
                 </a:extLst>
               </p:cNvPr>
@@ -6398,7 +6401,7 @@
               <p:nvPr/>
             </p:nvPicPr>
             <p:blipFill rotWithShape="1">
-              <a:blip r:embed="rId2">
+              <a:blip r:embed="rId3" cstate="print">
                 <a:duotone>
                   <a:prstClr val="black"/>
                   <a:schemeClr val="tx1">
@@ -6430,7 +6433,7 @@
               <p:cNvPr id="26" name="Imagem 25">
                 <a:extLst>
                   <a:ext uri="{FF2B5EF4-FFF2-40B4-BE49-F238E27FC236}">
-                    <a16:creationId xmlns:a16="http://schemas.microsoft.com/office/drawing/2014/main" id="{29F3969B-A111-4B4B-B618-CE6A0CEC61F9}"/>
+                    <a16:creationId xmlns:a16="http://schemas.microsoft.com/office/drawing/2014/main" xmlns="" id="{29F3969B-A111-4B4B-B618-CE6A0CEC61F9}"/>
                   </a:ext>
                 </a:extLst>
               </p:cNvPr>
@@ -6440,7 +6443,7 @@
               <p:nvPr/>
             </p:nvPicPr>
             <p:blipFill rotWithShape="1">
-              <a:blip r:embed="rId2">
+              <a:blip r:embed="rId3" cstate="print">
                 <a:duotone>
                   <a:prstClr val="black"/>
                   <a:schemeClr val="tx1">
@@ -6473,7 +6476,7 @@
             <p:cNvPr id="39" name="CaixaDeTexto 38">
               <a:extLst>
                 <a:ext uri="{FF2B5EF4-FFF2-40B4-BE49-F238E27FC236}">
-                  <a16:creationId xmlns:a16="http://schemas.microsoft.com/office/drawing/2014/main" id="{386DBCD6-9075-47D3-8B89-325090B6E5F4}"/>
+                  <a16:creationId xmlns:a16="http://schemas.microsoft.com/office/drawing/2014/main" xmlns="" id="{386DBCD6-9075-47D3-8B89-325090B6E5F4}"/>
                 </a:ext>
               </a:extLst>
             </p:cNvPr>
@@ -6562,7 +6565,7 @@
             <p:cNvPr id="42" name="CaixaDeTexto 41">
               <a:extLst>
                 <a:ext uri="{FF2B5EF4-FFF2-40B4-BE49-F238E27FC236}">
-                  <a16:creationId xmlns:a16="http://schemas.microsoft.com/office/drawing/2014/main" id="{FC9E9620-61ED-4D9A-B5B0-E3A485D5E83A}"/>
+                  <a16:creationId xmlns:a16="http://schemas.microsoft.com/office/drawing/2014/main" xmlns="" id="{FC9E9620-61ED-4D9A-B5B0-E3A485D5E83A}"/>
                 </a:ext>
               </a:extLst>
             </p:cNvPr>
@@ -6651,7 +6654,7 @@
             <p:cNvPr id="45" name="CaixaDeTexto 44">
               <a:extLst>
                 <a:ext uri="{FF2B5EF4-FFF2-40B4-BE49-F238E27FC236}">
-                  <a16:creationId xmlns:a16="http://schemas.microsoft.com/office/drawing/2014/main" id="{15805E4F-2D59-447C-9787-CB68B076E1AF}"/>
+                  <a16:creationId xmlns:a16="http://schemas.microsoft.com/office/drawing/2014/main" xmlns="" id="{15805E4F-2D59-447C-9787-CB68B076E1AF}"/>
                 </a:ext>
               </a:extLst>
             </p:cNvPr>
@@ -6740,7 +6743,7 @@
             <p:cNvPr id="46" name="CaixaDeTexto 45">
               <a:extLst>
                 <a:ext uri="{FF2B5EF4-FFF2-40B4-BE49-F238E27FC236}">
-                  <a16:creationId xmlns:a16="http://schemas.microsoft.com/office/drawing/2014/main" id="{F133DCD2-2530-46DE-A42B-AF28EA73A210}"/>
+                  <a16:creationId xmlns:a16="http://schemas.microsoft.com/office/drawing/2014/main" xmlns="" id="{F133DCD2-2530-46DE-A42B-AF28EA73A210}"/>
                 </a:ext>
               </a:extLst>
             </p:cNvPr>
@@ -6829,6 +6832,4300 @@
     <p:extLst>
       <p:ext uri="{BB962C8B-B14F-4D97-AF65-F5344CB8AC3E}">
         <p14:creationId xmlns:p14="http://schemas.microsoft.com/office/powerpoint/2010/main" val="21022951"/>
+      </p:ext>
+    </p:extLst>
+  </p:cSld>
+  <p:clrMapOvr>
+    <a:masterClrMapping/>
+  </p:clrMapOvr>
+</p:sld>
+</file>
+
+<file path=ppt/slides/slide4.xml><?xml version="1.0" encoding="utf-8"?>
+<p:sld xmlns:a="http://schemas.openxmlformats.org/drawingml/2006/main" xmlns:r="http://schemas.openxmlformats.org/officeDocument/2006/relationships" xmlns:p="http://schemas.openxmlformats.org/presentationml/2006/main">
+  <p:cSld>
+    <p:spTree>
+      <p:nvGrpSpPr>
+        <p:cNvPr id="1" name=""/>
+        <p:cNvGrpSpPr/>
+        <p:nvPr/>
+      </p:nvGrpSpPr>
+      <p:grpSpPr>
+        <a:xfrm>
+          <a:off x="0" y="0"/>
+          <a:ext cx="0" cy="0"/>
+          <a:chOff x="0" y="0"/>
+          <a:chExt cx="0" cy="0"/>
+        </a:xfrm>
+      </p:grpSpPr>
+      <p:grpSp>
+        <p:nvGrpSpPr>
+          <p:cNvPr id="50" name="Grupo 49"/>
+          <p:cNvGrpSpPr/>
+          <p:nvPr/>
+        </p:nvGrpSpPr>
+        <p:grpSpPr>
+          <a:xfrm>
+            <a:off x="2609346" y="2714794"/>
+            <a:ext cx="6973308" cy="1428413"/>
+            <a:chOff x="3030782" y="3565742"/>
+            <a:chExt cx="6973308" cy="1428413"/>
+          </a:xfrm>
+        </p:grpSpPr>
+        <p:sp>
+          <p:nvSpPr>
+            <p:cNvPr id="5" name="Retângulo 4"/>
+            <p:cNvSpPr/>
+            <p:nvPr/>
+          </p:nvSpPr>
+          <p:spPr>
+            <a:xfrm>
+              <a:off x="4988499" y="3784946"/>
+              <a:ext cx="2176389" cy="987470"/>
+            </a:xfrm>
+            <a:prstGeom prst="rect">
+              <a:avLst/>
+            </a:prstGeom>
+            <a:noFill/>
+            <a:ln w="28575">
+              <a:solidFill>
+                <a:schemeClr val="tx1"/>
+              </a:solidFill>
+            </a:ln>
+          </p:spPr>
+          <p:style>
+            <a:lnRef idx="2">
+              <a:schemeClr val="accent1">
+                <a:shade val="50000"/>
+              </a:schemeClr>
+            </a:lnRef>
+            <a:fillRef idx="1">
+              <a:schemeClr val="accent1"/>
+            </a:fillRef>
+            <a:effectRef idx="0">
+              <a:schemeClr val="accent1"/>
+            </a:effectRef>
+            <a:fontRef idx="minor">
+              <a:schemeClr val="lt1"/>
+            </a:fontRef>
+          </p:style>
+          <p:txBody>
+            <a:bodyPr rtlCol="0" anchor="ctr"/>
+            <a:lstStyle/>
+            <a:p>
+              <a:pPr algn="ctr"/>
+              <a:endParaRPr lang="pt-BR"/>
+            </a:p>
+          </p:txBody>
+        </p:sp>
+        <p:sp>
+          <p:nvSpPr>
+            <p:cNvPr id="7" name="Retângulo 6"/>
+            <p:cNvSpPr/>
+            <p:nvPr/>
+          </p:nvSpPr>
+          <p:spPr>
+            <a:xfrm>
+              <a:off x="3895594" y="3565742"/>
+              <a:ext cx="3720231" cy="1428413"/>
+            </a:xfrm>
+            <a:prstGeom prst="rect">
+              <a:avLst/>
+            </a:prstGeom>
+            <a:noFill/>
+            <a:ln w="28575">
+              <a:solidFill>
+                <a:schemeClr val="tx1"/>
+              </a:solidFill>
+            </a:ln>
+          </p:spPr>
+          <p:style>
+            <a:lnRef idx="2">
+              <a:schemeClr val="accent1">
+                <a:shade val="50000"/>
+              </a:schemeClr>
+            </a:lnRef>
+            <a:fillRef idx="1">
+              <a:schemeClr val="accent1"/>
+            </a:fillRef>
+            <a:effectRef idx="0">
+              <a:schemeClr val="accent1"/>
+            </a:effectRef>
+            <a:fontRef idx="minor">
+              <a:schemeClr val="lt1"/>
+            </a:fontRef>
+          </p:style>
+          <p:txBody>
+            <a:bodyPr rtlCol="0" anchor="ctr"/>
+            <a:lstStyle/>
+            <a:p>
+              <a:pPr algn="ctr"/>
+              <a:endParaRPr lang="pt-BR"/>
+            </a:p>
+          </p:txBody>
+        </p:sp>
+        <mc:AlternateContent xmlns:mc="http://schemas.openxmlformats.org/markup-compatibility/2006">
+          <mc:Choice xmlns:a14="http://schemas.microsoft.com/office/drawing/2010/main" Requires="a14">
+            <p:sp>
+              <p:nvSpPr>
+                <p:cNvPr id="10" name="Elipse 9"/>
+                <p:cNvSpPr/>
+                <p:nvPr/>
+              </p:nvSpPr>
+              <p:spPr>
+                <a:xfrm>
+                  <a:off x="5168425" y="3885677"/>
+                  <a:ext cx="650308" cy="650308"/>
+                </a:xfrm>
+                <a:prstGeom prst="ellipse">
+                  <a:avLst/>
+                </a:prstGeom>
+                <a:noFill/>
+                <a:ln w="28575">
+                  <a:solidFill>
+                    <a:schemeClr val="tx1"/>
+                  </a:solidFill>
+                </a:ln>
+              </p:spPr>
+              <p:style>
+                <a:lnRef idx="2">
+                  <a:schemeClr val="accent1">
+                    <a:shade val="50000"/>
+                  </a:schemeClr>
+                </a:lnRef>
+                <a:fillRef idx="1">
+                  <a:schemeClr val="accent1"/>
+                </a:fillRef>
+                <a:effectRef idx="0">
+                  <a:schemeClr val="accent1"/>
+                </a:effectRef>
+                <a:fontRef idx="minor">
+                  <a:schemeClr val="lt1"/>
+                </a:fontRef>
+              </p:style>
+              <p:txBody>
+                <a:bodyPr rtlCol="0" anchor="ctr"/>
+                <a:lstStyle/>
+                <a:p>
+                  <a:pPr algn="ctr"/>
+                  <a14:m>
+                    <m:oMathPara xmlns:m="http://schemas.openxmlformats.org/officeDocument/2006/math">
+                      <m:oMathParaPr>
+                        <m:jc m:val="centerGroup"/>
+                      </m:oMathParaPr>
+                      <m:oMath xmlns:m="http://schemas.openxmlformats.org/officeDocument/2006/math">
+                        <m:sSub>
+                          <m:sSubPr>
+                            <m:ctrlPr>
+                              <a:rPr lang="pt-BR" b="0" i="1" smtClean="0">
+                                <a:solidFill>
+                                  <a:schemeClr val="tx1"/>
+                                </a:solidFill>
+                                <a:latin typeface="Cambria Math" panose="02040503050406030204" pitchFamily="18" charset="0"/>
+                              </a:rPr>
+                            </m:ctrlPr>
+                          </m:sSubPr>
+                          <m:e>
+                            <m:r>
+                              <a:rPr lang="pt-BR" b="0" i="1" smtClean="0">
+                                <a:solidFill>
+                                  <a:schemeClr val="tx1"/>
+                                </a:solidFill>
+                                <a:latin typeface="Cambria Math" panose="02040503050406030204" pitchFamily="18" charset="0"/>
+                              </a:rPr>
+                              <m:t>𝑧</m:t>
+                            </m:r>
+                          </m:e>
+                          <m:sub>
+                            <m:r>
+                              <a:rPr lang="pt-BR" b="0" i="1" smtClean="0">
+                                <a:solidFill>
+                                  <a:schemeClr val="tx1"/>
+                                </a:solidFill>
+                                <a:latin typeface="Cambria Math" panose="02040503050406030204" pitchFamily="18" charset="0"/>
+                              </a:rPr>
+                              <m:t>𝑗</m:t>
+                            </m:r>
+                            <m:r>
+                              <a:rPr lang="pt-BR" b="0" i="1" smtClean="0">
+                                <a:solidFill>
+                                  <a:schemeClr val="tx1"/>
+                                </a:solidFill>
+                                <a:latin typeface="Cambria Math" panose="02040503050406030204" pitchFamily="18" charset="0"/>
+                              </a:rPr>
+                              <m:t>, </m:t>
+                            </m:r>
+                            <m:r>
+                              <a:rPr lang="pt-BR" b="0" i="1" smtClean="0">
+                                <a:solidFill>
+                                  <a:schemeClr val="tx1"/>
+                                </a:solidFill>
+                                <a:latin typeface="Cambria Math" panose="02040503050406030204" pitchFamily="18" charset="0"/>
+                              </a:rPr>
+                              <m:t>𝑖</m:t>
+                            </m:r>
+                          </m:sub>
+                        </m:sSub>
+                      </m:oMath>
+                    </m:oMathPara>
+                  </a14:m>
+                  <a:endParaRPr lang="pt-BR" dirty="0"/>
+                </a:p>
+              </p:txBody>
+            </p:sp>
+          </mc:Choice>
+          <mc:Fallback>
+            <p:sp>
+              <p:nvSpPr>
+                <p:cNvPr id="10" name="Elipse 9"/>
+                <p:cNvSpPr>
+                  <a:spLocks noRot="1" noChangeAspect="1" noMove="1" noResize="1" noEditPoints="1" noAdjustHandles="1" noChangeArrowheads="1" noChangeShapeType="1" noTextEdit="1"/>
+                </p:cNvSpPr>
+                <p:nvPr/>
+              </p:nvSpPr>
+              <p:spPr>
+                <a:xfrm>
+                  <a:off x="5168425" y="3885677"/>
+                  <a:ext cx="650308" cy="650308"/>
+                </a:xfrm>
+                <a:prstGeom prst="ellipse">
+                  <a:avLst/>
+                </a:prstGeom>
+                <a:blipFill rotWithShape="0">
+                  <a:blip r:embed="rId2"/>
+                  <a:stretch>
+                    <a:fillRect/>
+                  </a:stretch>
+                </a:blipFill>
+                <a:ln w="28575">
+                  <a:solidFill>
+                    <a:schemeClr val="tx1"/>
+                  </a:solidFill>
+                </a:ln>
+              </p:spPr>
+              <p:txBody>
+                <a:bodyPr/>
+                <a:lstStyle/>
+                <a:p>
+                  <a:r>
+                    <a:rPr lang="pt-BR">
+                      <a:noFill/>
+                    </a:rPr>
+                    <a:t> </a:t>
+                  </a:r>
+                </a:p>
+              </p:txBody>
+            </p:sp>
+          </mc:Fallback>
+        </mc:AlternateContent>
+        <mc:AlternateContent xmlns:mc="http://schemas.openxmlformats.org/markup-compatibility/2006">
+          <mc:Choice xmlns:a14="http://schemas.microsoft.com/office/drawing/2010/main" Requires="a14">
+            <p:sp>
+              <p:nvSpPr>
+                <p:cNvPr id="11" name="Elipse 10"/>
+                <p:cNvSpPr/>
+                <p:nvPr/>
+              </p:nvSpPr>
+              <p:spPr>
+                <a:xfrm>
+                  <a:off x="6219958" y="3885677"/>
+                  <a:ext cx="650308" cy="650308"/>
+                </a:xfrm>
+                <a:prstGeom prst="ellipse">
+                  <a:avLst/>
+                </a:prstGeom>
+                <a:noFill/>
+                <a:ln w="28575">
+                  <a:solidFill>
+                    <a:schemeClr val="tx1"/>
+                  </a:solidFill>
+                </a:ln>
+              </p:spPr>
+              <p:style>
+                <a:lnRef idx="2">
+                  <a:schemeClr val="accent1">
+                    <a:shade val="50000"/>
+                  </a:schemeClr>
+                </a:lnRef>
+                <a:fillRef idx="1">
+                  <a:schemeClr val="accent1"/>
+                </a:fillRef>
+                <a:effectRef idx="0">
+                  <a:schemeClr val="accent1"/>
+                </a:effectRef>
+                <a:fontRef idx="minor">
+                  <a:schemeClr val="lt1"/>
+                </a:fontRef>
+              </p:style>
+              <p:txBody>
+                <a:bodyPr rtlCol="0" anchor="ctr"/>
+                <a:lstStyle/>
+                <a:p>
+                  <a:pPr algn="ctr"/>
+                  <a14:m>
+                    <m:oMathPara xmlns:m="http://schemas.openxmlformats.org/officeDocument/2006/math">
+                      <m:oMathParaPr>
+                        <m:jc m:val="centerGroup"/>
+                      </m:oMathParaPr>
+                      <m:oMath xmlns:m="http://schemas.openxmlformats.org/officeDocument/2006/math">
+                        <m:sSub>
+                          <m:sSubPr>
+                            <m:ctrlPr>
+                              <a:rPr lang="pt-BR" i="1" smtClean="0">
+                                <a:solidFill>
+                                  <a:schemeClr val="tx1"/>
+                                </a:solidFill>
+                                <a:latin typeface="Cambria Math" panose="02040503050406030204" pitchFamily="18" charset="0"/>
+                              </a:rPr>
+                            </m:ctrlPr>
+                          </m:sSubPr>
+                          <m:e>
+                            <m:r>
+                              <a:rPr lang="pt-BR" b="0" i="1" smtClean="0">
+                                <a:solidFill>
+                                  <a:schemeClr val="tx1"/>
+                                </a:solidFill>
+                                <a:latin typeface="Cambria Math" panose="02040503050406030204" pitchFamily="18" charset="0"/>
+                              </a:rPr>
+                              <m:t>𝑤</m:t>
+                            </m:r>
+                          </m:e>
+                          <m:sub>
+                            <m:r>
+                              <a:rPr lang="pt-BR" b="0" i="1" smtClean="0">
+                                <a:solidFill>
+                                  <a:schemeClr val="tx1"/>
+                                </a:solidFill>
+                                <a:latin typeface="Cambria Math" panose="02040503050406030204" pitchFamily="18" charset="0"/>
+                              </a:rPr>
+                              <m:t>𝑗</m:t>
+                            </m:r>
+                            <m:r>
+                              <a:rPr lang="pt-BR" b="0" i="1" smtClean="0">
+                                <a:solidFill>
+                                  <a:schemeClr val="tx1"/>
+                                </a:solidFill>
+                                <a:latin typeface="Cambria Math" panose="02040503050406030204" pitchFamily="18" charset="0"/>
+                              </a:rPr>
+                              <m:t>, </m:t>
+                            </m:r>
+                            <m:r>
+                              <a:rPr lang="pt-BR" b="0" i="1" smtClean="0">
+                                <a:solidFill>
+                                  <a:schemeClr val="tx1"/>
+                                </a:solidFill>
+                                <a:latin typeface="Cambria Math" panose="02040503050406030204" pitchFamily="18" charset="0"/>
+                              </a:rPr>
+                              <m:t>𝑖</m:t>
+                            </m:r>
+                          </m:sub>
+                        </m:sSub>
+                      </m:oMath>
+                    </m:oMathPara>
+                  </a14:m>
+                  <a:endParaRPr lang="pt-BR" dirty="0"/>
+                </a:p>
+              </p:txBody>
+            </p:sp>
+          </mc:Choice>
+          <mc:Fallback>
+            <p:sp>
+              <p:nvSpPr>
+                <p:cNvPr id="11" name="Elipse 10"/>
+                <p:cNvSpPr>
+                  <a:spLocks noRot="1" noChangeAspect="1" noMove="1" noResize="1" noEditPoints="1" noAdjustHandles="1" noChangeArrowheads="1" noChangeShapeType="1" noTextEdit="1"/>
+                </p:cNvSpPr>
+                <p:nvPr/>
+              </p:nvSpPr>
+              <p:spPr>
+                <a:xfrm>
+                  <a:off x="6219958" y="3885677"/>
+                  <a:ext cx="650308" cy="650308"/>
+                </a:xfrm>
+                <a:prstGeom prst="ellipse">
+                  <a:avLst/>
+                </a:prstGeom>
+                <a:blipFill rotWithShape="0">
+                  <a:blip r:embed="rId3"/>
+                  <a:stretch>
+                    <a:fillRect/>
+                  </a:stretch>
+                </a:blipFill>
+                <a:ln w="28575">
+                  <a:solidFill>
+                    <a:schemeClr val="tx1"/>
+                  </a:solidFill>
+                </a:ln>
+              </p:spPr>
+              <p:txBody>
+                <a:bodyPr/>
+                <a:lstStyle/>
+                <a:p>
+                  <a:r>
+                    <a:rPr lang="pt-BR">
+                      <a:noFill/>
+                    </a:rPr>
+                    <a:t> </a:t>
+                  </a:r>
+                </a:p>
+              </p:txBody>
+            </p:sp>
+          </mc:Fallback>
+        </mc:AlternateContent>
+        <mc:AlternateContent xmlns:mc="http://schemas.openxmlformats.org/markup-compatibility/2006">
+          <mc:Choice xmlns:a14="http://schemas.microsoft.com/office/drawing/2010/main" Requires="a14">
+            <p:sp>
+              <p:nvSpPr>
+                <p:cNvPr id="14" name="Elipse 13"/>
+                <p:cNvSpPr/>
+                <p:nvPr/>
+              </p:nvSpPr>
+              <p:spPr>
+                <a:xfrm>
+                  <a:off x="4116893" y="3885676"/>
+                  <a:ext cx="650308" cy="650308"/>
+                </a:xfrm>
+                <a:prstGeom prst="ellipse">
+                  <a:avLst/>
+                </a:prstGeom>
+                <a:noFill/>
+                <a:ln w="28575">
+                  <a:solidFill>
+                    <a:schemeClr val="tx1"/>
+                  </a:solidFill>
+                </a:ln>
+              </p:spPr>
+              <p:style>
+                <a:lnRef idx="2">
+                  <a:schemeClr val="accent1">
+                    <a:shade val="50000"/>
+                  </a:schemeClr>
+                </a:lnRef>
+                <a:fillRef idx="1">
+                  <a:schemeClr val="accent1"/>
+                </a:fillRef>
+                <a:effectRef idx="0">
+                  <a:schemeClr val="accent1"/>
+                </a:effectRef>
+                <a:fontRef idx="minor">
+                  <a:schemeClr val="lt1"/>
+                </a:fontRef>
+              </p:style>
+              <p:txBody>
+                <a:bodyPr rtlCol="0" anchor="ctr"/>
+                <a:lstStyle/>
+                <a:p>
+                  <a:pPr algn="ctr"/>
+                  <a14:m>
+                    <m:oMathPara xmlns:m="http://schemas.openxmlformats.org/officeDocument/2006/math">
+                      <m:oMathParaPr>
+                        <m:jc m:val="centerGroup"/>
+                      </m:oMathParaPr>
+                      <m:oMath xmlns:m="http://schemas.openxmlformats.org/officeDocument/2006/math">
+                        <m:r>
+                          <a:rPr lang="pt-BR" i="1" dirty="0" smtClean="0">
+                            <a:solidFill>
+                              <a:schemeClr val="tx1"/>
+                            </a:solidFill>
+                            <a:latin typeface="Cambria Math" panose="02040503050406030204" pitchFamily="18" charset="0"/>
+                          </a:rPr>
+                          <m:t>𝜃</m:t>
+                        </m:r>
+                      </m:oMath>
+                    </m:oMathPara>
+                  </a14:m>
+                  <a:endParaRPr lang="pt-BR" dirty="0"/>
+                </a:p>
+              </p:txBody>
+            </p:sp>
+          </mc:Choice>
+          <mc:Fallback>
+            <p:sp>
+              <p:nvSpPr>
+                <p:cNvPr id="14" name="Elipse 13"/>
+                <p:cNvSpPr>
+                  <a:spLocks noRot="1" noChangeAspect="1" noMove="1" noResize="1" noEditPoints="1" noAdjustHandles="1" noChangeArrowheads="1" noChangeShapeType="1" noTextEdit="1"/>
+                </p:cNvSpPr>
+                <p:nvPr/>
+              </p:nvSpPr>
+              <p:spPr>
+                <a:xfrm>
+                  <a:off x="4116893" y="3885676"/>
+                  <a:ext cx="650308" cy="650308"/>
+                </a:xfrm>
+                <a:prstGeom prst="ellipse">
+                  <a:avLst/>
+                </a:prstGeom>
+                <a:blipFill rotWithShape="0">
+                  <a:blip r:embed="rId4"/>
+                  <a:stretch>
+                    <a:fillRect/>
+                  </a:stretch>
+                </a:blipFill>
+                <a:ln w="28575">
+                  <a:solidFill>
+                    <a:schemeClr val="tx1"/>
+                  </a:solidFill>
+                </a:ln>
+              </p:spPr>
+              <p:txBody>
+                <a:bodyPr/>
+                <a:lstStyle/>
+                <a:p>
+                  <a:r>
+                    <a:rPr lang="pt-BR">
+                      <a:noFill/>
+                    </a:rPr>
+                    <a:t> </a:t>
+                  </a:r>
+                </a:p>
+              </p:txBody>
+            </p:sp>
+          </mc:Fallback>
+        </mc:AlternateContent>
+        <p:cxnSp>
+          <p:nvCxnSpPr>
+            <p:cNvPr id="19" name="Conector de seta reta 18"/>
+            <p:cNvCxnSpPr>
+              <a:stCxn id="14" idx="6"/>
+              <a:endCxn id="10" idx="2"/>
+            </p:cNvCxnSpPr>
+            <p:nvPr/>
+          </p:nvCxnSpPr>
+          <p:spPr>
+            <a:xfrm>
+              <a:off x="4767201" y="4210830"/>
+              <a:ext cx="401224" cy="1"/>
+            </a:xfrm>
+            <a:prstGeom prst="straightConnector1">
+              <a:avLst/>
+            </a:prstGeom>
+            <a:ln w="28575">
+              <a:solidFill>
+                <a:schemeClr val="tx1"/>
+              </a:solidFill>
+              <a:tailEnd type="triangle"/>
+            </a:ln>
+          </p:spPr>
+          <p:style>
+            <a:lnRef idx="1">
+              <a:schemeClr val="dk1"/>
+            </a:lnRef>
+            <a:fillRef idx="0">
+              <a:schemeClr val="dk1"/>
+            </a:fillRef>
+            <a:effectRef idx="0">
+              <a:schemeClr val="dk1"/>
+            </a:effectRef>
+            <a:fontRef idx="minor">
+              <a:schemeClr val="tx1"/>
+            </a:fontRef>
+          </p:style>
+        </p:cxnSp>
+        <mc:AlternateContent xmlns:mc="http://schemas.openxmlformats.org/markup-compatibility/2006">
+          <mc:Choice xmlns:a14="http://schemas.microsoft.com/office/drawing/2010/main" Requires="a14">
+            <p:sp>
+              <p:nvSpPr>
+                <p:cNvPr id="21" name="Elipse 20"/>
+                <p:cNvSpPr/>
+                <p:nvPr/>
+              </p:nvSpPr>
+              <p:spPr>
+                <a:xfrm>
+                  <a:off x="3030782" y="3885676"/>
+                  <a:ext cx="650308" cy="650308"/>
+                </a:xfrm>
+                <a:prstGeom prst="ellipse">
+                  <a:avLst/>
+                </a:prstGeom>
+                <a:noFill/>
+                <a:ln w="28575">
+                  <a:solidFill>
+                    <a:schemeClr val="tx1"/>
+                  </a:solidFill>
+                </a:ln>
+              </p:spPr>
+              <p:style>
+                <a:lnRef idx="2">
+                  <a:schemeClr val="accent1">
+                    <a:shade val="50000"/>
+                  </a:schemeClr>
+                </a:lnRef>
+                <a:fillRef idx="1">
+                  <a:schemeClr val="accent1"/>
+                </a:fillRef>
+                <a:effectRef idx="0">
+                  <a:schemeClr val="accent1"/>
+                </a:effectRef>
+                <a:fontRef idx="minor">
+                  <a:schemeClr val="lt1"/>
+                </a:fontRef>
+              </p:style>
+              <p:txBody>
+                <a:bodyPr rtlCol="0" anchor="ctr"/>
+                <a:lstStyle/>
+                <a:p>
+                  <a:pPr algn="ctr"/>
+                  <a14:m>
+                    <m:oMathPara xmlns:m="http://schemas.openxmlformats.org/officeDocument/2006/math">
+                      <m:oMathParaPr>
+                        <m:jc m:val="centerGroup"/>
+                      </m:oMathParaPr>
+                      <m:oMath xmlns:m="http://schemas.openxmlformats.org/officeDocument/2006/math">
+                        <m:r>
+                          <a:rPr lang="el-GR" i="1" dirty="0" smtClean="0">
+                            <a:solidFill>
+                              <a:schemeClr val="tx1"/>
+                            </a:solidFill>
+                            <a:latin typeface="Cambria Math" panose="02040503050406030204" pitchFamily="18" charset="0"/>
+                          </a:rPr>
+                          <m:t>𝛼</m:t>
+                        </m:r>
+                      </m:oMath>
+                    </m:oMathPara>
+                  </a14:m>
+                  <a:endParaRPr lang="pt-BR" dirty="0">
+                    <a:solidFill>
+                      <a:schemeClr val="tx1"/>
+                    </a:solidFill>
+                  </a:endParaRPr>
+                </a:p>
+              </p:txBody>
+            </p:sp>
+          </mc:Choice>
+          <mc:Fallback>
+            <p:sp>
+              <p:nvSpPr>
+                <p:cNvPr id="21" name="Elipse 20"/>
+                <p:cNvSpPr>
+                  <a:spLocks noRot="1" noChangeAspect="1" noMove="1" noResize="1" noEditPoints="1" noAdjustHandles="1" noChangeArrowheads="1" noChangeShapeType="1" noTextEdit="1"/>
+                </p:cNvSpPr>
+                <p:nvPr/>
+              </p:nvSpPr>
+              <p:spPr>
+                <a:xfrm>
+                  <a:off x="3030782" y="3885676"/>
+                  <a:ext cx="650308" cy="650308"/>
+                </a:xfrm>
+                <a:prstGeom prst="ellipse">
+                  <a:avLst/>
+                </a:prstGeom>
+                <a:blipFill rotWithShape="0">
+                  <a:blip r:embed="rId5"/>
+                  <a:stretch>
+                    <a:fillRect/>
+                  </a:stretch>
+                </a:blipFill>
+                <a:ln w="28575">
+                  <a:solidFill>
+                    <a:schemeClr val="tx1"/>
+                  </a:solidFill>
+                </a:ln>
+              </p:spPr>
+              <p:txBody>
+                <a:bodyPr/>
+                <a:lstStyle/>
+                <a:p>
+                  <a:r>
+                    <a:rPr lang="pt-BR">
+                      <a:noFill/>
+                    </a:rPr>
+                    <a:t> </a:t>
+                  </a:r>
+                </a:p>
+              </p:txBody>
+            </p:sp>
+          </mc:Fallback>
+        </mc:AlternateContent>
+        <p:cxnSp>
+          <p:nvCxnSpPr>
+            <p:cNvPr id="23" name="Conector de seta reta 22"/>
+            <p:cNvCxnSpPr>
+              <a:stCxn id="10" idx="6"/>
+              <a:endCxn id="11" idx="2"/>
+            </p:cNvCxnSpPr>
+            <p:nvPr/>
+          </p:nvCxnSpPr>
+          <p:spPr>
+            <a:xfrm>
+              <a:off x="5818733" y="4210831"/>
+              <a:ext cx="401225" cy="0"/>
+            </a:xfrm>
+            <a:prstGeom prst="straightConnector1">
+              <a:avLst/>
+            </a:prstGeom>
+            <a:ln w="28575">
+              <a:solidFill>
+                <a:schemeClr val="tx1"/>
+              </a:solidFill>
+              <a:tailEnd type="triangle"/>
+            </a:ln>
+          </p:spPr>
+          <p:style>
+            <a:lnRef idx="1">
+              <a:schemeClr val="dk1"/>
+            </a:lnRef>
+            <a:fillRef idx="0">
+              <a:schemeClr val="dk1"/>
+            </a:fillRef>
+            <a:effectRef idx="0">
+              <a:schemeClr val="dk1"/>
+            </a:effectRef>
+            <a:fontRef idx="minor">
+              <a:schemeClr val="tx1"/>
+            </a:fontRef>
+          </p:style>
+        </p:cxnSp>
+        <p:cxnSp>
+          <p:nvCxnSpPr>
+            <p:cNvPr id="26" name="Conector de seta reta 25"/>
+            <p:cNvCxnSpPr>
+              <a:stCxn id="21" idx="6"/>
+              <a:endCxn id="14" idx="2"/>
+            </p:cNvCxnSpPr>
+            <p:nvPr/>
+          </p:nvCxnSpPr>
+          <p:spPr>
+            <a:xfrm>
+              <a:off x="3681090" y="4210830"/>
+              <a:ext cx="435803" cy="0"/>
+            </a:xfrm>
+            <a:prstGeom prst="straightConnector1">
+              <a:avLst/>
+            </a:prstGeom>
+            <a:ln w="28575">
+              <a:solidFill>
+                <a:schemeClr val="tx1"/>
+              </a:solidFill>
+              <a:tailEnd type="triangle"/>
+            </a:ln>
+          </p:spPr>
+          <p:style>
+            <a:lnRef idx="1">
+              <a:schemeClr val="dk1"/>
+            </a:lnRef>
+            <a:fillRef idx="0">
+              <a:schemeClr val="dk1"/>
+            </a:fillRef>
+            <a:effectRef idx="0">
+              <a:schemeClr val="dk1"/>
+            </a:effectRef>
+            <a:fontRef idx="minor">
+              <a:schemeClr val="tx1"/>
+            </a:fontRef>
+          </p:style>
+        </p:cxnSp>
+        <mc:AlternateContent xmlns:mc="http://schemas.openxmlformats.org/markup-compatibility/2006">
+          <mc:Choice xmlns:a14="http://schemas.microsoft.com/office/drawing/2010/main" Requires="a14">
+            <p:sp>
+              <p:nvSpPr>
+                <p:cNvPr id="30" name="Retângulo 29"/>
+                <p:cNvSpPr/>
+                <p:nvPr/>
+              </p:nvSpPr>
+              <p:spPr>
+                <a:xfrm>
+                  <a:off x="6782219" y="4390527"/>
+                  <a:ext cx="443968" cy="391646"/>
+                </a:xfrm>
+                <a:prstGeom prst="rect">
+                  <a:avLst/>
+                </a:prstGeom>
+              </p:spPr>
+              <p:txBody>
+                <a:bodyPr wrap="none">
+                  <a:spAutoFit/>
+                </a:bodyPr>
+                <a:lstStyle/>
+                <a:p>
+                  <a14:m>
+                    <m:oMathPara xmlns:m="http://schemas.openxmlformats.org/officeDocument/2006/math">
+                      <m:oMathParaPr>
+                        <m:jc m:val="centerGroup"/>
+                      </m:oMathParaPr>
+                      <m:oMath xmlns:m="http://schemas.openxmlformats.org/officeDocument/2006/math">
+                        <m:sSub>
+                          <m:sSubPr>
+                            <m:ctrlPr>
+                              <a:rPr lang="pt-BR" i="1" smtClean="0">
+                                <a:latin typeface="Cambria Math" panose="02040503050406030204" pitchFamily="18" charset="0"/>
+                              </a:rPr>
+                            </m:ctrlPr>
+                          </m:sSubPr>
+                          <m:e>
+                            <m:r>
+                              <a:rPr lang="pt-BR" b="0" i="1" smtClean="0">
+                                <a:latin typeface="Cambria Math" panose="02040503050406030204" pitchFamily="18" charset="0"/>
+                              </a:rPr>
+                              <m:t>𝑑</m:t>
+                            </m:r>
+                          </m:e>
+                          <m:sub>
+                            <m:r>
+                              <a:rPr lang="pt-BR" i="1">
+                                <a:latin typeface="Cambria Math" panose="02040503050406030204" pitchFamily="18" charset="0"/>
+                              </a:rPr>
+                              <m:t>𝑗</m:t>
+                            </m:r>
+                          </m:sub>
+                        </m:sSub>
+                      </m:oMath>
+                    </m:oMathPara>
+                  </a14:m>
+                  <a:endParaRPr lang="pt-BR" dirty="0"/>
+                </a:p>
+              </p:txBody>
+            </p:sp>
+          </mc:Choice>
+          <mc:Fallback>
+            <p:sp>
+              <p:nvSpPr>
+                <p:cNvPr id="30" name="Retângulo 29"/>
+                <p:cNvSpPr>
+                  <a:spLocks noRot="1" noChangeAspect="1" noMove="1" noResize="1" noEditPoints="1" noAdjustHandles="1" noChangeArrowheads="1" noChangeShapeType="1" noTextEdit="1"/>
+                </p:cNvSpPr>
+                <p:nvPr/>
+              </p:nvSpPr>
+              <p:spPr>
+                <a:xfrm>
+                  <a:off x="6782219" y="4390527"/>
+                  <a:ext cx="443968" cy="391646"/>
+                </a:xfrm>
+                <a:prstGeom prst="rect">
+                  <a:avLst/>
+                </a:prstGeom>
+                <a:blipFill rotWithShape="0">
+                  <a:blip r:embed="rId6"/>
+                  <a:stretch>
+                    <a:fillRect b="-7813"/>
+                  </a:stretch>
+                </a:blipFill>
+              </p:spPr>
+              <p:txBody>
+                <a:bodyPr/>
+                <a:lstStyle/>
+                <a:p>
+                  <a:r>
+                    <a:rPr lang="pt-BR">
+                      <a:noFill/>
+                    </a:rPr>
+                    <a:t> </a:t>
+                  </a:r>
+                </a:p>
+              </p:txBody>
+            </p:sp>
+          </mc:Fallback>
+        </mc:AlternateContent>
+        <mc:AlternateContent xmlns:mc="http://schemas.openxmlformats.org/markup-compatibility/2006">
+          <mc:Choice xmlns:a14="http://schemas.microsoft.com/office/drawing/2010/main" Requires="a14">
+            <p:sp>
+              <p:nvSpPr>
+                <p:cNvPr id="31" name="Retângulo 30"/>
+                <p:cNvSpPr/>
+                <p:nvPr/>
+              </p:nvSpPr>
+              <p:spPr>
+                <a:xfrm>
+                  <a:off x="7193324" y="4624823"/>
+                  <a:ext cx="435504" cy="369332"/>
+                </a:xfrm>
+                <a:prstGeom prst="rect">
+                  <a:avLst/>
+                </a:prstGeom>
+              </p:spPr>
+              <p:txBody>
+                <a:bodyPr wrap="none">
+                  <a:spAutoFit/>
+                </a:bodyPr>
+                <a:lstStyle/>
+                <a:p>
+                  <a14:m>
+                    <m:oMathPara xmlns:m="http://schemas.openxmlformats.org/officeDocument/2006/math">
+                      <m:oMathParaPr>
+                        <m:jc m:val="centerGroup"/>
+                      </m:oMathParaPr>
+                      <m:oMath xmlns:m="http://schemas.openxmlformats.org/officeDocument/2006/math">
+                        <m:r>
+                          <a:rPr lang="pt-BR" i="1" dirty="0" smtClean="0">
+                            <a:latin typeface="Cambria Math" panose="02040503050406030204" pitchFamily="18" charset="0"/>
+                          </a:rPr>
+                          <m:t>𝑚</m:t>
+                        </m:r>
+                      </m:oMath>
+                    </m:oMathPara>
+                  </a14:m>
+                  <a:endParaRPr lang="pt-BR" dirty="0"/>
+                </a:p>
+              </p:txBody>
+            </p:sp>
+          </mc:Choice>
+          <mc:Fallback>
+            <p:sp>
+              <p:nvSpPr>
+                <p:cNvPr id="31" name="Retângulo 30"/>
+                <p:cNvSpPr>
+                  <a:spLocks noRot="1" noChangeAspect="1" noMove="1" noResize="1" noEditPoints="1" noAdjustHandles="1" noChangeArrowheads="1" noChangeShapeType="1" noTextEdit="1"/>
+                </p:cNvSpPr>
+                <p:nvPr/>
+              </p:nvSpPr>
+              <p:spPr>
+                <a:xfrm>
+                  <a:off x="7193324" y="4624823"/>
+                  <a:ext cx="435504" cy="369332"/>
+                </a:xfrm>
+                <a:prstGeom prst="rect">
+                  <a:avLst/>
+                </a:prstGeom>
+                <a:blipFill rotWithShape="0">
+                  <a:blip r:embed="rId7"/>
+                  <a:stretch>
+                    <a:fillRect/>
+                  </a:stretch>
+                </a:blipFill>
+              </p:spPr>
+              <p:txBody>
+                <a:bodyPr/>
+                <a:lstStyle/>
+                <a:p>
+                  <a:r>
+                    <a:rPr lang="pt-BR">
+                      <a:noFill/>
+                    </a:rPr>
+                    <a:t> </a:t>
+                  </a:r>
+                </a:p>
+              </p:txBody>
+            </p:sp>
+          </mc:Fallback>
+        </mc:AlternateContent>
+        <p:grpSp>
+          <p:nvGrpSpPr>
+            <p:cNvPr id="42" name="Grupo 41"/>
+            <p:cNvGrpSpPr/>
+            <p:nvPr/>
+          </p:nvGrpSpPr>
+          <p:grpSpPr>
+            <a:xfrm>
+              <a:off x="8047161" y="3737053"/>
+              <a:ext cx="1044541" cy="996690"/>
+              <a:chOff x="4886796" y="2506775"/>
+              <a:chExt cx="1044541" cy="996690"/>
+            </a:xfrm>
+          </p:grpSpPr>
+          <p:sp>
+            <p:nvSpPr>
+              <p:cNvPr id="4" name="Retângulo 3"/>
+              <p:cNvSpPr/>
+              <p:nvPr/>
+            </p:nvSpPr>
+            <p:spPr>
+              <a:xfrm>
+                <a:off x="4968009" y="2506775"/>
+                <a:ext cx="963328" cy="949366"/>
+              </a:xfrm>
+              <a:prstGeom prst="rect">
+                <a:avLst/>
+              </a:prstGeom>
+              <a:noFill/>
+              <a:ln w="28575">
+                <a:solidFill>
+                  <a:schemeClr val="tx1"/>
+                </a:solidFill>
+              </a:ln>
+            </p:spPr>
+            <p:style>
+              <a:lnRef idx="2">
+                <a:schemeClr val="accent1">
+                  <a:shade val="50000"/>
+                </a:schemeClr>
+              </a:lnRef>
+              <a:fillRef idx="1">
+                <a:schemeClr val="accent1"/>
+              </a:fillRef>
+              <a:effectRef idx="0">
+                <a:schemeClr val="accent1"/>
+              </a:effectRef>
+              <a:fontRef idx="minor">
+                <a:schemeClr val="lt1"/>
+              </a:fontRef>
+            </p:style>
+            <p:txBody>
+              <a:bodyPr rtlCol="0" anchor="ctr"/>
+              <a:lstStyle/>
+              <a:p>
+                <a:pPr algn="ctr"/>
+                <a:endParaRPr lang="pt-BR"/>
+              </a:p>
+            </p:txBody>
+          </p:sp>
+          <p:sp>
+            <p:nvSpPr>
+              <p:cNvPr id="9" name="Elipse 8"/>
+              <p:cNvSpPr/>
+              <p:nvPr/>
+            </p:nvSpPr>
+            <p:spPr>
+              <a:xfrm>
+                <a:off x="5124519" y="2656304"/>
+                <a:ext cx="650308" cy="650308"/>
+              </a:xfrm>
+              <a:prstGeom prst="ellipse">
+                <a:avLst/>
+              </a:prstGeom>
+              <a:noFill/>
+              <a:ln w="28575">
+                <a:solidFill>
+                  <a:schemeClr val="tx1"/>
+                </a:solidFill>
+              </a:ln>
+            </p:spPr>
+            <p:style>
+              <a:lnRef idx="2">
+                <a:schemeClr val="accent1">
+                  <a:shade val="50000"/>
+                </a:schemeClr>
+              </a:lnRef>
+              <a:fillRef idx="1">
+                <a:schemeClr val="accent1"/>
+              </a:fillRef>
+              <a:effectRef idx="0">
+                <a:schemeClr val="accent1"/>
+              </a:effectRef>
+              <a:fontRef idx="minor">
+                <a:schemeClr val="lt1"/>
+              </a:fontRef>
+            </p:style>
+            <p:txBody>
+              <a:bodyPr rtlCol="0" anchor="ctr"/>
+              <a:lstStyle/>
+              <a:p>
+                <a:pPr algn="ctr"/>
+                <a:r>
+                  <a:rPr lang="el-GR" dirty="0" smtClean="0">
+                    <a:solidFill>
+                      <a:schemeClr val="tx1"/>
+                    </a:solidFill>
+                  </a:rPr>
+                  <a:t>φ</a:t>
+                </a:r>
+                <a:endParaRPr lang="pt-BR" dirty="0">
+                  <a:solidFill>
+                    <a:schemeClr val="tx1"/>
+                  </a:solidFill>
+                </a:endParaRPr>
+              </a:p>
+            </p:txBody>
+          </p:sp>
+          <mc:AlternateContent xmlns:mc="http://schemas.openxmlformats.org/markup-compatibility/2006">
+            <mc:Choice xmlns:a14="http://schemas.microsoft.com/office/drawing/2010/main" Requires="a14">
+              <p:sp>
+                <p:nvSpPr>
+                  <p:cNvPr id="32" name="Retângulo 31"/>
+                  <p:cNvSpPr/>
+                  <p:nvPr/>
+                </p:nvSpPr>
+                <p:spPr>
+                  <a:xfrm>
+                    <a:off x="4886796" y="3134133"/>
+                    <a:ext cx="406458" cy="369332"/>
+                  </a:xfrm>
+                  <a:prstGeom prst="rect">
+                    <a:avLst/>
+                  </a:prstGeom>
+                </p:spPr>
+                <p:txBody>
+                  <a:bodyPr wrap="none">
+                    <a:spAutoFit/>
+                  </a:bodyPr>
+                  <a:lstStyle/>
+                  <a:p>
+                    <a14:m>
+                      <m:oMathPara xmlns:m="http://schemas.openxmlformats.org/officeDocument/2006/math">
+                        <m:oMathParaPr>
+                          <m:jc m:val="centerGroup"/>
+                        </m:oMathParaPr>
+                        <m:oMath xmlns:m="http://schemas.openxmlformats.org/officeDocument/2006/math">
+                          <m:r>
+                            <a:rPr lang="pt-BR" i="1" dirty="0" smtClean="0">
+                              <a:latin typeface="Cambria Math" panose="02040503050406030204" pitchFamily="18" charset="0"/>
+                            </a:rPr>
+                            <m:t>𝐾</m:t>
+                          </m:r>
+                        </m:oMath>
+                      </m:oMathPara>
+                    </a14:m>
+                    <a:endParaRPr lang="pt-BR" dirty="0"/>
+                  </a:p>
+                </p:txBody>
+              </p:sp>
+            </mc:Choice>
+            <mc:Fallback>
+              <p:sp>
+                <p:nvSpPr>
+                  <p:cNvPr id="32" name="Retângulo 31"/>
+                  <p:cNvSpPr>
+                    <a:spLocks noRot="1" noChangeAspect="1" noMove="1" noResize="1" noEditPoints="1" noAdjustHandles="1" noChangeArrowheads="1" noChangeShapeType="1" noTextEdit="1"/>
+                  </p:cNvSpPr>
+                  <p:nvPr/>
+                </p:nvSpPr>
+                <p:spPr>
+                  <a:xfrm>
+                    <a:off x="4886796" y="3134133"/>
+                    <a:ext cx="406458" cy="369332"/>
+                  </a:xfrm>
+                  <a:prstGeom prst="rect">
+                    <a:avLst/>
+                  </a:prstGeom>
+                  <a:blipFill rotWithShape="0">
+                    <a:blip r:embed="rId8"/>
+                    <a:stretch>
+                      <a:fillRect/>
+                    </a:stretch>
+                  </a:blipFill>
+                </p:spPr>
+                <p:txBody>
+                  <a:bodyPr/>
+                  <a:lstStyle/>
+                  <a:p>
+                    <a:r>
+                      <a:rPr lang="pt-BR">
+                        <a:noFill/>
+                      </a:rPr>
+                      <a:t> </a:t>
+                    </a:r>
+                  </a:p>
+                </p:txBody>
+              </p:sp>
+            </mc:Fallback>
+          </mc:AlternateContent>
+        </p:grpSp>
+        <mc:AlternateContent xmlns:mc="http://schemas.openxmlformats.org/markup-compatibility/2006">
+          <mc:Choice xmlns:a14="http://schemas.microsoft.com/office/drawing/2010/main" Requires="a14">
+            <p:sp>
+              <p:nvSpPr>
+                <p:cNvPr id="34" name="Elipse 33"/>
+                <p:cNvSpPr/>
+                <p:nvPr/>
+              </p:nvSpPr>
+              <p:spPr>
+                <a:xfrm>
+                  <a:off x="9353782" y="3885676"/>
+                  <a:ext cx="650308" cy="650308"/>
+                </a:xfrm>
+                <a:prstGeom prst="ellipse">
+                  <a:avLst/>
+                </a:prstGeom>
+                <a:noFill/>
+                <a:ln w="28575">
+                  <a:solidFill>
+                    <a:schemeClr val="tx1"/>
+                  </a:solidFill>
+                </a:ln>
+              </p:spPr>
+              <p:style>
+                <a:lnRef idx="2">
+                  <a:schemeClr val="accent1">
+                    <a:shade val="50000"/>
+                  </a:schemeClr>
+                </a:lnRef>
+                <a:fillRef idx="1">
+                  <a:schemeClr val="accent1"/>
+                </a:fillRef>
+                <a:effectRef idx="0">
+                  <a:schemeClr val="accent1"/>
+                </a:effectRef>
+                <a:fontRef idx="minor">
+                  <a:schemeClr val="lt1"/>
+                </a:fontRef>
+              </p:style>
+              <p:txBody>
+                <a:bodyPr rtlCol="0" anchor="ctr"/>
+                <a:lstStyle/>
+                <a:p>
+                  <a:pPr algn="ctr"/>
+                  <a14:m>
+                    <m:oMathPara xmlns:m="http://schemas.openxmlformats.org/officeDocument/2006/math">
+                      <m:oMathParaPr>
+                        <m:jc m:val="centerGroup"/>
+                      </m:oMathParaPr>
+                      <m:oMath xmlns:m="http://schemas.openxmlformats.org/officeDocument/2006/math">
+                        <m:r>
+                          <m:rPr>
+                            <m:nor/>
+                          </m:rPr>
+                          <a:rPr lang="el-GR" dirty="0" smtClean="0">
+                            <a:solidFill>
+                              <a:schemeClr val="tx1"/>
+                            </a:solidFill>
+                          </a:rPr>
+                          <m:t>β</m:t>
+                        </m:r>
+                      </m:oMath>
+                    </m:oMathPara>
+                  </a14:m>
+                  <a:endParaRPr lang="pt-BR" dirty="0">
+                    <a:solidFill>
+                      <a:schemeClr val="tx1"/>
+                    </a:solidFill>
+                  </a:endParaRPr>
+                </a:p>
+              </p:txBody>
+            </p:sp>
+          </mc:Choice>
+          <mc:Fallback>
+            <p:sp>
+              <p:nvSpPr>
+                <p:cNvPr id="34" name="Elipse 33"/>
+                <p:cNvSpPr>
+                  <a:spLocks noRot="1" noChangeAspect="1" noMove="1" noResize="1" noEditPoints="1" noAdjustHandles="1" noChangeArrowheads="1" noChangeShapeType="1" noTextEdit="1"/>
+                </p:cNvSpPr>
+                <p:nvPr/>
+              </p:nvSpPr>
+              <p:spPr>
+                <a:xfrm>
+                  <a:off x="9353782" y="3885676"/>
+                  <a:ext cx="650308" cy="650308"/>
+                </a:xfrm>
+                <a:prstGeom prst="ellipse">
+                  <a:avLst/>
+                </a:prstGeom>
+                <a:blipFill rotWithShape="0">
+                  <a:blip r:embed="rId9"/>
+                  <a:stretch>
+                    <a:fillRect/>
+                  </a:stretch>
+                </a:blipFill>
+                <a:ln w="28575">
+                  <a:solidFill>
+                    <a:schemeClr val="tx1"/>
+                  </a:solidFill>
+                </a:ln>
+              </p:spPr>
+              <p:txBody>
+                <a:bodyPr/>
+                <a:lstStyle/>
+                <a:p>
+                  <a:r>
+                    <a:rPr lang="pt-BR">
+                      <a:noFill/>
+                    </a:rPr>
+                    <a:t> </a:t>
+                  </a:r>
+                </a:p>
+              </p:txBody>
+            </p:sp>
+          </mc:Fallback>
+        </mc:AlternateContent>
+        <p:cxnSp>
+          <p:nvCxnSpPr>
+            <p:cNvPr id="35" name="Conector de seta reta 34"/>
+            <p:cNvCxnSpPr>
+              <a:stCxn id="34" idx="2"/>
+              <a:endCxn id="9" idx="6"/>
+            </p:cNvCxnSpPr>
+            <p:nvPr/>
+          </p:nvCxnSpPr>
+          <p:spPr>
+            <a:xfrm flipH="1">
+              <a:off x="8935192" y="4210830"/>
+              <a:ext cx="418590" cy="906"/>
+            </a:xfrm>
+            <a:prstGeom prst="straightConnector1">
+              <a:avLst/>
+            </a:prstGeom>
+            <a:ln w="28575">
+              <a:solidFill>
+                <a:schemeClr val="tx1"/>
+              </a:solidFill>
+              <a:tailEnd type="triangle"/>
+            </a:ln>
+          </p:spPr>
+          <p:style>
+            <a:lnRef idx="1">
+              <a:schemeClr val="dk1"/>
+            </a:lnRef>
+            <a:fillRef idx="0">
+              <a:schemeClr val="dk1"/>
+            </a:fillRef>
+            <a:effectRef idx="0">
+              <a:schemeClr val="dk1"/>
+            </a:effectRef>
+            <a:fontRef idx="minor">
+              <a:schemeClr val="tx1"/>
+            </a:fontRef>
+          </p:style>
+        </p:cxnSp>
+        <p:cxnSp>
+          <p:nvCxnSpPr>
+            <p:cNvPr id="39" name="Conector de seta reta 38"/>
+            <p:cNvCxnSpPr>
+              <a:stCxn id="9" idx="2"/>
+              <a:endCxn id="11" idx="6"/>
+            </p:cNvCxnSpPr>
+            <p:nvPr/>
+          </p:nvCxnSpPr>
+          <p:spPr>
+            <a:xfrm flipH="1" flipV="1">
+              <a:off x="6870266" y="4210831"/>
+              <a:ext cx="1414618" cy="905"/>
+            </a:xfrm>
+            <a:prstGeom prst="straightConnector1">
+              <a:avLst/>
+            </a:prstGeom>
+            <a:ln w="28575">
+              <a:solidFill>
+                <a:schemeClr val="tx1"/>
+              </a:solidFill>
+              <a:tailEnd type="triangle"/>
+            </a:ln>
+          </p:spPr>
+          <p:style>
+            <a:lnRef idx="1">
+              <a:schemeClr val="dk1"/>
+            </a:lnRef>
+            <a:fillRef idx="0">
+              <a:schemeClr val="dk1"/>
+            </a:fillRef>
+            <a:effectRef idx="0">
+              <a:schemeClr val="dk1"/>
+            </a:effectRef>
+            <a:fontRef idx="minor">
+              <a:schemeClr val="tx1"/>
+            </a:fontRef>
+          </p:style>
+        </p:cxnSp>
+      </p:grpSp>
+    </p:spTree>
+    <p:extLst>
+      <p:ext uri="{BB962C8B-B14F-4D97-AF65-F5344CB8AC3E}">
+        <p14:creationId xmlns:p14="http://schemas.microsoft.com/office/powerpoint/2010/main" val="692080440"/>
+      </p:ext>
+    </p:extLst>
+  </p:cSld>
+  <p:clrMapOvr>
+    <a:masterClrMapping/>
+  </p:clrMapOvr>
+</p:sld>
+</file>
+
+<file path=ppt/slides/slide5.xml><?xml version="1.0" encoding="utf-8"?>
+<p:sld xmlns:a="http://schemas.openxmlformats.org/drawingml/2006/main" xmlns:r="http://schemas.openxmlformats.org/officeDocument/2006/relationships" xmlns:p="http://schemas.openxmlformats.org/presentationml/2006/main">
+  <p:cSld>
+    <p:spTree>
+      <p:nvGrpSpPr>
+        <p:cNvPr id="1" name=""/>
+        <p:cNvGrpSpPr/>
+        <p:nvPr/>
+      </p:nvGrpSpPr>
+      <p:grpSpPr>
+        <a:xfrm>
+          <a:off x="0" y="0"/>
+          <a:ext cx="0" cy="0"/>
+          <a:chOff x="0" y="0"/>
+          <a:chExt cx="0" cy="0"/>
+        </a:xfrm>
+      </p:grpSpPr>
+      <p:grpSp>
+        <p:nvGrpSpPr>
+          <p:cNvPr id="14" name="Grupo 13"/>
+          <p:cNvGrpSpPr/>
+          <p:nvPr/>
+        </p:nvGrpSpPr>
+        <p:grpSpPr>
+          <a:xfrm>
+            <a:off x="2625634" y="1850569"/>
+            <a:ext cx="5760001" cy="2225152"/>
+            <a:chOff x="2625634" y="1850569"/>
+            <a:chExt cx="5760001" cy="2225152"/>
+          </a:xfrm>
+        </p:grpSpPr>
+        <p:sp>
+          <p:nvSpPr>
+            <p:cNvPr id="5" name="Retângulo 4"/>
+            <p:cNvSpPr/>
+            <p:nvPr/>
+          </p:nvSpPr>
+          <p:spPr>
+            <a:xfrm>
+              <a:off x="2625634" y="2634343"/>
+              <a:ext cx="5760000" cy="522514"/>
+            </a:xfrm>
+            <a:prstGeom prst="rect">
+              <a:avLst/>
+            </a:prstGeom>
+            <a:ln w="28575"/>
+          </p:spPr>
+          <p:style>
+            <a:lnRef idx="2">
+              <a:schemeClr val="dk1"/>
+            </a:lnRef>
+            <a:fillRef idx="1">
+              <a:schemeClr val="lt1"/>
+            </a:fillRef>
+            <a:effectRef idx="0">
+              <a:schemeClr val="dk1"/>
+            </a:effectRef>
+            <a:fontRef idx="minor">
+              <a:schemeClr val="dk1"/>
+            </a:fontRef>
+          </p:style>
+          <p:txBody>
+            <a:bodyPr rtlCol="0" anchor="ctr"/>
+            <a:lstStyle/>
+            <a:p>
+              <a:pPr algn="ctr"/>
+              <a:endParaRPr lang="pt-BR" dirty="0"/>
+            </a:p>
+          </p:txBody>
+        </p:sp>
+        <p:sp>
+          <p:nvSpPr>
+            <p:cNvPr id="6" name="Retângulo 5"/>
+            <p:cNvSpPr/>
+            <p:nvPr/>
+          </p:nvSpPr>
+          <p:spPr>
+            <a:xfrm>
+              <a:off x="6657634" y="2634343"/>
+              <a:ext cx="1728000" cy="522514"/>
+            </a:xfrm>
+            <a:prstGeom prst="rect">
+              <a:avLst/>
+            </a:prstGeom>
+            <a:solidFill>
+              <a:schemeClr val="tx1"/>
+            </a:solidFill>
+            <a:ln w="28575"/>
+          </p:spPr>
+          <p:style>
+            <a:lnRef idx="2">
+              <a:schemeClr val="dk1"/>
+            </a:lnRef>
+            <a:fillRef idx="1">
+              <a:schemeClr val="lt1"/>
+            </a:fillRef>
+            <a:effectRef idx="0">
+              <a:schemeClr val="dk1"/>
+            </a:effectRef>
+            <a:fontRef idx="minor">
+              <a:schemeClr val="dk1"/>
+            </a:fontRef>
+          </p:style>
+          <p:txBody>
+            <a:bodyPr rtlCol="0" anchor="ctr"/>
+            <a:lstStyle/>
+            <a:p>
+              <a:pPr algn="ctr"/>
+              <a:endParaRPr lang="pt-BR" dirty="0"/>
+            </a:p>
+          </p:txBody>
+        </p:sp>
+        <p:sp>
+          <p:nvSpPr>
+            <p:cNvPr id="8" name="Chave esquerda 7"/>
+            <p:cNvSpPr/>
+            <p:nvPr/>
+          </p:nvSpPr>
+          <p:spPr>
+            <a:xfrm rot="16200000">
+              <a:off x="4552369" y="1434770"/>
+              <a:ext cx="178529" cy="4032000"/>
+            </a:xfrm>
+            <a:prstGeom prst="leftBrace">
+              <a:avLst>
+                <a:gd name="adj1" fmla="val 52777"/>
+                <a:gd name="adj2" fmla="val 50000"/>
+              </a:avLst>
+            </a:prstGeom>
+            <a:ln w="28575"/>
+          </p:spPr>
+          <p:style>
+            <a:lnRef idx="1">
+              <a:schemeClr val="dk1"/>
+            </a:lnRef>
+            <a:fillRef idx="0">
+              <a:schemeClr val="dk1"/>
+            </a:fillRef>
+            <a:effectRef idx="0">
+              <a:schemeClr val="dk1"/>
+            </a:effectRef>
+            <a:fontRef idx="minor">
+              <a:schemeClr val="tx1"/>
+            </a:fontRef>
+          </p:style>
+          <p:txBody>
+            <a:bodyPr rtlCol="0" anchor="ctr"/>
+            <a:lstStyle/>
+            <a:p>
+              <a:pPr algn="ctr"/>
+              <a:endParaRPr lang="pt-BR"/>
+            </a:p>
+          </p:txBody>
+        </p:sp>
+        <p:sp>
+          <p:nvSpPr>
+            <p:cNvPr id="9" name="Chave esquerda 8"/>
+            <p:cNvSpPr/>
+            <p:nvPr/>
+          </p:nvSpPr>
+          <p:spPr>
+            <a:xfrm rot="16200000">
+              <a:off x="7432372" y="2586769"/>
+              <a:ext cx="178527" cy="1727998"/>
+            </a:xfrm>
+            <a:prstGeom prst="leftBrace">
+              <a:avLst>
+                <a:gd name="adj1" fmla="val 52777"/>
+                <a:gd name="adj2" fmla="val 50000"/>
+              </a:avLst>
+            </a:prstGeom>
+            <a:ln w="28575"/>
+          </p:spPr>
+          <p:style>
+            <a:lnRef idx="1">
+              <a:schemeClr val="dk1"/>
+            </a:lnRef>
+            <a:fillRef idx="0">
+              <a:schemeClr val="dk1"/>
+            </a:fillRef>
+            <a:effectRef idx="0">
+              <a:schemeClr val="dk1"/>
+            </a:effectRef>
+            <a:fontRef idx="minor">
+              <a:schemeClr val="tx1"/>
+            </a:fontRef>
+          </p:style>
+          <p:txBody>
+            <a:bodyPr rtlCol="0" anchor="ctr"/>
+            <a:lstStyle/>
+            <a:p>
+              <a:pPr algn="ctr"/>
+              <a:endParaRPr lang="pt-BR"/>
+            </a:p>
+          </p:txBody>
+        </p:sp>
+        <p:sp>
+          <p:nvSpPr>
+            <p:cNvPr id="10" name="Retângulo 9"/>
+            <p:cNvSpPr/>
+            <p:nvPr/>
+          </p:nvSpPr>
+          <p:spPr>
+            <a:xfrm>
+              <a:off x="4319974" y="3706389"/>
+              <a:ext cx="643318" cy="369332"/>
+            </a:xfrm>
+            <a:prstGeom prst="rect">
+              <a:avLst/>
+            </a:prstGeom>
+          </p:spPr>
+          <p:txBody>
+            <a:bodyPr wrap="none">
+              <a:spAutoFit/>
+            </a:bodyPr>
+            <a:lstStyle/>
+            <a:p>
+              <a:pPr algn="ctr"/>
+              <a:r>
+                <a:rPr lang="pt-BR" dirty="0" err="1" smtClean="0"/>
+                <a:t>Train</a:t>
+              </a:r>
+              <a:endParaRPr lang="pt-BR" dirty="0"/>
+            </a:p>
+          </p:txBody>
+        </p:sp>
+        <p:sp>
+          <p:nvSpPr>
+            <p:cNvPr id="11" name="Retângulo 10"/>
+            <p:cNvSpPr/>
+            <p:nvPr/>
+          </p:nvSpPr>
+          <p:spPr>
+            <a:xfrm>
+              <a:off x="7243673" y="3706389"/>
+              <a:ext cx="555921" cy="369332"/>
+            </a:xfrm>
+            <a:prstGeom prst="rect">
+              <a:avLst/>
+            </a:prstGeom>
+          </p:spPr>
+          <p:txBody>
+            <a:bodyPr wrap="none">
+              <a:spAutoFit/>
+            </a:bodyPr>
+            <a:lstStyle/>
+            <a:p>
+              <a:pPr algn="ctr"/>
+              <a:r>
+                <a:rPr lang="pt-BR" dirty="0" smtClean="0"/>
+                <a:t>Test</a:t>
+              </a:r>
+              <a:endParaRPr lang="pt-BR" dirty="0"/>
+            </a:p>
+          </p:txBody>
+        </p:sp>
+        <p:sp>
+          <p:nvSpPr>
+            <p:cNvPr id="13" name="Retângulo 12"/>
+            <p:cNvSpPr/>
+            <p:nvPr/>
+          </p:nvSpPr>
+          <p:spPr>
+            <a:xfrm>
+              <a:off x="2625634" y="1850569"/>
+              <a:ext cx="5760000" cy="522514"/>
+            </a:xfrm>
+            <a:prstGeom prst="rect">
+              <a:avLst/>
+            </a:prstGeom>
+            <a:ln w="28575"/>
+          </p:spPr>
+          <p:style>
+            <a:lnRef idx="2">
+              <a:schemeClr val="dk1"/>
+            </a:lnRef>
+            <a:fillRef idx="1">
+              <a:schemeClr val="lt1"/>
+            </a:fillRef>
+            <a:effectRef idx="0">
+              <a:schemeClr val="dk1"/>
+            </a:effectRef>
+            <a:fontRef idx="minor">
+              <a:schemeClr val="dk1"/>
+            </a:fontRef>
+          </p:style>
+          <p:txBody>
+            <a:bodyPr rtlCol="0" anchor="ctr"/>
+            <a:lstStyle/>
+            <a:p>
+              <a:pPr algn="ctr"/>
+              <a:r>
+                <a:rPr lang="pt-BR" dirty="0" smtClean="0"/>
+                <a:t>Training Set</a:t>
+              </a:r>
+              <a:endParaRPr lang="pt-BR" dirty="0"/>
+            </a:p>
+          </p:txBody>
+        </p:sp>
+      </p:grpSp>
+    </p:spTree>
+    <p:extLst>
+      <p:ext uri="{BB962C8B-B14F-4D97-AF65-F5344CB8AC3E}">
+        <p14:creationId xmlns:p14="http://schemas.microsoft.com/office/powerpoint/2010/main" val="3403258457"/>
+      </p:ext>
+    </p:extLst>
+  </p:cSld>
+  <p:clrMapOvr>
+    <a:masterClrMapping/>
+  </p:clrMapOvr>
+</p:sld>
+</file>
+
+<file path=ppt/slides/slide6.xml><?xml version="1.0" encoding="utf-8"?>
+<p:sld xmlns:a="http://schemas.openxmlformats.org/drawingml/2006/main" xmlns:r="http://schemas.openxmlformats.org/officeDocument/2006/relationships" xmlns:p="http://schemas.openxmlformats.org/presentationml/2006/main">
+  <p:cSld>
+    <p:spTree>
+      <p:nvGrpSpPr>
+        <p:cNvPr id="1" name=""/>
+        <p:cNvGrpSpPr/>
+        <p:nvPr/>
+      </p:nvGrpSpPr>
+      <p:grpSpPr>
+        <a:xfrm>
+          <a:off x="0" y="0"/>
+          <a:ext cx="0" cy="0"/>
+          <a:chOff x="0" y="0"/>
+          <a:chExt cx="0" cy="0"/>
+        </a:xfrm>
+      </p:grpSpPr>
+      <p:sp>
+        <p:nvSpPr>
+          <p:cNvPr id="69" name="Retângulo 68"/>
+          <p:cNvSpPr/>
+          <p:nvPr/>
+        </p:nvSpPr>
+        <p:spPr>
+          <a:xfrm>
+            <a:off x="1637008" y="2442871"/>
+            <a:ext cx="301686" cy="369332"/>
+          </a:xfrm>
+          <a:prstGeom prst="rect">
+            <a:avLst/>
+          </a:prstGeom>
+        </p:spPr>
+        <p:txBody>
+          <a:bodyPr wrap="none">
+            <a:spAutoFit/>
+          </a:bodyPr>
+          <a:lstStyle/>
+          <a:p>
+            <a:pPr algn="ctr"/>
+            <a:r>
+              <a:rPr lang="pt-BR" dirty="0" smtClean="0"/>
+              <a:t>1</a:t>
+            </a:r>
+            <a:endParaRPr lang="pt-BR" dirty="0"/>
+          </a:p>
+        </p:txBody>
+      </p:sp>
+      <p:sp>
+        <p:nvSpPr>
+          <p:cNvPr id="70" name="Retângulo 69"/>
+          <p:cNvSpPr/>
+          <p:nvPr/>
+        </p:nvSpPr>
+        <p:spPr>
+          <a:xfrm>
+            <a:off x="1637008" y="3226645"/>
+            <a:ext cx="301686" cy="369332"/>
+          </a:xfrm>
+          <a:prstGeom prst="rect">
+            <a:avLst/>
+          </a:prstGeom>
+        </p:spPr>
+        <p:txBody>
+          <a:bodyPr wrap="none">
+            <a:spAutoFit/>
+          </a:bodyPr>
+          <a:lstStyle/>
+          <a:p>
+            <a:pPr algn="ctr"/>
+            <a:r>
+              <a:rPr lang="pt-BR" dirty="0" smtClean="0"/>
+              <a:t>2</a:t>
+            </a:r>
+            <a:endParaRPr lang="pt-BR" dirty="0"/>
+          </a:p>
+        </p:txBody>
+      </p:sp>
+      <p:sp>
+        <p:nvSpPr>
+          <p:cNvPr id="71" name="Retângulo 70"/>
+          <p:cNvSpPr/>
+          <p:nvPr/>
+        </p:nvSpPr>
+        <p:spPr>
+          <a:xfrm>
+            <a:off x="1637008" y="4010419"/>
+            <a:ext cx="301686" cy="369332"/>
+          </a:xfrm>
+          <a:prstGeom prst="rect">
+            <a:avLst/>
+          </a:prstGeom>
+        </p:spPr>
+        <p:txBody>
+          <a:bodyPr wrap="none">
+            <a:spAutoFit/>
+          </a:bodyPr>
+          <a:lstStyle/>
+          <a:p>
+            <a:pPr algn="ctr"/>
+            <a:r>
+              <a:rPr lang="pt-BR" dirty="0" smtClean="0"/>
+              <a:t>3</a:t>
+            </a:r>
+            <a:endParaRPr lang="pt-BR" dirty="0"/>
+          </a:p>
+        </p:txBody>
+      </p:sp>
+      <mc:AlternateContent xmlns:mc="http://schemas.openxmlformats.org/markup-compatibility/2006">
+        <mc:Choice xmlns:a14="http://schemas.microsoft.com/office/drawing/2010/main" Requires="a14">
+          <p:sp>
+            <p:nvSpPr>
+              <p:cNvPr id="73" name="Retângulo 72"/>
+              <p:cNvSpPr/>
+              <p:nvPr/>
+            </p:nvSpPr>
+            <p:spPr>
+              <a:xfrm>
+                <a:off x="1602384" y="5577967"/>
+                <a:ext cx="370934" cy="369332"/>
+              </a:xfrm>
+              <a:prstGeom prst="rect">
+                <a:avLst/>
+              </a:prstGeom>
+            </p:spPr>
+            <p:txBody>
+              <a:bodyPr wrap="none">
+                <a:spAutoFit/>
+              </a:bodyPr>
+              <a:lstStyle/>
+              <a:p>
+                <a:pPr algn="ctr"/>
+                <a14:m>
+                  <m:oMathPara xmlns:m="http://schemas.openxmlformats.org/officeDocument/2006/math">
+                    <m:oMathParaPr>
+                      <m:jc m:val="centerGroup"/>
+                    </m:oMathParaPr>
+                    <m:oMath xmlns:m="http://schemas.openxmlformats.org/officeDocument/2006/math">
+                      <m:r>
+                        <a:rPr lang="pt-BR" i="1">
+                          <a:latin typeface="Cambria Math" panose="02040503050406030204" pitchFamily="18" charset="0"/>
+                        </a:rPr>
+                        <m:t>𝑘</m:t>
+                      </m:r>
+                    </m:oMath>
+                  </m:oMathPara>
+                </a14:m>
+                <a:endParaRPr lang="pt-BR" dirty="0"/>
+              </a:p>
+            </p:txBody>
+          </p:sp>
+        </mc:Choice>
+        <mc:Fallback>
+          <p:sp>
+            <p:nvSpPr>
+              <p:cNvPr id="73" name="Retângulo 72"/>
+              <p:cNvSpPr>
+                <a:spLocks noRot="1" noChangeAspect="1" noMove="1" noResize="1" noEditPoints="1" noAdjustHandles="1" noChangeArrowheads="1" noChangeShapeType="1" noTextEdit="1"/>
+              </p:cNvSpPr>
+              <p:nvPr/>
+            </p:nvSpPr>
+            <p:spPr>
+              <a:xfrm>
+                <a:off x="1602384" y="5577967"/>
+                <a:ext cx="370934" cy="369332"/>
+              </a:xfrm>
+              <a:prstGeom prst="rect">
+                <a:avLst/>
+              </a:prstGeom>
+              <a:blipFill rotWithShape="0">
+                <a:blip r:embed="rId2"/>
+                <a:stretch>
+                  <a:fillRect/>
+                </a:stretch>
+              </a:blipFill>
+            </p:spPr>
+            <p:txBody>
+              <a:bodyPr/>
+              <a:lstStyle/>
+              <a:p>
+                <a:r>
+                  <a:rPr lang="pt-BR">
+                    <a:noFill/>
+                  </a:rPr>
+                  <a:t> </a:t>
+                </a:r>
+              </a:p>
+            </p:txBody>
+          </p:sp>
+        </mc:Fallback>
+      </mc:AlternateContent>
+      <p:grpSp>
+        <p:nvGrpSpPr>
+          <p:cNvPr id="91" name="Grupo 90"/>
+          <p:cNvGrpSpPr/>
+          <p:nvPr/>
+        </p:nvGrpSpPr>
+        <p:grpSpPr>
+          <a:xfrm>
+            <a:off x="1534328" y="834110"/>
+            <a:ext cx="9123344" cy="5189780"/>
+            <a:chOff x="2116647" y="834110"/>
+            <a:chExt cx="9123344" cy="5189780"/>
+          </a:xfrm>
+        </p:grpSpPr>
+        <p:sp>
+          <p:nvSpPr>
+            <p:cNvPr id="5" name="Retângulo 4"/>
+            <p:cNvSpPr/>
+            <p:nvPr/>
+          </p:nvSpPr>
+          <p:spPr>
+            <a:xfrm>
+              <a:off x="2116647" y="2366280"/>
+              <a:ext cx="720000" cy="522514"/>
+            </a:xfrm>
+            <a:prstGeom prst="rect">
+              <a:avLst/>
+            </a:prstGeom>
+            <a:ln w="28575"/>
+          </p:spPr>
+          <p:style>
+            <a:lnRef idx="2">
+              <a:schemeClr val="dk1"/>
+            </a:lnRef>
+            <a:fillRef idx="1">
+              <a:schemeClr val="lt1"/>
+            </a:fillRef>
+            <a:effectRef idx="0">
+              <a:schemeClr val="dk1"/>
+            </a:effectRef>
+            <a:fontRef idx="minor">
+              <a:schemeClr val="dk1"/>
+            </a:fontRef>
+          </p:style>
+          <p:txBody>
+            <a:bodyPr rtlCol="0" anchor="ctr"/>
+            <a:lstStyle/>
+            <a:p>
+              <a:pPr algn="ctr"/>
+              <a:endParaRPr lang="pt-BR" dirty="0"/>
+            </a:p>
+          </p:txBody>
+        </p:sp>
+        <p:sp>
+          <p:nvSpPr>
+            <p:cNvPr id="13" name="Retângulo 12"/>
+            <p:cNvSpPr/>
+            <p:nvPr/>
+          </p:nvSpPr>
+          <p:spPr>
+            <a:xfrm>
+              <a:off x="2116647" y="834110"/>
+              <a:ext cx="5760000" cy="522514"/>
+            </a:xfrm>
+            <a:prstGeom prst="rect">
+              <a:avLst/>
+            </a:prstGeom>
+            <a:ln w="28575"/>
+          </p:spPr>
+          <p:style>
+            <a:lnRef idx="2">
+              <a:schemeClr val="dk1"/>
+            </a:lnRef>
+            <a:fillRef idx="1">
+              <a:schemeClr val="lt1"/>
+            </a:fillRef>
+            <a:effectRef idx="0">
+              <a:schemeClr val="dk1"/>
+            </a:effectRef>
+            <a:fontRef idx="minor">
+              <a:schemeClr val="dk1"/>
+            </a:fontRef>
+          </p:style>
+          <p:txBody>
+            <a:bodyPr rtlCol="0" anchor="ctr"/>
+            <a:lstStyle/>
+            <a:p>
+              <a:pPr algn="ctr"/>
+              <a:r>
+                <a:rPr lang="pt-BR" dirty="0" smtClean="0"/>
+                <a:t>Training Set</a:t>
+              </a:r>
+              <a:endParaRPr lang="pt-BR" dirty="0"/>
+            </a:p>
+          </p:txBody>
+        </p:sp>
+        <p:sp>
+          <p:nvSpPr>
+            <p:cNvPr id="18" name="Retângulo 17"/>
+            <p:cNvSpPr/>
+            <p:nvPr/>
+          </p:nvSpPr>
+          <p:spPr>
+            <a:xfrm>
+              <a:off x="2836647" y="2366280"/>
+              <a:ext cx="720000" cy="522514"/>
+            </a:xfrm>
+            <a:prstGeom prst="rect">
+              <a:avLst/>
+            </a:prstGeom>
+            <a:ln w="28575"/>
+          </p:spPr>
+          <p:style>
+            <a:lnRef idx="2">
+              <a:schemeClr val="dk1"/>
+            </a:lnRef>
+            <a:fillRef idx="1">
+              <a:schemeClr val="lt1"/>
+            </a:fillRef>
+            <a:effectRef idx="0">
+              <a:schemeClr val="dk1"/>
+            </a:effectRef>
+            <a:fontRef idx="minor">
+              <a:schemeClr val="dk1"/>
+            </a:fontRef>
+          </p:style>
+          <p:txBody>
+            <a:bodyPr rtlCol="0" anchor="ctr"/>
+            <a:lstStyle/>
+            <a:p>
+              <a:pPr algn="ctr"/>
+              <a:endParaRPr lang="pt-BR" dirty="0"/>
+            </a:p>
+          </p:txBody>
+        </p:sp>
+        <p:sp>
+          <p:nvSpPr>
+            <p:cNvPr id="19" name="Retângulo 18"/>
+            <p:cNvSpPr/>
+            <p:nvPr/>
+          </p:nvSpPr>
+          <p:spPr>
+            <a:xfrm>
+              <a:off x="3556647" y="2366280"/>
+              <a:ext cx="720000" cy="522514"/>
+            </a:xfrm>
+            <a:prstGeom prst="rect">
+              <a:avLst/>
+            </a:prstGeom>
+            <a:ln w="28575"/>
+          </p:spPr>
+          <p:style>
+            <a:lnRef idx="2">
+              <a:schemeClr val="dk1"/>
+            </a:lnRef>
+            <a:fillRef idx="1">
+              <a:schemeClr val="lt1"/>
+            </a:fillRef>
+            <a:effectRef idx="0">
+              <a:schemeClr val="dk1"/>
+            </a:effectRef>
+            <a:fontRef idx="minor">
+              <a:schemeClr val="dk1"/>
+            </a:fontRef>
+          </p:style>
+          <p:txBody>
+            <a:bodyPr rtlCol="0" anchor="ctr"/>
+            <a:lstStyle/>
+            <a:p>
+              <a:pPr algn="ctr"/>
+              <a:endParaRPr lang="pt-BR" dirty="0"/>
+            </a:p>
+          </p:txBody>
+        </p:sp>
+        <p:sp>
+          <p:nvSpPr>
+            <p:cNvPr id="20" name="Retângulo 19"/>
+            <p:cNvSpPr/>
+            <p:nvPr/>
+          </p:nvSpPr>
+          <p:spPr>
+            <a:xfrm>
+              <a:off x="4276647" y="2366280"/>
+              <a:ext cx="720000" cy="522514"/>
+            </a:xfrm>
+            <a:prstGeom prst="rect">
+              <a:avLst/>
+            </a:prstGeom>
+            <a:ln w="28575"/>
+          </p:spPr>
+          <p:style>
+            <a:lnRef idx="2">
+              <a:schemeClr val="dk1"/>
+            </a:lnRef>
+            <a:fillRef idx="1">
+              <a:schemeClr val="lt1"/>
+            </a:fillRef>
+            <a:effectRef idx="0">
+              <a:schemeClr val="dk1"/>
+            </a:effectRef>
+            <a:fontRef idx="minor">
+              <a:schemeClr val="dk1"/>
+            </a:fontRef>
+          </p:style>
+          <p:txBody>
+            <a:bodyPr rtlCol="0" anchor="ctr"/>
+            <a:lstStyle/>
+            <a:p>
+              <a:pPr algn="ctr"/>
+              <a:endParaRPr lang="pt-BR" dirty="0"/>
+            </a:p>
+          </p:txBody>
+        </p:sp>
+        <p:sp>
+          <p:nvSpPr>
+            <p:cNvPr id="21" name="Retângulo 20"/>
+            <p:cNvSpPr/>
+            <p:nvPr/>
+          </p:nvSpPr>
+          <p:spPr>
+            <a:xfrm>
+              <a:off x="4996647" y="2366280"/>
+              <a:ext cx="720000" cy="522514"/>
+            </a:xfrm>
+            <a:prstGeom prst="rect">
+              <a:avLst/>
+            </a:prstGeom>
+            <a:ln w="28575"/>
+          </p:spPr>
+          <p:style>
+            <a:lnRef idx="2">
+              <a:schemeClr val="dk1"/>
+            </a:lnRef>
+            <a:fillRef idx="1">
+              <a:schemeClr val="lt1"/>
+            </a:fillRef>
+            <a:effectRef idx="0">
+              <a:schemeClr val="dk1"/>
+            </a:effectRef>
+            <a:fontRef idx="minor">
+              <a:schemeClr val="dk1"/>
+            </a:fontRef>
+          </p:style>
+          <p:txBody>
+            <a:bodyPr rtlCol="0" anchor="ctr"/>
+            <a:lstStyle/>
+            <a:p>
+              <a:pPr algn="ctr"/>
+              <a:endParaRPr lang="pt-BR" dirty="0"/>
+            </a:p>
+          </p:txBody>
+        </p:sp>
+        <p:sp>
+          <p:nvSpPr>
+            <p:cNvPr id="22" name="Retângulo 21"/>
+            <p:cNvSpPr/>
+            <p:nvPr/>
+          </p:nvSpPr>
+          <p:spPr>
+            <a:xfrm>
+              <a:off x="5716647" y="2366280"/>
+              <a:ext cx="720000" cy="522514"/>
+            </a:xfrm>
+            <a:prstGeom prst="rect">
+              <a:avLst/>
+            </a:prstGeom>
+            <a:ln w="28575"/>
+          </p:spPr>
+          <p:style>
+            <a:lnRef idx="2">
+              <a:schemeClr val="dk1"/>
+            </a:lnRef>
+            <a:fillRef idx="1">
+              <a:schemeClr val="lt1"/>
+            </a:fillRef>
+            <a:effectRef idx="0">
+              <a:schemeClr val="dk1"/>
+            </a:effectRef>
+            <a:fontRef idx="minor">
+              <a:schemeClr val="dk1"/>
+            </a:fontRef>
+          </p:style>
+          <p:txBody>
+            <a:bodyPr rtlCol="0" anchor="ctr"/>
+            <a:lstStyle/>
+            <a:p>
+              <a:pPr algn="ctr"/>
+              <a:endParaRPr lang="pt-BR" dirty="0"/>
+            </a:p>
+          </p:txBody>
+        </p:sp>
+        <p:sp>
+          <p:nvSpPr>
+            <p:cNvPr id="23" name="Retângulo 22"/>
+            <p:cNvSpPr/>
+            <p:nvPr/>
+          </p:nvSpPr>
+          <p:spPr>
+            <a:xfrm>
+              <a:off x="6436647" y="2366280"/>
+              <a:ext cx="720000" cy="522514"/>
+            </a:xfrm>
+            <a:prstGeom prst="rect">
+              <a:avLst/>
+            </a:prstGeom>
+            <a:ln w="28575"/>
+          </p:spPr>
+          <p:style>
+            <a:lnRef idx="2">
+              <a:schemeClr val="dk1"/>
+            </a:lnRef>
+            <a:fillRef idx="1">
+              <a:schemeClr val="lt1"/>
+            </a:fillRef>
+            <a:effectRef idx="0">
+              <a:schemeClr val="dk1"/>
+            </a:effectRef>
+            <a:fontRef idx="minor">
+              <a:schemeClr val="dk1"/>
+            </a:fontRef>
+          </p:style>
+          <p:txBody>
+            <a:bodyPr rtlCol="0" anchor="ctr"/>
+            <a:lstStyle/>
+            <a:p>
+              <a:pPr algn="ctr"/>
+              <a:endParaRPr lang="pt-BR" dirty="0"/>
+            </a:p>
+          </p:txBody>
+        </p:sp>
+        <p:sp>
+          <p:nvSpPr>
+            <p:cNvPr id="24" name="Retângulo 23"/>
+            <p:cNvSpPr/>
+            <p:nvPr/>
+          </p:nvSpPr>
+          <p:spPr>
+            <a:xfrm>
+              <a:off x="7156647" y="2366280"/>
+              <a:ext cx="720000" cy="522514"/>
+            </a:xfrm>
+            <a:prstGeom prst="rect">
+              <a:avLst/>
+            </a:prstGeom>
+            <a:solidFill>
+              <a:schemeClr val="tx1"/>
+            </a:solidFill>
+            <a:ln w="28575"/>
+          </p:spPr>
+          <p:style>
+            <a:lnRef idx="2">
+              <a:schemeClr val="dk1"/>
+            </a:lnRef>
+            <a:fillRef idx="1">
+              <a:schemeClr val="lt1"/>
+            </a:fillRef>
+            <a:effectRef idx="0">
+              <a:schemeClr val="dk1"/>
+            </a:effectRef>
+            <a:fontRef idx="minor">
+              <a:schemeClr val="dk1"/>
+            </a:fontRef>
+          </p:style>
+          <p:txBody>
+            <a:bodyPr rtlCol="0" anchor="ctr"/>
+            <a:lstStyle/>
+            <a:p>
+              <a:pPr algn="ctr"/>
+              <a:endParaRPr lang="pt-BR" dirty="0"/>
+            </a:p>
+          </p:txBody>
+        </p:sp>
+        <p:sp>
+          <p:nvSpPr>
+            <p:cNvPr id="25" name="Retângulo 24"/>
+            <p:cNvSpPr/>
+            <p:nvPr/>
+          </p:nvSpPr>
+          <p:spPr>
+            <a:xfrm>
+              <a:off x="2116647" y="3150054"/>
+              <a:ext cx="720000" cy="522514"/>
+            </a:xfrm>
+            <a:prstGeom prst="rect">
+              <a:avLst/>
+            </a:prstGeom>
+            <a:ln w="28575"/>
+          </p:spPr>
+          <p:style>
+            <a:lnRef idx="2">
+              <a:schemeClr val="dk1"/>
+            </a:lnRef>
+            <a:fillRef idx="1">
+              <a:schemeClr val="lt1"/>
+            </a:fillRef>
+            <a:effectRef idx="0">
+              <a:schemeClr val="dk1"/>
+            </a:effectRef>
+            <a:fontRef idx="minor">
+              <a:schemeClr val="dk1"/>
+            </a:fontRef>
+          </p:style>
+          <p:txBody>
+            <a:bodyPr rtlCol="0" anchor="ctr"/>
+            <a:lstStyle/>
+            <a:p>
+              <a:pPr algn="ctr"/>
+              <a:endParaRPr lang="pt-BR" dirty="0"/>
+            </a:p>
+          </p:txBody>
+        </p:sp>
+        <p:sp>
+          <p:nvSpPr>
+            <p:cNvPr id="26" name="Retângulo 25"/>
+            <p:cNvSpPr/>
+            <p:nvPr/>
+          </p:nvSpPr>
+          <p:spPr>
+            <a:xfrm>
+              <a:off x="2836647" y="3150054"/>
+              <a:ext cx="720000" cy="522514"/>
+            </a:xfrm>
+            <a:prstGeom prst="rect">
+              <a:avLst/>
+            </a:prstGeom>
+            <a:ln w="28575"/>
+          </p:spPr>
+          <p:style>
+            <a:lnRef idx="2">
+              <a:schemeClr val="dk1"/>
+            </a:lnRef>
+            <a:fillRef idx="1">
+              <a:schemeClr val="lt1"/>
+            </a:fillRef>
+            <a:effectRef idx="0">
+              <a:schemeClr val="dk1"/>
+            </a:effectRef>
+            <a:fontRef idx="minor">
+              <a:schemeClr val="dk1"/>
+            </a:fontRef>
+          </p:style>
+          <p:txBody>
+            <a:bodyPr rtlCol="0" anchor="ctr"/>
+            <a:lstStyle/>
+            <a:p>
+              <a:pPr algn="ctr"/>
+              <a:endParaRPr lang="pt-BR" dirty="0"/>
+            </a:p>
+          </p:txBody>
+        </p:sp>
+        <p:sp>
+          <p:nvSpPr>
+            <p:cNvPr id="27" name="Retângulo 26"/>
+            <p:cNvSpPr/>
+            <p:nvPr/>
+          </p:nvSpPr>
+          <p:spPr>
+            <a:xfrm>
+              <a:off x="3556647" y="3150054"/>
+              <a:ext cx="720000" cy="522514"/>
+            </a:xfrm>
+            <a:prstGeom prst="rect">
+              <a:avLst/>
+            </a:prstGeom>
+            <a:ln w="28575"/>
+          </p:spPr>
+          <p:style>
+            <a:lnRef idx="2">
+              <a:schemeClr val="dk1"/>
+            </a:lnRef>
+            <a:fillRef idx="1">
+              <a:schemeClr val="lt1"/>
+            </a:fillRef>
+            <a:effectRef idx="0">
+              <a:schemeClr val="dk1"/>
+            </a:effectRef>
+            <a:fontRef idx="minor">
+              <a:schemeClr val="dk1"/>
+            </a:fontRef>
+          </p:style>
+          <p:txBody>
+            <a:bodyPr rtlCol="0" anchor="ctr"/>
+            <a:lstStyle/>
+            <a:p>
+              <a:pPr algn="ctr"/>
+              <a:endParaRPr lang="pt-BR" dirty="0"/>
+            </a:p>
+          </p:txBody>
+        </p:sp>
+        <p:sp>
+          <p:nvSpPr>
+            <p:cNvPr id="28" name="Retângulo 27"/>
+            <p:cNvSpPr/>
+            <p:nvPr/>
+          </p:nvSpPr>
+          <p:spPr>
+            <a:xfrm>
+              <a:off x="4276647" y="3150054"/>
+              <a:ext cx="720000" cy="522514"/>
+            </a:xfrm>
+            <a:prstGeom prst="rect">
+              <a:avLst/>
+            </a:prstGeom>
+            <a:ln w="28575"/>
+          </p:spPr>
+          <p:style>
+            <a:lnRef idx="2">
+              <a:schemeClr val="dk1"/>
+            </a:lnRef>
+            <a:fillRef idx="1">
+              <a:schemeClr val="lt1"/>
+            </a:fillRef>
+            <a:effectRef idx="0">
+              <a:schemeClr val="dk1"/>
+            </a:effectRef>
+            <a:fontRef idx="minor">
+              <a:schemeClr val="dk1"/>
+            </a:fontRef>
+          </p:style>
+          <p:txBody>
+            <a:bodyPr rtlCol="0" anchor="ctr"/>
+            <a:lstStyle/>
+            <a:p>
+              <a:pPr algn="ctr"/>
+              <a:endParaRPr lang="pt-BR" dirty="0"/>
+            </a:p>
+          </p:txBody>
+        </p:sp>
+        <p:sp>
+          <p:nvSpPr>
+            <p:cNvPr id="29" name="Retângulo 28"/>
+            <p:cNvSpPr/>
+            <p:nvPr/>
+          </p:nvSpPr>
+          <p:spPr>
+            <a:xfrm>
+              <a:off x="4996647" y="3150054"/>
+              <a:ext cx="720000" cy="522514"/>
+            </a:xfrm>
+            <a:prstGeom prst="rect">
+              <a:avLst/>
+            </a:prstGeom>
+            <a:ln w="28575"/>
+          </p:spPr>
+          <p:style>
+            <a:lnRef idx="2">
+              <a:schemeClr val="dk1"/>
+            </a:lnRef>
+            <a:fillRef idx="1">
+              <a:schemeClr val="lt1"/>
+            </a:fillRef>
+            <a:effectRef idx="0">
+              <a:schemeClr val="dk1"/>
+            </a:effectRef>
+            <a:fontRef idx="minor">
+              <a:schemeClr val="dk1"/>
+            </a:fontRef>
+          </p:style>
+          <p:txBody>
+            <a:bodyPr rtlCol="0" anchor="ctr"/>
+            <a:lstStyle/>
+            <a:p>
+              <a:pPr algn="ctr"/>
+              <a:endParaRPr lang="pt-BR" dirty="0"/>
+            </a:p>
+          </p:txBody>
+        </p:sp>
+        <p:sp>
+          <p:nvSpPr>
+            <p:cNvPr id="30" name="Retângulo 29"/>
+            <p:cNvSpPr/>
+            <p:nvPr/>
+          </p:nvSpPr>
+          <p:spPr>
+            <a:xfrm>
+              <a:off x="5716647" y="3150054"/>
+              <a:ext cx="720000" cy="522514"/>
+            </a:xfrm>
+            <a:prstGeom prst="rect">
+              <a:avLst/>
+            </a:prstGeom>
+            <a:ln w="28575"/>
+          </p:spPr>
+          <p:style>
+            <a:lnRef idx="2">
+              <a:schemeClr val="dk1"/>
+            </a:lnRef>
+            <a:fillRef idx="1">
+              <a:schemeClr val="lt1"/>
+            </a:fillRef>
+            <a:effectRef idx="0">
+              <a:schemeClr val="dk1"/>
+            </a:effectRef>
+            <a:fontRef idx="minor">
+              <a:schemeClr val="dk1"/>
+            </a:fontRef>
+          </p:style>
+          <p:txBody>
+            <a:bodyPr rtlCol="0" anchor="ctr"/>
+            <a:lstStyle/>
+            <a:p>
+              <a:pPr algn="ctr"/>
+              <a:endParaRPr lang="pt-BR" dirty="0"/>
+            </a:p>
+          </p:txBody>
+        </p:sp>
+        <p:sp>
+          <p:nvSpPr>
+            <p:cNvPr id="31" name="Retângulo 30"/>
+            <p:cNvSpPr/>
+            <p:nvPr/>
+          </p:nvSpPr>
+          <p:spPr>
+            <a:xfrm>
+              <a:off x="6436647" y="3150054"/>
+              <a:ext cx="720000" cy="522514"/>
+            </a:xfrm>
+            <a:prstGeom prst="rect">
+              <a:avLst/>
+            </a:prstGeom>
+            <a:solidFill>
+              <a:schemeClr val="tx1"/>
+            </a:solidFill>
+            <a:ln w="28575"/>
+          </p:spPr>
+          <p:style>
+            <a:lnRef idx="2">
+              <a:schemeClr val="dk1"/>
+            </a:lnRef>
+            <a:fillRef idx="1">
+              <a:schemeClr val="lt1"/>
+            </a:fillRef>
+            <a:effectRef idx="0">
+              <a:schemeClr val="dk1"/>
+            </a:effectRef>
+            <a:fontRef idx="minor">
+              <a:schemeClr val="dk1"/>
+            </a:fontRef>
+          </p:style>
+          <p:txBody>
+            <a:bodyPr rtlCol="0" anchor="ctr"/>
+            <a:lstStyle/>
+            <a:p>
+              <a:pPr algn="ctr"/>
+              <a:endParaRPr lang="pt-BR" dirty="0"/>
+            </a:p>
+          </p:txBody>
+        </p:sp>
+        <p:sp>
+          <p:nvSpPr>
+            <p:cNvPr id="32" name="Retângulo 31"/>
+            <p:cNvSpPr/>
+            <p:nvPr/>
+          </p:nvSpPr>
+          <p:spPr>
+            <a:xfrm>
+              <a:off x="7156647" y="3150054"/>
+              <a:ext cx="720000" cy="522514"/>
+            </a:xfrm>
+            <a:prstGeom prst="rect">
+              <a:avLst/>
+            </a:prstGeom>
+            <a:ln w="28575"/>
+          </p:spPr>
+          <p:style>
+            <a:lnRef idx="2">
+              <a:schemeClr val="dk1"/>
+            </a:lnRef>
+            <a:fillRef idx="1">
+              <a:schemeClr val="lt1"/>
+            </a:fillRef>
+            <a:effectRef idx="0">
+              <a:schemeClr val="dk1"/>
+            </a:effectRef>
+            <a:fontRef idx="minor">
+              <a:schemeClr val="dk1"/>
+            </a:fontRef>
+          </p:style>
+          <p:txBody>
+            <a:bodyPr rtlCol="0" anchor="ctr"/>
+            <a:lstStyle/>
+            <a:p>
+              <a:pPr algn="ctr"/>
+              <a:endParaRPr lang="pt-BR" dirty="0"/>
+            </a:p>
+          </p:txBody>
+        </p:sp>
+        <p:sp>
+          <p:nvSpPr>
+            <p:cNvPr id="33" name="Retângulo 32"/>
+            <p:cNvSpPr/>
+            <p:nvPr/>
+          </p:nvSpPr>
+          <p:spPr>
+            <a:xfrm>
+              <a:off x="2116647" y="3933828"/>
+              <a:ext cx="720000" cy="522514"/>
+            </a:xfrm>
+            <a:prstGeom prst="rect">
+              <a:avLst/>
+            </a:prstGeom>
+            <a:ln w="28575"/>
+          </p:spPr>
+          <p:style>
+            <a:lnRef idx="2">
+              <a:schemeClr val="dk1"/>
+            </a:lnRef>
+            <a:fillRef idx="1">
+              <a:schemeClr val="lt1"/>
+            </a:fillRef>
+            <a:effectRef idx="0">
+              <a:schemeClr val="dk1"/>
+            </a:effectRef>
+            <a:fontRef idx="minor">
+              <a:schemeClr val="dk1"/>
+            </a:fontRef>
+          </p:style>
+          <p:txBody>
+            <a:bodyPr rtlCol="0" anchor="ctr"/>
+            <a:lstStyle/>
+            <a:p>
+              <a:pPr algn="ctr"/>
+              <a:endParaRPr lang="pt-BR" dirty="0"/>
+            </a:p>
+          </p:txBody>
+        </p:sp>
+        <p:sp>
+          <p:nvSpPr>
+            <p:cNvPr id="34" name="Retângulo 33"/>
+            <p:cNvSpPr/>
+            <p:nvPr/>
+          </p:nvSpPr>
+          <p:spPr>
+            <a:xfrm>
+              <a:off x="2836647" y="3933828"/>
+              <a:ext cx="720000" cy="522514"/>
+            </a:xfrm>
+            <a:prstGeom prst="rect">
+              <a:avLst/>
+            </a:prstGeom>
+            <a:ln w="28575"/>
+          </p:spPr>
+          <p:style>
+            <a:lnRef idx="2">
+              <a:schemeClr val="dk1"/>
+            </a:lnRef>
+            <a:fillRef idx="1">
+              <a:schemeClr val="lt1"/>
+            </a:fillRef>
+            <a:effectRef idx="0">
+              <a:schemeClr val="dk1"/>
+            </a:effectRef>
+            <a:fontRef idx="minor">
+              <a:schemeClr val="dk1"/>
+            </a:fontRef>
+          </p:style>
+          <p:txBody>
+            <a:bodyPr rtlCol="0" anchor="ctr"/>
+            <a:lstStyle/>
+            <a:p>
+              <a:pPr algn="ctr"/>
+              <a:endParaRPr lang="pt-BR" dirty="0"/>
+            </a:p>
+          </p:txBody>
+        </p:sp>
+        <p:sp>
+          <p:nvSpPr>
+            <p:cNvPr id="35" name="Retângulo 34"/>
+            <p:cNvSpPr/>
+            <p:nvPr/>
+          </p:nvSpPr>
+          <p:spPr>
+            <a:xfrm>
+              <a:off x="3556647" y="3933828"/>
+              <a:ext cx="720000" cy="522514"/>
+            </a:xfrm>
+            <a:prstGeom prst="rect">
+              <a:avLst/>
+            </a:prstGeom>
+            <a:ln w="28575"/>
+          </p:spPr>
+          <p:style>
+            <a:lnRef idx="2">
+              <a:schemeClr val="dk1"/>
+            </a:lnRef>
+            <a:fillRef idx="1">
+              <a:schemeClr val="lt1"/>
+            </a:fillRef>
+            <a:effectRef idx="0">
+              <a:schemeClr val="dk1"/>
+            </a:effectRef>
+            <a:fontRef idx="minor">
+              <a:schemeClr val="dk1"/>
+            </a:fontRef>
+          </p:style>
+          <p:txBody>
+            <a:bodyPr rtlCol="0" anchor="ctr"/>
+            <a:lstStyle/>
+            <a:p>
+              <a:pPr algn="ctr"/>
+              <a:endParaRPr lang="pt-BR" dirty="0"/>
+            </a:p>
+          </p:txBody>
+        </p:sp>
+        <p:sp>
+          <p:nvSpPr>
+            <p:cNvPr id="36" name="Retângulo 35"/>
+            <p:cNvSpPr/>
+            <p:nvPr/>
+          </p:nvSpPr>
+          <p:spPr>
+            <a:xfrm>
+              <a:off x="4276647" y="3933828"/>
+              <a:ext cx="720000" cy="522514"/>
+            </a:xfrm>
+            <a:prstGeom prst="rect">
+              <a:avLst/>
+            </a:prstGeom>
+            <a:ln w="28575"/>
+          </p:spPr>
+          <p:style>
+            <a:lnRef idx="2">
+              <a:schemeClr val="dk1"/>
+            </a:lnRef>
+            <a:fillRef idx="1">
+              <a:schemeClr val="lt1"/>
+            </a:fillRef>
+            <a:effectRef idx="0">
+              <a:schemeClr val="dk1"/>
+            </a:effectRef>
+            <a:fontRef idx="minor">
+              <a:schemeClr val="dk1"/>
+            </a:fontRef>
+          </p:style>
+          <p:txBody>
+            <a:bodyPr rtlCol="0" anchor="ctr"/>
+            <a:lstStyle/>
+            <a:p>
+              <a:pPr algn="ctr"/>
+              <a:endParaRPr lang="pt-BR" dirty="0"/>
+            </a:p>
+          </p:txBody>
+        </p:sp>
+        <p:sp>
+          <p:nvSpPr>
+            <p:cNvPr id="37" name="Retângulo 36"/>
+            <p:cNvSpPr/>
+            <p:nvPr/>
+          </p:nvSpPr>
+          <p:spPr>
+            <a:xfrm>
+              <a:off x="4996647" y="3933828"/>
+              <a:ext cx="720000" cy="522514"/>
+            </a:xfrm>
+            <a:prstGeom prst="rect">
+              <a:avLst/>
+            </a:prstGeom>
+            <a:ln w="28575"/>
+          </p:spPr>
+          <p:style>
+            <a:lnRef idx="2">
+              <a:schemeClr val="dk1"/>
+            </a:lnRef>
+            <a:fillRef idx="1">
+              <a:schemeClr val="lt1"/>
+            </a:fillRef>
+            <a:effectRef idx="0">
+              <a:schemeClr val="dk1"/>
+            </a:effectRef>
+            <a:fontRef idx="minor">
+              <a:schemeClr val="dk1"/>
+            </a:fontRef>
+          </p:style>
+          <p:txBody>
+            <a:bodyPr rtlCol="0" anchor="ctr"/>
+            <a:lstStyle/>
+            <a:p>
+              <a:pPr algn="ctr"/>
+              <a:endParaRPr lang="pt-BR" dirty="0"/>
+            </a:p>
+          </p:txBody>
+        </p:sp>
+        <p:sp>
+          <p:nvSpPr>
+            <p:cNvPr id="38" name="Retângulo 37"/>
+            <p:cNvSpPr/>
+            <p:nvPr/>
+          </p:nvSpPr>
+          <p:spPr>
+            <a:xfrm>
+              <a:off x="5716647" y="3933828"/>
+              <a:ext cx="720000" cy="522514"/>
+            </a:xfrm>
+            <a:prstGeom prst="rect">
+              <a:avLst/>
+            </a:prstGeom>
+            <a:solidFill>
+              <a:schemeClr val="tx1"/>
+            </a:solidFill>
+            <a:ln w="28575"/>
+          </p:spPr>
+          <p:style>
+            <a:lnRef idx="2">
+              <a:schemeClr val="dk1"/>
+            </a:lnRef>
+            <a:fillRef idx="1">
+              <a:schemeClr val="lt1"/>
+            </a:fillRef>
+            <a:effectRef idx="0">
+              <a:schemeClr val="dk1"/>
+            </a:effectRef>
+            <a:fontRef idx="minor">
+              <a:schemeClr val="dk1"/>
+            </a:fontRef>
+          </p:style>
+          <p:txBody>
+            <a:bodyPr rtlCol="0" anchor="ctr"/>
+            <a:lstStyle/>
+            <a:p>
+              <a:pPr algn="ctr"/>
+              <a:endParaRPr lang="pt-BR" dirty="0"/>
+            </a:p>
+          </p:txBody>
+        </p:sp>
+        <p:sp>
+          <p:nvSpPr>
+            <p:cNvPr id="39" name="Retângulo 38"/>
+            <p:cNvSpPr/>
+            <p:nvPr/>
+          </p:nvSpPr>
+          <p:spPr>
+            <a:xfrm>
+              <a:off x="6436647" y="3933828"/>
+              <a:ext cx="720000" cy="522514"/>
+            </a:xfrm>
+            <a:prstGeom prst="rect">
+              <a:avLst/>
+            </a:prstGeom>
+            <a:ln w="28575"/>
+          </p:spPr>
+          <p:style>
+            <a:lnRef idx="2">
+              <a:schemeClr val="dk1"/>
+            </a:lnRef>
+            <a:fillRef idx="1">
+              <a:schemeClr val="lt1"/>
+            </a:fillRef>
+            <a:effectRef idx="0">
+              <a:schemeClr val="dk1"/>
+            </a:effectRef>
+            <a:fontRef idx="minor">
+              <a:schemeClr val="dk1"/>
+            </a:fontRef>
+          </p:style>
+          <p:txBody>
+            <a:bodyPr rtlCol="0" anchor="ctr"/>
+            <a:lstStyle/>
+            <a:p>
+              <a:pPr algn="ctr"/>
+              <a:endParaRPr lang="pt-BR" dirty="0"/>
+            </a:p>
+          </p:txBody>
+        </p:sp>
+        <p:sp>
+          <p:nvSpPr>
+            <p:cNvPr id="40" name="Retângulo 39"/>
+            <p:cNvSpPr/>
+            <p:nvPr/>
+          </p:nvSpPr>
+          <p:spPr>
+            <a:xfrm>
+              <a:off x="7156647" y="3933828"/>
+              <a:ext cx="720000" cy="522514"/>
+            </a:xfrm>
+            <a:prstGeom prst="rect">
+              <a:avLst/>
+            </a:prstGeom>
+            <a:ln w="28575"/>
+          </p:spPr>
+          <p:style>
+            <a:lnRef idx="2">
+              <a:schemeClr val="dk1"/>
+            </a:lnRef>
+            <a:fillRef idx="1">
+              <a:schemeClr val="lt1"/>
+            </a:fillRef>
+            <a:effectRef idx="0">
+              <a:schemeClr val="dk1"/>
+            </a:effectRef>
+            <a:fontRef idx="minor">
+              <a:schemeClr val="dk1"/>
+            </a:fontRef>
+          </p:style>
+          <p:txBody>
+            <a:bodyPr rtlCol="0" anchor="ctr"/>
+            <a:lstStyle/>
+            <a:p>
+              <a:pPr algn="ctr"/>
+              <a:endParaRPr lang="pt-BR" dirty="0"/>
+            </a:p>
+          </p:txBody>
+        </p:sp>
+        <p:sp>
+          <p:nvSpPr>
+            <p:cNvPr id="49" name="Retângulo 48"/>
+            <p:cNvSpPr/>
+            <p:nvPr/>
+          </p:nvSpPr>
+          <p:spPr>
+            <a:xfrm>
+              <a:off x="2116647" y="5501376"/>
+              <a:ext cx="720000" cy="522514"/>
+            </a:xfrm>
+            <a:prstGeom prst="rect">
+              <a:avLst/>
+            </a:prstGeom>
+            <a:solidFill>
+              <a:schemeClr val="tx1"/>
+            </a:solidFill>
+            <a:ln w="28575"/>
+          </p:spPr>
+          <p:style>
+            <a:lnRef idx="2">
+              <a:schemeClr val="dk1"/>
+            </a:lnRef>
+            <a:fillRef idx="1">
+              <a:schemeClr val="lt1"/>
+            </a:fillRef>
+            <a:effectRef idx="0">
+              <a:schemeClr val="dk1"/>
+            </a:effectRef>
+            <a:fontRef idx="minor">
+              <a:schemeClr val="dk1"/>
+            </a:fontRef>
+          </p:style>
+          <p:txBody>
+            <a:bodyPr rtlCol="0" anchor="ctr"/>
+            <a:lstStyle/>
+            <a:p>
+              <a:pPr algn="ctr"/>
+              <a:endParaRPr lang="pt-BR" dirty="0"/>
+            </a:p>
+          </p:txBody>
+        </p:sp>
+        <p:sp>
+          <p:nvSpPr>
+            <p:cNvPr id="50" name="Retângulo 49"/>
+            <p:cNvSpPr/>
+            <p:nvPr/>
+          </p:nvSpPr>
+          <p:spPr>
+            <a:xfrm>
+              <a:off x="2836647" y="5501376"/>
+              <a:ext cx="720000" cy="522514"/>
+            </a:xfrm>
+            <a:prstGeom prst="rect">
+              <a:avLst/>
+            </a:prstGeom>
+            <a:ln w="28575"/>
+          </p:spPr>
+          <p:style>
+            <a:lnRef idx="2">
+              <a:schemeClr val="dk1"/>
+            </a:lnRef>
+            <a:fillRef idx="1">
+              <a:schemeClr val="lt1"/>
+            </a:fillRef>
+            <a:effectRef idx="0">
+              <a:schemeClr val="dk1"/>
+            </a:effectRef>
+            <a:fontRef idx="minor">
+              <a:schemeClr val="dk1"/>
+            </a:fontRef>
+          </p:style>
+          <p:txBody>
+            <a:bodyPr rtlCol="0" anchor="ctr"/>
+            <a:lstStyle/>
+            <a:p>
+              <a:pPr algn="ctr"/>
+              <a:endParaRPr lang="pt-BR" dirty="0"/>
+            </a:p>
+          </p:txBody>
+        </p:sp>
+        <p:sp>
+          <p:nvSpPr>
+            <p:cNvPr id="51" name="Retângulo 50"/>
+            <p:cNvSpPr/>
+            <p:nvPr/>
+          </p:nvSpPr>
+          <p:spPr>
+            <a:xfrm>
+              <a:off x="3556647" y="5501376"/>
+              <a:ext cx="720000" cy="522514"/>
+            </a:xfrm>
+            <a:prstGeom prst="rect">
+              <a:avLst/>
+            </a:prstGeom>
+            <a:ln w="28575"/>
+          </p:spPr>
+          <p:style>
+            <a:lnRef idx="2">
+              <a:schemeClr val="dk1"/>
+            </a:lnRef>
+            <a:fillRef idx="1">
+              <a:schemeClr val="lt1"/>
+            </a:fillRef>
+            <a:effectRef idx="0">
+              <a:schemeClr val="dk1"/>
+            </a:effectRef>
+            <a:fontRef idx="minor">
+              <a:schemeClr val="dk1"/>
+            </a:fontRef>
+          </p:style>
+          <p:txBody>
+            <a:bodyPr rtlCol="0" anchor="ctr"/>
+            <a:lstStyle/>
+            <a:p>
+              <a:pPr algn="ctr"/>
+              <a:endParaRPr lang="pt-BR" dirty="0"/>
+            </a:p>
+          </p:txBody>
+        </p:sp>
+        <p:sp>
+          <p:nvSpPr>
+            <p:cNvPr id="52" name="Retângulo 51"/>
+            <p:cNvSpPr/>
+            <p:nvPr/>
+          </p:nvSpPr>
+          <p:spPr>
+            <a:xfrm>
+              <a:off x="4276647" y="5501376"/>
+              <a:ext cx="720000" cy="522514"/>
+            </a:xfrm>
+            <a:prstGeom prst="rect">
+              <a:avLst/>
+            </a:prstGeom>
+            <a:ln w="28575"/>
+          </p:spPr>
+          <p:style>
+            <a:lnRef idx="2">
+              <a:schemeClr val="dk1"/>
+            </a:lnRef>
+            <a:fillRef idx="1">
+              <a:schemeClr val="lt1"/>
+            </a:fillRef>
+            <a:effectRef idx="0">
+              <a:schemeClr val="dk1"/>
+            </a:effectRef>
+            <a:fontRef idx="minor">
+              <a:schemeClr val="dk1"/>
+            </a:fontRef>
+          </p:style>
+          <p:txBody>
+            <a:bodyPr rtlCol="0" anchor="ctr"/>
+            <a:lstStyle/>
+            <a:p>
+              <a:pPr algn="ctr"/>
+              <a:endParaRPr lang="pt-BR" dirty="0"/>
+            </a:p>
+          </p:txBody>
+        </p:sp>
+        <p:sp>
+          <p:nvSpPr>
+            <p:cNvPr id="53" name="Retângulo 52"/>
+            <p:cNvSpPr/>
+            <p:nvPr/>
+          </p:nvSpPr>
+          <p:spPr>
+            <a:xfrm>
+              <a:off x="4996647" y="5501376"/>
+              <a:ext cx="720000" cy="522514"/>
+            </a:xfrm>
+            <a:prstGeom prst="rect">
+              <a:avLst/>
+            </a:prstGeom>
+            <a:ln w="28575"/>
+          </p:spPr>
+          <p:style>
+            <a:lnRef idx="2">
+              <a:schemeClr val="dk1"/>
+            </a:lnRef>
+            <a:fillRef idx="1">
+              <a:schemeClr val="lt1"/>
+            </a:fillRef>
+            <a:effectRef idx="0">
+              <a:schemeClr val="dk1"/>
+            </a:effectRef>
+            <a:fontRef idx="minor">
+              <a:schemeClr val="dk1"/>
+            </a:fontRef>
+          </p:style>
+          <p:txBody>
+            <a:bodyPr rtlCol="0" anchor="ctr"/>
+            <a:lstStyle/>
+            <a:p>
+              <a:pPr algn="ctr"/>
+              <a:endParaRPr lang="pt-BR" dirty="0"/>
+            </a:p>
+          </p:txBody>
+        </p:sp>
+        <p:sp>
+          <p:nvSpPr>
+            <p:cNvPr id="54" name="Retângulo 53"/>
+            <p:cNvSpPr/>
+            <p:nvPr/>
+          </p:nvSpPr>
+          <p:spPr>
+            <a:xfrm>
+              <a:off x="5716647" y="5501376"/>
+              <a:ext cx="720000" cy="522514"/>
+            </a:xfrm>
+            <a:prstGeom prst="rect">
+              <a:avLst/>
+            </a:prstGeom>
+            <a:ln w="28575"/>
+          </p:spPr>
+          <p:style>
+            <a:lnRef idx="2">
+              <a:schemeClr val="dk1"/>
+            </a:lnRef>
+            <a:fillRef idx="1">
+              <a:schemeClr val="lt1"/>
+            </a:fillRef>
+            <a:effectRef idx="0">
+              <a:schemeClr val="dk1"/>
+            </a:effectRef>
+            <a:fontRef idx="minor">
+              <a:schemeClr val="dk1"/>
+            </a:fontRef>
+          </p:style>
+          <p:txBody>
+            <a:bodyPr rtlCol="0" anchor="ctr"/>
+            <a:lstStyle/>
+            <a:p>
+              <a:pPr algn="ctr"/>
+              <a:endParaRPr lang="pt-BR" dirty="0"/>
+            </a:p>
+          </p:txBody>
+        </p:sp>
+        <p:sp>
+          <p:nvSpPr>
+            <p:cNvPr id="55" name="Retângulo 54"/>
+            <p:cNvSpPr/>
+            <p:nvPr/>
+          </p:nvSpPr>
+          <p:spPr>
+            <a:xfrm>
+              <a:off x="6436647" y="5501376"/>
+              <a:ext cx="720000" cy="522514"/>
+            </a:xfrm>
+            <a:prstGeom prst="rect">
+              <a:avLst/>
+            </a:prstGeom>
+            <a:ln w="28575"/>
+          </p:spPr>
+          <p:style>
+            <a:lnRef idx="2">
+              <a:schemeClr val="dk1"/>
+            </a:lnRef>
+            <a:fillRef idx="1">
+              <a:schemeClr val="lt1"/>
+            </a:fillRef>
+            <a:effectRef idx="0">
+              <a:schemeClr val="dk1"/>
+            </a:effectRef>
+            <a:fontRef idx="minor">
+              <a:schemeClr val="dk1"/>
+            </a:fontRef>
+          </p:style>
+          <p:txBody>
+            <a:bodyPr rtlCol="0" anchor="ctr"/>
+            <a:lstStyle/>
+            <a:p>
+              <a:pPr algn="ctr"/>
+              <a:endParaRPr lang="pt-BR" dirty="0"/>
+            </a:p>
+          </p:txBody>
+        </p:sp>
+        <p:sp>
+          <p:nvSpPr>
+            <p:cNvPr id="56" name="Retângulo 55"/>
+            <p:cNvSpPr/>
+            <p:nvPr/>
+          </p:nvSpPr>
+          <p:spPr>
+            <a:xfrm>
+              <a:off x="7156647" y="5501376"/>
+              <a:ext cx="720000" cy="522514"/>
+            </a:xfrm>
+            <a:prstGeom prst="rect">
+              <a:avLst/>
+            </a:prstGeom>
+            <a:ln w="28575"/>
+          </p:spPr>
+          <p:style>
+            <a:lnRef idx="2">
+              <a:schemeClr val="dk1"/>
+            </a:lnRef>
+            <a:fillRef idx="1">
+              <a:schemeClr val="lt1"/>
+            </a:fillRef>
+            <a:effectRef idx="0">
+              <a:schemeClr val="dk1"/>
+            </a:effectRef>
+            <a:fontRef idx="minor">
+              <a:schemeClr val="dk1"/>
+            </a:fontRef>
+          </p:style>
+          <p:txBody>
+            <a:bodyPr rtlCol="0" anchor="ctr"/>
+            <a:lstStyle/>
+            <a:p>
+              <a:pPr algn="ctr"/>
+              <a:endParaRPr lang="pt-BR" dirty="0"/>
+            </a:p>
+          </p:txBody>
+        </p:sp>
+        <p:grpSp>
+          <p:nvGrpSpPr>
+            <p:cNvPr id="3" name="Grupo 2"/>
+            <p:cNvGrpSpPr/>
+            <p:nvPr/>
+          </p:nvGrpSpPr>
+          <p:grpSpPr>
+            <a:xfrm>
+              <a:off x="4800406" y="4935018"/>
+              <a:ext cx="392482" cy="87682"/>
+              <a:chOff x="3507288" y="4441081"/>
+              <a:chExt cx="392482" cy="87682"/>
+            </a:xfrm>
+          </p:grpSpPr>
+          <p:sp>
+            <p:nvSpPr>
+              <p:cNvPr id="2" name="Elipse 1"/>
+              <p:cNvSpPr/>
+              <p:nvPr/>
+            </p:nvSpPr>
+            <p:spPr>
+              <a:xfrm>
+                <a:off x="3507288" y="4441081"/>
+                <a:ext cx="87682" cy="87682"/>
+              </a:xfrm>
+              <a:prstGeom prst="ellipse">
+                <a:avLst/>
+              </a:prstGeom>
+            </p:spPr>
+            <p:style>
+              <a:lnRef idx="2">
+                <a:schemeClr val="dk1">
+                  <a:shade val="50000"/>
+                </a:schemeClr>
+              </a:lnRef>
+              <a:fillRef idx="1">
+                <a:schemeClr val="dk1"/>
+              </a:fillRef>
+              <a:effectRef idx="0">
+                <a:schemeClr val="dk1"/>
+              </a:effectRef>
+              <a:fontRef idx="minor">
+                <a:schemeClr val="lt1"/>
+              </a:fontRef>
+            </p:style>
+            <p:txBody>
+              <a:bodyPr rtlCol="0" anchor="ctr"/>
+              <a:lstStyle/>
+              <a:p>
+                <a:pPr algn="ctr"/>
+                <a:endParaRPr lang="pt-BR"/>
+              </a:p>
+            </p:txBody>
+          </p:sp>
+          <p:sp>
+            <p:nvSpPr>
+              <p:cNvPr id="57" name="Elipse 56"/>
+              <p:cNvSpPr/>
+              <p:nvPr/>
+            </p:nvSpPr>
+            <p:spPr>
+              <a:xfrm>
+                <a:off x="3659688" y="4441081"/>
+                <a:ext cx="87682" cy="87682"/>
+              </a:xfrm>
+              <a:prstGeom prst="ellipse">
+                <a:avLst/>
+              </a:prstGeom>
+            </p:spPr>
+            <p:style>
+              <a:lnRef idx="2">
+                <a:schemeClr val="dk1">
+                  <a:shade val="50000"/>
+                </a:schemeClr>
+              </a:lnRef>
+              <a:fillRef idx="1">
+                <a:schemeClr val="dk1"/>
+              </a:fillRef>
+              <a:effectRef idx="0">
+                <a:schemeClr val="dk1"/>
+              </a:effectRef>
+              <a:fontRef idx="minor">
+                <a:schemeClr val="lt1"/>
+              </a:fontRef>
+            </p:style>
+            <p:txBody>
+              <a:bodyPr rtlCol="0" anchor="ctr"/>
+              <a:lstStyle/>
+              <a:p>
+                <a:pPr algn="ctr"/>
+                <a:endParaRPr lang="pt-BR"/>
+              </a:p>
+            </p:txBody>
+          </p:sp>
+          <p:sp>
+            <p:nvSpPr>
+              <p:cNvPr id="58" name="Elipse 57"/>
+              <p:cNvSpPr/>
+              <p:nvPr/>
+            </p:nvSpPr>
+            <p:spPr>
+              <a:xfrm>
+                <a:off x="3812088" y="4441081"/>
+                <a:ext cx="87682" cy="87682"/>
+              </a:xfrm>
+              <a:prstGeom prst="ellipse">
+                <a:avLst/>
+              </a:prstGeom>
+            </p:spPr>
+            <p:style>
+              <a:lnRef idx="2">
+                <a:schemeClr val="dk1">
+                  <a:shade val="50000"/>
+                </a:schemeClr>
+              </a:lnRef>
+              <a:fillRef idx="1">
+                <a:schemeClr val="dk1"/>
+              </a:fillRef>
+              <a:effectRef idx="0">
+                <a:schemeClr val="dk1"/>
+              </a:effectRef>
+              <a:fontRef idx="minor">
+                <a:schemeClr val="lt1"/>
+              </a:fontRef>
+            </p:style>
+            <p:txBody>
+              <a:bodyPr rtlCol="0" anchor="ctr"/>
+              <a:lstStyle/>
+              <a:p>
+                <a:pPr algn="ctr"/>
+                <a:endParaRPr lang="pt-BR"/>
+              </a:p>
+            </p:txBody>
+          </p:sp>
+        </p:grpSp>
+        <p:sp>
+          <p:nvSpPr>
+            <p:cNvPr id="59" name="Chave esquerda 58"/>
+            <p:cNvSpPr/>
+            <p:nvPr/>
+          </p:nvSpPr>
+          <p:spPr>
+            <a:xfrm rot="5400000">
+              <a:off x="4567458" y="-401559"/>
+              <a:ext cx="138380" cy="5040002"/>
+            </a:xfrm>
+            <a:prstGeom prst="leftBrace">
+              <a:avLst>
+                <a:gd name="adj1" fmla="val 52777"/>
+                <a:gd name="adj2" fmla="val 50000"/>
+              </a:avLst>
+            </a:prstGeom>
+            <a:ln w="28575"/>
+          </p:spPr>
+          <p:style>
+            <a:lnRef idx="1">
+              <a:schemeClr val="dk1"/>
+            </a:lnRef>
+            <a:fillRef idx="0">
+              <a:schemeClr val="dk1"/>
+            </a:fillRef>
+            <a:effectRef idx="0">
+              <a:schemeClr val="dk1"/>
+            </a:effectRef>
+            <a:fontRef idx="minor">
+              <a:schemeClr val="tx1"/>
+            </a:fontRef>
+          </p:style>
+          <p:txBody>
+            <a:bodyPr rtlCol="0" anchor="ctr"/>
+            <a:lstStyle/>
+            <a:p>
+              <a:pPr algn="ctr"/>
+              <a:endParaRPr lang="pt-BR"/>
+            </a:p>
+          </p:txBody>
+        </p:sp>
+        <p:sp>
+          <p:nvSpPr>
+            <p:cNvPr id="62" name="Retângulo 61"/>
+            <p:cNvSpPr/>
+            <p:nvPr/>
+          </p:nvSpPr>
+          <p:spPr>
+            <a:xfrm>
+              <a:off x="3902183" y="1518272"/>
+              <a:ext cx="1468928" cy="369332"/>
+            </a:xfrm>
+            <a:prstGeom prst="rect">
+              <a:avLst/>
+            </a:prstGeom>
+          </p:spPr>
+          <p:txBody>
+            <a:bodyPr wrap="none">
+              <a:spAutoFit/>
+            </a:bodyPr>
+            <a:lstStyle/>
+            <a:p>
+              <a:pPr algn="ctr"/>
+              <a:r>
+                <a:rPr lang="pt-BR" dirty="0"/>
+                <a:t>Training </a:t>
+              </a:r>
+              <a:r>
+                <a:rPr lang="pt-BR" dirty="0" err="1" smtClean="0"/>
+                <a:t>Folds</a:t>
+              </a:r>
+              <a:endParaRPr lang="pt-BR" dirty="0"/>
+            </a:p>
+          </p:txBody>
+        </p:sp>
+        <p:cxnSp>
+          <p:nvCxnSpPr>
+            <p:cNvPr id="64" name="Conector reto 63"/>
+            <p:cNvCxnSpPr>
+              <a:stCxn id="67" idx="2"/>
+              <a:endCxn id="24" idx="0"/>
+            </p:cNvCxnSpPr>
+            <p:nvPr/>
+          </p:nvCxnSpPr>
+          <p:spPr>
+            <a:xfrm flipH="1">
+              <a:off x="7516647" y="1887191"/>
+              <a:ext cx="504016" cy="479089"/>
+            </a:xfrm>
+            <a:prstGeom prst="line">
+              <a:avLst/>
+            </a:prstGeom>
+            <a:ln w="28575">
+              <a:solidFill>
+                <a:schemeClr val="tx1"/>
+              </a:solidFill>
+            </a:ln>
+          </p:spPr>
+          <p:style>
+            <a:lnRef idx="1">
+              <a:schemeClr val="accent1"/>
+            </a:lnRef>
+            <a:fillRef idx="0">
+              <a:schemeClr val="accent1"/>
+            </a:fillRef>
+            <a:effectRef idx="0">
+              <a:schemeClr val="accent1"/>
+            </a:effectRef>
+            <a:fontRef idx="minor">
+              <a:schemeClr val="tx1"/>
+            </a:fontRef>
+          </p:style>
+        </p:cxnSp>
+        <p:sp>
+          <p:nvSpPr>
+            <p:cNvPr id="67" name="Retângulo 66"/>
+            <p:cNvSpPr/>
+            <p:nvPr/>
+          </p:nvSpPr>
+          <p:spPr>
+            <a:xfrm>
+              <a:off x="7516647" y="1517859"/>
+              <a:ext cx="1008032" cy="369332"/>
+            </a:xfrm>
+            <a:prstGeom prst="rect">
+              <a:avLst/>
+            </a:prstGeom>
+          </p:spPr>
+          <p:txBody>
+            <a:bodyPr wrap="none">
+              <a:spAutoFit/>
+            </a:bodyPr>
+            <a:lstStyle/>
+            <a:p>
+              <a:pPr algn="ctr"/>
+              <a:r>
+                <a:rPr lang="pt-BR" dirty="0" smtClean="0"/>
+                <a:t>Test </a:t>
+              </a:r>
+              <a:r>
+                <a:rPr lang="pt-BR" dirty="0" err="1" smtClean="0"/>
+                <a:t>Fold</a:t>
+              </a:r>
+              <a:endParaRPr lang="pt-BR" dirty="0"/>
+            </a:p>
+          </p:txBody>
+        </p:sp>
+        <p:sp>
+          <p:nvSpPr>
+            <p:cNvPr id="74" name="Seta para a direita 73"/>
+            <p:cNvSpPr/>
+            <p:nvPr/>
+          </p:nvSpPr>
+          <p:spPr>
+            <a:xfrm>
+              <a:off x="8120658" y="2506589"/>
+              <a:ext cx="475989" cy="235770"/>
+            </a:xfrm>
+            <a:prstGeom prst="rightArrow">
+              <a:avLst/>
+            </a:prstGeom>
+            <a:solidFill>
+              <a:schemeClr val="tx1"/>
+            </a:solidFill>
+            <a:ln>
+              <a:noFill/>
+            </a:ln>
+          </p:spPr>
+          <p:style>
+            <a:lnRef idx="2">
+              <a:schemeClr val="accent1">
+                <a:shade val="50000"/>
+              </a:schemeClr>
+            </a:lnRef>
+            <a:fillRef idx="1">
+              <a:schemeClr val="accent1"/>
+            </a:fillRef>
+            <a:effectRef idx="0">
+              <a:schemeClr val="accent1"/>
+            </a:effectRef>
+            <a:fontRef idx="minor">
+              <a:schemeClr val="lt1"/>
+            </a:fontRef>
+          </p:style>
+          <p:txBody>
+            <a:bodyPr rtlCol="0" anchor="ctr"/>
+            <a:lstStyle/>
+            <a:p>
+              <a:pPr algn="ctr"/>
+              <a:endParaRPr lang="pt-BR"/>
+            </a:p>
+          </p:txBody>
+        </p:sp>
+        <p:sp>
+          <p:nvSpPr>
+            <p:cNvPr id="79" name="Seta para a direita 78"/>
+            <p:cNvSpPr/>
+            <p:nvPr/>
+          </p:nvSpPr>
+          <p:spPr>
+            <a:xfrm>
+              <a:off x="8120658" y="3293426"/>
+              <a:ext cx="475989" cy="235770"/>
+            </a:xfrm>
+            <a:prstGeom prst="rightArrow">
+              <a:avLst/>
+            </a:prstGeom>
+            <a:solidFill>
+              <a:schemeClr val="tx1"/>
+            </a:solidFill>
+            <a:ln>
+              <a:noFill/>
+            </a:ln>
+          </p:spPr>
+          <p:style>
+            <a:lnRef idx="2">
+              <a:schemeClr val="accent1">
+                <a:shade val="50000"/>
+              </a:schemeClr>
+            </a:lnRef>
+            <a:fillRef idx="1">
+              <a:schemeClr val="accent1"/>
+            </a:fillRef>
+            <a:effectRef idx="0">
+              <a:schemeClr val="accent1"/>
+            </a:effectRef>
+            <a:fontRef idx="minor">
+              <a:schemeClr val="lt1"/>
+            </a:fontRef>
+          </p:style>
+          <p:txBody>
+            <a:bodyPr rtlCol="0" anchor="ctr"/>
+            <a:lstStyle/>
+            <a:p>
+              <a:pPr algn="ctr"/>
+              <a:endParaRPr lang="pt-BR"/>
+            </a:p>
+          </p:txBody>
+        </p:sp>
+        <p:sp>
+          <p:nvSpPr>
+            <p:cNvPr id="80" name="Seta para a direita 79"/>
+            <p:cNvSpPr/>
+            <p:nvPr/>
+          </p:nvSpPr>
+          <p:spPr>
+            <a:xfrm>
+              <a:off x="8120658" y="4080263"/>
+              <a:ext cx="475989" cy="235770"/>
+            </a:xfrm>
+            <a:prstGeom prst="rightArrow">
+              <a:avLst/>
+            </a:prstGeom>
+            <a:solidFill>
+              <a:schemeClr val="tx1"/>
+            </a:solidFill>
+            <a:ln>
+              <a:noFill/>
+            </a:ln>
+          </p:spPr>
+          <p:style>
+            <a:lnRef idx="2">
+              <a:schemeClr val="accent1">
+                <a:shade val="50000"/>
+              </a:schemeClr>
+            </a:lnRef>
+            <a:fillRef idx="1">
+              <a:schemeClr val="accent1"/>
+            </a:fillRef>
+            <a:effectRef idx="0">
+              <a:schemeClr val="accent1"/>
+            </a:effectRef>
+            <a:fontRef idx="minor">
+              <a:schemeClr val="lt1"/>
+            </a:fontRef>
+          </p:style>
+          <p:txBody>
+            <a:bodyPr rtlCol="0" anchor="ctr"/>
+            <a:lstStyle/>
+            <a:p>
+              <a:pPr algn="ctr"/>
+              <a:endParaRPr lang="pt-BR"/>
+            </a:p>
+          </p:txBody>
+        </p:sp>
+        <p:sp>
+          <p:nvSpPr>
+            <p:cNvPr id="82" name="Seta para a direita 81"/>
+            <p:cNvSpPr/>
+            <p:nvPr/>
+          </p:nvSpPr>
+          <p:spPr>
+            <a:xfrm>
+              <a:off x="8120658" y="5653937"/>
+              <a:ext cx="475989" cy="235770"/>
+            </a:xfrm>
+            <a:prstGeom prst="rightArrow">
+              <a:avLst/>
+            </a:prstGeom>
+            <a:solidFill>
+              <a:schemeClr val="tx1"/>
+            </a:solidFill>
+            <a:ln>
+              <a:noFill/>
+            </a:ln>
+          </p:spPr>
+          <p:style>
+            <a:lnRef idx="2">
+              <a:schemeClr val="accent1">
+                <a:shade val="50000"/>
+              </a:schemeClr>
+            </a:lnRef>
+            <a:fillRef idx="1">
+              <a:schemeClr val="accent1"/>
+            </a:fillRef>
+            <a:effectRef idx="0">
+              <a:schemeClr val="accent1"/>
+            </a:effectRef>
+            <a:fontRef idx="minor">
+              <a:schemeClr val="lt1"/>
+            </a:fontRef>
+          </p:style>
+          <p:txBody>
+            <a:bodyPr rtlCol="0" anchor="ctr"/>
+            <a:lstStyle/>
+            <a:p>
+              <a:pPr algn="ctr"/>
+              <a:endParaRPr lang="pt-BR"/>
+            </a:p>
+          </p:txBody>
+        </p:sp>
+        <p:sp>
+          <p:nvSpPr>
+            <p:cNvPr id="83" name="Chave esquerda 82"/>
+            <p:cNvSpPr/>
+            <p:nvPr/>
+          </p:nvSpPr>
+          <p:spPr>
+            <a:xfrm rot="10800000">
+              <a:off x="9286191" y="2366279"/>
+              <a:ext cx="191950" cy="3657610"/>
+            </a:xfrm>
+            <a:prstGeom prst="leftBrace">
+              <a:avLst>
+                <a:gd name="adj1" fmla="val 37297"/>
+                <a:gd name="adj2" fmla="val 50000"/>
+              </a:avLst>
+            </a:prstGeom>
+            <a:ln w="28575"/>
+          </p:spPr>
+          <p:style>
+            <a:lnRef idx="1">
+              <a:schemeClr val="dk1"/>
+            </a:lnRef>
+            <a:fillRef idx="0">
+              <a:schemeClr val="dk1"/>
+            </a:fillRef>
+            <a:effectRef idx="0">
+              <a:schemeClr val="dk1"/>
+            </a:effectRef>
+            <a:fontRef idx="minor">
+              <a:schemeClr val="tx1"/>
+            </a:fontRef>
+          </p:style>
+          <p:txBody>
+            <a:bodyPr rtlCol="0" anchor="ctr"/>
+            <a:lstStyle/>
+            <a:p>
+              <a:pPr algn="ctr"/>
+              <a:endParaRPr lang="pt-BR"/>
+            </a:p>
+          </p:txBody>
+        </p:sp>
+        <mc:AlternateContent xmlns:mc="http://schemas.openxmlformats.org/markup-compatibility/2006">
+          <mc:Choice xmlns:a14="http://schemas.microsoft.com/office/drawing/2010/main" Requires="a14">
+            <p:sp>
+              <p:nvSpPr>
+                <p:cNvPr id="84" name="Retângulo 83"/>
+                <p:cNvSpPr/>
+                <p:nvPr/>
+              </p:nvSpPr>
+              <p:spPr>
+                <a:xfrm>
+                  <a:off x="8775132" y="2442871"/>
+                  <a:ext cx="471476" cy="369332"/>
+                </a:xfrm>
+                <a:prstGeom prst="rect">
+                  <a:avLst/>
+                </a:prstGeom>
+              </p:spPr>
+              <p:txBody>
+                <a:bodyPr wrap="none">
+                  <a:spAutoFit/>
+                </a:bodyPr>
+                <a:lstStyle/>
+                <a:p>
+                  <a:pPr algn="ctr"/>
+                  <a14:m>
+                    <m:oMathPara xmlns:m="http://schemas.openxmlformats.org/officeDocument/2006/math">
+                      <m:oMathParaPr>
+                        <m:jc m:val="centerGroup"/>
+                      </m:oMathParaPr>
+                      <m:oMath xmlns:m="http://schemas.openxmlformats.org/officeDocument/2006/math">
+                        <m:sSub>
+                          <m:sSubPr>
+                            <m:ctrlPr>
+                              <a:rPr lang="pt-BR" i="1" smtClean="0">
+                                <a:latin typeface="Cambria Math" panose="02040503050406030204" pitchFamily="18" charset="0"/>
+                              </a:rPr>
+                            </m:ctrlPr>
+                          </m:sSubPr>
+                          <m:e>
+                            <m:r>
+                              <a:rPr lang="pt-BR" b="0" i="1" smtClean="0">
+                                <a:latin typeface="Cambria Math" panose="02040503050406030204" pitchFamily="18" charset="0"/>
+                              </a:rPr>
+                              <m:t>𝐸</m:t>
+                            </m:r>
+                          </m:e>
+                          <m:sub>
+                            <m:r>
+                              <a:rPr lang="pt-BR" b="0" i="1" smtClean="0">
+                                <a:latin typeface="Cambria Math" panose="02040503050406030204" pitchFamily="18" charset="0"/>
+                              </a:rPr>
+                              <m:t>1</m:t>
+                            </m:r>
+                          </m:sub>
+                        </m:sSub>
+                      </m:oMath>
+                    </m:oMathPara>
+                  </a14:m>
+                  <a:endParaRPr lang="pt-BR" dirty="0"/>
+                </a:p>
+              </p:txBody>
+            </p:sp>
+          </mc:Choice>
+          <mc:Fallback>
+            <p:sp>
+              <p:nvSpPr>
+                <p:cNvPr id="84" name="Retângulo 83"/>
+                <p:cNvSpPr>
+                  <a:spLocks noRot="1" noChangeAspect="1" noMove="1" noResize="1" noEditPoints="1" noAdjustHandles="1" noChangeArrowheads="1" noChangeShapeType="1" noTextEdit="1"/>
+                </p:cNvSpPr>
+                <p:nvPr/>
+              </p:nvSpPr>
+              <p:spPr>
+                <a:xfrm>
+                  <a:off x="8775132" y="2442871"/>
+                  <a:ext cx="471476" cy="369332"/>
+                </a:xfrm>
+                <a:prstGeom prst="rect">
+                  <a:avLst/>
+                </a:prstGeom>
+                <a:blipFill rotWithShape="0">
+                  <a:blip r:embed="rId3"/>
+                  <a:stretch>
+                    <a:fillRect/>
+                  </a:stretch>
+                </a:blipFill>
+              </p:spPr>
+              <p:txBody>
+                <a:bodyPr/>
+                <a:lstStyle/>
+                <a:p>
+                  <a:r>
+                    <a:rPr lang="pt-BR">
+                      <a:noFill/>
+                    </a:rPr>
+                    <a:t> </a:t>
+                  </a:r>
+                </a:p>
+              </p:txBody>
+            </p:sp>
+          </mc:Fallback>
+        </mc:AlternateContent>
+        <mc:AlternateContent xmlns:mc="http://schemas.openxmlformats.org/markup-compatibility/2006">
+          <mc:Choice xmlns:a14="http://schemas.microsoft.com/office/drawing/2010/main" Requires="a14">
+            <p:sp>
+              <p:nvSpPr>
+                <p:cNvPr id="85" name="Retângulo 84"/>
+                <p:cNvSpPr/>
+                <p:nvPr/>
+              </p:nvSpPr>
+              <p:spPr>
+                <a:xfrm>
+                  <a:off x="8772472" y="3226645"/>
+                  <a:ext cx="476797" cy="369332"/>
+                </a:xfrm>
+                <a:prstGeom prst="rect">
+                  <a:avLst/>
+                </a:prstGeom>
+              </p:spPr>
+              <p:txBody>
+                <a:bodyPr wrap="none">
+                  <a:spAutoFit/>
+                </a:bodyPr>
+                <a:lstStyle/>
+                <a:p>
+                  <a:pPr algn="ctr"/>
+                  <a14:m>
+                    <m:oMathPara xmlns:m="http://schemas.openxmlformats.org/officeDocument/2006/math">
+                      <m:oMathParaPr>
+                        <m:jc m:val="centerGroup"/>
+                      </m:oMathParaPr>
+                      <m:oMath xmlns:m="http://schemas.openxmlformats.org/officeDocument/2006/math">
+                        <m:sSub>
+                          <m:sSubPr>
+                            <m:ctrlPr>
+                              <a:rPr lang="pt-BR" i="1" smtClean="0">
+                                <a:latin typeface="Cambria Math" panose="02040503050406030204" pitchFamily="18" charset="0"/>
+                              </a:rPr>
+                            </m:ctrlPr>
+                          </m:sSubPr>
+                          <m:e>
+                            <m:r>
+                              <a:rPr lang="pt-BR" i="1">
+                                <a:latin typeface="Cambria Math" panose="02040503050406030204" pitchFamily="18" charset="0"/>
+                              </a:rPr>
+                              <m:t>𝐸</m:t>
+                            </m:r>
+                          </m:e>
+                          <m:sub>
+                            <m:r>
+                              <a:rPr lang="pt-BR" b="0" i="1" smtClean="0">
+                                <a:latin typeface="Cambria Math" panose="02040503050406030204" pitchFamily="18" charset="0"/>
+                              </a:rPr>
+                              <m:t>2</m:t>
+                            </m:r>
+                          </m:sub>
+                        </m:sSub>
+                      </m:oMath>
+                    </m:oMathPara>
+                  </a14:m>
+                  <a:endParaRPr lang="pt-BR" dirty="0"/>
+                </a:p>
+              </p:txBody>
+            </p:sp>
+          </mc:Choice>
+          <mc:Fallback>
+            <p:sp>
+              <p:nvSpPr>
+                <p:cNvPr id="85" name="Retângulo 84"/>
+                <p:cNvSpPr>
+                  <a:spLocks noRot="1" noChangeAspect="1" noMove="1" noResize="1" noEditPoints="1" noAdjustHandles="1" noChangeArrowheads="1" noChangeShapeType="1" noTextEdit="1"/>
+                </p:cNvSpPr>
+                <p:nvPr/>
+              </p:nvSpPr>
+              <p:spPr>
+                <a:xfrm>
+                  <a:off x="8772472" y="3226645"/>
+                  <a:ext cx="476797" cy="369332"/>
+                </a:xfrm>
+                <a:prstGeom prst="rect">
+                  <a:avLst/>
+                </a:prstGeom>
+                <a:blipFill rotWithShape="0">
+                  <a:blip r:embed="rId4"/>
+                  <a:stretch>
+                    <a:fillRect/>
+                  </a:stretch>
+                </a:blipFill>
+              </p:spPr>
+              <p:txBody>
+                <a:bodyPr/>
+                <a:lstStyle/>
+                <a:p>
+                  <a:r>
+                    <a:rPr lang="pt-BR">
+                      <a:noFill/>
+                    </a:rPr>
+                    <a:t> </a:t>
+                  </a:r>
+                </a:p>
+              </p:txBody>
+            </p:sp>
+          </mc:Fallback>
+        </mc:AlternateContent>
+        <mc:AlternateContent xmlns:mc="http://schemas.openxmlformats.org/markup-compatibility/2006">
+          <mc:Choice xmlns:a14="http://schemas.microsoft.com/office/drawing/2010/main" Requires="a14">
+            <p:sp>
+              <p:nvSpPr>
+                <p:cNvPr id="86" name="Retângulo 85"/>
+                <p:cNvSpPr/>
+                <p:nvPr/>
+              </p:nvSpPr>
+              <p:spPr>
+                <a:xfrm>
+                  <a:off x="8772472" y="4010419"/>
+                  <a:ext cx="476797" cy="369332"/>
+                </a:xfrm>
+                <a:prstGeom prst="rect">
+                  <a:avLst/>
+                </a:prstGeom>
+              </p:spPr>
+              <p:txBody>
+                <a:bodyPr wrap="none">
+                  <a:spAutoFit/>
+                </a:bodyPr>
+                <a:lstStyle/>
+                <a:p>
+                  <a:pPr algn="ctr"/>
+                  <a14:m>
+                    <m:oMathPara xmlns:m="http://schemas.openxmlformats.org/officeDocument/2006/math">
+                      <m:oMathParaPr>
+                        <m:jc m:val="centerGroup"/>
+                      </m:oMathParaPr>
+                      <m:oMath xmlns:m="http://schemas.openxmlformats.org/officeDocument/2006/math">
+                        <m:sSub>
+                          <m:sSubPr>
+                            <m:ctrlPr>
+                              <a:rPr lang="pt-BR" i="1" smtClean="0">
+                                <a:latin typeface="Cambria Math" panose="02040503050406030204" pitchFamily="18" charset="0"/>
+                              </a:rPr>
+                            </m:ctrlPr>
+                          </m:sSubPr>
+                          <m:e>
+                            <m:r>
+                              <a:rPr lang="pt-BR" i="1">
+                                <a:latin typeface="Cambria Math" panose="02040503050406030204" pitchFamily="18" charset="0"/>
+                              </a:rPr>
+                              <m:t>𝐸</m:t>
+                            </m:r>
+                          </m:e>
+                          <m:sub>
+                            <m:r>
+                              <a:rPr lang="pt-BR" b="0" i="1" smtClean="0">
+                                <a:latin typeface="Cambria Math" panose="02040503050406030204" pitchFamily="18" charset="0"/>
+                              </a:rPr>
+                              <m:t>3</m:t>
+                            </m:r>
+                          </m:sub>
+                        </m:sSub>
+                      </m:oMath>
+                    </m:oMathPara>
+                  </a14:m>
+                  <a:endParaRPr lang="pt-BR" dirty="0"/>
+                </a:p>
+              </p:txBody>
+            </p:sp>
+          </mc:Choice>
+          <mc:Fallback>
+            <p:sp>
+              <p:nvSpPr>
+                <p:cNvPr id="86" name="Retângulo 85"/>
+                <p:cNvSpPr>
+                  <a:spLocks noRot="1" noChangeAspect="1" noMove="1" noResize="1" noEditPoints="1" noAdjustHandles="1" noChangeArrowheads="1" noChangeShapeType="1" noTextEdit="1"/>
+                </p:cNvSpPr>
+                <p:nvPr/>
+              </p:nvSpPr>
+              <p:spPr>
+                <a:xfrm>
+                  <a:off x="8772472" y="4010419"/>
+                  <a:ext cx="476797" cy="369332"/>
+                </a:xfrm>
+                <a:prstGeom prst="rect">
+                  <a:avLst/>
+                </a:prstGeom>
+                <a:blipFill rotWithShape="0">
+                  <a:blip r:embed="rId5"/>
+                  <a:stretch>
+                    <a:fillRect/>
+                  </a:stretch>
+                </a:blipFill>
+              </p:spPr>
+              <p:txBody>
+                <a:bodyPr/>
+                <a:lstStyle/>
+                <a:p>
+                  <a:r>
+                    <a:rPr lang="pt-BR">
+                      <a:noFill/>
+                    </a:rPr>
+                    <a:t> </a:t>
+                  </a:r>
+                </a:p>
+              </p:txBody>
+            </p:sp>
+          </mc:Fallback>
+        </mc:AlternateContent>
+        <mc:AlternateContent xmlns:mc="http://schemas.openxmlformats.org/markup-compatibility/2006">
+          <mc:Choice xmlns:a14="http://schemas.microsoft.com/office/drawing/2010/main" Requires="a14">
+            <p:sp>
+              <p:nvSpPr>
+                <p:cNvPr id="87" name="Retângulo 86"/>
+                <p:cNvSpPr/>
+                <p:nvPr/>
+              </p:nvSpPr>
+              <p:spPr>
+                <a:xfrm>
+                  <a:off x="8767599" y="5577967"/>
+                  <a:ext cx="486543" cy="369332"/>
+                </a:xfrm>
+                <a:prstGeom prst="rect">
+                  <a:avLst/>
+                </a:prstGeom>
+              </p:spPr>
+              <p:txBody>
+                <a:bodyPr wrap="none">
+                  <a:spAutoFit/>
+                </a:bodyPr>
+                <a:lstStyle/>
+                <a:p>
+                  <a:pPr algn="ctr"/>
+                  <a14:m>
+                    <m:oMathPara xmlns:m="http://schemas.openxmlformats.org/officeDocument/2006/math">
+                      <m:oMathParaPr>
+                        <m:jc m:val="centerGroup"/>
+                      </m:oMathParaPr>
+                      <m:oMath xmlns:m="http://schemas.openxmlformats.org/officeDocument/2006/math">
+                        <m:sSub>
+                          <m:sSubPr>
+                            <m:ctrlPr>
+                              <a:rPr lang="pt-BR" i="1" smtClean="0">
+                                <a:latin typeface="Cambria Math" panose="02040503050406030204" pitchFamily="18" charset="0"/>
+                              </a:rPr>
+                            </m:ctrlPr>
+                          </m:sSubPr>
+                          <m:e>
+                            <m:r>
+                              <a:rPr lang="pt-BR" i="1">
+                                <a:latin typeface="Cambria Math" panose="02040503050406030204" pitchFamily="18" charset="0"/>
+                              </a:rPr>
+                              <m:t>𝐸</m:t>
+                            </m:r>
+                          </m:e>
+                          <m:sub>
+                            <m:r>
+                              <a:rPr lang="pt-BR" b="0" i="1" smtClean="0">
+                                <a:latin typeface="Cambria Math" panose="02040503050406030204" pitchFamily="18" charset="0"/>
+                              </a:rPr>
+                              <m:t>𝑘</m:t>
+                            </m:r>
+                          </m:sub>
+                        </m:sSub>
+                      </m:oMath>
+                    </m:oMathPara>
+                  </a14:m>
+                  <a:endParaRPr lang="pt-BR" dirty="0"/>
+                </a:p>
+              </p:txBody>
+            </p:sp>
+          </mc:Choice>
+          <mc:Fallback>
+            <p:sp>
+              <p:nvSpPr>
+                <p:cNvPr id="87" name="Retângulo 86"/>
+                <p:cNvSpPr>
+                  <a:spLocks noRot="1" noChangeAspect="1" noMove="1" noResize="1" noEditPoints="1" noAdjustHandles="1" noChangeArrowheads="1" noChangeShapeType="1" noTextEdit="1"/>
+                </p:cNvSpPr>
+                <p:nvPr/>
+              </p:nvSpPr>
+              <p:spPr>
+                <a:xfrm>
+                  <a:off x="8767599" y="5577967"/>
+                  <a:ext cx="486543" cy="369332"/>
+                </a:xfrm>
+                <a:prstGeom prst="rect">
+                  <a:avLst/>
+                </a:prstGeom>
+                <a:blipFill rotWithShape="0">
+                  <a:blip r:embed="rId6"/>
+                  <a:stretch>
+                    <a:fillRect/>
+                  </a:stretch>
+                </a:blipFill>
+              </p:spPr>
+              <p:txBody>
+                <a:bodyPr/>
+                <a:lstStyle/>
+                <a:p>
+                  <a:r>
+                    <a:rPr lang="pt-BR">
+                      <a:noFill/>
+                    </a:rPr>
+                    <a:t> </a:t>
+                  </a:r>
+                </a:p>
+              </p:txBody>
+            </p:sp>
+          </mc:Fallback>
+        </mc:AlternateContent>
+        <mc:AlternateContent xmlns:mc="http://schemas.openxmlformats.org/markup-compatibility/2006">
+          <mc:Choice xmlns:a14="http://schemas.microsoft.com/office/drawing/2010/main" Requires="a14">
+            <p:sp>
+              <p:nvSpPr>
+                <p:cNvPr id="89" name="Retângulo 88"/>
+                <p:cNvSpPr/>
+                <p:nvPr/>
+              </p:nvSpPr>
+              <p:spPr>
+                <a:xfrm>
+                  <a:off x="9773628" y="3756630"/>
+                  <a:ext cx="1466363" cy="876907"/>
+                </a:xfrm>
+                <a:prstGeom prst="rect">
+                  <a:avLst/>
+                </a:prstGeom>
+              </p:spPr>
+              <p:txBody>
+                <a:bodyPr wrap="none">
+                  <a:spAutoFit/>
+                </a:bodyPr>
+                <a:lstStyle/>
+                <a:p>
+                  <a:pPr algn="ctr"/>
+                  <a14:m>
+                    <m:oMathPara xmlns:m="http://schemas.openxmlformats.org/officeDocument/2006/math">
+                      <m:oMathParaPr>
+                        <m:jc m:val="centerGroup"/>
+                      </m:oMathParaPr>
+                      <m:oMath xmlns:m="http://schemas.openxmlformats.org/officeDocument/2006/math">
+                        <m:r>
+                          <a:rPr lang="pt-BR" b="0" i="1" smtClean="0">
+                            <a:latin typeface="Cambria Math" panose="02040503050406030204" pitchFamily="18" charset="0"/>
+                          </a:rPr>
+                          <m:t>𝐸</m:t>
+                        </m:r>
+                        <m:r>
+                          <a:rPr lang="pt-BR" b="0" i="1" smtClean="0">
+                            <a:latin typeface="Cambria Math" panose="02040503050406030204" pitchFamily="18" charset="0"/>
+                          </a:rPr>
+                          <m:t>= </m:t>
+                        </m:r>
+                        <m:f>
+                          <m:fPr>
+                            <m:ctrlPr>
+                              <a:rPr lang="pt-BR" b="0" i="1" smtClean="0">
+                                <a:latin typeface="Cambria Math" panose="02040503050406030204" pitchFamily="18" charset="0"/>
+                              </a:rPr>
+                            </m:ctrlPr>
+                          </m:fPr>
+                          <m:num>
+                            <m:r>
+                              <a:rPr lang="pt-BR" b="0" i="1" smtClean="0">
+                                <a:latin typeface="Cambria Math" panose="02040503050406030204" pitchFamily="18" charset="0"/>
+                              </a:rPr>
+                              <m:t>1</m:t>
+                            </m:r>
+                          </m:num>
+                          <m:den>
+                            <m:r>
+                              <a:rPr lang="pt-BR" b="0" i="1" smtClean="0">
+                                <a:latin typeface="Cambria Math" panose="02040503050406030204" pitchFamily="18" charset="0"/>
+                              </a:rPr>
+                              <m:t>𝑘</m:t>
+                            </m:r>
+                          </m:den>
+                        </m:f>
+                        <m:nary>
+                          <m:naryPr>
+                            <m:chr m:val="∑"/>
+                            <m:ctrlPr>
+                              <a:rPr lang="pt-BR" b="0" i="1" smtClean="0">
+                                <a:latin typeface="Cambria Math" panose="02040503050406030204" pitchFamily="18" charset="0"/>
+                              </a:rPr>
+                            </m:ctrlPr>
+                          </m:naryPr>
+                          <m:sub>
+                            <m:r>
+                              <m:rPr>
+                                <m:brk m:alnAt="23"/>
+                              </m:rPr>
+                              <a:rPr lang="pt-BR" b="0" i="1" smtClean="0">
+                                <a:latin typeface="Cambria Math" panose="02040503050406030204" pitchFamily="18" charset="0"/>
+                              </a:rPr>
+                              <m:t>𝑖</m:t>
+                            </m:r>
+                            <m:r>
+                              <a:rPr lang="pt-BR" b="0" i="1" smtClean="0">
+                                <a:latin typeface="Cambria Math" panose="02040503050406030204" pitchFamily="18" charset="0"/>
+                              </a:rPr>
+                              <m:t>=1</m:t>
+                            </m:r>
+                          </m:sub>
+                          <m:sup>
+                            <m:r>
+                              <a:rPr lang="pt-BR" b="0" i="1" smtClean="0">
+                                <a:latin typeface="Cambria Math" panose="02040503050406030204" pitchFamily="18" charset="0"/>
+                              </a:rPr>
+                              <m:t>𝑘</m:t>
+                            </m:r>
+                          </m:sup>
+                          <m:e>
+                            <m:sSub>
+                              <m:sSubPr>
+                                <m:ctrlPr>
+                                  <a:rPr lang="pt-BR" b="0" i="1" smtClean="0">
+                                    <a:latin typeface="Cambria Math" panose="02040503050406030204" pitchFamily="18" charset="0"/>
+                                  </a:rPr>
+                                </m:ctrlPr>
+                              </m:sSubPr>
+                              <m:e>
+                                <m:r>
+                                  <a:rPr lang="pt-BR" b="0" i="1" smtClean="0">
+                                    <a:latin typeface="Cambria Math" panose="02040503050406030204" pitchFamily="18" charset="0"/>
+                                  </a:rPr>
+                                  <m:t>𝐸</m:t>
+                                </m:r>
+                              </m:e>
+                              <m:sub>
+                                <m:r>
+                                  <a:rPr lang="pt-BR" b="0" i="1" smtClean="0">
+                                    <a:latin typeface="Cambria Math" panose="02040503050406030204" pitchFamily="18" charset="0"/>
+                                  </a:rPr>
+                                  <m:t>𝑖</m:t>
+                                </m:r>
+                              </m:sub>
+                            </m:sSub>
+                          </m:e>
+                        </m:nary>
+                      </m:oMath>
+                    </m:oMathPara>
+                  </a14:m>
+                  <a:endParaRPr lang="pt-BR" dirty="0"/>
+                </a:p>
+              </p:txBody>
+            </p:sp>
+          </mc:Choice>
+          <mc:Fallback>
+            <p:sp>
+              <p:nvSpPr>
+                <p:cNvPr id="89" name="Retângulo 88"/>
+                <p:cNvSpPr>
+                  <a:spLocks noRot="1" noChangeAspect="1" noMove="1" noResize="1" noEditPoints="1" noAdjustHandles="1" noChangeArrowheads="1" noChangeShapeType="1" noTextEdit="1"/>
+                </p:cNvSpPr>
+                <p:nvPr/>
+              </p:nvSpPr>
+              <p:spPr>
+                <a:xfrm>
+                  <a:off x="9773628" y="3756630"/>
+                  <a:ext cx="1466363" cy="876907"/>
+                </a:xfrm>
+                <a:prstGeom prst="rect">
+                  <a:avLst/>
+                </a:prstGeom>
+                <a:blipFill rotWithShape="0">
+                  <a:blip r:embed="rId7"/>
+                  <a:stretch>
+                    <a:fillRect/>
+                  </a:stretch>
+                </a:blipFill>
+              </p:spPr>
+              <p:txBody>
+                <a:bodyPr/>
+                <a:lstStyle/>
+                <a:p>
+                  <a:r>
+                    <a:rPr lang="pt-BR">
+                      <a:noFill/>
+                    </a:rPr>
+                    <a:t> </a:t>
+                  </a:r>
+                </a:p>
+              </p:txBody>
+            </p:sp>
+          </mc:Fallback>
+        </mc:AlternateContent>
+      </p:grpSp>
+    </p:spTree>
+    <p:extLst>
+      <p:ext uri="{BB962C8B-B14F-4D97-AF65-F5344CB8AC3E}">
+        <p14:creationId xmlns:p14="http://schemas.microsoft.com/office/powerpoint/2010/main" val="2092824991"/>
       </p:ext>
     </p:extLst>
   </p:cSld>

--- a/report/01.Chapters/02.Background/figures.pptx
+++ b/report/01.Chapters/02.Background/figures.pptx
@@ -9,8 +9,9 @@
     <p:sldId id="257" r:id="rId3"/>
     <p:sldId id="258" r:id="rId4"/>
     <p:sldId id="259" r:id="rId5"/>
-    <p:sldId id="261" r:id="rId6"/>
-    <p:sldId id="262" r:id="rId7"/>
+    <p:sldId id="263" r:id="rId6"/>
+    <p:sldId id="261" r:id="rId7"/>
+    <p:sldId id="262" r:id="rId8"/>
   </p:sldIdLst>
   <p:sldSz cx="12192000" cy="6858000"/>
   <p:notesSz cx="6858000" cy="9144000"/>
@@ -139,7 +140,7 @@
           <p:cNvPr id="2" name="Título 1">
             <a:extLst>
               <a:ext uri="{FF2B5EF4-FFF2-40B4-BE49-F238E27FC236}">
-                <a16:creationId xmlns:a16="http://schemas.microsoft.com/office/drawing/2014/main" xmlns="" id="{FB1B10C7-1225-4B50-9E89-291790A05853}"/>
+                <a16:creationId xmlns="" xmlns:a16="http://schemas.microsoft.com/office/drawing/2014/main" id="{FB1B10C7-1225-4B50-9E89-291790A05853}"/>
               </a:ext>
             </a:extLst>
           </p:cNvPr>
@@ -176,7 +177,7 @@
           <p:cNvPr id="3" name="Subtítulo 2">
             <a:extLst>
               <a:ext uri="{FF2B5EF4-FFF2-40B4-BE49-F238E27FC236}">
-                <a16:creationId xmlns:a16="http://schemas.microsoft.com/office/drawing/2014/main" xmlns="" id="{04B8B8B1-2D6C-4C93-A8EE-584EF35CA37E}"/>
+                <a16:creationId xmlns="" xmlns:a16="http://schemas.microsoft.com/office/drawing/2014/main" id="{04B8B8B1-2D6C-4C93-A8EE-584EF35CA37E}"/>
               </a:ext>
             </a:extLst>
           </p:cNvPr>
@@ -246,7 +247,7 @@
           <p:cNvPr id="4" name="Espaço Reservado para Data 3">
             <a:extLst>
               <a:ext uri="{FF2B5EF4-FFF2-40B4-BE49-F238E27FC236}">
-                <a16:creationId xmlns:a16="http://schemas.microsoft.com/office/drawing/2014/main" xmlns="" id="{EB5CFBF8-AE11-405D-A65D-4FD645DF2E92}"/>
+                <a16:creationId xmlns="" xmlns:a16="http://schemas.microsoft.com/office/drawing/2014/main" id="{EB5CFBF8-AE11-405D-A65D-4FD645DF2E92}"/>
               </a:ext>
             </a:extLst>
           </p:cNvPr>
@@ -264,7 +265,7 @@
           <a:p>
             <a:fld id="{6DBDA6B4-5921-4F28-BD94-5691BC1A6D75}" type="datetimeFigureOut">
               <a:rPr lang="pt-BR" smtClean="0"/>
-              <a:t>12/10/2020</a:t>
+              <a:t>20/10/2020</a:t>
             </a:fld>
             <a:endParaRPr lang="pt-BR"/>
           </a:p>
@@ -275,7 +276,7 @@
           <p:cNvPr id="5" name="Espaço Reservado para Rodapé 4">
             <a:extLst>
               <a:ext uri="{FF2B5EF4-FFF2-40B4-BE49-F238E27FC236}">
-                <a16:creationId xmlns:a16="http://schemas.microsoft.com/office/drawing/2014/main" xmlns="" id="{5730134D-0557-465A-8526-0516B00BF500}"/>
+                <a16:creationId xmlns="" xmlns:a16="http://schemas.microsoft.com/office/drawing/2014/main" id="{5730134D-0557-465A-8526-0516B00BF500}"/>
               </a:ext>
             </a:extLst>
           </p:cNvPr>
@@ -300,7 +301,7 @@
           <p:cNvPr id="6" name="Espaço Reservado para Número de Slide 5">
             <a:extLst>
               <a:ext uri="{FF2B5EF4-FFF2-40B4-BE49-F238E27FC236}">
-                <a16:creationId xmlns:a16="http://schemas.microsoft.com/office/drawing/2014/main" xmlns="" id="{C41CBB1F-9676-49C5-BA41-10496A98A6BB}"/>
+                <a16:creationId xmlns="" xmlns:a16="http://schemas.microsoft.com/office/drawing/2014/main" id="{C41CBB1F-9676-49C5-BA41-10496A98A6BB}"/>
               </a:ext>
             </a:extLst>
           </p:cNvPr>
@@ -359,7 +360,7 @@
           <p:cNvPr id="2" name="Título 1">
             <a:extLst>
               <a:ext uri="{FF2B5EF4-FFF2-40B4-BE49-F238E27FC236}">
-                <a16:creationId xmlns:a16="http://schemas.microsoft.com/office/drawing/2014/main" xmlns="" id="{F575EB97-86C9-499E-8E30-31AE6C230B68}"/>
+                <a16:creationId xmlns="" xmlns:a16="http://schemas.microsoft.com/office/drawing/2014/main" id="{F575EB97-86C9-499E-8E30-31AE6C230B68}"/>
               </a:ext>
             </a:extLst>
           </p:cNvPr>
@@ -387,7 +388,7 @@
           <p:cNvPr id="3" name="Espaço Reservado para Texto Vertical 2">
             <a:extLst>
               <a:ext uri="{FF2B5EF4-FFF2-40B4-BE49-F238E27FC236}">
-                <a16:creationId xmlns:a16="http://schemas.microsoft.com/office/drawing/2014/main" xmlns="" id="{6FEBD76D-B11A-44B6-A4FC-88B4DC84449A}"/>
+                <a16:creationId xmlns="" xmlns:a16="http://schemas.microsoft.com/office/drawing/2014/main" id="{6FEBD76D-B11A-44B6-A4FC-88B4DC84449A}"/>
               </a:ext>
             </a:extLst>
           </p:cNvPr>
@@ -444,7 +445,7 @@
           <p:cNvPr id="4" name="Espaço Reservado para Data 3">
             <a:extLst>
               <a:ext uri="{FF2B5EF4-FFF2-40B4-BE49-F238E27FC236}">
-                <a16:creationId xmlns:a16="http://schemas.microsoft.com/office/drawing/2014/main" xmlns="" id="{77F64D25-F8AD-4AE4-B886-63D46B49DCE6}"/>
+                <a16:creationId xmlns="" xmlns:a16="http://schemas.microsoft.com/office/drawing/2014/main" id="{77F64D25-F8AD-4AE4-B886-63D46B49DCE6}"/>
               </a:ext>
             </a:extLst>
           </p:cNvPr>
@@ -462,7 +463,7 @@
           <a:p>
             <a:fld id="{6DBDA6B4-5921-4F28-BD94-5691BC1A6D75}" type="datetimeFigureOut">
               <a:rPr lang="pt-BR" smtClean="0"/>
-              <a:t>12/10/2020</a:t>
+              <a:t>20/10/2020</a:t>
             </a:fld>
             <a:endParaRPr lang="pt-BR"/>
           </a:p>
@@ -473,7 +474,7 @@
           <p:cNvPr id="5" name="Espaço Reservado para Rodapé 4">
             <a:extLst>
               <a:ext uri="{FF2B5EF4-FFF2-40B4-BE49-F238E27FC236}">
-                <a16:creationId xmlns:a16="http://schemas.microsoft.com/office/drawing/2014/main" xmlns="" id="{5D83FFBB-0D10-4FAB-985A-AD465CDEB222}"/>
+                <a16:creationId xmlns="" xmlns:a16="http://schemas.microsoft.com/office/drawing/2014/main" id="{5D83FFBB-0D10-4FAB-985A-AD465CDEB222}"/>
               </a:ext>
             </a:extLst>
           </p:cNvPr>
@@ -498,7 +499,7 @@
           <p:cNvPr id="6" name="Espaço Reservado para Número de Slide 5">
             <a:extLst>
               <a:ext uri="{FF2B5EF4-FFF2-40B4-BE49-F238E27FC236}">
-                <a16:creationId xmlns:a16="http://schemas.microsoft.com/office/drawing/2014/main" xmlns="" id="{972D37E5-0750-4B2C-8076-EBE2CEF4648B}"/>
+                <a16:creationId xmlns="" xmlns:a16="http://schemas.microsoft.com/office/drawing/2014/main" id="{972D37E5-0750-4B2C-8076-EBE2CEF4648B}"/>
               </a:ext>
             </a:extLst>
           </p:cNvPr>
@@ -557,7 +558,7 @@
           <p:cNvPr id="2" name="Título Vertical 1">
             <a:extLst>
               <a:ext uri="{FF2B5EF4-FFF2-40B4-BE49-F238E27FC236}">
-                <a16:creationId xmlns:a16="http://schemas.microsoft.com/office/drawing/2014/main" xmlns="" id="{2E0633BC-5DE9-4BBA-9281-CC189218EEC9}"/>
+                <a16:creationId xmlns="" xmlns:a16="http://schemas.microsoft.com/office/drawing/2014/main" id="{2E0633BC-5DE9-4BBA-9281-CC189218EEC9}"/>
               </a:ext>
             </a:extLst>
           </p:cNvPr>
@@ -590,7 +591,7 @@
           <p:cNvPr id="3" name="Espaço Reservado para Texto Vertical 2">
             <a:extLst>
               <a:ext uri="{FF2B5EF4-FFF2-40B4-BE49-F238E27FC236}">
-                <a16:creationId xmlns:a16="http://schemas.microsoft.com/office/drawing/2014/main" xmlns="" id="{B19DD39C-697F-4D80-A29D-AFBE5883178B}"/>
+                <a16:creationId xmlns="" xmlns:a16="http://schemas.microsoft.com/office/drawing/2014/main" id="{B19DD39C-697F-4D80-A29D-AFBE5883178B}"/>
               </a:ext>
             </a:extLst>
           </p:cNvPr>
@@ -652,7 +653,7 @@
           <p:cNvPr id="4" name="Espaço Reservado para Data 3">
             <a:extLst>
               <a:ext uri="{FF2B5EF4-FFF2-40B4-BE49-F238E27FC236}">
-                <a16:creationId xmlns:a16="http://schemas.microsoft.com/office/drawing/2014/main" xmlns="" id="{A6B27CBC-49BA-4B47-B446-2F756CF6787E}"/>
+                <a16:creationId xmlns="" xmlns:a16="http://schemas.microsoft.com/office/drawing/2014/main" id="{A6B27CBC-49BA-4B47-B446-2F756CF6787E}"/>
               </a:ext>
             </a:extLst>
           </p:cNvPr>
@@ -670,7 +671,7 @@
           <a:p>
             <a:fld id="{6DBDA6B4-5921-4F28-BD94-5691BC1A6D75}" type="datetimeFigureOut">
               <a:rPr lang="pt-BR" smtClean="0"/>
-              <a:t>12/10/2020</a:t>
+              <a:t>20/10/2020</a:t>
             </a:fld>
             <a:endParaRPr lang="pt-BR"/>
           </a:p>
@@ -681,7 +682,7 @@
           <p:cNvPr id="5" name="Espaço Reservado para Rodapé 4">
             <a:extLst>
               <a:ext uri="{FF2B5EF4-FFF2-40B4-BE49-F238E27FC236}">
-                <a16:creationId xmlns:a16="http://schemas.microsoft.com/office/drawing/2014/main" xmlns="" id="{A98D9C98-3A9B-4E9B-A877-07F8C15848EB}"/>
+                <a16:creationId xmlns="" xmlns:a16="http://schemas.microsoft.com/office/drawing/2014/main" id="{A98D9C98-3A9B-4E9B-A877-07F8C15848EB}"/>
               </a:ext>
             </a:extLst>
           </p:cNvPr>
@@ -706,7 +707,7 @@
           <p:cNvPr id="6" name="Espaço Reservado para Número de Slide 5">
             <a:extLst>
               <a:ext uri="{FF2B5EF4-FFF2-40B4-BE49-F238E27FC236}">
-                <a16:creationId xmlns:a16="http://schemas.microsoft.com/office/drawing/2014/main" xmlns="" id="{61DF28C2-175E-4DA6-BA7A-B76F0378C536}"/>
+                <a16:creationId xmlns="" xmlns:a16="http://schemas.microsoft.com/office/drawing/2014/main" id="{61DF28C2-175E-4DA6-BA7A-B76F0378C536}"/>
               </a:ext>
             </a:extLst>
           </p:cNvPr>
@@ -765,7 +766,7 @@
           <p:cNvPr id="2" name="Título 1">
             <a:extLst>
               <a:ext uri="{FF2B5EF4-FFF2-40B4-BE49-F238E27FC236}">
-                <a16:creationId xmlns:a16="http://schemas.microsoft.com/office/drawing/2014/main" xmlns="" id="{9F085C52-BFD1-4D03-8E4D-CD0DA0453291}"/>
+                <a16:creationId xmlns="" xmlns:a16="http://schemas.microsoft.com/office/drawing/2014/main" id="{9F085C52-BFD1-4D03-8E4D-CD0DA0453291}"/>
               </a:ext>
             </a:extLst>
           </p:cNvPr>
@@ -793,7 +794,7 @@
           <p:cNvPr id="3" name="Espaço Reservado para Conteúdo 2">
             <a:extLst>
               <a:ext uri="{FF2B5EF4-FFF2-40B4-BE49-F238E27FC236}">
-                <a16:creationId xmlns:a16="http://schemas.microsoft.com/office/drawing/2014/main" xmlns="" id="{2DC98CDF-9646-412F-B972-7435FB674746}"/>
+                <a16:creationId xmlns="" xmlns:a16="http://schemas.microsoft.com/office/drawing/2014/main" id="{2DC98CDF-9646-412F-B972-7435FB674746}"/>
               </a:ext>
             </a:extLst>
           </p:cNvPr>
@@ -850,7 +851,7 @@
           <p:cNvPr id="4" name="Espaço Reservado para Data 3">
             <a:extLst>
               <a:ext uri="{FF2B5EF4-FFF2-40B4-BE49-F238E27FC236}">
-                <a16:creationId xmlns:a16="http://schemas.microsoft.com/office/drawing/2014/main" xmlns="" id="{4E201D0C-7D9E-4D36-98FD-1B878582EBD8}"/>
+                <a16:creationId xmlns="" xmlns:a16="http://schemas.microsoft.com/office/drawing/2014/main" id="{4E201D0C-7D9E-4D36-98FD-1B878582EBD8}"/>
               </a:ext>
             </a:extLst>
           </p:cNvPr>
@@ -868,7 +869,7 @@
           <a:p>
             <a:fld id="{6DBDA6B4-5921-4F28-BD94-5691BC1A6D75}" type="datetimeFigureOut">
               <a:rPr lang="pt-BR" smtClean="0"/>
-              <a:t>12/10/2020</a:t>
+              <a:t>20/10/2020</a:t>
             </a:fld>
             <a:endParaRPr lang="pt-BR"/>
           </a:p>
@@ -879,7 +880,7 @@
           <p:cNvPr id="5" name="Espaço Reservado para Rodapé 4">
             <a:extLst>
               <a:ext uri="{FF2B5EF4-FFF2-40B4-BE49-F238E27FC236}">
-                <a16:creationId xmlns:a16="http://schemas.microsoft.com/office/drawing/2014/main" xmlns="" id="{8E101CEE-27DE-4C33-8A2D-3F8FEE8E755F}"/>
+                <a16:creationId xmlns="" xmlns:a16="http://schemas.microsoft.com/office/drawing/2014/main" id="{8E101CEE-27DE-4C33-8A2D-3F8FEE8E755F}"/>
               </a:ext>
             </a:extLst>
           </p:cNvPr>
@@ -904,7 +905,7 @@
           <p:cNvPr id="6" name="Espaço Reservado para Número de Slide 5">
             <a:extLst>
               <a:ext uri="{FF2B5EF4-FFF2-40B4-BE49-F238E27FC236}">
-                <a16:creationId xmlns:a16="http://schemas.microsoft.com/office/drawing/2014/main" xmlns="" id="{C69620D0-6C1E-4EB5-BBAD-1BC612FFC8D6}"/>
+                <a16:creationId xmlns="" xmlns:a16="http://schemas.microsoft.com/office/drawing/2014/main" id="{C69620D0-6C1E-4EB5-BBAD-1BC612FFC8D6}"/>
               </a:ext>
             </a:extLst>
           </p:cNvPr>
@@ -963,7 +964,7 @@
           <p:cNvPr id="2" name="Título 1">
             <a:extLst>
               <a:ext uri="{FF2B5EF4-FFF2-40B4-BE49-F238E27FC236}">
-                <a16:creationId xmlns:a16="http://schemas.microsoft.com/office/drawing/2014/main" xmlns="" id="{E129868B-4B4C-471C-A84D-C2FC14AAD955}"/>
+                <a16:creationId xmlns="" xmlns:a16="http://schemas.microsoft.com/office/drawing/2014/main" id="{E129868B-4B4C-471C-A84D-C2FC14AAD955}"/>
               </a:ext>
             </a:extLst>
           </p:cNvPr>
@@ -1000,7 +1001,7 @@
           <p:cNvPr id="3" name="Espaço Reservado para Texto 2">
             <a:extLst>
               <a:ext uri="{FF2B5EF4-FFF2-40B4-BE49-F238E27FC236}">
-                <a16:creationId xmlns:a16="http://schemas.microsoft.com/office/drawing/2014/main" xmlns="" id="{CC61FC64-84D8-4A75-910B-4ACBB96B9EB6}"/>
+                <a16:creationId xmlns="" xmlns:a16="http://schemas.microsoft.com/office/drawing/2014/main" id="{CC61FC64-84D8-4A75-910B-4ACBB96B9EB6}"/>
               </a:ext>
             </a:extLst>
           </p:cNvPr>
@@ -1125,7 +1126,7 @@
           <p:cNvPr id="4" name="Espaço Reservado para Data 3">
             <a:extLst>
               <a:ext uri="{FF2B5EF4-FFF2-40B4-BE49-F238E27FC236}">
-                <a16:creationId xmlns:a16="http://schemas.microsoft.com/office/drawing/2014/main" xmlns="" id="{EEB7DDC3-DAEC-4F4E-B0F9-01506865FC2C}"/>
+                <a16:creationId xmlns="" xmlns:a16="http://schemas.microsoft.com/office/drawing/2014/main" id="{EEB7DDC3-DAEC-4F4E-B0F9-01506865FC2C}"/>
               </a:ext>
             </a:extLst>
           </p:cNvPr>
@@ -1143,7 +1144,7 @@
           <a:p>
             <a:fld id="{6DBDA6B4-5921-4F28-BD94-5691BC1A6D75}" type="datetimeFigureOut">
               <a:rPr lang="pt-BR" smtClean="0"/>
-              <a:t>12/10/2020</a:t>
+              <a:t>20/10/2020</a:t>
             </a:fld>
             <a:endParaRPr lang="pt-BR"/>
           </a:p>
@@ -1154,7 +1155,7 @@
           <p:cNvPr id="5" name="Espaço Reservado para Rodapé 4">
             <a:extLst>
               <a:ext uri="{FF2B5EF4-FFF2-40B4-BE49-F238E27FC236}">
-                <a16:creationId xmlns:a16="http://schemas.microsoft.com/office/drawing/2014/main" xmlns="" id="{8E7872C3-0989-4A0A-B695-F00FBC9C52F8}"/>
+                <a16:creationId xmlns="" xmlns:a16="http://schemas.microsoft.com/office/drawing/2014/main" id="{8E7872C3-0989-4A0A-B695-F00FBC9C52F8}"/>
               </a:ext>
             </a:extLst>
           </p:cNvPr>
@@ -1179,7 +1180,7 @@
           <p:cNvPr id="6" name="Espaço Reservado para Número de Slide 5">
             <a:extLst>
               <a:ext uri="{FF2B5EF4-FFF2-40B4-BE49-F238E27FC236}">
-                <a16:creationId xmlns:a16="http://schemas.microsoft.com/office/drawing/2014/main" xmlns="" id="{D0360F45-4C74-4E8C-B605-DB2BD2875038}"/>
+                <a16:creationId xmlns="" xmlns:a16="http://schemas.microsoft.com/office/drawing/2014/main" id="{D0360F45-4C74-4E8C-B605-DB2BD2875038}"/>
               </a:ext>
             </a:extLst>
           </p:cNvPr>
@@ -1238,7 +1239,7 @@
           <p:cNvPr id="2" name="Título 1">
             <a:extLst>
               <a:ext uri="{FF2B5EF4-FFF2-40B4-BE49-F238E27FC236}">
-                <a16:creationId xmlns:a16="http://schemas.microsoft.com/office/drawing/2014/main" xmlns="" id="{957854C7-3251-4147-B0C4-737748B6C656}"/>
+                <a16:creationId xmlns="" xmlns:a16="http://schemas.microsoft.com/office/drawing/2014/main" id="{957854C7-3251-4147-B0C4-737748B6C656}"/>
               </a:ext>
             </a:extLst>
           </p:cNvPr>
@@ -1266,7 +1267,7 @@
           <p:cNvPr id="3" name="Espaço Reservado para Conteúdo 2">
             <a:extLst>
               <a:ext uri="{FF2B5EF4-FFF2-40B4-BE49-F238E27FC236}">
-                <a16:creationId xmlns:a16="http://schemas.microsoft.com/office/drawing/2014/main" xmlns="" id="{2677B7FA-4E06-41BA-8F74-A91BDA8F4E2A}"/>
+                <a16:creationId xmlns="" xmlns:a16="http://schemas.microsoft.com/office/drawing/2014/main" id="{2677B7FA-4E06-41BA-8F74-A91BDA8F4E2A}"/>
               </a:ext>
             </a:extLst>
           </p:cNvPr>
@@ -1328,7 +1329,7 @@
           <p:cNvPr id="4" name="Espaço Reservado para Conteúdo 3">
             <a:extLst>
               <a:ext uri="{FF2B5EF4-FFF2-40B4-BE49-F238E27FC236}">
-                <a16:creationId xmlns:a16="http://schemas.microsoft.com/office/drawing/2014/main" xmlns="" id="{3442BFB2-493E-4571-BD8F-A4122AAE4C3C}"/>
+                <a16:creationId xmlns="" xmlns:a16="http://schemas.microsoft.com/office/drawing/2014/main" id="{3442BFB2-493E-4571-BD8F-A4122AAE4C3C}"/>
               </a:ext>
             </a:extLst>
           </p:cNvPr>
@@ -1390,7 +1391,7 @@
           <p:cNvPr id="5" name="Espaço Reservado para Data 4">
             <a:extLst>
               <a:ext uri="{FF2B5EF4-FFF2-40B4-BE49-F238E27FC236}">
-                <a16:creationId xmlns:a16="http://schemas.microsoft.com/office/drawing/2014/main" xmlns="" id="{487C3844-9494-460C-BB17-AF466E3C729F}"/>
+                <a16:creationId xmlns="" xmlns:a16="http://schemas.microsoft.com/office/drawing/2014/main" id="{487C3844-9494-460C-BB17-AF466E3C729F}"/>
               </a:ext>
             </a:extLst>
           </p:cNvPr>
@@ -1408,7 +1409,7 @@
           <a:p>
             <a:fld id="{6DBDA6B4-5921-4F28-BD94-5691BC1A6D75}" type="datetimeFigureOut">
               <a:rPr lang="pt-BR" smtClean="0"/>
-              <a:t>12/10/2020</a:t>
+              <a:t>20/10/2020</a:t>
             </a:fld>
             <a:endParaRPr lang="pt-BR"/>
           </a:p>
@@ -1419,7 +1420,7 @@
           <p:cNvPr id="6" name="Espaço Reservado para Rodapé 5">
             <a:extLst>
               <a:ext uri="{FF2B5EF4-FFF2-40B4-BE49-F238E27FC236}">
-                <a16:creationId xmlns:a16="http://schemas.microsoft.com/office/drawing/2014/main" xmlns="" id="{A606DFEF-5775-4F7E-BA18-FADF60C89F67}"/>
+                <a16:creationId xmlns="" xmlns:a16="http://schemas.microsoft.com/office/drawing/2014/main" id="{A606DFEF-5775-4F7E-BA18-FADF60C89F67}"/>
               </a:ext>
             </a:extLst>
           </p:cNvPr>
@@ -1444,7 +1445,7 @@
           <p:cNvPr id="7" name="Espaço Reservado para Número de Slide 6">
             <a:extLst>
               <a:ext uri="{FF2B5EF4-FFF2-40B4-BE49-F238E27FC236}">
-                <a16:creationId xmlns:a16="http://schemas.microsoft.com/office/drawing/2014/main" xmlns="" id="{2FAF5DAD-EE50-4BE5-9CAD-89EF2D8EE8F7}"/>
+                <a16:creationId xmlns="" xmlns:a16="http://schemas.microsoft.com/office/drawing/2014/main" id="{2FAF5DAD-EE50-4BE5-9CAD-89EF2D8EE8F7}"/>
               </a:ext>
             </a:extLst>
           </p:cNvPr>
@@ -1503,7 +1504,7 @@
           <p:cNvPr id="2" name="Título 1">
             <a:extLst>
               <a:ext uri="{FF2B5EF4-FFF2-40B4-BE49-F238E27FC236}">
-                <a16:creationId xmlns:a16="http://schemas.microsoft.com/office/drawing/2014/main" xmlns="" id="{136F161B-260C-4531-B9B1-A2BCFEFD3FAE}"/>
+                <a16:creationId xmlns="" xmlns:a16="http://schemas.microsoft.com/office/drawing/2014/main" id="{136F161B-260C-4531-B9B1-A2BCFEFD3FAE}"/>
               </a:ext>
             </a:extLst>
           </p:cNvPr>
@@ -1536,7 +1537,7 @@
           <p:cNvPr id="3" name="Espaço Reservado para Texto 2">
             <a:extLst>
               <a:ext uri="{FF2B5EF4-FFF2-40B4-BE49-F238E27FC236}">
-                <a16:creationId xmlns:a16="http://schemas.microsoft.com/office/drawing/2014/main" xmlns="" id="{CD552CAC-91E3-4C68-9C4B-727BE9934301}"/>
+                <a16:creationId xmlns="" xmlns:a16="http://schemas.microsoft.com/office/drawing/2014/main" id="{CD552CAC-91E3-4C68-9C4B-727BE9934301}"/>
               </a:ext>
             </a:extLst>
           </p:cNvPr>
@@ -1607,7 +1608,7 @@
           <p:cNvPr id="4" name="Espaço Reservado para Conteúdo 3">
             <a:extLst>
               <a:ext uri="{FF2B5EF4-FFF2-40B4-BE49-F238E27FC236}">
-                <a16:creationId xmlns:a16="http://schemas.microsoft.com/office/drawing/2014/main" xmlns="" id="{DB6CFB7A-B397-4DB1-A741-E1E1CFFCC2F8}"/>
+                <a16:creationId xmlns="" xmlns:a16="http://schemas.microsoft.com/office/drawing/2014/main" id="{DB6CFB7A-B397-4DB1-A741-E1E1CFFCC2F8}"/>
               </a:ext>
             </a:extLst>
           </p:cNvPr>
@@ -1669,7 +1670,7 @@
           <p:cNvPr id="5" name="Espaço Reservado para Texto 4">
             <a:extLst>
               <a:ext uri="{FF2B5EF4-FFF2-40B4-BE49-F238E27FC236}">
-                <a16:creationId xmlns:a16="http://schemas.microsoft.com/office/drawing/2014/main" xmlns="" id="{36DE737F-7198-4408-831D-368890509880}"/>
+                <a16:creationId xmlns="" xmlns:a16="http://schemas.microsoft.com/office/drawing/2014/main" id="{36DE737F-7198-4408-831D-368890509880}"/>
               </a:ext>
             </a:extLst>
           </p:cNvPr>
@@ -1740,7 +1741,7 @@
           <p:cNvPr id="6" name="Espaço Reservado para Conteúdo 5">
             <a:extLst>
               <a:ext uri="{FF2B5EF4-FFF2-40B4-BE49-F238E27FC236}">
-                <a16:creationId xmlns:a16="http://schemas.microsoft.com/office/drawing/2014/main" xmlns="" id="{714BBD75-99FD-4BF8-83C0-E38E00416024}"/>
+                <a16:creationId xmlns="" xmlns:a16="http://schemas.microsoft.com/office/drawing/2014/main" id="{714BBD75-99FD-4BF8-83C0-E38E00416024}"/>
               </a:ext>
             </a:extLst>
           </p:cNvPr>
@@ -1802,7 +1803,7 @@
           <p:cNvPr id="7" name="Espaço Reservado para Data 6">
             <a:extLst>
               <a:ext uri="{FF2B5EF4-FFF2-40B4-BE49-F238E27FC236}">
-                <a16:creationId xmlns:a16="http://schemas.microsoft.com/office/drawing/2014/main" xmlns="" id="{6D3FB8FD-9BC4-4D72-8EE4-559FF43158AB}"/>
+                <a16:creationId xmlns="" xmlns:a16="http://schemas.microsoft.com/office/drawing/2014/main" id="{6D3FB8FD-9BC4-4D72-8EE4-559FF43158AB}"/>
               </a:ext>
             </a:extLst>
           </p:cNvPr>
@@ -1820,7 +1821,7 @@
           <a:p>
             <a:fld id="{6DBDA6B4-5921-4F28-BD94-5691BC1A6D75}" type="datetimeFigureOut">
               <a:rPr lang="pt-BR" smtClean="0"/>
-              <a:t>12/10/2020</a:t>
+              <a:t>20/10/2020</a:t>
             </a:fld>
             <a:endParaRPr lang="pt-BR"/>
           </a:p>
@@ -1831,7 +1832,7 @@
           <p:cNvPr id="8" name="Espaço Reservado para Rodapé 7">
             <a:extLst>
               <a:ext uri="{FF2B5EF4-FFF2-40B4-BE49-F238E27FC236}">
-                <a16:creationId xmlns:a16="http://schemas.microsoft.com/office/drawing/2014/main" xmlns="" id="{1CD126B6-5F14-4A65-AD69-88FF995BA6F6}"/>
+                <a16:creationId xmlns="" xmlns:a16="http://schemas.microsoft.com/office/drawing/2014/main" id="{1CD126B6-5F14-4A65-AD69-88FF995BA6F6}"/>
               </a:ext>
             </a:extLst>
           </p:cNvPr>
@@ -1856,7 +1857,7 @@
           <p:cNvPr id="9" name="Espaço Reservado para Número de Slide 8">
             <a:extLst>
               <a:ext uri="{FF2B5EF4-FFF2-40B4-BE49-F238E27FC236}">
-                <a16:creationId xmlns:a16="http://schemas.microsoft.com/office/drawing/2014/main" xmlns="" id="{D1EBACB3-9D35-4600-9C5F-6AE3D4BD6EE2}"/>
+                <a16:creationId xmlns="" xmlns:a16="http://schemas.microsoft.com/office/drawing/2014/main" id="{D1EBACB3-9D35-4600-9C5F-6AE3D4BD6EE2}"/>
               </a:ext>
             </a:extLst>
           </p:cNvPr>
@@ -1915,7 +1916,7 @@
           <p:cNvPr id="2" name="Título 1">
             <a:extLst>
               <a:ext uri="{FF2B5EF4-FFF2-40B4-BE49-F238E27FC236}">
-                <a16:creationId xmlns:a16="http://schemas.microsoft.com/office/drawing/2014/main" xmlns="" id="{CD5E624E-99C6-4B1B-A23F-D5B5D9132D3F}"/>
+                <a16:creationId xmlns="" xmlns:a16="http://schemas.microsoft.com/office/drawing/2014/main" id="{CD5E624E-99C6-4B1B-A23F-D5B5D9132D3F}"/>
               </a:ext>
             </a:extLst>
           </p:cNvPr>
@@ -1943,7 +1944,7 @@
           <p:cNvPr id="3" name="Espaço Reservado para Data 2">
             <a:extLst>
               <a:ext uri="{FF2B5EF4-FFF2-40B4-BE49-F238E27FC236}">
-                <a16:creationId xmlns:a16="http://schemas.microsoft.com/office/drawing/2014/main" xmlns="" id="{6B2EAC20-CF50-46E5-8FBE-9FAFA8116C36}"/>
+                <a16:creationId xmlns="" xmlns:a16="http://schemas.microsoft.com/office/drawing/2014/main" id="{6B2EAC20-CF50-46E5-8FBE-9FAFA8116C36}"/>
               </a:ext>
             </a:extLst>
           </p:cNvPr>
@@ -1961,7 +1962,7 @@
           <a:p>
             <a:fld id="{6DBDA6B4-5921-4F28-BD94-5691BC1A6D75}" type="datetimeFigureOut">
               <a:rPr lang="pt-BR" smtClean="0"/>
-              <a:t>12/10/2020</a:t>
+              <a:t>20/10/2020</a:t>
             </a:fld>
             <a:endParaRPr lang="pt-BR"/>
           </a:p>
@@ -1972,7 +1973,7 @@
           <p:cNvPr id="4" name="Espaço Reservado para Rodapé 3">
             <a:extLst>
               <a:ext uri="{FF2B5EF4-FFF2-40B4-BE49-F238E27FC236}">
-                <a16:creationId xmlns:a16="http://schemas.microsoft.com/office/drawing/2014/main" xmlns="" id="{E5890057-5E21-4E74-AF14-C29C61D1FF40}"/>
+                <a16:creationId xmlns="" xmlns:a16="http://schemas.microsoft.com/office/drawing/2014/main" id="{E5890057-5E21-4E74-AF14-C29C61D1FF40}"/>
               </a:ext>
             </a:extLst>
           </p:cNvPr>
@@ -1997,7 +1998,7 @@
           <p:cNvPr id="5" name="Espaço Reservado para Número de Slide 4">
             <a:extLst>
               <a:ext uri="{FF2B5EF4-FFF2-40B4-BE49-F238E27FC236}">
-                <a16:creationId xmlns:a16="http://schemas.microsoft.com/office/drawing/2014/main" xmlns="" id="{675ED02C-9D48-49FA-9308-9DD329C5F089}"/>
+                <a16:creationId xmlns="" xmlns:a16="http://schemas.microsoft.com/office/drawing/2014/main" id="{675ED02C-9D48-49FA-9308-9DD329C5F089}"/>
               </a:ext>
             </a:extLst>
           </p:cNvPr>
@@ -2056,7 +2057,7 @@
           <p:cNvPr id="2" name="Espaço Reservado para Data 1">
             <a:extLst>
               <a:ext uri="{FF2B5EF4-FFF2-40B4-BE49-F238E27FC236}">
-                <a16:creationId xmlns:a16="http://schemas.microsoft.com/office/drawing/2014/main" xmlns="" id="{CA21B022-2755-43AA-88ED-797710CE52B5}"/>
+                <a16:creationId xmlns="" xmlns:a16="http://schemas.microsoft.com/office/drawing/2014/main" id="{CA21B022-2755-43AA-88ED-797710CE52B5}"/>
               </a:ext>
             </a:extLst>
           </p:cNvPr>
@@ -2074,7 +2075,7 @@
           <a:p>
             <a:fld id="{6DBDA6B4-5921-4F28-BD94-5691BC1A6D75}" type="datetimeFigureOut">
               <a:rPr lang="pt-BR" smtClean="0"/>
-              <a:t>12/10/2020</a:t>
+              <a:t>20/10/2020</a:t>
             </a:fld>
             <a:endParaRPr lang="pt-BR"/>
           </a:p>
@@ -2085,7 +2086,7 @@
           <p:cNvPr id="3" name="Espaço Reservado para Rodapé 2">
             <a:extLst>
               <a:ext uri="{FF2B5EF4-FFF2-40B4-BE49-F238E27FC236}">
-                <a16:creationId xmlns:a16="http://schemas.microsoft.com/office/drawing/2014/main" xmlns="" id="{4143947F-EDCA-440D-B1E5-D3E3201C6BE8}"/>
+                <a16:creationId xmlns="" xmlns:a16="http://schemas.microsoft.com/office/drawing/2014/main" id="{4143947F-EDCA-440D-B1E5-D3E3201C6BE8}"/>
               </a:ext>
             </a:extLst>
           </p:cNvPr>
@@ -2110,7 +2111,7 @@
           <p:cNvPr id="4" name="Espaço Reservado para Número de Slide 3">
             <a:extLst>
               <a:ext uri="{FF2B5EF4-FFF2-40B4-BE49-F238E27FC236}">
-                <a16:creationId xmlns:a16="http://schemas.microsoft.com/office/drawing/2014/main" xmlns="" id="{77C4FB74-09B4-49E9-93E1-23D609F21206}"/>
+                <a16:creationId xmlns="" xmlns:a16="http://schemas.microsoft.com/office/drawing/2014/main" id="{77C4FB74-09B4-49E9-93E1-23D609F21206}"/>
               </a:ext>
             </a:extLst>
           </p:cNvPr>
@@ -2169,7 +2170,7 @@
           <p:cNvPr id="2" name="Título 1">
             <a:extLst>
               <a:ext uri="{FF2B5EF4-FFF2-40B4-BE49-F238E27FC236}">
-                <a16:creationId xmlns:a16="http://schemas.microsoft.com/office/drawing/2014/main" xmlns="" id="{5A4DE0B4-95BB-423B-AE89-588D43CEC2C1}"/>
+                <a16:creationId xmlns="" xmlns:a16="http://schemas.microsoft.com/office/drawing/2014/main" id="{5A4DE0B4-95BB-423B-AE89-588D43CEC2C1}"/>
               </a:ext>
             </a:extLst>
           </p:cNvPr>
@@ -2206,7 +2207,7 @@
           <p:cNvPr id="3" name="Espaço Reservado para Conteúdo 2">
             <a:extLst>
               <a:ext uri="{FF2B5EF4-FFF2-40B4-BE49-F238E27FC236}">
-                <a16:creationId xmlns:a16="http://schemas.microsoft.com/office/drawing/2014/main" xmlns="" id="{857BFAB4-C275-45A7-9DED-4E9D04E3FCFD}"/>
+                <a16:creationId xmlns="" xmlns:a16="http://schemas.microsoft.com/office/drawing/2014/main" id="{857BFAB4-C275-45A7-9DED-4E9D04E3FCFD}"/>
               </a:ext>
             </a:extLst>
           </p:cNvPr>
@@ -2296,7 +2297,7 @@
           <p:cNvPr id="4" name="Espaço Reservado para Texto 3">
             <a:extLst>
               <a:ext uri="{FF2B5EF4-FFF2-40B4-BE49-F238E27FC236}">
-                <a16:creationId xmlns:a16="http://schemas.microsoft.com/office/drawing/2014/main" xmlns="" id="{892A7010-DCBF-4BFA-9C29-B97866A96F60}"/>
+                <a16:creationId xmlns="" xmlns:a16="http://schemas.microsoft.com/office/drawing/2014/main" id="{892A7010-DCBF-4BFA-9C29-B97866A96F60}"/>
               </a:ext>
             </a:extLst>
           </p:cNvPr>
@@ -2367,7 +2368,7 @@
           <p:cNvPr id="5" name="Espaço Reservado para Data 4">
             <a:extLst>
               <a:ext uri="{FF2B5EF4-FFF2-40B4-BE49-F238E27FC236}">
-                <a16:creationId xmlns:a16="http://schemas.microsoft.com/office/drawing/2014/main" xmlns="" id="{84284F5B-9440-4E91-9201-35E2118F3DF3}"/>
+                <a16:creationId xmlns="" xmlns:a16="http://schemas.microsoft.com/office/drawing/2014/main" id="{84284F5B-9440-4E91-9201-35E2118F3DF3}"/>
               </a:ext>
             </a:extLst>
           </p:cNvPr>
@@ -2385,7 +2386,7 @@
           <a:p>
             <a:fld id="{6DBDA6B4-5921-4F28-BD94-5691BC1A6D75}" type="datetimeFigureOut">
               <a:rPr lang="pt-BR" smtClean="0"/>
-              <a:t>12/10/2020</a:t>
+              <a:t>20/10/2020</a:t>
             </a:fld>
             <a:endParaRPr lang="pt-BR"/>
           </a:p>
@@ -2396,7 +2397,7 @@
           <p:cNvPr id="6" name="Espaço Reservado para Rodapé 5">
             <a:extLst>
               <a:ext uri="{FF2B5EF4-FFF2-40B4-BE49-F238E27FC236}">
-                <a16:creationId xmlns:a16="http://schemas.microsoft.com/office/drawing/2014/main" xmlns="" id="{A31A7882-0B6B-4501-9600-CBE8360E25B4}"/>
+                <a16:creationId xmlns="" xmlns:a16="http://schemas.microsoft.com/office/drawing/2014/main" id="{A31A7882-0B6B-4501-9600-CBE8360E25B4}"/>
               </a:ext>
             </a:extLst>
           </p:cNvPr>
@@ -2421,7 +2422,7 @@
           <p:cNvPr id="7" name="Espaço Reservado para Número de Slide 6">
             <a:extLst>
               <a:ext uri="{FF2B5EF4-FFF2-40B4-BE49-F238E27FC236}">
-                <a16:creationId xmlns:a16="http://schemas.microsoft.com/office/drawing/2014/main" xmlns="" id="{A133062B-528D-4624-A8D0-958EFB3EB3EE}"/>
+                <a16:creationId xmlns="" xmlns:a16="http://schemas.microsoft.com/office/drawing/2014/main" id="{A133062B-528D-4624-A8D0-958EFB3EB3EE}"/>
               </a:ext>
             </a:extLst>
           </p:cNvPr>
@@ -2480,7 +2481,7 @@
           <p:cNvPr id="2" name="Título 1">
             <a:extLst>
               <a:ext uri="{FF2B5EF4-FFF2-40B4-BE49-F238E27FC236}">
-                <a16:creationId xmlns:a16="http://schemas.microsoft.com/office/drawing/2014/main" xmlns="" id="{FA35B699-6C2B-42A3-AD17-9F89ABC92A40}"/>
+                <a16:creationId xmlns="" xmlns:a16="http://schemas.microsoft.com/office/drawing/2014/main" id="{FA35B699-6C2B-42A3-AD17-9F89ABC92A40}"/>
               </a:ext>
             </a:extLst>
           </p:cNvPr>
@@ -2517,7 +2518,7 @@
           <p:cNvPr id="3" name="Espaço Reservado para Imagem 2">
             <a:extLst>
               <a:ext uri="{FF2B5EF4-FFF2-40B4-BE49-F238E27FC236}">
-                <a16:creationId xmlns:a16="http://schemas.microsoft.com/office/drawing/2014/main" xmlns="" id="{DDB54F91-38BF-4A5E-93E6-93C653534EB8}"/>
+                <a16:creationId xmlns="" xmlns:a16="http://schemas.microsoft.com/office/drawing/2014/main" id="{DDB54F91-38BF-4A5E-93E6-93C653534EB8}"/>
               </a:ext>
             </a:extLst>
           </p:cNvPr>
@@ -2584,7 +2585,7 @@
           <p:cNvPr id="4" name="Espaço Reservado para Texto 3">
             <a:extLst>
               <a:ext uri="{FF2B5EF4-FFF2-40B4-BE49-F238E27FC236}">
-                <a16:creationId xmlns:a16="http://schemas.microsoft.com/office/drawing/2014/main" xmlns="" id="{7269B487-A4C8-407F-931E-E9042F68A270}"/>
+                <a16:creationId xmlns="" xmlns:a16="http://schemas.microsoft.com/office/drawing/2014/main" id="{7269B487-A4C8-407F-931E-E9042F68A270}"/>
               </a:ext>
             </a:extLst>
           </p:cNvPr>
@@ -2655,7 +2656,7 @@
           <p:cNvPr id="5" name="Espaço Reservado para Data 4">
             <a:extLst>
               <a:ext uri="{FF2B5EF4-FFF2-40B4-BE49-F238E27FC236}">
-                <a16:creationId xmlns:a16="http://schemas.microsoft.com/office/drawing/2014/main" xmlns="" id="{B8606406-A4F7-4F36-B57C-0BFFBB7E1B41}"/>
+                <a16:creationId xmlns="" xmlns:a16="http://schemas.microsoft.com/office/drawing/2014/main" id="{B8606406-A4F7-4F36-B57C-0BFFBB7E1B41}"/>
               </a:ext>
             </a:extLst>
           </p:cNvPr>
@@ -2673,7 +2674,7 @@
           <a:p>
             <a:fld id="{6DBDA6B4-5921-4F28-BD94-5691BC1A6D75}" type="datetimeFigureOut">
               <a:rPr lang="pt-BR" smtClean="0"/>
-              <a:t>12/10/2020</a:t>
+              <a:t>20/10/2020</a:t>
             </a:fld>
             <a:endParaRPr lang="pt-BR"/>
           </a:p>
@@ -2684,7 +2685,7 @@
           <p:cNvPr id="6" name="Espaço Reservado para Rodapé 5">
             <a:extLst>
               <a:ext uri="{FF2B5EF4-FFF2-40B4-BE49-F238E27FC236}">
-                <a16:creationId xmlns:a16="http://schemas.microsoft.com/office/drawing/2014/main" xmlns="" id="{114E2D4C-48A0-43AD-9078-2DBC1B32A211}"/>
+                <a16:creationId xmlns="" xmlns:a16="http://schemas.microsoft.com/office/drawing/2014/main" id="{114E2D4C-48A0-43AD-9078-2DBC1B32A211}"/>
               </a:ext>
             </a:extLst>
           </p:cNvPr>
@@ -2709,7 +2710,7 @@
           <p:cNvPr id="7" name="Espaço Reservado para Número de Slide 6">
             <a:extLst>
               <a:ext uri="{FF2B5EF4-FFF2-40B4-BE49-F238E27FC236}">
-                <a16:creationId xmlns:a16="http://schemas.microsoft.com/office/drawing/2014/main" xmlns="" id="{D7F7245D-4E3E-4224-8F68-78FE3AF0B5D7}"/>
+                <a16:creationId xmlns="" xmlns:a16="http://schemas.microsoft.com/office/drawing/2014/main" id="{D7F7245D-4E3E-4224-8F68-78FE3AF0B5D7}"/>
               </a:ext>
             </a:extLst>
           </p:cNvPr>
@@ -2773,7 +2774,7 @@
           <p:cNvPr id="2" name="Espaço Reservado para Título 1">
             <a:extLst>
               <a:ext uri="{FF2B5EF4-FFF2-40B4-BE49-F238E27FC236}">
-                <a16:creationId xmlns:a16="http://schemas.microsoft.com/office/drawing/2014/main" xmlns="" id="{BDD46F1E-0B58-41CF-B81C-F940D94471B3}"/>
+                <a16:creationId xmlns="" xmlns:a16="http://schemas.microsoft.com/office/drawing/2014/main" id="{BDD46F1E-0B58-41CF-B81C-F940D94471B3}"/>
               </a:ext>
             </a:extLst>
           </p:cNvPr>
@@ -2811,7 +2812,7 @@
           <p:cNvPr id="3" name="Espaço Reservado para Texto 2">
             <a:extLst>
               <a:ext uri="{FF2B5EF4-FFF2-40B4-BE49-F238E27FC236}">
-                <a16:creationId xmlns:a16="http://schemas.microsoft.com/office/drawing/2014/main" xmlns="" id="{F2A9E511-63FD-4BB7-A2C5-4D914DFA50F8}"/>
+                <a16:creationId xmlns="" xmlns:a16="http://schemas.microsoft.com/office/drawing/2014/main" id="{F2A9E511-63FD-4BB7-A2C5-4D914DFA50F8}"/>
               </a:ext>
             </a:extLst>
           </p:cNvPr>
@@ -2878,7 +2879,7 @@
           <p:cNvPr id="4" name="Espaço Reservado para Data 3">
             <a:extLst>
               <a:ext uri="{FF2B5EF4-FFF2-40B4-BE49-F238E27FC236}">
-                <a16:creationId xmlns:a16="http://schemas.microsoft.com/office/drawing/2014/main" xmlns="" id="{B4D334C2-42AC-4BA2-9604-B7F189D28FE0}"/>
+                <a16:creationId xmlns="" xmlns:a16="http://schemas.microsoft.com/office/drawing/2014/main" id="{B4D334C2-42AC-4BA2-9604-B7F189D28FE0}"/>
               </a:ext>
             </a:extLst>
           </p:cNvPr>
@@ -2914,7 +2915,7 @@
           <a:p>
             <a:fld id="{6DBDA6B4-5921-4F28-BD94-5691BC1A6D75}" type="datetimeFigureOut">
               <a:rPr lang="pt-BR" smtClean="0"/>
-              <a:t>12/10/2020</a:t>
+              <a:t>20/10/2020</a:t>
             </a:fld>
             <a:endParaRPr lang="pt-BR"/>
           </a:p>
@@ -2925,7 +2926,7 @@
           <p:cNvPr id="5" name="Espaço Reservado para Rodapé 4">
             <a:extLst>
               <a:ext uri="{FF2B5EF4-FFF2-40B4-BE49-F238E27FC236}">
-                <a16:creationId xmlns:a16="http://schemas.microsoft.com/office/drawing/2014/main" xmlns="" id="{9183652A-06E8-45AC-9902-67A1E7A19F7E}"/>
+                <a16:creationId xmlns="" xmlns:a16="http://schemas.microsoft.com/office/drawing/2014/main" id="{9183652A-06E8-45AC-9902-67A1E7A19F7E}"/>
               </a:ext>
             </a:extLst>
           </p:cNvPr>
@@ -2968,7 +2969,7 @@
           <p:cNvPr id="6" name="Espaço Reservado para Número de Slide 5">
             <a:extLst>
               <a:ext uri="{FF2B5EF4-FFF2-40B4-BE49-F238E27FC236}">
-                <a16:creationId xmlns:a16="http://schemas.microsoft.com/office/drawing/2014/main" xmlns="" id="{D3D0CFAC-E7A5-4767-95F9-4481195A9EE3}"/>
+                <a16:creationId xmlns="" xmlns:a16="http://schemas.microsoft.com/office/drawing/2014/main" id="{D3D0CFAC-E7A5-4767-95F9-4481195A9EE3}"/>
               </a:ext>
             </a:extLst>
           </p:cNvPr>
@@ -3336,7 +3337,7 @@
           <p:cNvPr id="7" name="Tabela 7">
             <a:extLst>
               <a:ext uri="{FF2B5EF4-FFF2-40B4-BE49-F238E27FC236}">
-                <a16:creationId xmlns:a16="http://schemas.microsoft.com/office/drawing/2014/main" xmlns="" id="{525301D9-BC9E-407F-A992-EBB58234B32D}"/>
+                <a16:creationId xmlns="" xmlns:a16="http://schemas.microsoft.com/office/drawing/2014/main" id="{525301D9-BC9E-407F-A992-EBB58234B32D}"/>
               </a:ext>
             </a:extLst>
           </p:cNvPr>
@@ -3365,91 +3366,91 @@
                 <a:gridCol w="351155">
                   <a:extLst>
                     <a:ext uri="{9D8B030D-6E8A-4147-A177-3AD203B41FA5}">
-                      <a16:colId xmlns:a16="http://schemas.microsoft.com/office/drawing/2014/main" xmlns="" val="3264828334"/>
+                      <a16:colId xmlns="" xmlns:a16="http://schemas.microsoft.com/office/drawing/2014/main" val="3264828334"/>
                     </a:ext>
                   </a:extLst>
                 </a:gridCol>
                 <a:gridCol w="1251268">
                   <a:extLst>
                     <a:ext uri="{9D8B030D-6E8A-4147-A177-3AD203B41FA5}">
-                      <a16:colId xmlns:a16="http://schemas.microsoft.com/office/drawing/2014/main" xmlns="" val="3815187218"/>
+                      <a16:colId xmlns="" xmlns:a16="http://schemas.microsoft.com/office/drawing/2014/main" val="3815187218"/>
                     </a:ext>
                   </a:extLst>
                 </a:gridCol>
                 <a:gridCol w="417830">
                   <a:extLst>
                     <a:ext uri="{9D8B030D-6E8A-4147-A177-3AD203B41FA5}">
-                      <a16:colId xmlns:a16="http://schemas.microsoft.com/office/drawing/2014/main" xmlns="" val="2410762987"/>
+                      <a16:colId xmlns="" xmlns:a16="http://schemas.microsoft.com/office/drawing/2014/main" val="2410762987"/>
                     </a:ext>
                   </a:extLst>
                 </a:gridCol>
                 <a:gridCol w="584518">
                   <a:extLst>
                     <a:ext uri="{9D8B030D-6E8A-4147-A177-3AD203B41FA5}">
-                      <a16:colId xmlns:a16="http://schemas.microsoft.com/office/drawing/2014/main" xmlns="" val="3412213469"/>
+                      <a16:colId xmlns="" xmlns:a16="http://schemas.microsoft.com/office/drawing/2014/main" val="3412213469"/>
                     </a:ext>
                   </a:extLst>
                 </a:gridCol>
                 <a:gridCol w="651510">
                   <a:extLst>
                     <a:ext uri="{9D8B030D-6E8A-4147-A177-3AD203B41FA5}">
-                      <a16:colId xmlns:a16="http://schemas.microsoft.com/office/drawing/2014/main" xmlns="" val="2413750946"/>
+                      <a16:colId xmlns="" xmlns:a16="http://schemas.microsoft.com/office/drawing/2014/main" val="2413750946"/>
                     </a:ext>
                   </a:extLst>
                 </a:gridCol>
                 <a:gridCol w="579755">
                   <a:extLst>
                     <a:ext uri="{9D8B030D-6E8A-4147-A177-3AD203B41FA5}">
-                      <a16:colId xmlns:a16="http://schemas.microsoft.com/office/drawing/2014/main" xmlns="" val="2126025723"/>
+                      <a16:colId xmlns="" xmlns:a16="http://schemas.microsoft.com/office/drawing/2014/main" val="2126025723"/>
                     </a:ext>
                   </a:extLst>
                 </a:gridCol>
                 <a:gridCol w="867474">
                   <a:extLst>
                     <a:ext uri="{9D8B030D-6E8A-4147-A177-3AD203B41FA5}">
-                      <a16:colId xmlns:a16="http://schemas.microsoft.com/office/drawing/2014/main" xmlns="" val="2161997921"/>
+                      <a16:colId xmlns="" xmlns:a16="http://schemas.microsoft.com/office/drawing/2014/main" val="2161997921"/>
                     </a:ext>
                   </a:extLst>
                 </a:gridCol>
                 <a:gridCol w="574992">
                   <a:extLst>
                     <a:ext uri="{9D8B030D-6E8A-4147-A177-3AD203B41FA5}">
-                      <a16:colId xmlns:a16="http://schemas.microsoft.com/office/drawing/2014/main" xmlns="" val="1346177110"/>
+                      <a16:colId xmlns="" xmlns:a16="http://schemas.microsoft.com/office/drawing/2014/main" val="1346177110"/>
                     </a:ext>
                   </a:extLst>
                 </a:gridCol>
                 <a:gridCol w="754380">
                   <a:extLst>
                     <a:ext uri="{9D8B030D-6E8A-4147-A177-3AD203B41FA5}">
-                      <a16:colId xmlns:a16="http://schemas.microsoft.com/office/drawing/2014/main" xmlns="" val="799374164"/>
+                      <a16:colId xmlns="" xmlns:a16="http://schemas.microsoft.com/office/drawing/2014/main" val="799374164"/>
                     </a:ext>
                   </a:extLst>
                 </a:gridCol>
                 <a:gridCol w="861124">
                   <a:extLst>
                     <a:ext uri="{9D8B030D-6E8A-4147-A177-3AD203B41FA5}">
-                      <a16:colId xmlns:a16="http://schemas.microsoft.com/office/drawing/2014/main" xmlns="" val="4157967331"/>
+                      <a16:colId xmlns="" xmlns:a16="http://schemas.microsoft.com/office/drawing/2014/main" val="4157967331"/>
                     </a:ext>
                   </a:extLst>
                 </a:gridCol>
                 <a:gridCol w="846455">
                   <a:extLst>
                     <a:ext uri="{9D8B030D-6E8A-4147-A177-3AD203B41FA5}">
-                      <a16:colId xmlns:a16="http://schemas.microsoft.com/office/drawing/2014/main" xmlns="" val="458777367"/>
+                      <a16:colId xmlns="" xmlns:a16="http://schemas.microsoft.com/office/drawing/2014/main" val="458777367"/>
                     </a:ext>
                   </a:extLst>
                 </a:gridCol>
                 <a:gridCol w="846138">
                   <a:extLst>
                     <a:ext uri="{9D8B030D-6E8A-4147-A177-3AD203B41FA5}">
-                      <a16:colId xmlns:a16="http://schemas.microsoft.com/office/drawing/2014/main" xmlns="" val="2775895833"/>
+                      <a16:colId xmlns="" xmlns:a16="http://schemas.microsoft.com/office/drawing/2014/main" val="2775895833"/>
                     </a:ext>
                   </a:extLst>
                 </a:gridCol>
                 <a:gridCol w="549592">
                   <a:extLst>
                     <a:ext uri="{9D8B030D-6E8A-4147-A177-3AD203B41FA5}">
-                      <a16:colId xmlns:a16="http://schemas.microsoft.com/office/drawing/2014/main" xmlns="" val="2557085690"/>
+                      <a16:colId xmlns="" xmlns:a16="http://schemas.microsoft.com/office/drawing/2014/main" val="2557085690"/>
                     </a:ext>
                   </a:extLst>
                 </a:gridCol>
@@ -3733,7 +3734,7 @@
                 </a:tc>
                 <a:extLst>
                   <a:ext uri="{0D108BD9-81ED-4DB2-BD59-A6C34878D82A}">
-                    <a16:rowId xmlns:a16="http://schemas.microsoft.com/office/drawing/2014/main" xmlns="" val="3181216099"/>
+                    <a16:rowId xmlns="" xmlns:a16="http://schemas.microsoft.com/office/drawing/2014/main" val="3181216099"/>
                   </a:ext>
                 </a:extLst>
               </a:tr>
@@ -4006,7 +4007,7 @@
                 </a:tc>
                 <a:extLst>
                   <a:ext uri="{0D108BD9-81ED-4DB2-BD59-A6C34878D82A}">
-                    <a16:rowId xmlns:a16="http://schemas.microsoft.com/office/drawing/2014/main" xmlns="" val="516536135"/>
+                    <a16:rowId xmlns="" xmlns:a16="http://schemas.microsoft.com/office/drawing/2014/main" val="516536135"/>
                   </a:ext>
                 </a:extLst>
               </a:tr>
@@ -4279,7 +4280,7 @@
                 </a:tc>
                 <a:extLst>
                   <a:ext uri="{0D108BD9-81ED-4DB2-BD59-A6C34878D82A}">
-                    <a16:rowId xmlns:a16="http://schemas.microsoft.com/office/drawing/2014/main" xmlns="" val="1778684596"/>
+                    <a16:rowId xmlns="" xmlns:a16="http://schemas.microsoft.com/office/drawing/2014/main" val="1778684596"/>
                   </a:ext>
                 </a:extLst>
               </a:tr>
@@ -4552,7 +4553,7 @@
                 </a:tc>
                 <a:extLst>
                   <a:ext uri="{0D108BD9-81ED-4DB2-BD59-A6C34878D82A}">
-                    <a16:rowId xmlns:a16="http://schemas.microsoft.com/office/drawing/2014/main" xmlns="" val="2343916317"/>
+                    <a16:rowId xmlns="" xmlns:a16="http://schemas.microsoft.com/office/drawing/2014/main" val="2343916317"/>
                   </a:ext>
                 </a:extLst>
               </a:tr>
@@ -4565,7 +4566,7 @@
           <p:cNvPr id="15" name="Agrupar 14">
             <a:extLst>
               <a:ext uri="{FF2B5EF4-FFF2-40B4-BE49-F238E27FC236}">
-                <a16:creationId xmlns:a16="http://schemas.microsoft.com/office/drawing/2014/main" xmlns="" id="{18BD9655-C88D-4E58-BF97-3D12A3119B57}"/>
+                <a16:creationId xmlns="" xmlns:a16="http://schemas.microsoft.com/office/drawing/2014/main" id="{18BD9655-C88D-4E58-BF97-3D12A3119B57}"/>
               </a:ext>
             </a:extLst>
           </p:cNvPr>
@@ -4585,7 +4586,7 @@
             <p:cNvPr id="4" name="CaixaDeTexto 3">
               <a:extLst>
                 <a:ext uri="{FF2B5EF4-FFF2-40B4-BE49-F238E27FC236}">
-                  <a16:creationId xmlns:a16="http://schemas.microsoft.com/office/drawing/2014/main" xmlns="" id="{A0E446B5-BCE1-43D7-BFE2-34671068EF87}"/>
+                  <a16:creationId xmlns="" xmlns:a16="http://schemas.microsoft.com/office/drawing/2014/main" id="{A0E446B5-BCE1-43D7-BFE2-34671068EF87}"/>
                 </a:ext>
               </a:extLst>
             </p:cNvPr>
@@ -4733,7 +4734,7 @@
             <p:cNvPr id="5" name="CaixaDeTexto 4">
               <a:extLst>
                 <a:ext uri="{FF2B5EF4-FFF2-40B4-BE49-F238E27FC236}">
-                  <a16:creationId xmlns:a16="http://schemas.microsoft.com/office/drawing/2014/main" xmlns="" id="{BD944051-C240-43D4-8886-C99EFBDEACDA}"/>
+                  <a16:creationId xmlns="" xmlns:a16="http://schemas.microsoft.com/office/drawing/2014/main" id="{BD944051-C240-43D4-8886-C99EFBDEACDA}"/>
                 </a:ext>
               </a:extLst>
             </p:cNvPr>
@@ -4832,7 +4833,7 @@
             <p:cNvPr id="10" name="Chave Esquerda 9">
               <a:extLst>
                 <a:ext uri="{FF2B5EF4-FFF2-40B4-BE49-F238E27FC236}">
-                  <a16:creationId xmlns:a16="http://schemas.microsoft.com/office/drawing/2014/main" xmlns="" id="{F073A003-C534-4154-9AC5-49CB1384EB01}"/>
+                  <a16:creationId xmlns="" xmlns:a16="http://schemas.microsoft.com/office/drawing/2014/main" id="{F073A003-C534-4154-9AC5-49CB1384EB01}"/>
                 </a:ext>
               </a:extLst>
             </p:cNvPr>
@@ -4884,7 +4885,7 @@
             <p:cNvPr id="11" name="Chave Esquerda 10">
               <a:extLst>
                 <a:ext uri="{FF2B5EF4-FFF2-40B4-BE49-F238E27FC236}">
-                  <a16:creationId xmlns:a16="http://schemas.microsoft.com/office/drawing/2014/main" xmlns="" id="{A4D53B98-E14D-4D11-ABCE-D2419FC4E81D}"/>
+                  <a16:creationId xmlns="" xmlns:a16="http://schemas.microsoft.com/office/drawing/2014/main" id="{A4D53B98-E14D-4D11-ABCE-D2419FC4E81D}"/>
                 </a:ext>
               </a:extLst>
             </p:cNvPr>
@@ -4936,7 +4937,7 @@
             <p:cNvPr id="13" name="Seta: para a Direita 12">
               <a:extLst>
                 <a:ext uri="{FF2B5EF4-FFF2-40B4-BE49-F238E27FC236}">
-                  <a16:creationId xmlns:a16="http://schemas.microsoft.com/office/drawing/2014/main" xmlns="" id="{44B79A13-A53F-4A5A-875C-F95E1A5EC118}"/>
+                  <a16:creationId xmlns="" xmlns:a16="http://schemas.microsoft.com/office/drawing/2014/main" id="{44B79A13-A53F-4A5A-875C-F95E1A5EC118}"/>
                 </a:ext>
               </a:extLst>
             </p:cNvPr>
@@ -5024,7 +5025,7 @@
           <p:cNvPr id="28" name="Agrupar 27">
             <a:extLst>
               <a:ext uri="{FF2B5EF4-FFF2-40B4-BE49-F238E27FC236}">
-                <a16:creationId xmlns:a16="http://schemas.microsoft.com/office/drawing/2014/main" xmlns="" id="{214D5DA2-C533-4729-B98A-F7BF558C783E}"/>
+                <a16:creationId xmlns="" xmlns:a16="http://schemas.microsoft.com/office/drawing/2014/main" id="{214D5DA2-C533-4729-B98A-F7BF558C783E}"/>
               </a:ext>
             </a:extLst>
           </p:cNvPr>
@@ -5044,7 +5045,7 @@
             <p:cNvPr id="4" name="Retângulo: Cantos Arredondados 3">
               <a:extLst>
                 <a:ext uri="{FF2B5EF4-FFF2-40B4-BE49-F238E27FC236}">
-                  <a16:creationId xmlns:a16="http://schemas.microsoft.com/office/drawing/2014/main" xmlns="" id="{EF889B92-AD64-4405-B111-FD4FE696F4FB}"/>
+                  <a16:creationId xmlns="" xmlns:a16="http://schemas.microsoft.com/office/drawing/2014/main" id="{EF889B92-AD64-4405-B111-FD4FE696F4FB}"/>
                 </a:ext>
               </a:extLst>
             </p:cNvPr>
@@ -5108,7 +5109,7 @@
             <p:cNvPr id="10" name="Retângulo: Cantos Arredondados 9">
               <a:extLst>
                 <a:ext uri="{FF2B5EF4-FFF2-40B4-BE49-F238E27FC236}">
-                  <a16:creationId xmlns:a16="http://schemas.microsoft.com/office/drawing/2014/main" xmlns="" id="{7DAA5593-80A0-4F47-A1DB-9E3C75A04190}"/>
+                  <a16:creationId xmlns="" xmlns:a16="http://schemas.microsoft.com/office/drawing/2014/main" id="{7DAA5593-80A0-4F47-A1DB-9E3C75A04190}"/>
                 </a:ext>
               </a:extLst>
             </p:cNvPr>
@@ -5167,7 +5168,7 @@
             <p:cNvPr id="13" name="Retângulo: Cantos Arredondados 12">
               <a:extLst>
                 <a:ext uri="{FF2B5EF4-FFF2-40B4-BE49-F238E27FC236}">
-                  <a16:creationId xmlns:a16="http://schemas.microsoft.com/office/drawing/2014/main" xmlns="" id="{20D20DF8-AA71-481E-84DA-E36EE5CF9DFD}"/>
+                  <a16:creationId xmlns="" xmlns:a16="http://schemas.microsoft.com/office/drawing/2014/main" id="{20D20DF8-AA71-481E-84DA-E36EE5CF9DFD}"/>
                 </a:ext>
               </a:extLst>
             </p:cNvPr>
@@ -5231,7 +5232,7 @@
             <p:cNvPr id="14" name="Retângulo: Cantos Arredondados 13">
               <a:extLst>
                 <a:ext uri="{FF2B5EF4-FFF2-40B4-BE49-F238E27FC236}">
-                  <a16:creationId xmlns:a16="http://schemas.microsoft.com/office/drawing/2014/main" xmlns="" id="{4AB9DC42-E0CD-4541-824E-D7B9236BC09B}"/>
+                  <a16:creationId xmlns="" xmlns:a16="http://schemas.microsoft.com/office/drawing/2014/main" id="{4AB9DC42-E0CD-4541-824E-D7B9236BC09B}"/>
                 </a:ext>
               </a:extLst>
             </p:cNvPr>
@@ -5295,7 +5296,7 @@
             <p:cNvPr id="17" name="Conector de Seta Reta 16">
               <a:extLst>
                 <a:ext uri="{FF2B5EF4-FFF2-40B4-BE49-F238E27FC236}">
-                  <a16:creationId xmlns:a16="http://schemas.microsoft.com/office/drawing/2014/main" xmlns="" id="{9A8E0984-B0CC-499D-BE39-2F53D657F562}"/>
+                  <a16:creationId xmlns="" xmlns:a16="http://schemas.microsoft.com/office/drawing/2014/main" id="{9A8E0984-B0CC-499D-BE39-2F53D657F562}"/>
                 </a:ext>
               </a:extLst>
             </p:cNvPr>
@@ -5341,7 +5342,7 @@
             <p:cNvPr id="19" name="Conector de Seta Reta 18">
               <a:extLst>
                 <a:ext uri="{FF2B5EF4-FFF2-40B4-BE49-F238E27FC236}">
-                  <a16:creationId xmlns:a16="http://schemas.microsoft.com/office/drawing/2014/main" xmlns="" id="{DA52393E-8DDE-4251-8F29-BD659B2DB3D8}"/>
+                  <a16:creationId xmlns="" xmlns:a16="http://schemas.microsoft.com/office/drawing/2014/main" id="{DA52393E-8DDE-4251-8F29-BD659B2DB3D8}"/>
                 </a:ext>
               </a:extLst>
             </p:cNvPr>
@@ -5387,7 +5388,7 @@
             <p:cNvPr id="21" name="Conector de Seta Reta 20">
               <a:extLst>
                 <a:ext uri="{FF2B5EF4-FFF2-40B4-BE49-F238E27FC236}">
-                  <a16:creationId xmlns:a16="http://schemas.microsoft.com/office/drawing/2014/main" xmlns="" id="{E411D8C1-87A1-4EF4-9CD1-6199F9159F3B}"/>
+                  <a16:creationId xmlns="" xmlns:a16="http://schemas.microsoft.com/office/drawing/2014/main" id="{E411D8C1-87A1-4EF4-9CD1-6199F9159F3B}"/>
                 </a:ext>
               </a:extLst>
             </p:cNvPr>
@@ -5464,7 +5465,7 @@
           <p:cNvPr id="2" name="Agrupar 1">
             <a:extLst>
               <a:ext uri="{FF2B5EF4-FFF2-40B4-BE49-F238E27FC236}">
-                <a16:creationId xmlns:a16="http://schemas.microsoft.com/office/drawing/2014/main" xmlns="" id="{DF33AC78-B5B1-413F-9A48-B29EC8243861}"/>
+                <a16:creationId xmlns="" xmlns:a16="http://schemas.microsoft.com/office/drawing/2014/main" id="{DF33AC78-B5B1-413F-9A48-B29EC8243861}"/>
               </a:ext>
             </a:extLst>
           </p:cNvPr>
@@ -5484,7 +5485,7 @@
             <p:cNvPr id="35" name="CaixaDeTexto 34">
               <a:extLst>
                 <a:ext uri="{FF2B5EF4-FFF2-40B4-BE49-F238E27FC236}">
-                  <a16:creationId xmlns:a16="http://schemas.microsoft.com/office/drawing/2014/main" xmlns="" id="{59DC6395-B04C-492B-B697-01C07E410001}"/>
+                  <a16:creationId xmlns="" xmlns:a16="http://schemas.microsoft.com/office/drawing/2014/main" id="{59DC6395-B04C-492B-B697-01C07E410001}"/>
                 </a:ext>
               </a:extLst>
             </p:cNvPr>
@@ -5537,7 +5538,7 @@
             <p:cNvPr id="36" name="CaixaDeTexto 35">
               <a:extLst>
                 <a:ext uri="{FF2B5EF4-FFF2-40B4-BE49-F238E27FC236}">
-                  <a16:creationId xmlns:a16="http://schemas.microsoft.com/office/drawing/2014/main" xmlns="" id="{764D0B68-D6A8-4C95-B18B-FB8D38148C14}"/>
+                  <a16:creationId xmlns="" xmlns:a16="http://schemas.microsoft.com/office/drawing/2014/main" id="{764D0B68-D6A8-4C95-B18B-FB8D38148C14}"/>
                 </a:ext>
               </a:extLst>
             </p:cNvPr>
@@ -5590,7 +5591,7 @@
             <p:cNvPr id="37" name="CaixaDeTexto 36">
               <a:extLst>
                 <a:ext uri="{FF2B5EF4-FFF2-40B4-BE49-F238E27FC236}">
-                  <a16:creationId xmlns:a16="http://schemas.microsoft.com/office/drawing/2014/main" xmlns="" id="{35E19958-D968-4E92-B47A-17FFCE9C3234}"/>
+                  <a16:creationId xmlns="" xmlns:a16="http://schemas.microsoft.com/office/drawing/2014/main" id="{35E19958-D968-4E92-B47A-17FFCE9C3234}"/>
                 </a:ext>
               </a:extLst>
             </p:cNvPr>
@@ -5649,7 +5650,7 @@
             <p:cNvPr id="38" name="CaixaDeTexto 37">
               <a:extLst>
                 <a:ext uri="{FF2B5EF4-FFF2-40B4-BE49-F238E27FC236}">
-                  <a16:creationId xmlns:a16="http://schemas.microsoft.com/office/drawing/2014/main" xmlns="" id="{22B26A6D-199D-4E14-88FD-32A110AD6FE1}"/>
+                  <a16:creationId xmlns="" xmlns:a16="http://schemas.microsoft.com/office/drawing/2014/main" id="{22B26A6D-199D-4E14-88FD-32A110AD6FE1}"/>
                 </a:ext>
               </a:extLst>
             </p:cNvPr>
@@ -5720,7 +5721,7 @@
             <p:cNvPr id="4" name="Agrupar 3">
               <a:extLst>
                 <a:ext uri="{FF2B5EF4-FFF2-40B4-BE49-F238E27FC236}">
-                  <a16:creationId xmlns:a16="http://schemas.microsoft.com/office/drawing/2014/main" xmlns="" id="{340CD664-FF5D-43F3-AB71-D27CA4233FEC}"/>
+                  <a16:creationId xmlns="" xmlns:a16="http://schemas.microsoft.com/office/drawing/2014/main" id="{340CD664-FF5D-43F3-AB71-D27CA4233FEC}"/>
                 </a:ext>
               </a:extLst>
             </p:cNvPr>
@@ -5740,7 +5741,7 @@
               <p:cNvPr id="5" name="Imagem 4">
                 <a:extLst>
                   <a:ext uri="{FF2B5EF4-FFF2-40B4-BE49-F238E27FC236}">
-                    <a16:creationId xmlns:a16="http://schemas.microsoft.com/office/drawing/2014/main" xmlns="" id="{FE6A3025-75E4-4327-A46C-7124805B1B81}"/>
+                    <a16:creationId xmlns="" xmlns:a16="http://schemas.microsoft.com/office/drawing/2014/main" id="{FE6A3025-75E4-4327-A46C-7124805B1B81}"/>
                   </a:ext>
                 </a:extLst>
               </p:cNvPr>
@@ -5782,7 +5783,7 @@
               <p:cNvPr id="6" name="Imagem 5">
                 <a:extLst>
                   <a:ext uri="{FF2B5EF4-FFF2-40B4-BE49-F238E27FC236}">
-                    <a16:creationId xmlns:a16="http://schemas.microsoft.com/office/drawing/2014/main" xmlns="" id="{D16FD476-52F9-4503-B0CD-359FF722C8CB}"/>
+                    <a16:creationId xmlns="" xmlns:a16="http://schemas.microsoft.com/office/drawing/2014/main" id="{D16FD476-52F9-4503-B0CD-359FF722C8CB}"/>
                   </a:ext>
                 </a:extLst>
               </p:cNvPr>
@@ -5824,7 +5825,7 @@
               <p:cNvPr id="7" name="Imagem 6">
                 <a:extLst>
                   <a:ext uri="{FF2B5EF4-FFF2-40B4-BE49-F238E27FC236}">
-                    <a16:creationId xmlns:a16="http://schemas.microsoft.com/office/drawing/2014/main" xmlns="" id="{76B2A564-D815-45A0-A309-01D74E61B706}"/>
+                    <a16:creationId xmlns="" xmlns:a16="http://schemas.microsoft.com/office/drawing/2014/main" id="{76B2A564-D815-45A0-A309-01D74E61B706}"/>
                   </a:ext>
                 </a:extLst>
               </p:cNvPr>
@@ -5866,7 +5867,7 @@
               <p:cNvPr id="8" name="Imagem 7">
                 <a:extLst>
                   <a:ext uri="{FF2B5EF4-FFF2-40B4-BE49-F238E27FC236}">
-                    <a16:creationId xmlns:a16="http://schemas.microsoft.com/office/drawing/2014/main" xmlns="" id="{45769D82-C6E1-4374-B707-4C00D520901D}"/>
+                    <a16:creationId xmlns="" xmlns:a16="http://schemas.microsoft.com/office/drawing/2014/main" id="{45769D82-C6E1-4374-B707-4C00D520901D}"/>
                   </a:ext>
                 </a:extLst>
               </p:cNvPr>
@@ -5909,7 +5910,7 @@
             <p:cNvPr id="16" name="Agrupar 15">
               <a:extLst>
                 <a:ext uri="{FF2B5EF4-FFF2-40B4-BE49-F238E27FC236}">
-                  <a16:creationId xmlns:a16="http://schemas.microsoft.com/office/drawing/2014/main" xmlns="" id="{517BC15B-7316-41B0-8281-AD289C7E03CF}"/>
+                  <a16:creationId xmlns="" xmlns:a16="http://schemas.microsoft.com/office/drawing/2014/main" id="{517BC15B-7316-41B0-8281-AD289C7E03CF}"/>
                 </a:ext>
               </a:extLst>
             </p:cNvPr>
@@ -5929,7 +5930,7 @@
               <p:cNvPr id="17" name="Imagem 16">
                 <a:extLst>
                   <a:ext uri="{FF2B5EF4-FFF2-40B4-BE49-F238E27FC236}">
-                    <a16:creationId xmlns:a16="http://schemas.microsoft.com/office/drawing/2014/main" xmlns="" id="{77B0C780-3D91-4791-BF71-C383DBE68C22}"/>
+                    <a16:creationId xmlns="" xmlns:a16="http://schemas.microsoft.com/office/drawing/2014/main" id="{77B0C780-3D91-4791-BF71-C383DBE68C22}"/>
                   </a:ext>
                 </a:extLst>
               </p:cNvPr>
@@ -5971,7 +5972,7 @@
               <p:cNvPr id="18" name="Imagem 17">
                 <a:extLst>
                   <a:ext uri="{FF2B5EF4-FFF2-40B4-BE49-F238E27FC236}">
-                    <a16:creationId xmlns:a16="http://schemas.microsoft.com/office/drawing/2014/main" xmlns="" id="{418A78AD-2D63-4118-96EE-0E00C1C5E9FA}"/>
+                    <a16:creationId xmlns="" xmlns:a16="http://schemas.microsoft.com/office/drawing/2014/main" id="{418A78AD-2D63-4118-96EE-0E00C1C5E9FA}"/>
                   </a:ext>
                 </a:extLst>
               </p:cNvPr>
@@ -6013,7 +6014,7 @@
               <p:cNvPr id="19" name="Imagem 18">
                 <a:extLst>
                   <a:ext uri="{FF2B5EF4-FFF2-40B4-BE49-F238E27FC236}">
-                    <a16:creationId xmlns:a16="http://schemas.microsoft.com/office/drawing/2014/main" xmlns="" id="{8157896A-4397-4F26-BD5C-AC1E9E758DC1}"/>
+                    <a16:creationId xmlns="" xmlns:a16="http://schemas.microsoft.com/office/drawing/2014/main" id="{8157896A-4397-4F26-BD5C-AC1E9E758DC1}"/>
                   </a:ext>
                 </a:extLst>
               </p:cNvPr>
@@ -6055,7 +6056,7 @@
               <p:cNvPr id="20" name="Imagem 19">
                 <a:extLst>
                   <a:ext uri="{FF2B5EF4-FFF2-40B4-BE49-F238E27FC236}">
-                    <a16:creationId xmlns:a16="http://schemas.microsoft.com/office/drawing/2014/main" xmlns="" id="{ABDAA092-0E66-489C-9DD9-4A61CC2D9AB1}"/>
+                    <a16:creationId xmlns="" xmlns:a16="http://schemas.microsoft.com/office/drawing/2014/main" id="{ABDAA092-0E66-489C-9DD9-4A61CC2D9AB1}"/>
                   </a:ext>
                 </a:extLst>
               </p:cNvPr>
@@ -6098,7 +6099,7 @@
             <p:cNvPr id="10" name="Agrupar 9">
               <a:extLst>
                 <a:ext uri="{FF2B5EF4-FFF2-40B4-BE49-F238E27FC236}">
-                  <a16:creationId xmlns:a16="http://schemas.microsoft.com/office/drawing/2014/main" xmlns="" id="{8957D120-994B-41A3-ADC2-DEA399D8F4CC}"/>
+                  <a16:creationId xmlns="" xmlns:a16="http://schemas.microsoft.com/office/drawing/2014/main" id="{8957D120-994B-41A3-ADC2-DEA399D8F4CC}"/>
                 </a:ext>
               </a:extLst>
             </p:cNvPr>
@@ -6118,7 +6119,7 @@
               <p:cNvPr id="11" name="Imagem 10">
                 <a:extLst>
                   <a:ext uri="{FF2B5EF4-FFF2-40B4-BE49-F238E27FC236}">
-                    <a16:creationId xmlns:a16="http://schemas.microsoft.com/office/drawing/2014/main" xmlns="" id="{9431721E-F44C-4A56-A31E-5EE4816C3ECA}"/>
+                    <a16:creationId xmlns="" xmlns:a16="http://schemas.microsoft.com/office/drawing/2014/main" id="{9431721E-F44C-4A56-A31E-5EE4816C3ECA}"/>
                   </a:ext>
                 </a:extLst>
               </p:cNvPr>
@@ -6160,7 +6161,7 @@
               <p:cNvPr id="12" name="Imagem 11">
                 <a:extLst>
                   <a:ext uri="{FF2B5EF4-FFF2-40B4-BE49-F238E27FC236}">
-                    <a16:creationId xmlns:a16="http://schemas.microsoft.com/office/drawing/2014/main" xmlns="" id="{2EFB7ADC-B27D-43A3-87FD-DF09354DCB8C}"/>
+                    <a16:creationId xmlns="" xmlns:a16="http://schemas.microsoft.com/office/drawing/2014/main" id="{2EFB7ADC-B27D-43A3-87FD-DF09354DCB8C}"/>
                   </a:ext>
                 </a:extLst>
               </p:cNvPr>
@@ -6202,7 +6203,7 @@
               <p:cNvPr id="13" name="Imagem 12">
                 <a:extLst>
                   <a:ext uri="{FF2B5EF4-FFF2-40B4-BE49-F238E27FC236}">
-                    <a16:creationId xmlns:a16="http://schemas.microsoft.com/office/drawing/2014/main" xmlns="" id="{18C07EF9-B135-485F-AAC0-7A9F64B88BB4}"/>
+                    <a16:creationId xmlns="" xmlns:a16="http://schemas.microsoft.com/office/drawing/2014/main" id="{18C07EF9-B135-485F-AAC0-7A9F64B88BB4}"/>
                   </a:ext>
                 </a:extLst>
               </p:cNvPr>
@@ -6244,7 +6245,7 @@
               <p:cNvPr id="14" name="Imagem 13">
                 <a:extLst>
                   <a:ext uri="{FF2B5EF4-FFF2-40B4-BE49-F238E27FC236}">
-                    <a16:creationId xmlns:a16="http://schemas.microsoft.com/office/drawing/2014/main" xmlns="" id="{DADFC6D9-AA7D-4D31-9358-BD08CD273CD9}"/>
+                    <a16:creationId xmlns="" xmlns:a16="http://schemas.microsoft.com/office/drawing/2014/main" id="{DADFC6D9-AA7D-4D31-9358-BD08CD273CD9}"/>
                   </a:ext>
                 </a:extLst>
               </p:cNvPr>
@@ -6287,7 +6288,7 @@
             <p:cNvPr id="22" name="Agrupar 21">
               <a:extLst>
                 <a:ext uri="{FF2B5EF4-FFF2-40B4-BE49-F238E27FC236}">
-                  <a16:creationId xmlns:a16="http://schemas.microsoft.com/office/drawing/2014/main" xmlns="" id="{A551F9D8-F013-4F2B-8D41-7BFF104A1ED3}"/>
+                  <a16:creationId xmlns="" xmlns:a16="http://schemas.microsoft.com/office/drawing/2014/main" id="{A551F9D8-F013-4F2B-8D41-7BFF104A1ED3}"/>
                 </a:ext>
               </a:extLst>
             </p:cNvPr>
@@ -6307,7 +6308,7 @@
               <p:cNvPr id="23" name="Imagem 22">
                 <a:extLst>
                   <a:ext uri="{FF2B5EF4-FFF2-40B4-BE49-F238E27FC236}">
-                    <a16:creationId xmlns:a16="http://schemas.microsoft.com/office/drawing/2014/main" xmlns="" id="{15CAEF8E-AC44-4474-A834-BDFF664DB166}"/>
+                    <a16:creationId xmlns="" xmlns:a16="http://schemas.microsoft.com/office/drawing/2014/main" id="{15CAEF8E-AC44-4474-A834-BDFF664DB166}"/>
                   </a:ext>
                 </a:extLst>
               </p:cNvPr>
@@ -6349,7 +6350,7 @@
               <p:cNvPr id="24" name="Imagem 23">
                 <a:extLst>
                   <a:ext uri="{FF2B5EF4-FFF2-40B4-BE49-F238E27FC236}">
-                    <a16:creationId xmlns:a16="http://schemas.microsoft.com/office/drawing/2014/main" xmlns="" id="{6EB87C39-A4D4-4361-94FB-A8FA1B791CE2}"/>
+                    <a16:creationId xmlns="" xmlns:a16="http://schemas.microsoft.com/office/drawing/2014/main" id="{6EB87C39-A4D4-4361-94FB-A8FA1B791CE2}"/>
                   </a:ext>
                 </a:extLst>
               </p:cNvPr>
@@ -6391,7 +6392,7 @@
               <p:cNvPr id="25" name="Imagem 24">
                 <a:extLst>
                   <a:ext uri="{FF2B5EF4-FFF2-40B4-BE49-F238E27FC236}">
-                    <a16:creationId xmlns:a16="http://schemas.microsoft.com/office/drawing/2014/main" xmlns="" id="{4BB3695E-715B-447D-A01D-1254747BDB7C}"/>
+                    <a16:creationId xmlns="" xmlns:a16="http://schemas.microsoft.com/office/drawing/2014/main" id="{4BB3695E-715B-447D-A01D-1254747BDB7C}"/>
                   </a:ext>
                 </a:extLst>
               </p:cNvPr>
@@ -6433,7 +6434,7 @@
               <p:cNvPr id="26" name="Imagem 25">
                 <a:extLst>
                   <a:ext uri="{FF2B5EF4-FFF2-40B4-BE49-F238E27FC236}">
-                    <a16:creationId xmlns:a16="http://schemas.microsoft.com/office/drawing/2014/main" xmlns="" id="{29F3969B-A111-4B4B-B618-CE6A0CEC61F9}"/>
+                    <a16:creationId xmlns="" xmlns:a16="http://schemas.microsoft.com/office/drawing/2014/main" id="{29F3969B-A111-4B4B-B618-CE6A0CEC61F9}"/>
                   </a:ext>
                 </a:extLst>
               </p:cNvPr>
@@ -6476,7 +6477,7 @@
             <p:cNvPr id="39" name="CaixaDeTexto 38">
               <a:extLst>
                 <a:ext uri="{FF2B5EF4-FFF2-40B4-BE49-F238E27FC236}">
-                  <a16:creationId xmlns:a16="http://schemas.microsoft.com/office/drawing/2014/main" xmlns="" id="{386DBCD6-9075-47D3-8B89-325090B6E5F4}"/>
+                  <a16:creationId xmlns="" xmlns:a16="http://schemas.microsoft.com/office/drawing/2014/main" id="{386DBCD6-9075-47D3-8B89-325090B6E5F4}"/>
                 </a:ext>
               </a:extLst>
             </p:cNvPr>
@@ -6565,7 +6566,7 @@
             <p:cNvPr id="42" name="CaixaDeTexto 41">
               <a:extLst>
                 <a:ext uri="{FF2B5EF4-FFF2-40B4-BE49-F238E27FC236}">
-                  <a16:creationId xmlns:a16="http://schemas.microsoft.com/office/drawing/2014/main" xmlns="" id="{FC9E9620-61ED-4D9A-B5B0-E3A485D5E83A}"/>
+                  <a16:creationId xmlns="" xmlns:a16="http://schemas.microsoft.com/office/drawing/2014/main" id="{FC9E9620-61ED-4D9A-B5B0-E3A485D5E83A}"/>
                 </a:ext>
               </a:extLst>
             </p:cNvPr>
@@ -6654,7 +6655,7 @@
             <p:cNvPr id="45" name="CaixaDeTexto 44">
               <a:extLst>
                 <a:ext uri="{FF2B5EF4-FFF2-40B4-BE49-F238E27FC236}">
-                  <a16:creationId xmlns:a16="http://schemas.microsoft.com/office/drawing/2014/main" xmlns="" id="{15805E4F-2D59-447C-9787-CB68B076E1AF}"/>
+                  <a16:creationId xmlns="" xmlns:a16="http://schemas.microsoft.com/office/drawing/2014/main" id="{15805E4F-2D59-447C-9787-CB68B076E1AF}"/>
                 </a:ext>
               </a:extLst>
             </p:cNvPr>
@@ -6743,7 +6744,7 @@
             <p:cNvPr id="46" name="CaixaDeTexto 45">
               <a:extLst>
                 <a:ext uri="{FF2B5EF4-FFF2-40B4-BE49-F238E27FC236}">
-                  <a16:creationId xmlns:a16="http://schemas.microsoft.com/office/drawing/2014/main" xmlns="" id="{F133DCD2-2530-46DE-A42B-AF28EA73A210}"/>
+                  <a16:creationId xmlns="" xmlns:a16="http://schemas.microsoft.com/office/drawing/2014/main" id="{F133DCD2-2530-46DE-A42B-AF28EA73A210}"/>
                 </a:ext>
               </a:extLst>
             </p:cNvPr>
@@ -6964,8 +6965,8 @@
             </a:p>
           </p:txBody>
         </p:sp>
-        <mc:AlternateContent xmlns:mc="http://schemas.openxmlformats.org/markup-compatibility/2006">
-          <mc:Choice xmlns:a14="http://schemas.microsoft.com/office/drawing/2010/main" Requires="a14">
+        <mc:AlternateContent xmlns:mc="http://schemas.openxmlformats.org/markup-compatibility/2006" xmlns:a14="http://schemas.microsoft.com/office/drawing/2010/main">
+          <mc:Choice Requires="a14">
             <p:sp>
               <p:nvSpPr>
                 <p:cNvPr id="10" name="Elipse 9"/>
@@ -7074,7 +7075,7 @@
               </p:txBody>
             </p:sp>
           </mc:Choice>
-          <mc:Fallback>
+          <mc:Fallback xmlns="">
             <p:sp>
               <p:nvSpPr>
                 <p:cNvPr id="10" name="Elipse 9"/>
@@ -7118,8 +7119,8 @@
             </p:sp>
           </mc:Fallback>
         </mc:AlternateContent>
-        <mc:AlternateContent xmlns:mc="http://schemas.openxmlformats.org/markup-compatibility/2006">
-          <mc:Choice xmlns:a14="http://schemas.microsoft.com/office/drawing/2010/main" Requires="a14">
+        <mc:AlternateContent xmlns:mc="http://schemas.openxmlformats.org/markup-compatibility/2006" xmlns:a14="http://schemas.microsoft.com/office/drawing/2010/main">
+          <mc:Choice Requires="a14">
             <p:sp>
               <p:nvSpPr>
                 <p:cNvPr id="11" name="Elipse 10"/>
@@ -7228,7 +7229,7 @@
               </p:txBody>
             </p:sp>
           </mc:Choice>
-          <mc:Fallback>
+          <mc:Fallback xmlns="">
             <p:sp>
               <p:nvSpPr>
                 <p:cNvPr id="11" name="Elipse 10"/>
@@ -7272,8 +7273,8 @@
             </p:sp>
           </mc:Fallback>
         </mc:AlternateContent>
-        <mc:AlternateContent xmlns:mc="http://schemas.openxmlformats.org/markup-compatibility/2006">
-          <mc:Choice xmlns:a14="http://schemas.microsoft.com/office/drawing/2010/main" Requires="a14">
+        <mc:AlternateContent xmlns:mc="http://schemas.openxmlformats.org/markup-compatibility/2006" xmlns:a14="http://schemas.microsoft.com/office/drawing/2010/main">
+          <mc:Choice Requires="a14">
             <p:sp>
               <p:nvSpPr>
                 <p:cNvPr id="14" name="Elipse 13"/>
@@ -7339,7 +7340,7 @@
               </p:txBody>
             </p:sp>
           </mc:Choice>
-          <mc:Fallback>
+          <mc:Fallback xmlns="">
             <p:sp>
               <p:nvSpPr>
                 <p:cNvPr id="14" name="Elipse 13"/>
@@ -7422,8 +7423,8 @@
             </a:fontRef>
           </p:style>
         </p:cxnSp>
-        <mc:AlternateContent xmlns:mc="http://schemas.openxmlformats.org/markup-compatibility/2006">
-          <mc:Choice xmlns:a14="http://schemas.microsoft.com/office/drawing/2010/main" Requires="a14">
+        <mc:AlternateContent xmlns:mc="http://schemas.openxmlformats.org/markup-compatibility/2006" xmlns:a14="http://schemas.microsoft.com/office/drawing/2010/main">
+          <mc:Choice Requires="a14">
             <p:sp>
               <p:nvSpPr>
                 <p:cNvPr id="21" name="Elipse 20"/>
@@ -7493,7 +7494,7 @@
               </p:txBody>
             </p:sp>
           </mc:Choice>
-          <mc:Fallback>
+          <mc:Fallback xmlns="">
             <p:sp>
               <p:nvSpPr>
                 <p:cNvPr id="21" name="Elipse 20"/>
@@ -7615,8 +7616,8 @@
             </a:fontRef>
           </p:style>
         </p:cxnSp>
-        <mc:AlternateContent xmlns:mc="http://schemas.openxmlformats.org/markup-compatibility/2006">
-          <mc:Choice xmlns:a14="http://schemas.microsoft.com/office/drawing/2010/main" Requires="a14">
+        <mc:AlternateContent xmlns:mc="http://schemas.openxmlformats.org/markup-compatibility/2006" xmlns:a14="http://schemas.microsoft.com/office/drawing/2010/main">
+          <mc:Choice Requires="a14">
             <p:sp>
               <p:nvSpPr>
                 <p:cNvPr id="30" name="Retângulo 29"/>
@@ -7638,6 +7639,7 @@
                 </a:bodyPr>
                 <a:lstStyle/>
                 <a:p>
+                  <a:pPr/>
                   <a14:m>
                     <m:oMathPara xmlns:m="http://schemas.openxmlformats.org/officeDocument/2006/math">
                       <m:oMathParaPr>
@@ -7677,7 +7679,7 @@
               </p:txBody>
             </p:sp>
           </mc:Choice>
-          <mc:Fallback>
+          <mc:Fallback xmlns="">
             <p:sp>
               <p:nvSpPr>
                 <p:cNvPr id="30" name="Retângulo 29"/>
@@ -7716,8 +7718,8 @@
             </p:sp>
           </mc:Fallback>
         </mc:AlternateContent>
-        <mc:AlternateContent xmlns:mc="http://schemas.openxmlformats.org/markup-compatibility/2006">
-          <mc:Choice xmlns:a14="http://schemas.microsoft.com/office/drawing/2010/main" Requires="a14">
+        <mc:AlternateContent xmlns:mc="http://schemas.openxmlformats.org/markup-compatibility/2006" xmlns:a14="http://schemas.microsoft.com/office/drawing/2010/main">
+          <mc:Choice Requires="a14">
             <p:sp>
               <p:nvSpPr>
                 <p:cNvPr id="31" name="Retângulo 30"/>
@@ -7739,6 +7741,7 @@
                 </a:bodyPr>
                 <a:lstStyle/>
                 <a:p>
+                  <a:pPr/>
                   <a14:m>
                     <m:oMathPara xmlns:m="http://schemas.openxmlformats.org/officeDocument/2006/math">
                       <m:oMathParaPr>
@@ -7759,7 +7762,7 @@
               </p:txBody>
             </p:sp>
           </mc:Choice>
-          <mc:Fallback>
+          <mc:Fallback xmlns="">
             <p:sp>
               <p:nvSpPr>
                 <p:cNvPr id="31" name="Retângulo 30"/>
@@ -7916,8 +7919,8 @@
               </a:p>
             </p:txBody>
           </p:sp>
-          <mc:AlternateContent xmlns:mc="http://schemas.openxmlformats.org/markup-compatibility/2006">
-            <mc:Choice xmlns:a14="http://schemas.microsoft.com/office/drawing/2010/main" Requires="a14">
+          <mc:AlternateContent xmlns:mc="http://schemas.openxmlformats.org/markup-compatibility/2006" xmlns:a14="http://schemas.microsoft.com/office/drawing/2010/main">
+            <mc:Choice Requires="a14">
               <p:sp>
                 <p:nvSpPr>
                   <p:cNvPr id="32" name="Retângulo 31"/>
@@ -7939,6 +7942,7 @@
                   </a:bodyPr>
                   <a:lstStyle/>
                   <a:p>
+                    <a:pPr/>
                     <a14:m>
                       <m:oMathPara xmlns:m="http://schemas.openxmlformats.org/officeDocument/2006/math">
                         <m:oMathParaPr>
@@ -7959,7 +7963,1377 @@
                 </p:txBody>
               </p:sp>
             </mc:Choice>
-            <mc:Fallback>
+            <mc:Fallback xmlns="">
+              <p:sp>
+                <p:nvSpPr>
+                  <p:cNvPr id="32" name="Retângulo 31"/>
+                  <p:cNvSpPr>
+                    <a:spLocks noRot="1" noChangeAspect="1" noMove="1" noResize="1" noEditPoints="1" noAdjustHandles="1" noChangeArrowheads="1" noChangeShapeType="1" noTextEdit="1"/>
+                  </p:cNvSpPr>
+                  <p:nvPr/>
+                </p:nvSpPr>
+                <p:spPr>
+                  <a:xfrm>
+                    <a:off x="4886796" y="3134133"/>
+                    <a:ext cx="406458" cy="369332"/>
+                  </a:xfrm>
+                  <a:prstGeom prst="rect">
+                    <a:avLst/>
+                  </a:prstGeom>
+                  <a:blipFill rotWithShape="0">
+                    <a:blip r:embed="rId8"/>
+                    <a:stretch>
+                      <a:fillRect/>
+                    </a:stretch>
+                  </a:blipFill>
+                </p:spPr>
+                <p:txBody>
+                  <a:bodyPr/>
+                  <a:lstStyle/>
+                  <a:p>
+                    <a:r>
+                      <a:rPr lang="pt-BR">
+                        <a:noFill/>
+                      </a:rPr>
+                      <a:t> </a:t>
+                    </a:r>
+                  </a:p>
+                </p:txBody>
+              </p:sp>
+            </mc:Fallback>
+          </mc:AlternateContent>
+        </p:grpSp>
+        <mc:AlternateContent xmlns:mc="http://schemas.openxmlformats.org/markup-compatibility/2006" xmlns:a14="http://schemas.microsoft.com/office/drawing/2010/main">
+          <mc:Choice Requires="a14">
+            <p:sp>
+              <p:nvSpPr>
+                <p:cNvPr id="34" name="Elipse 33"/>
+                <p:cNvSpPr/>
+                <p:nvPr/>
+              </p:nvSpPr>
+              <p:spPr>
+                <a:xfrm>
+                  <a:off x="9353782" y="3885676"/>
+                  <a:ext cx="650308" cy="650308"/>
+                </a:xfrm>
+                <a:prstGeom prst="ellipse">
+                  <a:avLst/>
+                </a:prstGeom>
+                <a:noFill/>
+                <a:ln w="28575">
+                  <a:solidFill>
+                    <a:schemeClr val="tx1"/>
+                  </a:solidFill>
+                </a:ln>
+              </p:spPr>
+              <p:style>
+                <a:lnRef idx="2">
+                  <a:schemeClr val="accent1">
+                    <a:shade val="50000"/>
+                  </a:schemeClr>
+                </a:lnRef>
+                <a:fillRef idx="1">
+                  <a:schemeClr val="accent1"/>
+                </a:fillRef>
+                <a:effectRef idx="0">
+                  <a:schemeClr val="accent1"/>
+                </a:effectRef>
+                <a:fontRef idx="minor">
+                  <a:schemeClr val="lt1"/>
+                </a:fontRef>
+              </p:style>
+              <p:txBody>
+                <a:bodyPr rtlCol="0" anchor="ctr"/>
+                <a:lstStyle/>
+                <a:p>
+                  <a:pPr algn="ctr"/>
+                  <a14:m>
+                    <m:oMathPara xmlns:m="http://schemas.openxmlformats.org/officeDocument/2006/math">
+                      <m:oMathParaPr>
+                        <m:jc m:val="centerGroup"/>
+                      </m:oMathParaPr>
+                      <m:oMath xmlns:m="http://schemas.openxmlformats.org/officeDocument/2006/math">
+                        <m:r>
+                          <m:rPr>
+                            <m:nor/>
+                          </m:rPr>
+                          <a:rPr lang="el-GR" dirty="0" smtClean="0">
+                            <a:solidFill>
+                              <a:schemeClr val="tx1"/>
+                            </a:solidFill>
+                          </a:rPr>
+                          <m:t>β</m:t>
+                        </m:r>
+                      </m:oMath>
+                    </m:oMathPara>
+                  </a14:m>
+                  <a:endParaRPr lang="pt-BR" dirty="0">
+                    <a:solidFill>
+                      <a:schemeClr val="tx1"/>
+                    </a:solidFill>
+                  </a:endParaRPr>
+                </a:p>
+              </p:txBody>
+            </p:sp>
+          </mc:Choice>
+          <mc:Fallback xmlns="">
+            <p:sp>
+              <p:nvSpPr>
+                <p:cNvPr id="34" name="Elipse 33"/>
+                <p:cNvSpPr>
+                  <a:spLocks noRot="1" noChangeAspect="1" noMove="1" noResize="1" noEditPoints="1" noAdjustHandles="1" noChangeArrowheads="1" noChangeShapeType="1" noTextEdit="1"/>
+                </p:cNvSpPr>
+                <p:nvPr/>
+              </p:nvSpPr>
+              <p:spPr>
+                <a:xfrm>
+                  <a:off x="9353782" y="3885676"/>
+                  <a:ext cx="650308" cy="650308"/>
+                </a:xfrm>
+                <a:prstGeom prst="ellipse">
+                  <a:avLst/>
+                </a:prstGeom>
+                <a:blipFill rotWithShape="0">
+                  <a:blip r:embed="rId9"/>
+                  <a:stretch>
+                    <a:fillRect/>
+                  </a:stretch>
+                </a:blipFill>
+                <a:ln w="28575">
+                  <a:solidFill>
+                    <a:schemeClr val="tx1"/>
+                  </a:solidFill>
+                </a:ln>
+              </p:spPr>
+              <p:txBody>
+                <a:bodyPr/>
+                <a:lstStyle/>
+                <a:p>
+                  <a:r>
+                    <a:rPr lang="pt-BR">
+                      <a:noFill/>
+                    </a:rPr>
+                    <a:t> </a:t>
+                  </a:r>
+                </a:p>
+              </p:txBody>
+            </p:sp>
+          </mc:Fallback>
+        </mc:AlternateContent>
+        <p:cxnSp>
+          <p:nvCxnSpPr>
+            <p:cNvPr id="35" name="Conector de seta reta 34"/>
+            <p:cNvCxnSpPr>
+              <a:stCxn id="34" idx="2"/>
+              <a:endCxn id="9" idx="6"/>
+            </p:cNvCxnSpPr>
+            <p:nvPr/>
+          </p:nvCxnSpPr>
+          <p:spPr>
+            <a:xfrm flipH="1">
+              <a:off x="8935192" y="4210830"/>
+              <a:ext cx="418590" cy="906"/>
+            </a:xfrm>
+            <a:prstGeom prst="straightConnector1">
+              <a:avLst/>
+            </a:prstGeom>
+            <a:ln w="28575">
+              <a:solidFill>
+                <a:schemeClr val="tx1"/>
+              </a:solidFill>
+              <a:tailEnd type="triangle"/>
+            </a:ln>
+          </p:spPr>
+          <p:style>
+            <a:lnRef idx="1">
+              <a:schemeClr val="dk1"/>
+            </a:lnRef>
+            <a:fillRef idx="0">
+              <a:schemeClr val="dk1"/>
+            </a:fillRef>
+            <a:effectRef idx="0">
+              <a:schemeClr val="dk1"/>
+            </a:effectRef>
+            <a:fontRef idx="minor">
+              <a:schemeClr val="tx1"/>
+            </a:fontRef>
+          </p:style>
+        </p:cxnSp>
+        <p:cxnSp>
+          <p:nvCxnSpPr>
+            <p:cNvPr id="39" name="Conector de seta reta 38"/>
+            <p:cNvCxnSpPr>
+              <a:stCxn id="9" idx="2"/>
+              <a:endCxn id="11" idx="6"/>
+            </p:cNvCxnSpPr>
+            <p:nvPr/>
+          </p:nvCxnSpPr>
+          <p:spPr>
+            <a:xfrm flipH="1" flipV="1">
+              <a:off x="6870266" y="4210831"/>
+              <a:ext cx="1414618" cy="905"/>
+            </a:xfrm>
+            <a:prstGeom prst="straightConnector1">
+              <a:avLst/>
+            </a:prstGeom>
+            <a:ln w="28575">
+              <a:solidFill>
+                <a:schemeClr val="tx1"/>
+              </a:solidFill>
+              <a:tailEnd type="triangle"/>
+            </a:ln>
+          </p:spPr>
+          <p:style>
+            <a:lnRef idx="1">
+              <a:schemeClr val="dk1"/>
+            </a:lnRef>
+            <a:fillRef idx="0">
+              <a:schemeClr val="dk1"/>
+            </a:fillRef>
+            <a:effectRef idx="0">
+              <a:schemeClr val="dk1"/>
+            </a:effectRef>
+            <a:fontRef idx="minor">
+              <a:schemeClr val="tx1"/>
+            </a:fontRef>
+          </p:style>
+        </p:cxnSp>
+      </p:grpSp>
+    </p:spTree>
+    <p:extLst>
+      <p:ext uri="{BB962C8B-B14F-4D97-AF65-F5344CB8AC3E}">
+        <p14:creationId xmlns:p14="http://schemas.microsoft.com/office/powerpoint/2010/main" val="692080440"/>
+      </p:ext>
+    </p:extLst>
+  </p:cSld>
+  <p:clrMapOvr>
+    <a:masterClrMapping/>
+  </p:clrMapOvr>
+</p:sld>
+</file>
+
+<file path=ppt/slides/slide5.xml><?xml version="1.0" encoding="utf-8"?>
+<p:sld xmlns:a="http://schemas.openxmlformats.org/drawingml/2006/main" xmlns:r="http://schemas.openxmlformats.org/officeDocument/2006/relationships" xmlns:p="http://schemas.openxmlformats.org/presentationml/2006/main">
+  <p:cSld>
+    <p:spTree>
+      <p:nvGrpSpPr>
+        <p:cNvPr id="1" name=""/>
+        <p:cNvGrpSpPr/>
+        <p:nvPr/>
+      </p:nvGrpSpPr>
+      <p:grpSpPr>
+        <a:xfrm>
+          <a:off x="0" y="0"/>
+          <a:ext cx="0" cy="0"/>
+          <a:chOff x="0" y="0"/>
+          <a:chExt cx="0" cy="0"/>
+        </a:xfrm>
+      </p:grpSpPr>
+      <p:grpSp>
+        <p:nvGrpSpPr>
+          <p:cNvPr id="16" name="Grupo 15"/>
+          <p:cNvGrpSpPr/>
+          <p:nvPr/>
+        </p:nvGrpSpPr>
+        <p:grpSpPr>
+          <a:xfrm>
+            <a:off x="3796977" y="2135160"/>
+            <a:ext cx="4598046" cy="2587680"/>
+            <a:chOff x="2609346" y="1555527"/>
+            <a:chExt cx="4598046" cy="2587680"/>
+          </a:xfrm>
+        </p:grpSpPr>
+        <p:sp>
+          <p:nvSpPr>
+            <p:cNvPr id="5" name="Retângulo 4"/>
+            <p:cNvSpPr/>
+            <p:nvPr/>
+          </p:nvSpPr>
+          <p:spPr>
+            <a:xfrm>
+              <a:off x="4567063" y="2933998"/>
+              <a:ext cx="2176389" cy="987470"/>
+            </a:xfrm>
+            <a:prstGeom prst="rect">
+              <a:avLst/>
+            </a:prstGeom>
+            <a:noFill/>
+            <a:ln w="28575">
+              <a:solidFill>
+                <a:schemeClr val="tx1"/>
+              </a:solidFill>
+            </a:ln>
+          </p:spPr>
+          <p:style>
+            <a:lnRef idx="2">
+              <a:schemeClr val="accent1">
+                <a:shade val="50000"/>
+              </a:schemeClr>
+            </a:lnRef>
+            <a:fillRef idx="1">
+              <a:schemeClr val="accent1"/>
+            </a:fillRef>
+            <a:effectRef idx="0">
+              <a:schemeClr val="accent1"/>
+            </a:effectRef>
+            <a:fontRef idx="minor">
+              <a:schemeClr val="lt1"/>
+            </a:fontRef>
+          </p:style>
+          <p:txBody>
+            <a:bodyPr rtlCol="0" anchor="ctr"/>
+            <a:lstStyle/>
+            <a:p>
+              <a:pPr algn="ctr"/>
+              <a:endParaRPr lang="pt-BR"/>
+            </a:p>
+          </p:txBody>
+        </p:sp>
+        <p:sp>
+          <p:nvSpPr>
+            <p:cNvPr id="7" name="Retângulo 6"/>
+            <p:cNvSpPr/>
+            <p:nvPr/>
+          </p:nvSpPr>
+          <p:spPr>
+            <a:xfrm>
+              <a:off x="3474158" y="2714794"/>
+              <a:ext cx="3720231" cy="1428413"/>
+            </a:xfrm>
+            <a:prstGeom prst="rect">
+              <a:avLst/>
+            </a:prstGeom>
+            <a:noFill/>
+            <a:ln w="28575">
+              <a:solidFill>
+                <a:schemeClr val="tx1"/>
+              </a:solidFill>
+            </a:ln>
+          </p:spPr>
+          <p:style>
+            <a:lnRef idx="2">
+              <a:schemeClr val="accent1">
+                <a:shade val="50000"/>
+              </a:schemeClr>
+            </a:lnRef>
+            <a:fillRef idx="1">
+              <a:schemeClr val="accent1"/>
+            </a:fillRef>
+            <a:effectRef idx="0">
+              <a:schemeClr val="accent1"/>
+            </a:effectRef>
+            <a:fontRef idx="minor">
+              <a:schemeClr val="lt1"/>
+            </a:fontRef>
+          </p:style>
+          <p:txBody>
+            <a:bodyPr rtlCol="0" anchor="ctr"/>
+            <a:lstStyle/>
+            <a:p>
+              <a:pPr algn="ctr"/>
+              <a:endParaRPr lang="pt-BR"/>
+            </a:p>
+          </p:txBody>
+        </p:sp>
+        <mc:AlternateContent xmlns:mc="http://schemas.openxmlformats.org/markup-compatibility/2006">
+          <mc:Choice xmlns:a14="http://schemas.microsoft.com/office/drawing/2010/main" Requires="a14">
+            <p:sp>
+              <p:nvSpPr>
+                <p:cNvPr id="10" name="Elipse 9"/>
+                <p:cNvSpPr/>
+                <p:nvPr/>
+              </p:nvSpPr>
+              <p:spPr>
+                <a:xfrm>
+                  <a:off x="4746989" y="3034729"/>
+                  <a:ext cx="650308" cy="650308"/>
+                </a:xfrm>
+                <a:prstGeom prst="ellipse">
+                  <a:avLst/>
+                </a:prstGeom>
+                <a:noFill/>
+                <a:ln w="28575">
+                  <a:solidFill>
+                    <a:schemeClr val="tx1"/>
+                  </a:solidFill>
+                </a:ln>
+              </p:spPr>
+              <p:style>
+                <a:lnRef idx="2">
+                  <a:schemeClr val="accent1">
+                    <a:shade val="50000"/>
+                  </a:schemeClr>
+                </a:lnRef>
+                <a:fillRef idx="1">
+                  <a:schemeClr val="accent1"/>
+                </a:fillRef>
+                <a:effectRef idx="0">
+                  <a:schemeClr val="accent1"/>
+                </a:effectRef>
+                <a:fontRef idx="minor">
+                  <a:schemeClr val="lt1"/>
+                </a:fontRef>
+              </p:style>
+              <p:txBody>
+                <a:bodyPr rtlCol="0" anchor="ctr"/>
+                <a:lstStyle/>
+                <a:p>
+                  <a:pPr algn="ctr"/>
+                  <a14:m>
+                    <m:oMathPara xmlns:m="http://schemas.openxmlformats.org/officeDocument/2006/math">
+                      <m:oMathParaPr>
+                        <m:jc m:val="centerGroup"/>
+                      </m:oMathParaPr>
+                      <m:oMath xmlns:m="http://schemas.openxmlformats.org/officeDocument/2006/math">
+                        <m:sSub>
+                          <m:sSubPr>
+                            <m:ctrlPr>
+                              <a:rPr lang="pt-BR" b="0" i="1" smtClean="0">
+                                <a:solidFill>
+                                  <a:schemeClr val="tx1"/>
+                                </a:solidFill>
+                                <a:latin typeface="Cambria Math" panose="02040503050406030204" pitchFamily="18" charset="0"/>
+                              </a:rPr>
+                            </m:ctrlPr>
+                          </m:sSubPr>
+                          <m:e>
+                            <m:r>
+                              <a:rPr lang="pt-BR" b="0" i="1" smtClean="0">
+                                <a:solidFill>
+                                  <a:schemeClr val="tx1"/>
+                                </a:solidFill>
+                                <a:latin typeface="Cambria Math" panose="02040503050406030204" pitchFamily="18" charset="0"/>
+                              </a:rPr>
+                              <m:t>𝑧</m:t>
+                            </m:r>
+                          </m:e>
+                          <m:sub>
+                            <m:r>
+                              <a:rPr lang="pt-BR" b="0" i="1" smtClean="0">
+                                <a:solidFill>
+                                  <a:schemeClr val="tx1"/>
+                                </a:solidFill>
+                                <a:latin typeface="Cambria Math" panose="02040503050406030204" pitchFamily="18" charset="0"/>
+                              </a:rPr>
+                              <m:t>𝑗</m:t>
+                            </m:r>
+                            <m:r>
+                              <a:rPr lang="pt-BR" b="0" i="1" smtClean="0">
+                                <a:solidFill>
+                                  <a:schemeClr val="tx1"/>
+                                </a:solidFill>
+                                <a:latin typeface="Cambria Math" panose="02040503050406030204" pitchFamily="18" charset="0"/>
+                              </a:rPr>
+                              <m:t>, </m:t>
+                            </m:r>
+                            <m:r>
+                              <a:rPr lang="pt-BR" b="0" i="1" smtClean="0">
+                                <a:solidFill>
+                                  <a:schemeClr val="tx1"/>
+                                </a:solidFill>
+                                <a:latin typeface="Cambria Math" panose="02040503050406030204" pitchFamily="18" charset="0"/>
+                              </a:rPr>
+                              <m:t>𝑖</m:t>
+                            </m:r>
+                          </m:sub>
+                        </m:sSub>
+                      </m:oMath>
+                    </m:oMathPara>
+                  </a14:m>
+                  <a:endParaRPr lang="pt-BR" dirty="0"/>
+                </a:p>
+              </p:txBody>
+            </p:sp>
+          </mc:Choice>
+          <mc:Fallback>
+            <p:sp>
+              <p:nvSpPr>
+                <p:cNvPr id="10" name="Elipse 9"/>
+                <p:cNvSpPr>
+                  <a:spLocks noRot="1" noChangeAspect="1" noMove="1" noResize="1" noEditPoints="1" noAdjustHandles="1" noChangeArrowheads="1" noChangeShapeType="1" noTextEdit="1"/>
+                </p:cNvSpPr>
+                <p:nvPr/>
+              </p:nvSpPr>
+              <p:spPr>
+                <a:xfrm>
+                  <a:off x="4746989" y="3034729"/>
+                  <a:ext cx="650308" cy="650308"/>
+                </a:xfrm>
+                <a:prstGeom prst="ellipse">
+                  <a:avLst/>
+                </a:prstGeom>
+                <a:blipFill rotWithShape="0">
+                  <a:blip r:embed="rId2"/>
+                  <a:stretch>
+                    <a:fillRect/>
+                  </a:stretch>
+                </a:blipFill>
+                <a:ln w="28575">
+                  <a:solidFill>
+                    <a:schemeClr val="tx1"/>
+                  </a:solidFill>
+                </a:ln>
+              </p:spPr>
+              <p:txBody>
+                <a:bodyPr/>
+                <a:lstStyle/>
+                <a:p>
+                  <a:r>
+                    <a:rPr lang="pt-BR">
+                      <a:noFill/>
+                    </a:rPr>
+                    <a:t> </a:t>
+                  </a:r>
+                </a:p>
+              </p:txBody>
+            </p:sp>
+          </mc:Fallback>
+        </mc:AlternateContent>
+        <mc:AlternateContent xmlns:mc="http://schemas.openxmlformats.org/markup-compatibility/2006">
+          <mc:Choice xmlns:a14="http://schemas.microsoft.com/office/drawing/2010/main" Requires="a14">
+            <p:sp>
+              <p:nvSpPr>
+                <p:cNvPr id="11" name="Elipse 10"/>
+                <p:cNvSpPr/>
+                <p:nvPr/>
+              </p:nvSpPr>
+              <p:spPr>
+                <a:xfrm>
+                  <a:off x="5798522" y="3034729"/>
+                  <a:ext cx="650308" cy="650308"/>
+                </a:xfrm>
+                <a:prstGeom prst="ellipse">
+                  <a:avLst/>
+                </a:prstGeom>
+                <a:noFill/>
+                <a:ln w="28575">
+                  <a:solidFill>
+                    <a:schemeClr val="tx1"/>
+                  </a:solidFill>
+                </a:ln>
+              </p:spPr>
+              <p:style>
+                <a:lnRef idx="2">
+                  <a:schemeClr val="accent1">
+                    <a:shade val="50000"/>
+                  </a:schemeClr>
+                </a:lnRef>
+                <a:fillRef idx="1">
+                  <a:schemeClr val="accent1"/>
+                </a:fillRef>
+                <a:effectRef idx="0">
+                  <a:schemeClr val="accent1"/>
+                </a:effectRef>
+                <a:fontRef idx="minor">
+                  <a:schemeClr val="lt1"/>
+                </a:fontRef>
+              </p:style>
+              <p:txBody>
+                <a:bodyPr rtlCol="0" anchor="ctr"/>
+                <a:lstStyle/>
+                <a:p>
+                  <a:pPr algn="ctr"/>
+                  <a14:m>
+                    <m:oMathPara xmlns:m="http://schemas.openxmlformats.org/officeDocument/2006/math">
+                      <m:oMathParaPr>
+                        <m:jc m:val="centerGroup"/>
+                      </m:oMathParaPr>
+                      <m:oMath xmlns:m="http://schemas.openxmlformats.org/officeDocument/2006/math">
+                        <m:sSub>
+                          <m:sSubPr>
+                            <m:ctrlPr>
+                              <a:rPr lang="pt-BR" i="1" smtClean="0">
+                                <a:solidFill>
+                                  <a:schemeClr val="tx1"/>
+                                </a:solidFill>
+                                <a:latin typeface="Cambria Math" panose="02040503050406030204" pitchFamily="18" charset="0"/>
+                              </a:rPr>
+                            </m:ctrlPr>
+                          </m:sSubPr>
+                          <m:e>
+                            <m:r>
+                              <a:rPr lang="pt-BR" b="0" i="1" smtClean="0">
+                                <a:solidFill>
+                                  <a:schemeClr val="tx1"/>
+                                </a:solidFill>
+                                <a:latin typeface="Cambria Math" panose="02040503050406030204" pitchFamily="18" charset="0"/>
+                              </a:rPr>
+                              <m:t>𝑤</m:t>
+                            </m:r>
+                          </m:e>
+                          <m:sub>
+                            <m:r>
+                              <a:rPr lang="pt-BR" b="0" i="1" smtClean="0">
+                                <a:solidFill>
+                                  <a:schemeClr val="tx1"/>
+                                </a:solidFill>
+                                <a:latin typeface="Cambria Math" panose="02040503050406030204" pitchFamily="18" charset="0"/>
+                              </a:rPr>
+                              <m:t>𝑗</m:t>
+                            </m:r>
+                            <m:r>
+                              <a:rPr lang="pt-BR" b="0" i="1" smtClean="0">
+                                <a:solidFill>
+                                  <a:schemeClr val="tx1"/>
+                                </a:solidFill>
+                                <a:latin typeface="Cambria Math" panose="02040503050406030204" pitchFamily="18" charset="0"/>
+                              </a:rPr>
+                              <m:t>, </m:t>
+                            </m:r>
+                            <m:r>
+                              <a:rPr lang="pt-BR" b="0" i="1" smtClean="0">
+                                <a:solidFill>
+                                  <a:schemeClr val="tx1"/>
+                                </a:solidFill>
+                                <a:latin typeface="Cambria Math" panose="02040503050406030204" pitchFamily="18" charset="0"/>
+                              </a:rPr>
+                              <m:t>𝑖</m:t>
+                            </m:r>
+                          </m:sub>
+                        </m:sSub>
+                      </m:oMath>
+                    </m:oMathPara>
+                  </a14:m>
+                  <a:endParaRPr lang="pt-BR" dirty="0"/>
+                </a:p>
+              </p:txBody>
+            </p:sp>
+          </mc:Choice>
+          <mc:Fallback>
+            <p:sp>
+              <p:nvSpPr>
+                <p:cNvPr id="11" name="Elipse 10"/>
+                <p:cNvSpPr>
+                  <a:spLocks noRot="1" noChangeAspect="1" noMove="1" noResize="1" noEditPoints="1" noAdjustHandles="1" noChangeArrowheads="1" noChangeShapeType="1" noTextEdit="1"/>
+                </p:cNvSpPr>
+                <p:nvPr/>
+              </p:nvSpPr>
+              <p:spPr>
+                <a:xfrm>
+                  <a:off x="5798522" y="3034729"/>
+                  <a:ext cx="650308" cy="650308"/>
+                </a:xfrm>
+                <a:prstGeom prst="ellipse">
+                  <a:avLst/>
+                </a:prstGeom>
+                <a:blipFill rotWithShape="0">
+                  <a:blip r:embed="rId3"/>
+                  <a:stretch>
+                    <a:fillRect/>
+                  </a:stretch>
+                </a:blipFill>
+                <a:ln w="28575">
+                  <a:solidFill>
+                    <a:schemeClr val="tx1"/>
+                  </a:solidFill>
+                </a:ln>
+              </p:spPr>
+              <p:txBody>
+                <a:bodyPr/>
+                <a:lstStyle/>
+                <a:p>
+                  <a:r>
+                    <a:rPr lang="pt-BR">
+                      <a:noFill/>
+                    </a:rPr>
+                    <a:t> </a:t>
+                  </a:r>
+                </a:p>
+              </p:txBody>
+            </p:sp>
+          </mc:Fallback>
+        </mc:AlternateContent>
+        <mc:AlternateContent xmlns:mc="http://schemas.openxmlformats.org/markup-compatibility/2006">
+          <mc:Choice xmlns:a14="http://schemas.microsoft.com/office/drawing/2010/main" Requires="a14">
+            <p:sp>
+              <p:nvSpPr>
+                <p:cNvPr id="14" name="Elipse 13"/>
+                <p:cNvSpPr/>
+                <p:nvPr/>
+              </p:nvSpPr>
+              <p:spPr>
+                <a:xfrm>
+                  <a:off x="3695457" y="3034728"/>
+                  <a:ext cx="650308" cy="650308"/>
+                </a:xfrm>
+                <a:prstGeom prst="ellipse">
+                  <a:avLst/>
+                </a:prstGeom>
+                <a:noFill/>
+                <a:ln w="28575">
+                  <a:solidFill>
+                    <a:schemeClr val="tx1"/>
+                  </a:solidFill>
+                </a:ln>
+              </p:spPr>
+              <p:style>
+                <a:lnRef idx="2">
+                  <a:schemeClr val="accent1">
+                    <a:shade val="50000"/>
+                  </a:schemeClr>
+                </a:lnRef>
+                <a:fillRef idx="1">
+                  <a:schemeClr val="accent1"/>
+                </a:fillRef>
+                <a:effectRef idx="0">
+                  <a:schemeClr val="accent1"/>
+                </a:effectRef>
+                <a:fontRef idx="minor">
+                  <a:schemeClr val="lt1"/>
+                </a:fontRef>
+              </p:style>
+              <p:txBody>
+                <a:bodyPr rtlCol="0" anchor="ctr"/>
+                <a:lstStyle/>
+                <a:p>
+                  <a:pPr algn="ctr"/>
+                  <a14:m>
+                    <m:oMathPara xmlns:m="http://schemas.openxmlformats.org/officeDocument/2006/math">
+                      <m:oMathParaPr>
+                        <m:jc m:val="centerGroup"/>
+                      </m:oMathParaPr>
+                      <m:oMath xmlns:m="http://schemas.openxmlformats.org/officeDocument/2006/math">
+                        <m:r>
+                          <a:rPr lang="pt-BR" i="1" dirty="0" smtClean="0">
+                            <a:solidFill>
+                              <a:schemeClr val="tx1"/>
+                            </a:solidFill>
+                            <a:latin typeface="Cambria Math" panose="02040503050406030204" pitchFamily="18" charset="0"/>
+                          </a:rPr>
+                          <m:t>𝜃</m:t>
+                        </m:r>
+                      </m:oMath>
+                    </m:oMathPara>
+                  </a14:m>
+                  <a:endParaRPr lang="pt-BR" dirty="0"/>
+                </a:p>
+              </p:txBody>
+            </p:sp>
+          </mc:Choice>
+          <mc:Fallback>
+            <p:sp>
+              <p:nvSpPr>
+                <p:cNvPr id="14" name="Elipse 13"/>
+                <p:cNvSpPr>
+                  <a:spLocks noRot="1" noChangeAspect="1" noMove="1" noResize="1" noEditPoints="1" noAdjustHandles="1" noChangeArrowheads="1" noChangeShapeType="1" noTextEdit="1"/>
+                </p:cNvSpPr>
+                <p:nvPr/>
+              </p:nvSpPr>
+              <p:spPr>
+                <a:xfrm>
+                  <a:off x="3695457" y="3034728"/>
+                  <a:ext cx="650308" cy="650308"/>
+                </a:xfrm>
+                <a:prstGeom prst="ellipse">
+                  <a:avLst/>
+                </a:prstGeom>
+                <a:blipFill rotWithShape="0">
+                  <a:blip r:embed="rId4"/>
+                  <a:stretch>
+                    <a:fillRect/>
+                  </a:stretch>
+                </a:blipFill>
+                <a:ln w="28575">
+                  <a:solidFill>
+                    <a:schemeClr val="tx1"/>
+                  </a:solidFill>
+                </a:ln>
+              </p:spPr>
+              <p:txBody>
+                <a:bodyPr/>
+                <a:lstStyle/>
+                <a:p>
+                  <a:r>
+                    <a:rPr lang="pt-BR">
+                      <a:noFill/>
+                    </a:rPr>
+                    <a:t> </a:t>
+                  </a:r>
+                </a:p>
+              </p:txBody>
+            </p:sp>
+          </mc:Fallback>
+        </mc:AlternateContent>
+        <p:cxnSp>
+          <p:nvCxnSpPr>
+            <p:cNvPr id="19" name="Conector de seta reta 18"/>
+            <p:cNvCxnSpPr>
+              <a:stCxn id="14" idx="6"/>
+              <a:endCxn id="10" idx="2"/>
+            </p:cNvCxnSpPr>
+            <p:nvPr/>
+          </p:nvCxnSpPr>
+          <p:spPr>
+            <a:xfrm>
+              <a:off x="4345765" y="3359882"/>
+              <a:ext cx="401224" cy="1"/>
+            </a:xfrm>
+            <a:prstGeom prst="straightConnector1">
+              <a:avLst/>
+            </a:prstGeom>
+            <a:ln w="28575">
+              <a:solidFill>
+                <a:schemeClr val="tx1"/>
+              </a:solidFill>
+              <a:tailEnd type="triangle"/>
+            </a:ln>
+          </p:spPr>
+          <p:style>
+            <a:lnRef idx="1">
+              <a:schemeClr val="dk1"/>
+            </a:lnRef>
+            <a:fillRef idx="0">
+              <a:schemeClr val="dk1"/>
+            </a:fillRef>
+            <a:effectRef idx="0">
+              <a:schemeClr val="dk1"/>
+            </a:effectRef>
+            <a:fontRef idx="minor">
+              <a:schemeClr val="tx1"/>
+            </a:fontRef>
+          </p:style>
+        </p:cxnSp>
+        <mc:AlternateContent xmlns:mc="http://schemas.openxmlformats.org/markup-compatibility/2006">
+          <mc:Choice xmlns:a14="http://schemas.microsoft.com/office/drawing/2010/main" Requires="a14">
+            <p:sp>
+              <p:nvSpPr>
+                <p:cNvPr id="21" name="Elipse 20"/>
+                <p:cNvSpPr/>
+                <p:nvPr/>
+              </p:nvSpPr>
+              <p:spPr>
+                <a:xfrm>
+                  <a:off x="2609346" y="3034728"/>
+                  <a:ext cx="650308" cy="650308"/>
+                </a:xfrm>
+                <a:prstGeom prst="ellipse">
+                  <a:avLst/>
+                </a:prstGeom>
+                <a:noFill/>
+                <a:ln w="28575">
+                  <a:solidFill>
+                    <a:schemeClr val="tx1"/>
+                  </a:solidFill>
+                </a:ln>
+              </p:spPr>
+              <p:style>
+                <a:lnRef idx="2">
+                  <a:schemeClr val="accent1">
+                    <a:shade val="50000"/>
+                  </a:schemeClr>
+                </a:lnRef>
+                <a:fillRef idx="1">
+                  <a:schemeClr val="accent1"/>
+                </a:fillRef>
+                <a:effectRef idx="0">
+                  <a:schemeClr val="accent1"/>
+                </a:effectRef>
+                <a:fontRef idx="minor">
+                  <a:schemeClr val="lt1"/>
+                </a:fontRef>
+              </p:style>
+              <p:txBody>
+                <a:bodyPr rtlCol="0" anchor="ctr"/>
+                <a:lstStyle/>
+                <a:p>
+                  <a:pPr algn="ctr"/>
+                  <a14:m>
+                    <m:oMathPara xmlns:m="http://schemas.openxmlformats.org/officeDocument/2006/math">
+                      <m:oMathParaPr>
+                        <m:jc m:val="centerGroup"/>
+                      </m:oMathParaPr>
+                      <m:oMath xmlns:m="http://schemas.openxmlformats.org/officeDocument/2006/math">
+                        <m:r>
+                          <a:rPr lang="el-GR" i="1" dirty="0" smtClean="0">
+                            <a:solidFill>
+                              <a:schemeClr val="tx1"/>
+                            </a:solidFill>
+                            <a:latin typeface="Cambria Math" panose="02040503050406030204" pitchFamily="18" charset="0"/>
+                          </a:rPr>
+                          <m:t>𝛼</m:t>
+                        </m:r>
+                      </m:oMath>
+                    </m:oMathPara>
+                  </a14:m>
+                  <a:endParaRPr lang="pt-BR" dirty="0">
+                    <a:solidFill>
+                      <a:schemeClr val="tx1"/>
+                    </a:solidFill>
+                  </a:endParaRPr>
+                </a:p>
+              </p:txBody>
+            </p:sp>
+          </mc:Choice>
+          <mc:Fallback>
+            <p:sp>
+              <p:nvSpPr>
+                <p:cNvPr id="21" name="Elipse 20"/>
+                <p:cNvSpPr>
+                  <a:spLocks noRot="1" noChangeAspect="1" noMove="1" noResize="1" noEditPoints="1" noAdjustHandles="1" noChangeArrowheads="1" noChangeShapeType="1" noTextEdit="1"/>
+                </p:cNvSpPr>
+                <p:nvPr/>
+              </p:nvSpPr>
+              <p:spPr>
+                <a:xfrm>
+                  <a:off x="2609346" y="3034728"/>
+                  <a:ext cx="650308" cy="650308"/>
+                </a:xfrm>
+                <a:prstGeom prst="ellipse">
+                  <a:avLst/>
+                </a:prstGeom>
+                <a:blipFill rotWithShape="0">
+                  <a:blip r:embed="rId5"/>
+                  <a:stretch>
+                    <a:fillRect/>
+                  </a:stretch>
+                </a:blipFill>
+                <a:ln w="28575">
+                  <a:solidFill>
+                    <a:schemeClr val="tx1"/>
+                  </a:solidFill>
+                </a:ln>
+              </p:spPr>
+              <p:txBody>
+                <a:bodyPr/>
+                <a:lstStyle/>
+                <a:p>
+                  <a:r>
+                    <a:rPr lang="pt-BR">
+                      <a:noFill/>
+                    </a:rPr>
+                    <a:t> </a:t>
+                  </a:r>
+                </a:p>
+              </p:txBody>
+            </p:sp>
+          </mc:Fallback>
+        </mc:AlternateContent>
+        <p:cxnSp>
+          <p:nvCxnSpPr>
+            <p:cNvPr id="23" name="Conector de seta reta 22"/>
+            <p:cNvCxnSpPr>
+              <a:stCxn id="10" idx="6"/>
+              <a:endCxn id="11" idx="2"/>
+            </p:cNvCxnSpPr>
+            <p:nvPr/>
+          </p:nvCxnSpPr>
+          <p:spPr>
+            <a:xfrm>
+              <a:off x="5397297" y="3359883"/>
+              <a:ext cx="401225" cy="0"/>
+            </a:xfrm>
+            <a:prstGeom prst="straightConnector1">
+              <a:avLst/>
+            </a:prstGeom>
+            <a:ln w="28575">
+              <a:solidFill>
+                <a:schemeClr val="tx1"/>
+              </a:solidFill>
+              <a:tailEnd type="triangle"/>
+            </a:ln>
+          </p:spPr>
+          <p:style>
+            <a:lnRef idx="1">
+              <a:schemeClr val="dk1"/>
+            </a:lnRef>
+            <a:fillRef idx="0">
+              <a:schemeClr val="dk1"/>
+            </a:fillRef>
+            <a:effectRef idx="0">
+              <a:schemeClr val="dk1"/>
+            </a:effectRef>
+            <a:fontRef idx="minor">
+              <a:schemeClr val="tx1"/>
+            </a:fontRef>
+          </p:style>
+        </p:cxnSp>
+        <p:cxnSp>
+          <p:nvCxnSpPr>
+            <p:cNvPr id="26" name="Conector de seta reta 25"/>
+            <p:cNvCxnSpPr>
+              <a:stCxn id="21" idx="6"/>
+              <a:endCxn id="14" idx="2"/>
+            </p:cNvCxnSpPr>
+            <p:nvPr/>
+          </p:nvCxnSpPr>
+          <p:spPr>
+            <a:xfrm>
+              <a:off x="3259654" y="3359882"/>
+              <a:ext cx="435803" cy="0"/>
+            </a:xfrm>
+            <a:prstGeom prst="straightConnector1">
+              <a:avLst/>
+            </a:prstGeom>
+            <a:ln w="28575">
+              <a:solidFill>
+                <a:schemeClr val="tx1"/>
+              </a:solidFill>
+              <a:tailEnd type="triangle"/>
+            </a:ln>
+          </p:spPr>
+          <p:style>
+            <a:lnRef idx="1">
+              <a:schemeClr val="dk1"/>
+            </a:lnRef>
+            <a:fillRef idx="0">
+              <a:schemeClr val="dk1"/>
+            </a:fillRef>
+            <a:effectRef idx="0">
+              <a:schemeClr val="dk1"/>
+            </a:effectRef>
+            <a:fontRef idx="minor">
+              <a:schemeClr val="tx1"/>
+            </a:fontRef>
+          </p:style>
+        </p:cxnSp>
+        <mc:AlternateContent xmlns:mc="http://schemas.openxmlformats.org/markup-compatibility/2006">
+          <mc:Choice xmlns:a14="http://schemas.microsoft.com/office/drawing/2010/main" Requires="a14">
+            <p:sp>
+              <p:nvSpPr>
+                <p:cNvPr id="30" name="Retângulo 29"/>
+                <p:cNvSpPr/>
+                <p:nvPr/>
+              </p:nvSpPr>
+              <p:spPr>
+                <a:xfrm>
+                  <a:off x="6360783" y="3539579"/>
+                  <a:ext cx="443968" cy="391646"/>
+                </a:xfrm>
+                <a:prstGeom prst="rect">
+                  <a:avLst/>
+                </a:prstGeom>
+              </p:spPr>
+              <p:txBody>
+                <a:bodyPr wrap="none">
+                  <a:spAutoFit/>
+                </a:bodyPr>
+                <a:lstStyle/>
+                <a:p>
+                  <a:pPr/>
+                  <a14:m>
+                    <m:oMathPara xmlns:m="http://schemas.openxmlformats.org/officeDocument/2006/math">
+                      <m:oMathParaPr>
+                        <m:jc m:val="centerGroup"/>
+                      </m:oMathParaPr>
+                      <m:oMath xmlns:m="http://schemas.openxmlformats.org/officeDocument/2006/math">
+                        <m:sSub>
+                          <m:sSubPr>
+                            <m:ctrlPr>
+                              <a:rPr lang="pt-BR" i="1" smtClean="0">
+                                <a:latin typeface="Cambria Math" panose="02040503050406030204" pitchFamily="18" charset="0"/>
+                              </a:rPr>
+                            </m:ctrlPr>
+                          </m:sSubPr>
+                          <m:e>
+                            <m:r>
+                              <a:rPr lang="pt-BR" b="0" i="1" smtClean="0">
+                                <a:latin typeface="Cambria Math" panose="02040503050406030204" pitchFamily="18" charset="0"/>
+                              </a:rPr>
+                              <m:t>𝑑</m:t>
+                            </m:r>
+                          </m:e>
+                          <m:sub>
+                            <m:r>
+                              <a:rPr lang="pt-BR" i="1">
+                                <a:latin typeface="Cambria Math" panose="02040503050406030204" pitchFamily="18" charset="0"/>
+                              </a:rPr>
+                              <m:t>𝑗</m:t>
+                            </m:r>
+                          </m:sub>
+                        </m:sSub>
+                      </m:oMath>
+                    </m:oMathPara>
+                  </a14:m>
+                  <a:endParaRPr lang="pt-BR" dirty="0"/>
+                </a:p>
+              </p:txBody>
+            </p:sp>
+          </mc:Choice>
+          <mc:Fallback>
+            <p:sp>
+              <p:nvSpPr>
+                <p:cNvPr id="30" name="Retângulo 29"/>
+                <p:cNvSpPr>
+                  <a:spLocks noRot="1" noChangeAspect="1" noMove="1" noResize="1" noEditPoints="1" noAdjustHandles="1" noChangeArrowheads="1" noChangeShapeType="1" noTextEdit="1"/>
+                </p:cNvSpPr>
+                <p:nvPr/>
+              </p:nvSpPr>
+              <p:spPr>
+                <a:xfrm>
+                  <a:off x="6360783" y="3539579"/>
+                  <a:ext cx="443968" cy="391646"/>
+                </a:xfrm>
+                <a:prstGeom prst="rect">
+                  <a:avLst/>
+                </a:prstGeom>
+                <a:blipFill rotWithShape="0">
+                  <a:blip r:embed="rId6"/>
+                  <a:stretch>
+                    <a:fillRect b="-7813"/>
+                  </a:stretch>
+                </a:blipFill>
+              </p:spPr>
+              <p:txBody>
+                <a:bodyPr/>
+                <a:lstStyle/>
+                <a:p>
+                  <a:r>
+                    <a:rPr lang="pt-BR">
+                      <a:noFill/>
+                    </a:rPr>
+                    <a:t> </a:t>
+                  </a:r>
+                </a:p>
+              </p:txBody>
+            </p:sp>
+          </mc:Fallback>
+        </mc:AlternateContent>
+        <mc:AlternateContent xmlns:mc="http://schemas.openxmlformats.org/markup-compatibility/2006">
+          <mc:Choice xmlns:a14="http://schemas.microsoft.com/office/drawing/2010/main" Requires="a14">
+            <p:sp>
+              <p:nvSpPr>
+                <p:cNvPr id="31" name="Retângulo 30"/>
+                <p:cNvSpPr/>
+                <p:nvPr/>
+              </p:nvSpPr>
+              <p:spPr>
+                <a:xfrm>
+                  <a:off x="6771888" y="3773875"/>
+                  <a:ext cx="435504" cy="369332"/>
+                </a:xfrm>
+                <a:prstGeom prst="rect">
+                  <a:avLst/>
+                </a:prstGeom>
+              </p:spPr>
+              <p:txBody>
+                <a:bodyPr wrap="none">
+                  <a:spAutoFit/>
+                </a:bodyPr>
+                <a:lstStyle/>
+                <a:p>
+                  <a:pPr/>
+                  <a14:m>
+                    <m:oMathPara xmlns:m="http://schemas.openxmlformats.org/officeDocument/2006/math">
+                      <m:oMathParaPr>
+                        <m:jc m:val="centerGroup"/>
+                      </m:oMathParaPr>
+                      <m:oMath xmlns:m="http://schemas.openxmlformats.org/officeDocument/2006/math">
+                        <m:r>
+                          <a:rPr lang="pt-BR" i="1" dirty="0" smtClean="0">
+                            <a:latin typeface="Cambria Math" panose="02040503050406030204" pitchFamily="18" charset="0"/>
+                          </a:rPr>
+                          <m:t>𝑚</m:t>
+                        </m:r>
+                      </m:oMath>
+                    </m:oMathPara>
+                  </a14:m>
+                  <a:endParaRPr lang="pt-BR" dirty="0"/>
+                </a:p>
+              </p:txBody>
+            </p:sp>
+          </mc:Choice>
+          <mc:Fallback>
+            <p:sp>
+              <p:nvSpPr>
+                <p:cNvPr id="31" name="Retângulo 30"/>
+                <p:cNvSpPr>
+                  <a:spLocks noRot="1" noChangeAspect="1" noMove="1" noResize="1" noEditPoints="1" noAdjustHandles="1" noChangeArrowheads="1" noChangeShapeType="1" noTextEdit="1"/>
+                </p:cNvSpPr>
+                <p:nvPr/>
+              </p:nvSpPr>
+              <p:spPr>
+                <a:xfrm>
+                  <a:off x="6771888" y="3773875"/>
+                  <a:ext cx="435504" cy="369332"/>
+                </a:xfrm>
+                <a:prstGeom prst="rect">
+                  <a:avLst/>
+                </a:prstGeom>
+                <a:blipFill rotWithShape="0">
+                  <a:blip r:embed="rId7"/>
+                  <a:stretch>
+                    <a:fillRect/>
+                  </a:stretch>
+                </a:blipFill>
+              </p:spPr>
+              <p:txBody>
+                <a:bodyPr/>
+                <a:lstStyle/>
+                <a:p>
+                  <a:r>
+                    <a:rPr lang="pt-BR">
+                      <a:noFill/>
+                    </a:rPr>
+                    <a:t> </a:t>
+                  </a:r>
+                </a:p>
+              </p:txBody>
+            </p:sp>
+          </mc:Fallback>
+        </mc:AlternateContent>
+        <p:grpSp>
+          <p:nvGrpSpPr>
+            <p:cNvPr id="42" name="Grupo 41"/>
+            <p:cNvGrpSpPr/>
+            <p:nvPr/>
+          </p:nvGrpSpPr>
+          <p:grpSpPr>
+            <a:xfrm>
+              <a:off x="4583205" y="1555527"/>
+              <a:ext cx="1044541" cy="996690"/>
+              <a:chOff x="4886796" y="2506775"/>
+              <a:chExt cx="1044541" cy="996690"/>
+            </a:xfrm>
+          </p:grpSpPr>
+          <p:sp>
+            <p:nvSpPr>
+              <p:cNvPr id="4" name="Retângulo 3"/>
+              <p:cNvSpPr/>
+              <p:nvPr/>
+            </p:nvSpPr>
+            <p:spPr>
+              <a:xfrm>
+                <a:off x="4968009" y="2506775"/>
+                <a:ext cx="963328" cy="949366"/>
+              </a:xfrm>
+              <a:prstGeom prst="rect">
+                <a:avLst/>
+              </a:prstGeom>
+              <a:noFill/>
+              <a:ln w="28575">
+                <a:solidFill>
+                  <a:schemeClr val="tx1"/>
+                </a:solidFill>
+              </a:ln>
+            </p:spPr>
+            <p:style>
+              <a:lnRef idx="2">
+                <a:schemeClr val="accent1">
+                  <a:shade val="50000"/>
+                </a:schemeClr>
+              </a:lnRef>
+              <a:fillRef idx="1">
+                <a:schemeClr val="accent1"/>
+              </a:fillRef>
+              <a:effectRef idx="0">
+                <a:schemeClr val="accent1"/>
+              </a:effectRef>
+              <a:fontRef idx="minor">
+                <a:schemeClr val="lt1"/>
+              </a:fontRef>
+            </p:style>
+            <p:txBody>
+              <a:bodyPr rtlCol="0" anchor="ctr"/>
+              <a:lstStyle/>
+              <a:p>
+                <a:pPr algn="ctr"/>
+                <a:endParaRPr lang="pt-BR"/>
+              </a:p>
+            </p:txBody>
+          </p:sp>
+          <p:sp>
+            <p:nvSpPr>
+              <p:cNvPr id="9" name="Elipse 8"/>
+              <p:cNvSpPr/>
+              <p:nvPr/>
+            </p:nvSpPr>
+            <p:spPr>
+              <a:xfrm>
+                <a:off x="5124519" y="2656304"/>
+                <a:ext cx="650308" cy="650308"/>
+              </a:xfrm>
+              <a:prstGeom prst="ellipse">
+                <a:avLst/>
+              </a:prstGeom>
+              <a:noFill/>
+              <a:ln w="28575">
+                <a:solidFill>
+                  <a:schemeClr val="tx1"/>
+                </a:solidFill>
+              </a:ln>
+            </p:spPr>
+            <p:style>
+              <a:lnRef idx="2">
+                <a:schemeClr val="accent1">
+                  <a:shade val="50000"/>
+                </a:schemeClr>
+              </a:lnRef>
+              <a:fillRef idx="1">
+                <a:schemeClr val="accent1"/>
+              </a:fillRef>
+              <a:effectRef idx="0">
+                <a:schemeClr val="accent1"/>
+              </a:effectRef>
+              <a:fontRef idx="minor">
+                <a:schemeClr val="lt1"/>
+              </a:fontRef>
+            </p:style>
+            <p:txBody>
+              <a:bodyPr rtlCol="0" anchor="ctr"/>
+              <a:lstStyle/>
+              <a:p>
+                <a:pPr algn="ctr"/>
+                <a:r>
+                  <a:rPr lang="el-GR" dirty="0" smtClean="0">
+                    <a:solidFill>
+                      <a:schemeClr val="tx1"/>
+                    </a:solidFill>
+                  </a:rPr>
+                  <a:t>φ</a:t>
+                </a:r>
+                <a:endParaRPr lang="pt-BR" dirty="0">
+                  <a:solidFill>
+                    <a:schemeClr val="tx1"/>
+                  </a:solidFill>
+                </a:endParaRPr>
+              </a:p>
+            </p:txBody>
+          </p:sp>
+          <mc:AlternateContent xmlns:mc="http://schemas.openxmlformats.org/markup-compatibility/2006" xmlns:a14="http://schemas.microsoft.com/office/drawing/2010/main">
+            <mc:Choice Requires="a14">
+              <p:sp>
+                <p:nvSpPr>
+                  <p:cNvPr id="32" name="Retângulo 31"/>
+                  <p:cNvSpPr/>
+                  <p:nvPr/>
+                </p:nvSpPr>
+                <p:spPr>
+                  <a:xfrm>
+                    <a:off x="4886796" y="3134133"/>
+                    <a:ext cx="406458" cy="369332"/>
+                  </a:xfrm>
+                  <a:prstGeom prst="rect">
+                    <a:avLst/>
+                  </a:prstGeom>
+                </p:spPr>
+                <p:txBody>
+                  <a:bodyPr wrap="none">
+                    <a:spAutoFit/>
+                  </a:bodyPr>
+                  <a:lstStyle/>
+                  <a:p>
+                    <a:pPr/>
+                    <a14:m>
+                      <m:oMathPara xmlns:m="http://schemas.openxmlformats.org/officeDocument/2006/math">
+                        <m:oMathParaPr>
+                          <m:jc m:val="centerGroup"/>
+                        </m:oMathParaPr>
+                        <m:oMath xmlns:m="http://schemas.openxmlformats.org/officeDocument/2006/math">
+                          <m:r>
+                            <a:rPr lang="pt-BR" i="1" dirty="0" smtClean="0">
+                              <a:latin typeface="Cambria Math" panose="02040503050406030204" pitchFamily="18" charset="0"/>
+                            </a:rPr>
+                            <m:t>𝐾</m:t>
+                          </m:r>
+                        </m:oMath>
+                      </m:oMathPara>
+                    </a14:m>
+                    <a:endParaRPr lang="pt-BR" dirty="0"/>
+                  </a:p>
+                </p:txBody>
+              </p:sp>
+            </mc:Choice>
+            <mc:Fallback xmlns="">
               <p:sp>
                 <p:nvSpPr>
                   <p:cNvPr id="32" name="Retângulo 31"/>
@@ -8009,7 +9383,7 @@
               </p:nvSpPr>
               <p:spPr>
                 <a:xfrm>
-                  <a:off x="9353782" y="3885676"/>
+                  <a:off x="3547499" y="1705056"/>
                   <a:ext cx="650308" cy="650308"/>
                 </a:xfrm>
                 <a:prstGeom prst="ellipse">
@@ -8083,7 +9457,7 @@
               </p:nvSpPr>
               <p:spPr>
                 <a:xfrm>
-                  <a:off x="9353782" y="3885676"/>
+                  <a:off x="3547499" y="1705056"/>
                   <a:ext cx="650308" cy="650308"/>
                 </a:xfrm>
                 <a:prstGeom prst="ellipse">
@@ -8120,15 +9494,15 @@
           <p:nvCxnSpPr>
             <p:cNvPr id="35" name="Conector de seta reta 34"/>
             <p:cNvCxnSpPr>
-              <a:stCxn id="34" idx="2"/>
-              <a:endCxn id="9" idx="6"/>
+              <a:stCxn id="34" idx="6"/>
+              <a:endCxn id="9" idx="2"/>
             </p:cNvCxnSpPr>
             <p:nvPr/>
           </p:nvCxnSpPr>
           <p:spPr>
-            <a:xfrm flipH="1">
-              <a:off x="8935192" y="4210830"/>
-              <a:ext cx="418590" cy="906"/>
+            <a:xfrm>
+              <a:off x="4197807" y="2030210"/>
+              <a:ext cx="623121" cy="0"/>
             </a:xfrm>
             <a:prstGeom prst="straightConnector1">
               <a:avLst/>
@@ -8159,15 +9533,15 @@
           <p:nvCxnSpPr>
             <p:cNvPr id="39" name="Conector de seta reta 38"/>
             <p:cNvCxnSpPr>
-              <a:stCxn id="9" idx="2"/>
-              <a:endCxn id="11" idx="6"/>
+              <a:stCxn id="9" idx="5"/>
+              <a:endCxn id="11" idx="0"/>
             </p:cNvCxnSpPr>
             <p:nvPr/>
           </p:nvCxnSpPr>
           <p:spPr>
-            <a:xfrm flipH="1" flipV="1">
-              <a:off x="6870266" y="4210831"/>
-              <a:ext cx="1414618" cy="905"/>
+            <a:xfrm>
+              <a:off x="5376001" y="2260129"/>
+              <a:ext cx="747675" cy="774600"/>
             </a:xfrm>
             <a:prstGeom prst="straightConnector1">
               <a:avLst/>
@@ -8198,7 +9572,7 @@
     </p:spTree>
     <p:extLst>
       <p:ext uri="{BB962C8B-B14F-4D97-AF65-F5344CB8AC3E}">
-        <p14:creationId xmlns:p14="http://schemas.microsoft.com/office/powerpoint/2010/main" val="692080440"/>
+        <p14:creationId xmlns:p14="http://schemas.microsoft.com/office/powerpoint/2010/main" val="4184110443"/>
       </p:ext>
     </p:extLst>
   </p:cSld>
@@ -8208,7 +9582,7 @@
 </p:sld>
 </file>
 
-<file path=ppt/slides/slide5.xml><?xml version="1.0" encoding="utf-8"?>
+<file path=ppt/slides/slide6.xml><?xml version="1.0" encoding="utf-8"?>
 <p:sld xmlns:a="http://schemas.openxmlformats.org/drawingml/2006/main" xmlns:r="http://schemas.openxmlformats.org/officeDocument/2006/relationships" xmlns:p="http://schemas.openxmlformats.org/presentationml/2006/main">
   <p:cSld>
     <p:spTree>
@@ -8521,7 +9895,7 @@
 </p:sld>
 </file>
 
-<file path=ppt/slides/slide6.xml><?xml version="1.0" encoding="utf-8"?>
+<file path=ppt/slides/slide7.xml><?xml version="1.0" encoding="utf-8"?>
 <p:sld xmlns:a="http://schemas.openxmlformats.org/drawingml/2006/main" xmlns:r="http://schemas.openxmlformats.org/officeDocument/2006/relationships" xmlns:p="http://schemas.openxmlformats.org/presentationml/2006/main">
   <p:cSld>
     <p:spTree>
@@ -8628,8 +10002,8 @@
           </a:p>
         </p:txBody>
       </p:sp>
-      <mc:AlternateContent xmlns:mc="http://schemas.openxmlformats.org/markup-compatibility/2006">
-        <mc:Choice xmlns:a14="http://schemas.microsoft.com/office/drawing/2010/main" Requires="a14">
+      <mc:AlternateContent xmlns:mc="http://schemas.openxmlformats.org/markup-compatibility/2006" xmlns:a14="http://schemas.microsoft.com/office/drawing/2010/main">
+        <mc:Choice Requires="a14">
           <p:sp>
             <p:nvSpPr>
               <p:cNvPr id="73" name="Retângulo 72"/>
@@ -8672,7 +10046,7 @@
             </p:txBody>
           </p:sp>
         </mc:Choice>
-        <mc:Fallback>
+        <mc:Fallback xmlns="">
           <p:sp>
             <p:nvSpPr>
               <p:cNvPr id="73" name="Retângulo 72"/>
@@ -10537,8 +11911,8 @@
             </a:p>
           </p:txBody>
         </p:sp>
-        <mc:AlternateContent xmlns:mc="http://schemas.openxmlformats.org/markup-compatibility/2006">
-          <mc:Choice xmlns:a14="http://schemas.microsoft.com/office/drawing/2010/main" Requires="a14">
+        <mc:AlternateContent xmlns:mc="http://schemas.openxmlformats.org/markup-compatibility/2006" xmlns:a14="http://schemas.microsoft.com/office/drawing/2010/main">
+          <mc:Choice Requires="a14">
             <p:sp>
               <p:nvSpPr>
                 <p:cNvPr id="84" name="Retângulo 83"/>
@@ -10600,7 +11974,7 @@
               </p:txBody>
             </p:sp>
           </mc:Choice>
-          <mc:Fallback>
+          <mc:Fallback xmlns="">
             <p:sp>
               <p:nvSpPr>
                 <p:cNvPr id="84" name="Retângulo 83"/>
@@ -10639,8 +12013,8 @@
             </p:sp>
           </mc:Fallback>
         </mc:AlternateContent>
-        <mc:AlternateContent xmlns:mc="http://schemas.openxmlformats.org/markup-compatibility/2006">
-          <mc:Choice xmlns:a14="http://schemas.microsoft.com/office/drawing/2010/main" Requires="a14">
+        <mc:AlternateContent xmlns:mc="http://schemas.openxmlformats.org/markup-compatibility/2006" xmlns:a14="http://schemas.microsoft.com/office/drawing/2010/main">
+          <mc:Choice Requires="a14">
             <p:sp>
               <p:nvSpPr>
                 <p:cNvPr id="85" name="Retângulo 84"/>
@@ -10702,7 +12076,7 @@
               </p:txBody>
             </p:sp>
           </mc:Choice>
-          <mc:Fallback>
+          <mc:Fallback xmlns="">
             <p:sp>
               <p:nvSpPr>
                 <p:cNvPr id="85" name="Retângulo 84"/>
@@ -10741,8 +12115,8 @@
             </p:sp>
           </mc:Fallback>
         </mc:AlternateContent>
-        <mc:AlternateContent xmlns:mc="http://schemas.openxmlformats.org/markup-compatibility/2006">
-          <mc:Choice xmlns:a14="http://schemas.microsoft.com/office/drawing/2010/main" Requires="a14">
+        <mc:AlternateContent xmlns:mc="http://schemas.openxmlformats.org/markup-compatibility/2006" xmlns:a14="http://schemas.microsoft.com/office/drawing/2010/main">
+          <mc:Choice Requires="a14">
             <p:sp>
               <p:nvSpPr>
                 <p:cNvPr id="86" name="Retângulo 85"/>
@@ -10804,7 +12178,7 @@
               </p:txBody>
             </p:sp>
           </mc:Choice>
-          <mc:Fallback>
+          <mc:Fallback xmlns="">
             <p:sp>
               <p:nvSpPr>
                 <p:cNvPr id="86" name="Retângulo 85"/>
@@ -10843,8 +12217,8 @@
             </p:sp>
           </mc:Fallback>
         </mc:AlternateContent>
-        <mc:AlternateContent xmlns:mc="http://schemas.openxmlformats.org/markup-compatibility/2006">
-          <mc:Choice xmlns:a14="http://schemas.microsoft.com/office/drawing/2010/main" Requires="a14">
+        <mc:AlternateContent xmlns:mc="http://schemas.openxmlformats.org/markup-compatibility/2006" xmlns:a14="http://schemas.microsoft.com/office/drawing/2010/main">
+          <mc:Choice Requires="a14">
             <p:sp>
               <p:nvSpPr>
                 <p:cNvPr id="87" name="Retângulo 86"/>
@@ -10906,7 +12280,7 @@
               </p:txBody>
             </p:sp>
           </mc:Choice>
-          <mc:Fallback>
+          <mc:Fallback xmlns="">
             <p:sp>
               <p:nvSpPr>
                 <p:cNvPr id="87" name="Retângulo 86"/>
@@ -10945,8 +12319,8 @@
             </p:sp>
           </mc:Fallback>
         </mc:AlternateContent>
-        <mc:AlternateContent xmlns:mc="http://schemas.openxmlformats.org/markup-compatibility/2006">
-          <mc:Choice xmlns:a14="http://schemas.microsoft.com/office/drawing/2010/main" Requires="a14">
+        <mc:AlternateContent xmlns:mc="http://schemas.openxmlformats.org/markup-compatibility/2006" xmlns:a14="http://schemas.microsoft.com/office/drawing/2010/main">
+          <mc:Choice Requires="a14">
             <p:sp>
               <p:nvSpPr>
                 <p:cNvPr id="89" name="Retângulo 88"/>
@@ -11082,7 +12456,7 @@
               </p:txBody>
             </p:sp>
           </mc:Choice>
-          <mc:Fallback>
+          <mc:Fallback xmlns="">
             <p:sp>
               <p:nvSpPr>
                 <p:cNvPr id="89" name="Retângulo 88"/>
